--- a/Seminario/NoSQL v3.pptx
+++ b/Seminario/NoSQL v3.pptx
@@ -8,7 +8,7 @@
     <p:sldId id="256" r:id="rId2"/>
     <p:sldId id="274" r:id="rId3"/>
     <p:sldId id="257" r:id="rId4"/>
-    <p:sldId id="258" r:id="rId5"/>
+    <p:sldId id="283" r:id="rId5"/>
     <p:sldId id="259" r:id="rId6"/>
     <p:sldId id="260" r:id="rId7"/>
     <p:sldId id="282" r:id="rId8"/>
@@ -17,21 +17,24 @@
     <p:sldId id="262" r:id="rId11"/>
     <p:sldId id="264" r:id="rId12"/>
     <p:sldId id="265" r:id="rId13"/>
-    <p:sldId id="275" r:id="rId14"/>
-    <p:sldId id="267" r:id="rId15"/>
-    <p:sldId id="266" r:id="rId16"/>
-    <p:sldId id="268" r:id="rId17"/>
-    <p:sldId id="269" r:id="rId18"/>
-    <p:sldId id="270" r:id="rId19"/>
-    <p:sldId id="271" r:id="rId20"/>
-    <p:sldId id="272" r:id="rId21"/>
-    <p:sldId id="273" r:id="rId22"/>
-    <p:sldId id="280" r:id="rId23"/>
-    <p:sldId id="281" r:id="rId24"/>
-    <p:sldId id="276" r:id="rId25"/>
-    <p:sldId id="277" r:id="rId26"/>
-    <p:sldId id="278" r:id="rId27"/>
-    <p:sldId id="279" r:id="rId28"/>
+    <p:sldId id="271" r:id="rId14"/>
+    <p:sldId id="272" r:id="rId15"/>
+    <p:sldId id="273" r:id="rId16"/>
+    <p:sldId id="284" r:id="rId17"/>
+    <p:sldId id="270" r:id="rId18"/>
+    <p:sldId id="268" r:id="rId19"/>
+    <p:sldId id="285" r:id="rId20"/>
+    <p:sldId id="269" r:id="rId21"/>
+    <p:sldId id="267" r:id="rId22"/>
+    <p:sldId id="275" r:id="rId23"/>
+    <p:sldId id="280" r:id="rId24"/>
+    <p:sldId id="281" r:id="rId25"/>
+    <p:sldId id="288" r:id="rId26"/>
+    <p:sldId id="286" r:id="rId27"/>
+    <p:sldId id="287" r:id="rId28"/>
+    <p:sldId id="276" r:id="rId29"/>
+    <p:sldId id="278" r:id="rId30"/>
+    <p:sldId id="279" r:id="rId31"/>
   </p:sldIdLst>
   <p:sldSz cx="9144000" cy="6858000" type="screen4x3"/>
   <p:notesSz cx="6858000" cy="9144000"/>
@@ -19914,287 +19917,6 @@
       </p:grpSpPr>
       <p:sp>
         <p:nvSpPr>
-          <p:cNvPr id="4" name="Title 1"/>
-          <p:cNvSpPr>
-            <a:spLocks noGrp="1"/>
-          </p:cNvSpPr>
-          <p:nvPr>
-            <p:ph type="title"/>
-          </p:nvPr>
-        </p:nvSpPr>
-        <p:spPr>
-          <a:xfrm>
-            <a:off x="522424" y="42642"/>
-            <a:ext cx="6449180" cy="1320800"/>
-          </a:xfrm>
-        </p:spPr>
-        <p:txBody>
-          <a:bodyPr>
-            <a:normAutofit/>
-          </a:bodyPr>
-          <a:lstStyle/>
-          <a:p>
-            <a:r>
-              <a:rPr lang="pt-BR" sz="5400" b="1" dirty="0" smtClean="0">
-                <a:latin typeface="Roboto" pitchFamily="2" charset="0"/>
-                <a:ea typeface="Roboto" pitchFamily="2" charset="0"/>
-              </a:rPr>
-              <a:t>Mais Cassandra</a:t>
-            </a:r>
-            <a:endParaRPr lang="pt-BR" sz="5400" b="1" dirty="0">
-              <a:latin typeface="Roboto" pitchFamily="2" charset="0"/>
-              <a:ea typeface="Roboto" pitchFamily="2" charset="0"/>
-            </a:endParaRPr>
-          </a:p>
-        </p:txBody>
-      </p:sp>
-      <p:sp>
-        <p:nvSpPr>
-          <p:cNvPr id="5" name="Content Placeholder 2"/>
-          <p:cNvSpPr>
-            <a:spLocks noGrp="1"/>
-          </p:cNvSpPr>
-          <p:nvPr>
-            <p:ph idx="1"/>
-          </p:nvPr>
-        </p:nvSpPr>
-        <p:spPr>
-          <a:xfrm>
-            <a:off x="508133" y="1189272"/>
-            <a:ext cx="6892707" cy="5472785"/>
-          </a:xfrm>
-        </p:spPr>
-        <p:txBody>
-          <a:bodyPr>
-            <a:noAutofit/>
-          </a:bodyPr>
-          <a:lstStyle/>
-          <a:p>
-            <a:r>
-              <a:rPr lang="pt-BR" sz="3600" dirty="0" smtClean="0">
-                <a:latin typeface="Roboto" pitchFamily="2" charset="0"/>
-                <a:ea typeface="Roboto" pitchFamily="2" charset="0"/>
-              </a:rPr>
-              <a:t>Reposit</a:t>
-            </a:r>
-            <a:r>
-              <a:rPr lang="pt-BR" sz="3600" dirty="0">
-                <a:latin typeface="Roboto" pitchFamily="2" charset="0"/>
-                <a:ea typeface="Roboto" pitchFamily="2" charset="0"/>
-              </a:rPr>
-              <a:t>ó</a:t>
-            </a:r>
-            <a:r>
-              <a:rPr lang="pt-BR" sz="3600" dirty="0" smtClean="0">
-                <a:latin typeface="Roboto" pitchFamily="2" charset="0"/>
-                <a:ea typeface="Roboto" pitchFamily="2" charset="0"/>
-              </a:rPr>
-              <a:t>rio </a:t>
-            </a:r>
-            <a:r>
-              <a:rPr lang="pt-BR" sz="3600" dirty="0">
-                <a:latin typeface="Roboto" pitchFamily="2" charset="0"/>
-                <a:ea typeface="Roboto" pitchFamily="2" charset="0"/>
-              </a:rPr>
-              <a:t>de dados </a:t>
-            </a:r>
-            <a:r>
-              <a:rPr lang="pt-BR" sz="3600" dirty="0" smtClean="0">
-                <a:latin typeface="Roboto" pitchFamily="2" charset="0"/>
-                <a:ea typeface="Roboto" pitchFamily="2" charset="0"/>
-              </a:rPr>
-              <a:t>em Java;</a:t>
-            </a:r>
-            <a:endParaRPr lang="pt-BR" sz="3600" dirty="0">
-              <a:latin typeface="Roboto" pitchFamily="2" charset="0"/>
-              <a:ea typeface="Roboto" pitchFamily="2" charset="0"/>
-            </a:endParaRPr>
-          </a:p>
-          <a:p>
-            <a:r>
-              <a:rPr lang="pt-BR" sz="3600" dirty="0">
-                <a:latin typeface="Roboto" pitchFamily="2" charset="0"/>
-                <a:ea typeface="Roboto" pitchFamily="2" charset="0"/>
-              </a:rPr>
-              <a:t>Dispensa a sobrecarga de recursos dos bancos de dados </a:t>
-            </a:r>
-            <a:r>
-              <a:rPr lang="pt-BR" sz="3600" dirty="0" smtClean="0">
-                <a:latin typeface="Roboto" pitchFamily="2" charset="0"/>
-                <a:ea typeface="Roboto" pitchFamily="2" charset="0"/>
-              </a:rPr>
-              <a:t>relacionais convencionais;</a:t>
-            </a:r>
-            <a:endParaRPr lang="pt-BR" sz="3600" dirty="0">
-              <a:latin typeface="Roboto" pitchFamily="2" charset="0"/>
-              <a:ea typeface="Roboto" pitchFamily="2" charset="0"/>
-            </a:endParaRPr>
-          </a:p>
-          <a:p>
-            <a:r>
-              <a:rPr lang="pt-BR" sz="3600" dirty="0" smtClean="0">
-                <a:latin typeface="Roboto" pitchFamily="2" charset="0"/>
-                <a:ea typeface="Roboto" pitchFamily="2" charset="0"/>
-              </a:rPr>
-              <a:t>Reúne </a:t>
-            </a:r>
-            <a:r>
-              <a:rPr lang="pt-BR" sz="3600" dirty="0">
-                <a:latin typeface="Roboto" pitchFamily="2" charset="0"/>
-                <a:ea typeface="Roboto" pitchFamily="2" charset="0"/>
-              </a:rPr>
-              <a:t>a arquitetura do </a:t>
-            </a:r>
-            <a:r>
-              <a:rPr lang="pt-BR" sz="3600" dirty="0" err="1">
-                <a:latin typeface="Roboto" pitchFamily="2" charset="0"/>
-                <a:ea typeface="Roboto" pitchFamily="2" charset="0"/>
-              </a:rPr>
-              <a:t>Dynamo</a:t>
-            </a:r>
-            <a:r>
-              <a:rPr lang="pt-BR" sz="3600" dirty="0">
-                <a:latin typeface="Roboto" pitchFamily="2" charset="0"/>
-                <a:ea typeface="Roboto" pitchFamily="2" charset="0"/>
-              </a:rPr>
-              <a:t>, da </a:t>
-            </a:r>
-            <a:r>
-              <a:rPr lang="pt-BR" sz="3600" dirty="0" err="1">
-                <a:latin typeface="Roboto" pitchFamily="2" charset="0"/>
-                <a:ea typeface="Roboto" pitchFamily="2" charset="0"/>
-              </a:rPr>
-              <a:t>Amazon</a:t>
-            </a:r>
-            <a:r>
-              <a:rPr lang="pt-BR" sz="3600" dirty="0">
-                <a:latin typeface="Roboto" pitchFamily="2" charset="0"/>
-                <a:ea typeface="Roboto" pitchFamily="2" charset="0"/>
-              </a:rPr>
-              <a:t> e modelo de </a:t>
-            </a:r>
-            <a:r>
-              <a:rPr lang="pt-BR" sz="3600" dirty="0" smtClean="0">
-                <a:latin typeface="Roboto" pitchFamily="2" charset="0"/>
-                <a:ea typeface="Roboto" pitchFamily="2" charset="0"/>
-              </a:rPr>
-              <a:t>dados baseado </a:t>
-            </a:r>
-            <a:r>
-              <a:rPr lang="pt-BR" sz="3600" dirty="0">
-                <a:latin typeface="Roboto" pitchFamily="2" charset="0"/>
-                <a:ea typeface="Roboto" pitchFamily="2" charset="0"/>
-              </a:rPr>
-              <a:t>no </a:t>
-            </a:r>
-            <a:r>
-              <a:rPr lang="pt-BR" sz="3600" dirty="0" err="1">
-                <a:latin typeface="Roboto" pitchFamily="2" charset="0"/>
-                <a:ea typeface="Roboto" pitchFamily="2" charset="0"/>
-              </a:rPr>
-              <a:t>Bigtable</a:t>
-            </a:r>
-            <a:r>
-              <a:rPr lang="pt-BR" sz="3600" dirty="0">
-                <a:latin typeface="Roboto" pitchFamily="2" charset="0"/>
-                <a:ea typeface="Roboto" pitchFamily="2" charset="0"/>
-              </a:rPr>
-              <a:t>, do </a:t>
-            </a:r>
-            <a:r>
-              <a:rPr lang="pt-BR" sz="3600" dirty="0" smtClean="0">
-                <a:latin typeface="Roboto" pitchFamily="2" charset="0"/>
-                <a:ea typeface="Roboto" pitchFamily="2" charset="0"/>
-              </a:rPr>
-              <a:t>Google;</a:t>
-            </a:r>
-            <a:endParaRPr lang="pt-BR" sz="3600" dirty="0">
-              <a:latin typeface="Roboto" pitchFamily="2" charset="0"/>
-              <a:ea typeface="Roboto" pitchFamily="2" charset="0"/>
-            </a:endParaRPr>
-          </a:p>
-          <a:p>
-            <a:r>
-              <a:rPr lang="pt-BR" sz="3600" dirty="0">
-                <a:latin typeface="Roboto" pitchFamily="2" charset="0"/>
-                <a:ea typeface="Roboto" pitchFamily="2" charset="0"/>
-              </a:rPr>
-              <a:t>Atualmente </a:t>
-            </a:r>
-            <a:r>
-              <a:rPr lang="pt-BR" sz="3600" dirty="0" smtClean="0">
-                <a:latin typeface="Roboto" pitchFamily="2" charset="0"/>
-                <a:ea typeface="Roboto" pitchFamily="2" charset="0"/>
-              </a:rPr>
-              <a:t>é </a:t>
-            </a:r>
-            <a:r>
-              <a:rPr lang="pt-BR" sz="3600" dirty="0">
-                <a:latin typeface="Roboto" pitchFamily="2" charset="0"/>
-                <a:ea typeface="Roboto" pitchFamily="2" charset="0"/>
-              </a:rPr>
-              <a:t>mantido por desenvolvedores da </a:t>
-            </a:r>
-            <a:r>
-              <a:rPr lang="pt-BR" sz="3600" dirty="0" smtClean="0">
-                <a:latin typeface="Roboto" pitchFamily="2" charset="0"/>
-                <a:ea typeface="Roboto" pitchFamily="2" charset="0"/>
-              </a:rPr>
-              <a:t>Fundação Apache e colaboradores </a:t>
-            </a:r>
-            <a:r>
-              <a:rPr lang="pt-BR" sz="3600" dirty="0">
-                <a:latin typeface="Roboto" pitchFamily="2" charset="0"/>
-                <a:ea typeface="Roboto" pitchFamily="2" charset="0"/>
-              </a:rPr>
-              <a:t>de muitas </a:t>
-            </a:r>
-            <a:r>
-              <a:rPr lang="pt-BR" sz="3600" dirty="0" smtClean="0">
-                <a:latin typeface="Roboto" pitchFamily="2" charset="0"/>
-                <a:ea typeface="Roboto" pitchFamily="2" charset="0"/>
-              </a:rPr>
-              <a:t>empresas;</a:t>
-            </a:r>
-            <a:endParaRPr lang="pt-BR" sz="3600" dirty="0">
-              <a:latin typeface="Roboto" pitchFamily="2" charset="0"/>
-              <a:ea typeface="Roboto" pitchFamily="2" charset="0"/>
-            </a:endParaRPr>
-          </a:p>
-        </p:txBody>
-      </p:sp>
-    </p:spTree>
-    <p:extLst>
-      <p:ext uri="{BB962C8B-B14F-4D97-AF65-F5344CB8AC3E}">
-        <p14:creationId xmlns="" xmlns:p14="http://schemas.microsoft.com/office/powerpoint/2010/main" val="2543902999"/>
-      </p:ext>
-    </p:extLst>
-  </p:cSld>
-  <p:clrMapOvr>
-    <a:masterClrMapping/>
-  </p:clrMapOvr>
-</p:sld>
-</file>
-
-<file path=ppt/slides/slide14.xml><?xml version="1.0" encoding="utf-8"?>
-<p:sld xmlns:a="http://schemas.openxmlformats.org/drawingml/2006/main" xmlns:r="http://schemas.openxmlformats.org/officeDocument/2006/relationships" xmlns:p="http://schemas.openxmlformats.org/presentationml/2006/main">
-  <p:cSld>
-    <p:spTree>
-      <p:nvGrpSpPr>
-        <p:cNvPr id="1" name=""/>
-        <p:cNvGrpSpPr/>
-        <p:nvPr/>
-      </p:nvGrpSpPr>
-      <p:grpSpPr>
-        <a:xfrm>
-          <a:off x="0" y="0"/>
-          <a:ext cx="0" cy="0"/>
-          <a:chOff x="0" y="0"/>
-          <a:chExt cx="0" cy="0"/>
-        </a:xfrm>
-      </p:grpSpPr>
-      <p:sp>
-        <p:nvSpPr>
           <p:cNvPr id="3" name="Content Placeholder 2"/>
           <p:cNvSpPr>
             <a:spLocks noGrp="1"/>
@@ -20205,417 +19927,65 @@
         </p:nvSpPr>
         <p:spPr>
           <a:xfrm>
-            <a:off x="585426" y="1750075"/>
-            <a:ext cx="6449180" cy="4517375"/>
+            <a:off x="585426" y="1388685"/>
+            <a:ext cx="6689812" cy="3880773"/>
           </a:xfrm>
         </p:spPr>
         <p:txBody>
           <a:bodyPr>
-            <a:normAutofit fontScale="92500"/>
+            <a:normAutofit/>
           </a:bodyPr>
           <a:lstStyle/>
           <a:p>
             <a:pPr algn="just"/>
             <a:r>
-              <a:rPr lang="pt-BR" sz="3200" dirty="0" smtClean="0">
+              <a:rPr lang="pt-BR" sz="3600" dirty="0" smtClean="0">
                 <a:latin typeface="Roboto" pitchFamily="2" charset="0"/>
                 <a:ea typeface="Roboto" pitchFamily="2" charset="0"/>
               </a:rPr>
               <a:t>É </a:t>
             </a:r>
             <a:r>
-              <a:rPr lang="pt-BR" sz="3200" dirty="0">
-                <a:latin typeface="Roboto" pitchFamily="2" charset="0"/>
-                <a:ea typeface="Roboto" pitchFamily="2" charset="0"/>
-              </a:rPr>
-              <a:t>a estrutura mais externa do modelo </a:t>
-            </a:r>
-            <a:r>
-              <a:rPr lang="pt-BR" sz="3200" dirty="0" smtClean="0">
+              <a:rPr lang="pt-BR" sz="3600" dirty="0">
+                <a:latin typeface="Roboto" pitchFamily="2" charset="0"/>
+                <a:ea typeface="Roboto" pitchFamily="2" charset="0"/>
+              </a:rPr>
+              <a:t>a unidade mais básica da estrutura </a:t>
+            </a:r>
+            <a:r>
+              <a:rPr lang="pt-BR" sz="3600" dirty="0" smtClean="0">
                 <a:latin typeface="Roboto" pitchFamily="2" charset="0"/>
                 <a:ea typeface="Roboto" pitchFamily="2" charset="0"/>
               </a:rPr>
               <a:t>Cassandra, </a:t>
             </a:r>
             <a:r>
-              <a:rPr lang="pt-BR" sz="3200" dirty="0">
-                <a:latin typeface="Roboto" pitchFamily="2" charset="0"/>
-                <a:ea typeface="Roboto" pitchFamily="2" charset="0"/>
-              </a:rPr>
-              <a:t>s</a:t>
-            </a:r>
-            <a:r>
-              <a:rPr lang="pt-BR" sz="3200" dirty="0" smtClean="0">
-                <a:latin typeface="Roboto" pitchFamily="2" charset="0"/>
-                <a:ea typeface="Roboto" pitchFamily="2" charset="0"/>
-              </a:rPr>
-              <a:t>endo </a:t>
-            </a:r>
-            <a:r>
-              <a:rPr lang="pt-BR" sz="3200" dirty="0">
-                <a:latin typeface="Roboto" pitchFamily="2" charset="0"/>
-                <a:ea typeface="Roboto" pitchFamily="2" charset="0"/>
-              </a:rPr>
-              <a:t>assim podemos entender que o cluster </a:t>
-            </a:r>
-            <a:r>
-              <a:rPr lang="pt-BR" sz="3200" dirty="0" smtClean="0">
-                <a:latin typeface="Roboto" pitchFamily="2" charset="0"/>
-                <a:ea typeface="Roboto" pitchFamily="2" charset="0"/>
-              </a:rPr>
-              <a:t>é </a:t>
-            </a:r>
-            <a:r>
-              <a:rPr lang="pt-BR" sz="3200" dirty="0">
-                <a:latin typeface="Roboto" pitchFamily="2" charset="0"/>
-                <a:ea typeface="Roboto" pitchFamily="2" charset="0"/>
-              </a:rPr>
-              <a:t>o anel que faz a ligação entre todos os nós existentes para poder manter todos eles sincronizados e em </a:t>
-            </a:r>
-            <a:r>
-              <a:rPr lang="pt-BR" sz="3200" dirty="0" smtClean="0">
-                <a:latin typeface="Roboto" pitchFamily="2" charset="0"/>
-                <a:ea typeface="Roboto" pitchFamily="2" charset="0"/>
-              </a:rPr>
-              <a:t>operação</a:t>
-            </a:r>
-            <a:r>
-              <a:rPr lang="pt-BR" sz="3200" dirty="0">
-                <a:latin typeface="Roboto" pitchFamily="2" charset="0"/>
-                <a:ea typeface="Roboto" pitchFamily="2" charset="0"/>
-              </a:rPr>
-              <a:t>;</a:t>
-            </a:r>
-            <a:endParaRPr lang="pt-BR" sz="3200" dirty="0" smtClean="0">
+              <a:rPr lang="pt-BR" sz="3600" dirty="0">
+                <a:latin typeface="Roboto" pitchFamily="2" charset="0"/>
+                <a:ea typeface="Roboto" pitchFamily="2" charset="0"/>
+              </a:rPr>
+              <a:t>contendo um nome, um valor e um registro de data e </a:t>
+            </a:r>
+            <a:r>
+              <a:rPr lang="pt-BR" sz="3600" dirty="0" smtClean="0">
+                <a:latin typeface="Roboto" pitchFamily="2" charset="0"/>
+                <a:ea typeface="Roboto" pitchFamily="2" charset="0"/>
+              </a:rPr>
+              <a:t>hora;</a:t>
+            </a:r>
+          </a:p>
+          <a:p>
+            <a:pPr algn="just"/>
+            <a:endParaRPr lang="pt-BR" sz="2800" dirty="0">
               <a:latin typeface="Roboto" pitchFamily="2" charset="0"/>
               <a:ea typeface="Roboto" pitchFamily="2" charset="0"/>
             </a:endParaRPr>
           </a:p>
-          <a:p>
-            <a:pPr algn="just"/>
-            <a:r>
-              <a:rPr lang="pt-BR" sz="3200" dirty="0">
-                <a:latin typeface="Roboto" pitchFamily="2" charset="0"/>
-                <a:ea typeface="Roboto" pitchFamily="2" charset="0"/>
-              </a:rPr>
-              <a:t>Cada </a:t>
-            </a:r>
-            <a:r>
-              <a:rPr lang="pt-BR" sz="3200" dirty="0" smtClean="0">
-                <a:latin typeface="Roboto" pitchFamily="2" charset="0"/>
-                <a:ea typeface="Roboto" pitchFamily="2" charset="0"/>
-              </a:rPr>
-              <a:t>nó do </a:t>
-            </a:r>
-            <a:r>
-              <a:rPr lang="pt-BR" sz="3200" dirty="0">
-                <a:latin typeface="Roboto" pitchFamily="2" charset="0"/>
-                <a:ea typeface="Roboto" pitchFamily="2" charset="0"/>
-              </a:rPr>
-              <a:t>cluster tem o mesmo </a:t>
-            </a:r>
-            <a:r>
-              <a:rPr lang="pt-BR" sz="3200" dirty="0" smtClean="0">
-                <a:latin typeface="Roboto" pitchFamily="2" charset="0"/>
-                <a:ea typeface="Roboto" pitchFamily="2" charset="0"/>
-              </a:rPr>
-              <a:t>papel</a:t>
-            </a:r>
-            <a:r>
-              <a:rPr lang="pt-BR" sz="3200" dirty="0">
-                <a:latin typeface="Roboto" pitchFamily="2" charset="0"/>
-                <a:ea typeface="Roboto" pitchFamily="2" charset="0"/>
-              </a:rPr>
-              <a:t>;</a:t>
-            </a:r>
-            <a:endParaRPr lang="pt-BR" sz="3200" dirty="0" smtClean="0">
-              <a:latin typeface="Roboto" pitchFamily="2" charset="0"/>
-              <a:ea typeface="Roboto" pitchFamily="2" charset="0"/>
-            </a:endParaRPr>
-          </a:p>
-          <a:p>
-            <a:pPr algn="just"/>
-            <a:r>
-              <a:rPr lang="pt-BR" sz="3200" dirty="0" smtClean="0">
-                <a:latin typeface="Roboto" pitchFamily="2" charset="0"/>
-                <a:ea typeface="Roboto" pitchFamily="2" charset="0"/>
-              </a:rPr>
-              <a:t>Dados são distribu</a:t>
-            </a:r>
-            <a:r>
-              <a:rPr lang="pt-BR" sz="3200" dirty="0">
-                <a:latin typeface="Roboto" pitchFamily="2" charset="0"/>
-                <a:ea typeface="Roboto" pitchFamily="2" charset="0"/>
-              </a:rPr>
-              <a:t>í</a:t>
-            </a:r>
-            <a:r>
-              <a:rPr lang="pt-BR" sz="3200" dirty="0" smtClean="0">
-                <a:latin typeface="Roboto" pitchFamily="2" charset="0"/>
-                <a:ea typeface="Roboto" pitchFamily="2" charset="0"/>
-              </a:rPr>
-              <a:t>dos </a:t>
-            </a:r>
-            <a:r>
-              <a:rPr lang="pt-BR" sz="3200" dirty="0">
-                <a:latin typeface="Roboto" pitchFamily="2" charset="0"/>
-                <a:ea typeface="Roboto" pitchFamily="2" charset="0"/>
-              </a:rPr>
-              <a:t>em todo o cluster (</a:t>
-            </a:r>
-            <a:r>
-              <a:rPr lang="pt-BR" sz="3200" dirty="0" smtClean="0">
-                <a:latin typeface="Roboto" pitchFamily="2" charset="0"/>
-                <a:ea typeface="Roboto" pitchFamily="2" charset="0"/>
-              </a:rPr>
-              <a:t>então </a:t>
-            </a:r>
-            <a:r>
-              <a:rPr lang="pt-BR" sz="3200" dirty="0">
-                <a:latin typeface="Roboto" pitchFamily="2" charset="0"/>
-                <a:ea typeface="Roboto" pitchFamily="2" charset="0"/>
-              </a:rPr>
-              <a:t>cada </a:t>
-            </a:r>
-            <a:r>
-              <a:rPr lang="pt-BR" sz="3200" dirty="0" smtClean="0">
-                <a:latin typeface="Roboto" pitchFamily="2" charset="0"/>
-                <a:ea typeface="Roboto" pitchFamily="2" charset="0"/>
-              </a:rPr>
-              <a:t>nó contém diferentes tipos </a:t>
-            </a:r>
-            <a:r>
-              <a:rPr lang="pt-BR" sz="3200" dirty="0">
-                <a:latin typeface="Roboto" pitchFamily="2" charset="0"/>
-                <a:ea typeface="Roboto" pitchFamily="2" charset="0"/>
-              </a:rPr>
-              <a:t>de dados), como </a:t>
-            </a:r>
-            <a:r>
-              <a:rPr lang="pt-BR" sz="3200" dirty="0" smtClean="0">
-                <a:latin typeface="Roboto" pitchFamily="2" charset="0"/>
-                <a:ea typeface="Roboto" pitchFamily="2" charset="0"/>
-              </a:rPr>
-              <a:t>não há mestre </a:t>
-            </a:r>
-            <a:r>
-              <a:rPr lang="pt-BR" sz="3200" dirty="0">
-                <a:latin typeface="Roboto" pitchFamily="2" charset="0"/>
-                <a:ea typeface="Roboto" pitchFamily="2" charset="0"/>
-              </a:rPr>
-              <a:t>cada </a:t>
-            </a:r>
-            <a:r>
-              <a:rPr lang="pt-BR" sz="3200" dirty="0" smtClean="0">
-                <a:latin typeface="Roboto" pitchFamily="2" charset="0"/>
-                <a:ea typeface="Roboto" pitchFamily="2" charset="0"/>
-              </a:rPr>
-              <a:t>n</a:t>
-            </a:r>
-            <a:r>
-              <a:rPr lang="pt-BR" sz="3200" dirty="0">
-                <a:latin typeface="Roboto" pitchFamily="2" charset="0"/>
-                <a:ea typeface="Roboto" pitchFamily="2" charset="0"/>
-              </a:rPr>
-              <a:t>ó</a:t>
-            </a:r>
-            <a:r>
-              <a:rPr lang="pt-BR" sz="3200" dirty="0" smtClean="0">
-                <a:latin typeface="Roboto" pitchFamily="2" charset="0"/>
-                <a:ea typeface="Roboto" pitchFamily="2" charset="0"/>
-              </a:rPr>
-              <a:t> </a:t>
-            </a:r>
-            <a:r>
-              <a:rPr lang="pt-BR" sz="3200" dirty="0">
-                <a:latin typeface="Roboto" pitchFamily="2" charset="0"/>
-                <a:ea typeface="Roboto" pitchFamily="2" charset="0"/>
-              </a:rPr>
-              <a:t>pode atender </a:t>
-            </a:r>
-            <a:r>
-              <a:rPr lang="pt-BR" sz="3200" dirty="0" smtClean="0">
-                <a:latin typeface="Roboto" pitchFamily="2" charset="0"/>
-                <a:ea typeface="Roboto" pitchFamily="2" charset="0"/>
-              </a:rPr>
-              <a:t>qualquer pedido</a:t>
-            </a:r>
-            <a:r>
-              <a:rPr lang="pt-BR" sz="3200" dirty="0">
-                <a:latin typeface="Roboto" pitchFamily="2" charset="0"/>
-                <a:ea typeface="Roboto" pitchFamily="2" charset="0"/>
-              </a:rPr>
-              <a:t>.</a:t>
-            </a:r>
-            <a:endParaRPr lang="pt-BR" sz="3200" dirty="0" smtClean="0">
-              <a:latin typeface="Roboto" pitchFamily="2" charset="0"/>
-              <a:ea typeface="Roboto" pitchFamily="2" charset="0"/>
-            </a:endParaRPr>
-          </a:p>
         </p:txBody>
       </p:sp>
       <p:sp>
         <p:nvSpPr>
           <p:cNvPr id="7" name="Title 1"/>
-          <p:cNvSpPr>
-            <a:spLocks noGrp="1"/>
-          </p:cNvSpPr>
-          <p:nvPr>
-            <p:ph type="title"/>
-          </p:nvPr>
-        </p:nvSpPr>
-        <p:spPr>
-          <a:xfrm>
-            <a:off x="585426" y="217510"/>
-            <a:ext cx="6449180" cy="1320800"/>
-          </a:xfrm>
-        </p:spPr>
-        <p:txBody>
-          <a:bodyPr/>
-          <a:lstStyle/>
-          <a:p>
-            <a:r>
-              <a:rPr lang="pt-BR" sz="2800" dirty="0" smtClean="0">
-                <a:latin typeface="Roboto" pitchFamily="2" charset="0"/>
-                <a:ea typeface="Roboto" pitchFamily="2" charset="0"/>
-              </a:rPr>
-              <a:t>Modelo de Dados</a:t>
-            </a:r>
-            <a:r>
-              <a:rPr lang="pt-BR" dirty="0" smtClean="0">
-                <a:latin typeface="Roboto" pitchFamily="2" charset="0"/>
-                <a:ea typeface="Roboto" pitchFamily="2" charset="0"/>
-              </a:rPr>
-              <a:t/>
-            </a:r>
-            <a:br>
-              <a:rPr lang="pt-BR" dirty="0" smtClean="0">
-                <a:latin typeface="Roboto" pitchFamily="2" charset="0"/>
-                <a:ea typeface="Roboto" pitchFamily="2" charset="0"/>
-              </a:rPr>
-            </a:br>
-            <a:r>
-              <a:rPr lang="pt-BR" sz="4800" b="1" dirty="0" smtClean="0">
-                <a:latin typeface="Roboto" pitchFamily="2" charset="0"/>
-                <a:ea typeface="Roboto" pitchFamily="2" charset="0"/>
-              </a:rPr>
-              <a:t>Cluster</a:t>
-            </a:r>
-            <a:endParaRPr lang="pt-BR" sz="4800" b="1" dirty="0">
-              <a:latin typeface="Roboto" pitchFamily="2" charset="0"/>
-              <a:ea typeface="Roboto" pitchFamily="2" charset="0"/>
-            </a:endParaRPr>
-          </a:p>
-        </p:txBody>
-      </p:sp>
-    </p:spTree>
-    <p:extLst>
-      <p:ext uri="{BB962C8B-B14F-4D97-AF65-F5344CB8AC3E}">
-        <p14:creationId xmlns="" xmlns:p14="http://schemas.microsoft.com/office/powerpoint/2010/main" val="3833513414"/>
-      </p:ext>
-    </p:extLst>
-  </p:cSld>
-  <p:clrMapOvr>
-    <a:masterClrMapping/>
-  </p:clrMapOvr>
-  <p:timing>
-    <p:tnLst>
-      <p:par>
-        <p:cTn id="1" dur="indefinite" restart="never" nodeType="tmRoot"/>
-      </p:par>
-    </p:tnLst>
-  </p:timing>
-</p:sld>
-</file>
-
-<file path=ppt/slides/slide15.xml><?xml version="1.0" encoding="utf-8"?>
-<p:sld xmlns:a="http://schemas.openxmlformats.org/drawingml/2006/main" xmlns:r="http://schemas.openxmlformats.org/officeDocument/2006/relationships" xmlns:p="http://schemas.openxmlformats.org/presentationml/2006/main">
-  <p:cSld>
-    <p:spTree>
-      <p:nvGrpSpPr>
-        <p:cNvPr id="1" name=""/>
-        <p:cNvGrpSpPr/>
-        <p:nvPr/>
-      </p:nvGrpSpPr>
-      <p:grpSpPr>
-        <a:xfrm>
-          <a:off x="0" y="0"/>
-          <a:ext cx="0" cy="0"/>
-          <a:chOff x="0" y="0"/>
-          <a:chExt cx="0" cy="0"/>
-        </a:xfrm>
-      </p:grpSpPr>
-      <p:sp>
-        <p:nvSpPr>
-          <p:cNvPr id="3" name="Content Placeholder 2"/>
-          <p:cNvSpPr>
-            <a:spLocks noGrp="1"/>
-          </p:cNvSpPr>
-          <p:nvPr>
-            <p:ph idx="1"/>
-          </p:nvPr>
-        </p:nvSpPr>
-        <p:spPr>
-          <a:xfrm>
-            <a:off x="2386025" y="5988311"/>
-            <a:ext cx="6449180" cy="3880773"/>
-          </a:xfrm>
-        </p:spPr>
-        <p:txBody>
-          <a:bodyPr/>
-          <a:lstStyle/>
-          <a:p>
-            <a:endParaRPr lang="pt-BR" dirty="0" smtClean="0"/>
-          </a:p>
-          <a:p>
-            <a:endParaRPr lang="pt-BR" dirty="0"/>
-          </a:p>
-        </p:txBody>
-      </p:sp>
-      <p:pic>
-        <p:nvPicPr>
-          <p:cNvPr id="1026" name="Picture 2" descr="http://fabiorogeriosj.com.br/wp-content/uploads/2012/07/ambiente_cassandra1.jpg"/>
-          <p:cNvPicPr>
-            <a:picLocks noChangeAspect="1" noChangeArrowheads="1"/>
-          </p:cNvPicPr>
-          <p:nvPr/>
-        </p:nvPicPr>
-        <p:blipFill>
-          <a:blip r:embed="rId2">
-            <a:extLst>
-              <a:ext uri="{28A0092B-C50C-407E-A947-70E740481C1C}">
-                <a14:useLocalDpi xmlns="" xmlns:a14="http://schemas.microsoft.com/office/drawing/2010/main" val="0"/>
-              </a:ext>
-            </a:extLst>
-          </a:blip>
-          <a:srcRect/>
-          <a:stretch>
-            <a:fillRect/>
-          </a:stretch>
-        </p:blipFill>
-        <p:spPr bwMode="auto">
-          <a:xfrm>
-            <a:off x="585426" y="1335315"/>
-            <a:ext cx="5884616" cy="4988771"/>
-          </a:xfrm>
-          <a:prstGeom prst="rect">
-            <a:avLst/>
-          </a:prstGeom>
-          <a:noFill/>
-          <a:extLst>
-            <a:ext uri="{909E8E84-426E-40DD-AFC4-6F175D3DCCD1}">
-              <a14:hiddenFill xmlns="" xmlns:a14="http://schemas.microsoft.com/office/drawing/2010/main">
-                <a:solidFill>
-                  <a:srgbClr val="FFFFFF"/>
-                </a:solidFill>
-              </a14:hiddenFill>
-            </a:ext>
-          </a:extLst>
-        </p:spPr>
-      </p:pic>
-      <p:sp>
-        <p:nvSpPr>
-          <p:cNvPr id="6" name="Title 1"/>
           <p:cNvSpPr txBox="1">
             <a:spLocks/>
           </p:cNvSpPr>
@@ -20732,7 +20102,7 @@
                 <a:latin typeface="Roboto" pitchFamily="2" charset="0"/>
                 <a:ea typeface="Roboto" pitchFamily="2" charset="0"/>
               </a:rPr>
-              <a:t>Cluster</a:t>
+              <a:t>Colunas</a:t>
             </a:r>
             <a:endParaRPr lang="pt-BR" sz="4800" b="1" dirty="0">
               <a:latin typeface="Roboto" pitchFamily="2" charset="0"/>
@@ -20741,10 +20111,97 @@
           </a:p>
         </p:txBody>
       </p:sp>
+      <p:sp>
+        <p:nvSpPr>
+          <p:cNvPr id="4" name="Retângulo de cantos arredondados 3"/>
+          <p:cNvSpPr/>
+          <p:nvPr/>
+        </p:nvSpPr>
+        <p:spPr>
+          <a:xfrm>
+            <a:off x="2133599" y="3701172"/>
+            <a:ext cx="3222171" cy="1190171"/>
+          </a:xfrm>
+          <a:prstGeom prst="roundRect">
+            <a:avLst/>
+          </a:prstGeom>
+          <a:ln w="76200"/>
+        </p:spPr>
+        <p:style>
+          <a:lnRef idx="2">
+            <a:schemeClr val="accent1">
+              <a:shade val="50000"/>
+            </a:schemeClr>
+          </a:lnRef>
+          <a:fillRef idx="1">
+            <a:schemeClr val="accent1"/>
+          </a:fillRef>
+          <a:effectRef idx="0">
+            <a:schemeClr val="accent1"/>
+          </a:effectRef>
+          <a:fontRef idx="minor">
+            <a:schemeClr val="lt1"/>
+          </a:fontRef>
+        </p:style>
+        <p:txBody>
+          <a:bodyPr rtlCol="0" anchor="ctr"/>
+          <a:lstStyle/>
+          <a:p>
+            <a:pPr algn="ctr"/>
+            <a:r>
+              <a:rPr lang="pt-BR" sz="3600" dirty="0" smtClean="0"/>
+              <a:t>idade : </a:t>
+            </a:r>
+            <a:r>
+              <a:rPr lang="pt-BR" sz="3600" dirty="0" smtClean="0"/>
+              <a:t>30 </a:t>
+            </a:r>
+            <a:endParaRPr lang="pt-BR" sz="3600" dirty="0" smtClean="0"/>
+          </a:p>
+          <a:p>
+            <a:pPr algn="ctr"/>
+            <a:r>
+              <a:rPr lang="pt-BR" sz="3600" dirty="0" smtClean="0"/>
+              <a:t>data/hora </a:t>
+            </a:r>
+            <a:endParaRPr lang="pt-BR" sz="3600" dirty="0"/>
+          </a:p>
+        </p:txBody>
+      </p:sp>
+      <p:sp>
+        <p:nvSpPr>
+          <p:cNvPr id="5" name="CaixaDeTexto 4"/>
+          <p:cNvSpPr txBox="1"/>
+          <p:nvPr/>
+        </p:nvSpPr>
+        <p:spPr>
+          <a:xfrm>
+            <a:off x="1132104" y="4107539"/>
+            <a:ext cx="740239" cy="461665"/>
+          </a:xfrm>
+          <a:prstGeom prst="rect">
+            <a:avLst/>
+          </a:prstGeom>
+          <a:noFill/>
+        </p:spPr>
+        <p:txBody>
+          <a:bodyPr wrap="square" rtlCol="0">
+            <a:spAutoFit/>
+          </a:bodyPr>
+          <a:lstStyle/>
+          <a:p>
+            <a:r>
+              <a:rPr lang="pt-BR" sz="2400" dirty="0" smtClean="0"/>
+              <a:t>Ex:</a:t>
+            </a:r>
+            <a:endParaRPr lang="pt-BR" sz="2400" dirty="0"/>
+          </a:p>
+        </p:txBody>
+      </p:sp>
     </p:spTree>
     <p:extLst>
       <p:ext uri="{BB962C8B-B14F-4D97-AF65-F5344CB8AC3E}">
-        <p14:creationId xmlns="" xmlns:p14="http://schemas.microsoft.com/office/powerpoint/2010/main" val="98768814"/>
+        <p14:creationId xmlns="" xmlns:p14="http://schemas.microsoft.com/office/powerpoint/2010/main" val="2229143163"/>
       </p:ext>
     </p:extLst>
   </p:cSld>
@@ -20761,7 +20218,7 @@
 </p:sld>
 </file>
 
-<file path=ppt/slides/slide16.xml><?xml version="1.0" encoding="utf-8"?>
+<file path=ppt/slides/slide14.xml><?xml version="1.0" encoding="utf-8"?>
 <p:sld xmlns:a="http://schemas.openxmlformats.org/drawingml/2006/main" xmlns:r="http://schemas.openxmlformats.org/officeDocument/2006/relationships" xmlns:p="http://schemas.openxmlformats.org/presentationml/2006/main">
   <p:cSld>
     <p:spTree>
@@ -20778,115 +20235,588 @@
           <a:chExt cx="0" cy="0"/>
         </a:xfrm>
       </p:grpSpPr>
-      <p:sp>
-        <p:nvSpPr>
-          <p:cNvPr id="3" name="Content Placeholder 2"/>
-          <p:cNvSpPr>
-            <a:spLocks noGrp="1"/>
-          </p:cNvSpPr>
+      <p:graphicFrame>
+        <p:nvGraphicFramePr>
+          <p:cNvPr id="10" name="Tabela 9"/>
+          <p:cNvGraphicFramePr>
+            <a:graphicFrameLocks noGrp="1"/>
+          </p:cNvGraphicFramePr>
           <p:nvPr>
-            <p:ph idx="1"/>
+            <p:extLst>
+              <p:ext uri="{D42A27DB-BD31-4B8C-83A1-F6EECF244321}">
+                <p14:modId xmlns="" xmlns:p14="http://schemas.microsoft.com/office/powerpoint/2010/main" val="3765756533"/>
+              </p:ext>
+            </p:extLst>
           </p:nvPr>
-        </p:nvSpPr>
-        <p:spPr>
-          <a:xfrm>
-            <a:off x="508133" y="1802274"/>
-            <a:ext cx="6449180" cy="4808077"/>
-          </a:xfrm>
-        </p:spPr>
-        <p:txBody>
-          <a:bodyPr>
-            <a:normAutofit/>
-          </a:bodyPr>
-          <a:lstStyle/>
-          <a:p>
-            <a:r>
-              <a:rPr lang="pt-BR" sz="3200" dirty="0" smtClean="0">
-                <a:latin typeface="Roboto" pitchFamily="2" charset="0"/>
-                <a:ea typeface="Roboto" pitchFamily="2" charset="0"/>
-              </a:rPr>
-              <a:t>Um </a:t>
-            </a:r>
-            <a:r>
-              <a:rPr lang="pt-BR" sz="3200" dirty="0" err="1">
-                <a:latin typeface="Roboto" pitchFamily="2" charset="0"/>
-                <a:ea typeface="Roboto" pitchFamily="2" charset="0"/>
-              </a:rPr>
-              <a:t>keyspace</a:t>
-            </a:r>
-            <a:r>
-              <a:rPr lang="pt-BR" sz="3200" dirty="0">
-                <a:latin typeface="Roboto" pitchFamily="2" charset="0"/>
-                <a:ea typeface="Roboto" pitchFamily="2" charset="0"/>
-              </a:rPr>
-              <a:t> </a:t>
-            </a:r>
-            <a:r>
-              <a:rPr lang="pt-BR" sz="3200" dirty="0" smtClean="0">
-                <a:latin typeface="Roboto" pitchFamily="2" charset="0"/>
-                <a:ea typeface="Roboto" pitchFamily="2" charset="0"/>
-              </a:rPr>
-              <a:t>corresponde a um </a:t>
-            </a:r>
-            <a:r>
-              <a:rPr lang="pt-BR" sz="3200" dirty="0">
-                <a:latin typeface="Roboto" pitchFamily="2" charset="0"/>
-                <a:ea typeface="Roboto" pitchFamily="2" charset="0"/>
-              </a:rPr>
-              <a:t>banco de dados </a:t>
-            </a:r>
-            <a:r>
-              <a:rPr lang="pt-BR" sz="3200" dirty="0" smtClean="0">
-                <a:latin typeface="Roboto" pitchFamily="2" charset="0"/>
-                <a:ea typeface="Roboto" pitchFamily="2" charset="0"/>
-              </a:rPr>
-              <a:t>no mundo relacional;</a:t>
-            </a:r>
-          </a:p>
-          <a:p>
-            <a:r>
-              <a:rPr lang="pt-BR" sz="3200" dirty="0" smtClean="0">
-                <a:latin typeface="Roboto" pitchFamily="2" charset="0"/>
-                <a:ea typeface="Roboto" pitchFamily="2" charset="0"/>
-              </a:rPr>
-              <a:t>É possível a criação de vários </a:t>
-            </a:r>
-            <a:r>
-              <a:rPr lang="pt-BR" sz="3200" dirty="0" err="1" smtClean="0">
-                <a:latin typeface="Roboto" pitchFamily="2" charset="0"/>
-                <a:ea typeface="Roboto" pitchFamily="2" charset="0"/>
-              </a:rPr>
-              <a:t>keyspaces</a:t>
-            </a:r>
-            <a:r>
-              <a:rPr lang="pt-BR" sz="3200" dirty="0" smtClean="0">
-                <a:latin typeface="Roboto" pitchFamily="2" charset="0"/>
-                <a:ea typeface="Roboto" pitchFamily="2" charset="0"/>
-              </a:rPr>
-              <a:t> por cluster;</a:t>
-            </a:r>
-            <a:endParaRPr lang="pt-BR" sz="2400" dirty="0"/>
-          </a:p>
-          <a:p>
-            <a:pPr marL="457200" lvl="1" indent="0">
-              <a:buNone/>
-            </a:pPr>
-            <a:r>
-              <a:rPr lang="pt-BR" sz="2000" dirty="0"/>
-              <a:t>		</a:t>
-            </a:r>
-          </a:p>
-          <a:p>
-            <a:endParaRPr lang="pt-BR" sz="2400" dirty="0"/>
-          </a:p>
-          <a:p>
-            <a:endParaRPr lang="pt-BR" sz="2400" dirty="0"/>
-          </a:p>
-        </p:txBody>
-      </p:sp>
-      <p:sp>
-        <p:nvSpPr>
-          <p:cNvPr id="6" name="Title 1"/>
+        </p:nvGraphicFramePr>
+        <p:xfrm>
+          <a:off x="2256676" y="52395"/>
+          <a:ext cx="6800240" cy="6757640"/>
+        </p:xfrm>
+        <a:graphic>
+          <a:graphicData uri="http://schemas.openxmlformats.org/drawingml/2006/table">
+            <a:tbl>
+              <a:tblPr>
+                <a:tableStyleId>{5C22544A-7EE6-4342-B048-85BDC9FD1C3A}</a:tableStyleId>
+              </a:tblPr>
+              <a:tblGrid>
+                <a:gridCol w="3400120"/>
+                <a:gridCol w="3400120"/>
+              </a:tblGrid>
+              <a:tr h="343423">
+                <a:tc>
+                  <a:txBody>
+                    <a:bodyPr/>
+                    <a:lstStyle/>
+                    <a:p>
+                      <a:pPr algn="ctr"/>
+                      <a:r>
+                        <a:rPr lang="pt-BR" sz="1800" b="1" dirty="0">
+                          <a:effectLst/>
+                          <a:latin typeface="Tahoma" pitchFamily="34" charset="0"/>
+                          <a:ea typeface="Tahoma" pitchFamily="34" charset="0"/>
+                          <a:cs typeface="Tahoma" pitchFamily="34" charset="0"/>
+                        </a:rPr>
+                        <a:t>Tipo</a:t>
+                      </a:r>
+                      <a:endParaRPr lang="pt-BR" sz="1800" b="1" dirty="0">
+                        <a:latin typeface="Tahoma" pitchFamily="34" charset="0"/>
+                        <a:ea typeface="Tahoma" pitchFamily="34" charset="0"/>
+                        <a:cs typeface="Tahoma" pitchFamily="34" charset="0"/>
+                      </a:endParaRPr>
+                    </a:p>
+                  </a:txBody>
+                  <a:tcPr marL="0" marR="0" marT="0" marB="0"/>
+                </a:tc>
+                <a:tc>
+                  <a:txBody>
+                    <a:bodyPr/>
+                    <a:lstStyle/>
+                    <a:p>
+                      <a:r>
+                        <a:rPr lang="pt-BR" sz="1800" b="1" dirty="0">
+                          <a:effectLst/>
+                          <a:latin typeface="Tahoma" pitchFamily="34" charset="0"/>
+                          <a:ea typeface="Tahoma" pitchFamily="34" charset="0"/>
+                          <a:cs typeface="Tahoma" pitchFamily="34" charset="0"/>
+                        </a:rPr>
+                        <a:t>Descrição</a:t>
+                      </a:r>
+                      <a:endParaRPr lang="pt-BR" sz="1800" b="1" dirty="0">
+                        <a:latin typeface="Tahoma" pitchFamily="34" charset="0"/>
+                        <a:ea typeface="Tahoma" pitchFamily="34" charset="0"/>
+                        <a:cs typeface="Tahoma" pitchFamily="34" charset="0"/>
+                      </a:endParaRPr>
+                    </a:p>
+                  </a:txBody>
+                  <a:tcPr marL="0" marR="0" marT="0" marB="0"/>
+                </a:tc>
+              </a:tr>
+              <a:tr h="977071">
+                <a:tc>
+                  <a:txBody>
+                    <a:bodyPr/>
+                    <a:lstStyle/>
+                    <a:p>
+                      <a:pPr algn="ctr"/>
+                      <a:r>
+                        <a:rPr lang="pt-BR" sz="1800" b="1" dirty="0" err="1">
+                          <a:latin typeface="Tahoma" pitchFamily="34" charset="0"/>
+                          <a:ea typeface="Tahoma" pitchFamily="34" charset="0"/>
+                          <a:cs typeface="Tahoma" pitchFamily="34" charset="0"/>
+                        </a:rPr>
+                        <a:t>BytesType</a:t>
+                      </a:r>
+                      <a:endParaRPr lang="pt-BR" sz="1800" b="1" dirty="0">
+                        <a:latin typeface="Tahoma" pitchFamily="34" charset="0"/>
+                        <a:ea typeface="Tahoma" pitchFamily="34" charset="0"/>
+                        <a:cs typeface="Tahoma" pitchFamily="34" charset="0"/>
+                      </a:endParaRPr>
+                    </a:p>
+                  </a:txBody>
+                  <a:tcPr marL="0" marR="0" marT="0" marB="0"/>
+                </a:tc>
+                <a:tc>
+                  <a:txBody>
+                    <a:bodyPr/>
+                    <a:lstStyle/>
+                    <a:p>
+                      <a:r>
+                        <a:rPr lang="pt-BR" sz="1800" dirty="0" err="1">
+                          <a:latin typeface="Tahoma" pitchFamily="34" charset="0"/>
+                          <a:ea typeface="Tahoma" pitchFamily="34" charset="0"/>
+                          <a:cs typeface="Tahoma" pitchFamily="34" charset="0"/>
+                        </a:rPr>
+                        <a:t>Exadecimais</a:t>
+                      </a:r>
+                      <a:r>
+                        <a:rPr lang="pt-BR" sz="1800" dirty="0">
+                          <a:latin typeface="Tahoma" pitchFamily="34" charset="0"/>
+                          <a:ea typeface="Tahoma" pitchFamily="34" charset="0"/>
+                          <a:cs typeface="Tahoma" pitchFamily="34" charset="0"/>
+                        </a:rPr>
+                        <a:t> sem validação, esse é a classificação padrão da coluna quando não especificada.</a:t>
+                      </a:r>
+                    </a:p>
+                  </a:txBody>
+                  <a:tcPr marL="0" marR="0" marT="0" marB="0"/>
+                </a:tc>
+              </a:tr>
+              <a:tr h="705661">
+                <a:tc>
+                  <a:txBody>
+                    <a:bodyPr/>
+                    <a:lstStyle/>
+                    <a:p>
+                      <a:pPr algn="ctr"/>
+                      <a:r>
+                        <a:rPr lang="pt-BR" sz="1800" b="1" dirty="0" err="1">
+                          <a:latin typeface="Tahoma" pitchFamily="34" charset="0"/>
+                          <a:ea typeface="Tahoma" pitchFamily="34" charset="0"/>
+                          <a:cs typeface="Tahoma" pitchFamily="34" charset="0"/>
+                        </a:rPr>
+                        <a:t>AsciiType</a:t>
+                      </a:r>
+                      <a:endParaRPr lang="pt-BR" sz="1800" b="1" dirty="0">
+                        <a:latin typeface="Tahoma" pitchFamily="34" charset="0"/>
+                        <a:ea typeface="Tahoma" pitchFamily="34" charset="0"/>
+                        <a:cs typeface="Tahoma" pitchFamily="34" charset="0"/>
+                      </a:endParaRPr>
+                    </a:p>
+                  </a:txBody>
+                  <a:tcPr marL="0" marR="0" marT="0" marB="0"/>
+                </a:tc>
+                <a:tc>
+                  <a:txBody>
+                    <a:bodyPr/>
+                    <a:lstStyle/>
+                    <a:p>
+                      <a:r>
+                        <a:rPr lang="pt-BR" sz="1800" dirty="0">
+                          <a:latin typeface="Tahoma" pitchFamily="34" charset="0"/>
+                          <a:ea typeface="Tahoma" pitchFamily="34" charset="0"/>
+                          <a:cs typeface="Tahoma" pitchFamily="34" charset="0"/>
+                        </a:rPr>
+                        <a:t>Valida os caracteres como codificação US-ASCII, padrão americano.</a:t>
+                      </a:r>
+                    </a:p>
+                  </a:txBody>
+                  <a:tcPr marL="0" marR="0" marT="0" marB="0"/>
+                </a:tc>
+              </a:tr>
+              <a:tr h="423397">
+                <a:tc>
+                  <a:txBody>
+                    <a:bodyPr/>
+                    <a:lstStyle/>
+                    <a:p>
+                      <a:pPr algn="ctr"/>
+                      <a:r>
+                        <a:rPr lang="pt-BR" sz="1800" b="1" dirty="0">
+                          <a:latin typeface="Tahoma" pitchFamily="34" charset="0"/>
+                          <a:ea typeface="Tahoma" pitchFamily="34" charset="0"/>
+                          <a:cs typeface="Tahoma" pitchFamily="34" charset="0"/>
+                        </a:rPr>
+                        <a:t>UTF8Type</a:t>
+                      </a:r>
+                    </a:p>
+                  </a:txBody>
+                  <a:tcPr marL="0" marR="0" marT="0" marB="0"/>
+                </a:tc>
+                <a:tc>
+                  <a:txBody>
+                    <a:bodyPr/>
+                    <a:lstStyle/>
+                    <a:p>
+                      <a:r>
+                        <a:rPr lang="pt-BR" sz="1800" dirty="0">
+                          <a:latin typeface="Tahoma" pitchFamily="34" charset="0"/>
+                          <a:ea typeface="Tahoma" pitchFamily="34" charset="0"/>
+                          <a:cs typeface="Tahoma" pitchFamily="34" charset="0"/>
+                        </a:rPr>
+                        <a:t>Valida os caracteres no padrão UTF8.</a:t>
+                      </a:r>
+                    </a:p>
+                  </a:txBody>
+                  <a:tcPr marL="0" marR="0" marT="0" marB="0"/>
+                </a:tc>
+              </a:tr>
+              <a:tr h="343423">
+                <a:tc>
+                  <a:txBody>
+                    <a:bodyPr/>
+                    <a:lstStyle/>
+                    <a:p>
+                      <a:pPr algn="ctr"/>
+                      <a:r>
+                        <a:rPr lang="pt-BR" sz="1800" b="1">
+                          <a:latin typeface="Tahoma" pitchFamily="34" charset="0"/>
+                          <a:ea typeface="Tahoma" pitchFamily="34" charset="0"/>
+                          <a:cs typeface="Tahoma" pitchFamily="34" charset="0"/>
+                        </a:rPr>
+                        <a:t>IntegerType</a:t>
+                      </a:r>
+                    </a:p>
+                  </a:txBody>
+                  <a:tcPr marL="0" marR="0" marT="0" marB="0"/>
+                </a:tc>
+                <a:tc>
+                  <a:txBody>
+                    <a:bodyPr/>
+                    <a:lstStyle/>
+                    <a:p>
+                      <a:r>
+                        <a:rPr lang="pt-BR" sz="1800" dirty="0">
+                          <a:latin typeface="Tahoma" pitchFamily="34" charset="0"/>
+                          <a:ea typeface="Tahoma" pitchFamily="34" charset="0"/>
+                          <a:cs typeface="Tahoma" pitchFamily="34" charset="0"/>
+                        </a:rPr>
+                        <a:t>Valida números inteiros.</a:t>
+                      </a:r>
+                    </a:p>
+                  </a:txBody>
+                  <a:tcPr marL="0" marR="0" marT="0" marB="0"/>
+                </a:tc>
+              </a:tr>
+              <a:tr h="394288">
+                <a:tc>
+                  <a:txBody>
+                    <a:bodyPr/>
+                    <a:lstStyle/>
+                    <a:p>
+                      <a:pPr algn="ctr"/>
+                      <a:r>
+                        <a:rPr lang="pt-BR" sz="1800" b="1">
+                          <a:latin typeface="Tahoma" pitchFamily="34" charset="0"/>
+                          <a:ea typeface="Tahoma" pitchFamily="34" charset="0"/>
+                          <a:cs typeface="Tahoma" pitchFamily="34" charset="0"/>
+                        </a:rPr>
+                        <a:t>LongType</a:t>
+                      </a:r>
+                    </a:p>
+                  </a:txBody>
+                  <a:tcPr marL="0" marR="0" marT="0" marB="0"/>
+                </a:tc>
+                <a:tc>
+                  <a:txBody>
+                    <a:bodyPr/>
+                    <a:lstStyle/>
+                    <a:p>
+                      <a:r>
+                        <a:rPr lang="pt-BR" sz="1800">
+                          <a:latin typeface="Tahoma" pitchFamily="34" charset="0"/>
+                          <a:ea typeface="Tahoma" pitchFamily="34" charset="0"/>
+                          <a:cs typeface="Tahoma" pitchFamily="34" charset="0"/>
+                        </a:rPr>
+                        <a:t>Valida números longos de 8-byte.</a:t>
+                      </a:r>
+                    </a:p>
+                  </a:txBody>
+                  <a:tcPr marL="0" marR="0" marT="0" marB="0"/>
+                </a:tc>
+              </a:tr>
+              <a:tr h="343423">
+                <a:tc>
+                  <a:txBody>
+                    <a:bodyPr/>
+                    <a:lstStyle/>
+                    <a:p>
+                      <a:pPr algn="ctr"/>
+                      <a:r>
+                        <a:rPr lang="pt-BR" sz="1800" b="1" dirty="0" err="1">
+                          <a:latin typeface="Tahoma" pitchFamily="34" charset="0"/>
+                          <a:ea typeface="Tahoma" pitchFamily="34" charset="0"/>
+                          <a:cs typeface="Tahoma" pitchFamily="34" charset="0"/>
+                        </a:rPr>
+                        <a:t>UUIDType</a:t>
+                      </a:r>
+                      <a:endParaRPr lang="pt-BR" sz="1800" b="1" dirty="0">
+                        <a:latin typeface="Tahoma" pitchFamily="34" charset="0"/>
+                        <a:ea typeface="Tahoma" pitchFamily="34" charset="0"/>
+                        <a:cs typeface="Tahoma" pitchFamily="34" charset="0"/>
+                      </a:endParaRPr>
+                    </a:p>
+                  </a:txBody>
+                  <a:tcPr marL="0" marR="0" marT="0" marB="0"/>
+                </a:tc>
+                <a:tc>
+                  <a:txBody>
+                    <a:bodyPr/>
+                    <a:lstStyle/>
+                    <a:p>
+                      <a:r>
+                        <a:rPr lang="pt-BR" sz="1800">
+                          <a:latin typeface="Tahoma" pitchFamily="34" charset="0"/>
+                          <a:ea typeface="Tahoma" pitchFamily="34" charset="0"/>
+                          <a:cs typeface="Tahoma" pitchFamily="34" charset="0"/>
+                        </a:rPr>
+                        <a:t>Valida valor de 16-byte.</a:t>
+                      </a:r>
+                    </a:p>
+                  </a:txBody>
+                  <a:tcPr marL="0" marR="0" marT="0" marB="0"/>
+                </a:tc>
+              </a:tr>
+              <a:tr h="343423">
+                <a:tc>
+                  <a:txBody>
+                    <a:bodyPr/>
+                    <a:lstStyle/>
+                    <a:p>
+                      <a:pPr algn="ctr"/>
+                      <a:r>
+                        <a:rPr lang="pt-BR" sz="1800" b="1">
+                          <a:latin typeface="Tahoma" pitchFamily="34" charset="0"/>
+                          <a:ea typeface="Tahoma" pitchFamily="34" charset="0"/>
+                          <a:cs typeface="Tahoma" pitchFamily="34" charset="0"/>
+                        </a:rPr>
+                        <a:t>DateType</a:t>
+                      </a:r>
+                    </a:p>
+                  </a:txBody>
+                  <a:tcPr marL="0" marR="0" marT="0" marB="0"/>
+                </a:tc>
+                <a:tc>
+                  <a:txBody>
+                    <a:bodyPr/>
+                    <a:lstStyle/>
+                    <a:p>
+                      <a:r>
+                        <a:rPr lang="pt-BR" sz="1800">
+                          <a:latin typeface="Tahoma" pitchFamily="34" charset="0"/>
+                          <a:ea typeface="Tahoma" pitchFamily="34" charset="0"/>
+                          <a:cs typeface="Tahoma" pitchFamily="34" charset="0"/>
+                        </a:rPr>
+                        <a:t>Valida Data e hora com 8-byte.</a:t>
+                      </a:r>
+                    </a:p>
+                  </a:txBody>
+                  <a:tcPr marL="0" marR="0" marT="0" marB="0"/>
+                </a:tc>
+              </a:tr>
+              <a:tr h="343423">
+                <a:tc>
+                  <a:txBody>
+                    <a:bodyPr/>
+                    <a:lstStyle/>
+                    <a:p>
+                      <a:pPr algn="ctr"/>
+                      <a:r>
+                        <a:rPr lang="pt-BR" sz="1800" b="1">
+                          <a:latin typeface="Tahoma" pitchFamily="34" charset="0"/>
+                          <a:ea typeface="Tahoma" pitchFamily="34" charset="0"/>
+                          <a:cs typeface="Tahoma" pitchFamily="34" charset="0"/>
+                        </a:rPr>
+                        <a:t>BooleanType</a:t>
+                      </a:r>
+                    </a:p>
+                  </a:txBody>
+                  <a:tcPr marL="0" marR="0" marT="0" marB="0"/>
+                </a:tc>
+                <a:tc>
+                  <a:txBody>
+                    <a:bodyPr/>
+                    <a:lstStyle/>
+                    <a:p>
+                      <a:r>
+                        <a:rPr lang="pt-BR" sz="1800">
+                          <a:latin typeface="Tahoma" pitchFamily="34" charset="0"/>
+                          <a:ea typeface="Tahoma" pitchFamily="34" charset="0"/>
+                          <a:cs typeface="Tahoma" pitchFamily="34" charset="0"/>
+                        </a:rPr>
+                        <a:t>Valida true ou false.</a:t>
+                      </a:r>
+                    </a:p>
+                  </a:txBody>
+                  <a:tcPr marL="0" marR="0" marT="0" marB="0"/>
+                </a:tc>
+              </a:tr>
+              <a:tr h="651381">
+                <a:tc>
+                  <a:txBody>
+                    <a:bodyPr/>
+                    <a:lstStyle/>
+                    <a:p>
+                      <a:pPr algn="ctr"/>
+                      <a:r>
+                        <a:rPr lang="pt-BR" sz="1800" b="1" dirty="0" err="1">
+                          <a:latin typeface="Tahoma" pitchFamily="34" charset="0"/>
+                          <a:ea typeface="Tahoma" pitchFamily="34" charset="0"/>
+                          <a:cs typeface="Tahoma" pitchFamily="34" charset="0"/>
+                        </a:rPr>
+                        <a:t>FloatType</a:t>
+                      </a:r>
+                      <a:endParaRPr lang="pt-BR" sz="1800" b="1" dirty="0">
+                        <a:latin typeface="Tahoma" pitchFamily="34" charset="0"/>
+                        <a:ea typeface="Tahoma" pitchFamily="34" charset="0"/>
+                        <a:cs typeface="Tahoma" pitchFamily="34" charset="0"/>
+                      </a:endParaRPr>
+                    </a:p>
+                  </a:txBody>
+                  <a:tcPr marL="0" marR="0" marT="0" marB="0"/>
+                </a:tc>
+                <a:tc>
+                  <a:txBody>
+                    <a:bodyPr/>
+                    <a:lstStyle/>
+                    <a:p>
+                      <a:r>
+                        <a:rPr lang="pt-BR" sz="1800">
+                          <a:latin typeface="Tahoma" pitchFamily="34" charset="0"/>
+                          <a:ea typeface="Tahoma" pitchFamily="34" charset="0"/>
+                          <a:cs typeface="Tahoma" pitchFamily="34" charset="0"/>
+                        </a:rPr>
+                        <a:t>Valida valores com pontos flutuantes de 4-byte.</a:t>
+                      </a:r>
+                    </a:p>
+                  </a:txBody>
+                  <a:tcPr marL="0" marR="0" marT="0" marB="0"/>
+                </a:tc>
+              </a:tr>
+              <a:tr h="651381">
+                <a:tc>
+                  <a:txBody>
+                    <a:bodyPr/>
+                    <a:lstStyle/>
+                    <a:p>
+                      <a:pPr algn="ctr"/>
+                      <a:r>
+                        <a:rPr lang="pt-BR" sz="1800" b="1">
+                          <a:latin typeface="Tahoma" pitchFamily="34" charset="0"/>
+                          <a:ea typeface="Tahoma" pitchFamily="34" charset="0"/>
+                          <a:cs typeface="Tahoma" pitchFamily="34" charset="0"/>
+                        </a:rPr>
+                        <a:t>DoubleType</a:t>
+                      </a:r>
+                    </a:p>
+                  </a:txBody>
+                  <a:tcPr marL="0" marR="0" marT="0" marB="0"/>
+                </a:tc>
+                <a:tc>
+                  <a:txBody>
+                    <a:bodyPr/>
+                    <a:lstStyle/>
+                    <a:p>
+                      <a:r>
+                        <a:rPr lang="pt-BR" sz="1800" dirty="0">
+                          <a:latin typeface="Tahoma" pitchFamily="34" charset="0"/>
+                          <a:ea typeface="Tahoma" pitchFamily="34" charset="0"/>
+                          <a:cs typeface="Tahoma" pitchFamily="34" charset="0"/>
+                        </a:rPr>
+                        <a:t>Mesma validação do </a:t>
+                      </a:r>
+                      <a:r>
+                        <a:rPr lang="pt-BR" sz="1800" dirty="0" err="1">
+                          <a:latin typeface="Tahoma" pitchFamily="34" charset="0"/>
+                          <a:ea typeface="Tahoma" pitchFamily="34" charset="0"/>
+                          <a:cs typeface="Tahoma" pitchFamily="34" charset="0"/>
+                        </a:rPr>
+                        <a:t>FloatType</a:t>
+                      </a:r>
+                      <a:r>
+                        <a:rPr lang="pt-BR" sz="1800" dirty="0">
+                          <a:latin typeface="Tahoma" pitchFamily="34" charset="0"/>
+                          <a:ea typeface="Tahoma" pitchFamily="34" charset="0"/>
+                          <a:cs typeface="Tahoma" pitchFamily="34" charset="0"/>
+                        </a:rPr>
+                        <a:t> mas com 8-byte.</a:t>
+                      </a:r>
+                    </a:p>
+                  </a:txBody>
+                  <a:tcPr marL="0" marR="0" marT="0" marB="0"/>
+                </a:tc>
+              </a:tr>
+              <a:tr h="343423">
+                <a:tc>
+                  <a:txBody>
+                    <a:bodyPr/>
+                    <a:lstStyle/>
+                    <a:p>
+                      <a:pPr algn="ctr"/>
+                      <a:r>
+                        <a:rPr lang="pt-BR" sz="1800" b="1" dirty="0" err="1">
+                          <a:latin typeface="Tahoma" pitchFamily="34" charset="0"/>
+                          <a:ea typeface="Tahoma" pitchFamily="34" charset="0"/>
+                          <a:cs typeface="Tahoma" pitchFamily="34" charset="0"/>
+                        </a:rPr>
+                        <a:t>DecimalType</a:t>
+                      </a:r>
+                      <a:endParaRPr lang="pt-BR" sz="1800" b="1" dirty="0">
+                        <a:latin typeface="Tahoma" pitchFamily="34" charset="0"/>
+                        <a:ea typeface="Tahoma" pitchFamily="34" charset="0"/>
+                        <a:cs typeface="Tahoma" pitchFamily="34" charset="0"/>
+                      </a:endParaRPr>
+                    </a:p>
+                  </a:txBody>
+                  <a:tcPr marL="0" marR="0" marT="0" marB="0"/>
+                </a:tc>
+                <a:tc>
+                  <a:txBody>
+                    <a:bodyPr/>
+                    <a:lstStyle/>
+                    <a:p>
+                      <a:r>
+                        <a:rPr lang="pt-BR" sz="1800">
+                          <a:latin typeface="Tahoma" pitchFamily="34" charset="0"/>
+                          <a:ea typeface="Tahoma" pitchFamily="34" charset="0"/>
+                          <a:cs typeface="Tahoma" pitchFamily="34" charset="0"/>
+                        </a:rPr>
+                        <a:t>Ponto flutuante variável.</a:t>
+                      </a:r>
+                    </a:p>
+                  </a:txBody>
+                  <a:tcPr marL="0" marR="0" marT="0" marB="0"/>
+                </a:tc>
+              </a:tr>
+              <a:tr h="651381">
+                <a:tc>
+                  <a:txBody>
+                    <a:bodyPr/>
+                    <a:lstStyle/>
+                    <a:p>
+                      <a:pPr algn="ctr"/>
+                      <a:r>
+                        <a:rPr lang="pt-BR" sz="1800" b="1" dirty="0" err="1">
+                          <a:latin typeface="Tahoma" pitchFamily="34" charset="0"/>
+                          <a:ea typeface="Tahoma" pitchFamily="34" charset="0"/>
+                          <a:cs typeface="Tahoma" pitchFamily="34" charset="0"/>
+                        </a:rPr>
+                        <a:t>CounterColumnType</a:t>
+                      </a:r>
+                      <a:endParaRPr lang="pt-BR" sz="1800" b="1" dirty="0">
+                        <a:latin typeface="Tahoma" pitchFamily="34" charset="0"/>
+                        <a:ea typeface="Tahoma" pitchFamily="34" charset="0"/>
+                        <a:cs typeface="Tahoma" pitchFamily="34" charset="0"/>
+                      </a:endParaRPr>
+                    </a:p>
+                  </a:txBody>
+                  <a:tcPr marL="0" marR="0" marT="0" marB="0"/>
+                </a:tc>
+                <a:tc>
+                  <a:txBody>
+                    <a:bodyPr/>
+                    <a:lstStyle/>
+                    <a:p>
+                      <a:r>
+                        <a:rPr lang="pt-BR" sz="1800" dirty="0">
+                          <a:latin typeface="Tahoma" pitchFamily="34" charset="0"/>
+                          <a:ea typeface="Tahoma" pitchFamily="34" charset="0"/>
+                          <a:cs typeface="Tahoma" pitchFamily="34" charset="0"/>
+                        </a:rPr>
+                        <a:t>Valor de contador com 8-byte de comprimento.</a:t>
+                      </a:r>
+                    </a:p>
+                  </a:txBody>
+                  <a:tcPr marL="0" marR="0" marT="0" marB="0"/>
+                </a:tc>
+              </a:tr>
+            </a:tbl>
+          </a:graphicData>
+        </a:graphic>
+      </p:graphicFrame>
+      <p:sp>
+        <p:nvSpPr>
+          <p:cNvPr id="11" name="Title 1"/>
           <p:cNvSpPr txBox="1">
             <a:spLocks/>
           </p:cNvSpPr>
@@ -20894,8 +20824,8 @@
         </p:nvSpPr>
         <p:spPr>
           <a:xfrm>
-            <a:off x="585426" y="217510"/>
-            <a:ext cx="6449180" cy="1320800"/>
+            <a:off x="3084" y="268312"/>
+            <a:ext cx="2580473" cy="1320800"/>
           </a:xfrm>
           <a:prstGeom prst="rect">
             <a:avLst/>
@@ -20999,11 +20929,11 @@
               </a:rPr>
             </a:br>
             <a:r>
-              <a:rPr lang="pt-BR" sz="4800" b="1" dirty="0" err="1" smtClean="0">
-                <a:latin typeface="Roboto" pitchFamily="2" charset="0"/>
-                <a:ea typeface="Roboto" pitchFamily="2" charset="0"/>
-              </a:rPr>
-              <a:t>Keyspace</a:t>
+              <a:rPr lang="pt-BR" sz="4800" b="1" dirty="0" smtClean="0">
+                <a:latin typeface="Roboto" pitchFamily="2" charset="0"/>
+                <a:ea typeface="Roboto" pitchFamily="2" charset="0"/>
+              </a:rPr>
+              <a:t>Colunas</a:t>
             </a:r>
             <a:endParaRPr lang="pt-BR" sz="4800" b="1" dirty="0">
               <a:latin typeface="Roboto" pitchFamily="2" charset="0"/>
@@ -21015,17 +20945,24 @@
     </p:spTree>
     <p:extLst>
       <p:ext uri="{BB962C8B-B14F-4D97-AF65-F5344CB8AC3E}">
-        <p14:creationId xmlns="" xmlns:p14="http://schemas.microsoft.com/office/powerpoint/2010/main" val="3599391131"/>
+        <p14:creationId xmlns="" xmlns:p14="http://schemas.microsoft.com/office/powerpoint/2010/main" val="541831983"/>
       </p:ext>
     </p:extLst>
   </p:cSld>
   <p:clrMapOvr>
     <a:masterClrMapping/>
   </p:clrMapOvr>
+  <p:timing>
+    <p:tnLst>
+      <p:par>
+        <p:cTn id="1" dur="indefinite" restart="never" nodeType="tmRoot"/>
+      </p:par>
+    </p:tnLst>
+  </p:timing>
 </p:sld>
 </file>
 
-<file path=ppt/slides/slide17.xml><?xml version="1.0" encoding="utf-8"?>
+<file path=ppt/slides/slide15.xml><?xml version="1.0" encoding="utf-8"?>
 <p:sld xmlns:a="http://schemas.openxmlformats.org/drawingml/2006/main" xmlns:r="http://schemas.openxmlformats.org/officeDocument/2006/relationships" xmlns:p="http://schemas.openxmlformats.org/presentationml/2006/main">
   <p:cSld>
     <p:spTree>
@@ -21054,316 +20991,142 @@
         </p:nvSpPr>
         <p:spPr>
           <a:xfrm>
-            <a:off x="585426" y="1390651"/>
-            <a:ext cx="6680151" cy="5293485"/>
+            <a:off x="585426" y="1841871"/>
+            <a:ext cx="6449180" cy="3880773"/>
           </a:xfrm>
         </p:spPr>
         <p:txBody>
           <a:bodyPr>
-            <a:noAutofit/>
+            <a:normAutofit/>
           </a:bodyPr>
           <a:lstStyle/>
           <a:p>
-            <a:pPr marL="0" indent="0">
-              <a:buNone/>
-            </a:pPr>
+            <a:pPr algn="just"/>
+            <a:r>
+              <a:rPr lang="pt-BR" sz="3600" dirty="0">
+                <a:latin typeface="Roboto" pitchFamily="2" charset="0"/>
+                <a:ea typeface="Roboto" pitchFamily="2" charset="0"/>
+              </a:rPr>
+              <a:t>Uma </a:t>
+            </a:r>
             <a:r>
               <a:rPr lang="pt-BR" sz="3600" dirty="0" smtClean="0">
                 <a:latin typeface="Roboto" pitchFamily="2" charset="0"/>
                 <a:ea typeface="Roboto" pitchFamily="2" charset="0"/>
               </a:rPr>
-              <a:t>Alguns atributos </a:t>
+              <a:t>supercoluna </a:t>
             </a:r>
             <a:r>
               <a:rPr lang="pt-BR" sz="3600" dirty="0">
                 <a:latin typeface="Roboto" pitchFamily="2" charset="0"/>
                 <a:ea typeface="Roboto" pitchFamily="2" charset="0"/>
               </a:rPr>
-              <a:t>que </a:t>
+              <a:t>pode receber outra coluna como valor, sendo </a:t>
             </a:r>
             <a:r>
               <a:rPr lang="pt-BR" sz="3600" dirty="0" smtClean="0">
                 <a:latin typeface="Roboto" pitchFamily="2" charset="0"/>
                 <a:ea typeface="Roboto" pitchFamily="2" charset="0"/>
               </a:rPr>
-              <a:t>podem </a:t>
+              <a:t>esse </a:t>
             </a:r>
             <a:r>
               <a:rPr lang="pt-BR" sz="3600" dirty="0">
                 <a:latin typeface="Roboto" pitchFamily="2" charset="0"/>
                 <a:ea typeface="Roboto" pitchFamily="2" charset="0"/>
               </a:rPr>
-              <a:t>ser </a:t>
+              <a:t>o limite máximo </a:t>
             </a:r>
             <a:r>
               <a:rPr lang="pt-BR" sz="3600" dirty="0" smtClean="0">
                 <a:latin typeface="Roboto" pitchFamily="2" charset="0"/>
                 <a:ea typeface="Roboto" pitchFamily="2" charset="0"/>
               </a:rPr>
-              <a:t>declarados </a:t>
+              <a:t>na </a:t>
             </a:r>
             <a:r>
               <a:rPr lang="pt-BR" sz="3600" dirty="0">
                 <a:latin typeface="Roboto" pitchFamily="2" charset="0"/>
                 <a:ea typeface="Roboto" pitchFamily="2" charset="0"/>
               </a:rPr>
-              <a:t>para um </a:t>
-            </a:r>
-            <a:r>
-              <a:rPr lang="pt-BR" sz="3600" dirty="0" err="1">
-                <a:latin typeface="Roboto" pitchFamily="2" charset="0"/>
-                <a:ea typeface="Roboto" pitchFamily="2" charset="0"/>
-              </a:rPr>
-              <a:t>keyspace</a:t>
+              <a:t>estrutura de </a:t>
+            </a:r>
+            <a:r>
+              <a:rPr lang="pt-BR" sz="3600" dirty="0" smtClean="0">
+                <a:latin typeface="Roboto" pitchFamily="2" charset="0"/>
+                <a:ea typeface="Roboto" pitchFamily="2" charset="0"/>
+              </a:rPr>
+              <a:t>colunas </a:t>
             </a:r>
             <a:r>
               <a:rPr lang="pt-BR" sz="3600" dirty="0">
                 <a:latin typeface="Roboto" pitchFamily="2" charset="0"/>
                 <a:ea typeface="Roboto" pitchFamily="2" charset="0"/>
               </a:rPr>
-              <a:t>:</a:t>
-            </a:r>
-          </a:p>
-          <a:p>
-            <a:r>
-              <a:rPr lang="pt-BR" sz="3200" b="1" dirty="0" smtClean="0">
-                <a:latin typeface="Roboto" pitchFamily="2" charset="0"/>
-                <a:ea typeface="Roboto" pitchFamily="2" charset="0"/>
-              </a:rPr>
-              <a:t>Fator </a:t>
-            </a:r>
-            <a:r>
-              <a:rPr lang="pt-BR" sz="3200" b="1" dirty="0">
-                <a:latin typeface="Roboto" pitchFamily="2" charset="0"/>
-                <a:ea typeface="Roboto" pitchFamily="2" charset="0"/>
-              </a:rPr>
-              <a:t>de replicação</a:t>
-            </a:r>
-            <a:r>
-              <a:rPr lang="pt-BR" sz="3200" b="1" dirty="0" smtClean="0">
-                <a:latin typeface="Roboto" pitchFamily="2" charset="0"/>
-                <a:ea typeface="Roboto" pitchFamily="2" charset="0"/>
-              </a:rPr>
-              <a:t>:</a:t>
-            </a:r>
-          </a:p>
-          <a:p>
-            <a:pPr lvl="1"/>
-            <a:r>
-              <a:rPr lang="pt-BR" sz="2400" dirty="0" smtClean="0">
-                <a:latin typeface="Roboto" pitchFamily="2" charset="0"/>
-                <a:ea typeface="Roboto" pitchFamily="2" charset="0"/>
-              </a:rPr>
-              <a:t>É </a:t>
-            </a:r>
-            <a:r>
-              <a:rPr lang="pt-BR" sz="2400" dirty="0">
-                <a:latin typeface="Roboto" pitchFamily="2" charset="0"/>
-                <a:ea typeface="Roboto" pitchFamily="2" charset="0"/>
-              </a:rPr>
-              <a:t>responsável por declarar a quantidade de </a:t>
-            </a:r>
-            <a:r>
-              <a:rPr lang="pt-BR" sz="2400" dirty="0" smtClean="0">
-                <a:latin typeface="Roboto" pitchFamily="2" charset="0"/>
-                <a:ea typeface="Roboto" pitchFamily="2" charset="0"/>
-              </a:rPr>
-              <a:t>réplicas </a:t>
-            </a:r>
-            <a:r>
-              <a:rPr lang="pt-BR" sz="2400" dirty="0">
-                <a:latin typeface="Roboto" pitchFamily="2" charset="0"/>
-                <a:ea typeface="Roboto" pitchFamily="2" charset="0"/>
-              </a:rPr>
-              <a:t>que </a:t>
-            </a:r>
-            <a:r>
-              <a:rPr lang="pt-BR" sz="2400" dirty="0" smtClean="0">
-                <a:latin typeface="Roboto" pitchFamily="2" charset="0"/>
-                <a:ea typeface="Roboto" pitchFamily="2" charset="0"/>
-              </a:rPr>
-              <a:t>existirá </a:t>
-            </a:r>
-            <a:r>
-              <a:rPr lang="pt-BR" sz="2400" dirty="0">
-                <a:latin typeface="Roboto" pitchFamily="2" charset="0"/>
-                <a:ea typeface="Roboto" pitchFamily="2" charset="0"/>
-              </a:rPr>
-              <a:t>entre os nós de um </a:t>
-            </a:r>
-            <a:r>
-              <a:rPr lang="pt-BR" sz="2400" dirty="0" smtClean="0">
-                <a:latin typeface="Roboto" pitchFamily="2" charset="0"/>
-                <a:ea typeface="Roboto" pitchFamily="2" charset="0"/>
-              </a:rPr>
-              <a:t>cluster;</a:t>
-            </a:r>
-          </a:p>
-          <a:p>
-            <a:pPr lvl="1"/>
-            <a:r>
-              <a:rPr lang="pt-BR" sz="2400" dirty="0" smtClean="0">
-                <a:latin typeface="Roboto" pitchFamily="2" charset="0"/>
-                <a:ea typeface="Roboto" pitchFamily="2" charset="0"/>
-              </a:rPr>
-              <a:t>É </a:t>
-            </a:r>
-            <a:r>
-              <a:rPr lang="pt-BR" sz="2400" dirty="0">
-                <a:latin typeface="Roboto" pitchFamily="2" charset="0"/>
-                <a:ea typeface="Roboto" pitchFamily="2" charset="0"/>
-              </a:rPr>
-              <a:t>nesse ponto que temos que analisar o que vale mais para nosso projeto, desempenho ou consistência.</a:t>
-            </a:r>
-          </a:p>
-          <a:p>
-            <a:r>
-              <a:rPr lang="pt-BR" sz="3200" b="1" dirty="0" smtClean="0">
-                <a:latin typeface="Roboto" pitchFamily="2" charset="0"/>
-                <a:ea typeface="Roboto" pitchFamily="2" charset="0"/>
-              </a:rPr>
-              <a:t>Estratégia </a:t>
-            </a:r>
-            <a:r>
-              <a:rPr lang="pt-BR" sz="3200" b="1" dirty="0">
-                <a:latin typeface="Roboto" pitchFamily="2" charset="0"/>
-                <a:ea typeface="Roboto" pitchFamily="2" charset="0"/>
-              </a:rPr>
-              <a:t>de </a:t>
-            </a:r>
-            <a:r>
-              <a:rPr lang="pt-BR" sz="3200" b="1" dirty="0" smtClean="0">
-                <a:latin typeface="Roboto" pitchFamily="2" charset="0"/>
-                <a:ea typeface="Roboto" pitchFamily="2" charset="0"/>
-              </a:rPr>
-              <a:t>colocação</a:t>
-            </a:r>
-          </a:p>
-          <a:p>
-            <a:pPr lvl="1"/>
-            <a:r>
-              <a:rPr lang="pt-BR" sz="2400" dirty="0" smtClean="0">
-                <a:latin typeface="Roboto" pitchFamily="2" charset="0"/>
-                <a:ea typeface="Roboto" pitchFamily="2" charset="0"/>
-              </a:rPr>
-              <a:t>Pode </a:t>
-            </a:r>
-            <a:r>
-              <a:rPr lang="pt-BR" sz="2400" dirty="0">
-                <a:latin typeface="Roboto" pitchFamily="2" charset="0"/>
-                <a:ea typeface="Roboto" pitchFamily="2" charset="0"/>
-              </a:rPr>
-              <a:t>ser configurado o tipo da </a:t>
-            </a:r>
-            <a:r>
-              <a:rPr lang="pt-BR" sz="2400" dirty="0" smtClean="0">
-                <a:latin typeface="Roboto" pitchFamily="2" charset="0"/>
-                <a:ea typeface="Roboto" pitchFamily="2" charset="0"/>
-              </a:rPr>
-              <a:t>réplica </a:t>
-            </a:r>
-            <a:r>
-              <a:rPr lang="pt-BR" sz="2400" dirty="0">
-                <a:latin typeface="Roboto" pitchFamily="2" charset="0"/>
-                <a:ea typeface="Roboto" pitchFamily="2" charset="0"/>
-              </a:rPr>
-              <a:t>como dito </a:t>
-            </a:r>
-            <a:r>
-              <a:rPr lang="pt-BR" sz="2400" dirty="0" smtClean="0">
-                <a:latin typeface="Roboto" pitchFamily="2" charset="0"/>
-                <a:ea typeface="Roboto" pitchFamily="2" charset="0"/>
-              </a:rPr>
-              <a:t>acima;</a:t>
-            </a:r>
-            <a:r>
-              <a:rPr lang="pt-BR" sz="2400" b="1" dirty="0">
-                <a:latin typeface="Roboto" pitchFamily="2" charset="0"/>
-                <a:ea typeface="Roboto" pitchFamily="2" charset="0"/>
-              </a:rPr>
-              <a:t> </a:t>
-            </a:r>
-          </a:p>
-          <a:p>
-            <a:r>
-              <a:rPr lang="pt-BR" sz="3200" b="1" dirty="0" smtClean="0">
-                <a:latin typeface="Roboto" pitchFamily="2" charset="0"/>
-                <a:ea typeface="Roboto" pitchFamily="2" charset="0"/>
-              </a:rPr>
-              <a:t>Família </a:t>
-            </a:r>
-            <a:r>
-              <a:rPr lang="pt-BR" sz="3200" b="1" dirty="0">
-                <a:latin typeface="Roboto" pitchFamily="2" charset="0"/>
-                <a:ea typeface="Roboto" pitchFamily="2" charset="0"/>
-              </a:rPr>
-              <a:t>de </a:t>
-            </a:r>
-            <a:r>
-              <a:rPr lang="pt-BR" sz="3200" b="1" dirty="0" smtClean="0">
-                <a:latin typeface="Roboto" pitchFamily="2" charset="0"/>
-                <a:ea typeface="Roboto" pitchFamily="2" charset="0"/>
-              </a:rPr>
-              <a:t>coluna</a:t>
-            </a:r>
-          </a:p>
-          <a:p>
-            <a:pPr lvl="1"/>
-            <a:r>
-              <a:rPr lang="pt-BR" sz="2400" dirty="0" smtClean="0">
-                <a:latin typeface="Roboto" pitchFamily="2" charset="0"/>
-                <a:ea typeface="Roboto" pitchFamily="2" charset="0"/>
-              </a:rPr>
-              <a:t>Um </a:t>
-            </a:r>
-            <a:r>
-              <a:rPr lang="pt-BR" sz="2400" dirty="0" err="1">
-                <a:latin typeface="Roboto" pitchFamily="2" charset="0"/>
-                <a:ea typeface="Roboto" pitchFamily="2" charset="0"/>
-              </a:rPr>
-              <a:t>keyspace</a:t>
-            </a:r>
-            <a:r>
-              <a:rPr lang="pt-BR" sz="2400" dirty="0">
-                <a:latin typeface="Roboto" pitchFamily="2" charset="0"/>
-                <a:ea typeface="Roboto" pitchFamily="2" charset="0"/>
-              </a:rPr>
-              <a:t> pode conter uma ou </a:t>
-            </a:r>
-            <a:r>
-              <a:rPr lang="pt-BR" sz="2400" dirty="0" smtClean="0">
-                <a:latin typeface="Roboto" pitchFamily="2" charset="0"/>
-                <a:ea typeface="Roboto" pitchFamily="2" charset="0"/>
-              </a:rPr>
-              <a:t>várias </a:t>
-            </a:r>
-            <a:r>
-              <a:rPr lang="pt-BR" sz="2400" dirty="0">
-                <a:latin typeface="Roboto" pitchFamily="2" charset="0"/>
-                <a:ea typeface="Roboto" pitchFamily="2" charset="0"/>
-              </a:rPr>
-              <a:t>famílias de </a:t>
-            </a:r>
-            <a:r>
-              <a:rPr lang="pt-BR" sz="2400" dirty="0" smtClean="0">
-                <a:latin typeface="Roboto" pitchFamily="2" charset="0"/>
-                <a:ea typeface="Roboto" pitchFamily="2" charset="0"/>
-              </a:rPr>
-              <a:t>colunas;</a:t>
-            </a:r>
-            <a:endParaRPr lang="pt-BR" sz="2400" dirty="0">
-              <a:latin typeface="Roboto" pitchFamily="2" charset="0"/>
-              <a:ea typeface="Roboto" pitchFamily="2" charset="0"/>
-            </a:endParaRPr>
-          </a:p>
-          <a:p>
+              <a:t>que o </a:t>
+            </a:r>
+            <a:r>
+              <a:rPr lang="pt-BR" sz="3600" dirty="0" smtClean="0">
+                <a:latin typeface="Roboto" pitchFamily="2" charset="0"/>
+                <a:ea typeface="Roboto" pitchFamily="2" charset="0"/>
+              </a:rPr>
+              <a:t>Cassandra </a:t>
+            </a:r>
+            <a:r>
+              <a:rPr lang="pt-BR" sz="3600" dirty="0" smtClean="0">
+                <a:latin typeface="Roboto" pitchFamily="2" charset="0"/>
+                <a:ea typeface="Roboto" pitchFamily="2" charset="0"/>
+              </a:rPr>
+              <a:t>suporta.</a:t>
+            </a:r>
             <a:endParaRPr lang="pt-BR" sz="2800" dirty="0"/>
           </a:p>
         </p:txBody>
       </p:sp>
-      <p:sp>
-        <p:nvSpPr>
-          <p:cNvPr id="5" name="Title 1"/>
+      <p:pic>
+        <p:nvPicPr>
+          <p:cNvPr id="6146" name="Picture 2" descr="http://fabiorogeriosj.com.br/wp-content/uploads/2012/07/super_column.png"/>
+          <p:cNvPicPr>
+            <a:picLocks noChangeAspect="1" noChangeArrowheads="1"/>
+          </p:cNvPicPr>
+          <p:nvPr/>
+        </p:nvPicPr>
+        <p:blipFill>
+          <a:blip r:embed="rId2">
+            <a:extLst>
+              <a:ext uri="{28A0092B-C50C-407E-A947-70E740481C1C}">
+                <a14:useLocalDpi xmlns="" xmlns:a14="http://schemas.microsoft.com/office/drawing/2010/main" val="0"/>
+              </a:ext>
+            </a:extLst>
+          </a:blip>
+          <a:srcRect/>
+          <a:stretch>
+            <a:fillRect/>
+          </a:stretch>
+        </p:blipFill>
+        <p:spPr bwMode="auto">
+          <a:xfrm>
+            <a:off x="1539926" y="4265755"/>
+            <a:ext cx="4458600" cy="2168074"/>
+          </a:xfrm>
+          <a:prstGeom prst="rect">
+            <a:avLst/>
+          </a:prstGeom>
+          <a:noFill/>
+          <a:extLst>
+            <a:ext uri="{909E8E84-426E-40DD-AFC4-6F175D3DCCD1}">
+              <a14:hiddenFill xmlns="" xmlns:a14="http://schemas.microsoft.com/office/drawing/2010/main">
+                <a:solidFill>
+                  <a:srgbClr val="FFFFFF"/>
+                </a:solidFill>
+              </a14:hiddenFill>
+            </a:ext>
+          </a:extLst>
+        </p:spPr>
+      </p:pic>
+      <p:sp>
+        <p:nvSpPr>
+          <p:cNvPr id="8" name="Title 1"/>
           <p:cNvSpPr txBox="1">
             <a:spLocks/>
           </p:cNvSpPr>
@@ -21371,7 +21134,7 @@
         </p:nvSpPr>
         <p:spPr>
           <a:xfrm>
-            <a:off x="585426" y="217510"/>
+            <a:off x="699756" y="369910"/>
             <a:ext cx="6449180" cy="1320800"/>
           </a:xfrm>
           <a:prstGeom prst="rect">
@@ -21480,7 +21243,7 @@
                 <a:latin typeface="Roboto" pitchFamily="2" charset="0"/>
                 <a:ea typeface="Roboto" pitchFamily="2" charset="0"/>
               </a:rPr>
-              <a:t>Keyspace</a:t>
+              <a:t>SuperColunas</a:t>
             </a:r>
             <a:endParaRPr lang="pt-BR" sz="4800" b="1" dirty="0">
               <a:latin typeface="Roboto" pitchFamily="2" charset="0"/>
@@ -21492,17 +21255,24 @@
     </p:spTree>
     <p:extLst>
       <p:ext uri="{BB962C8B-B14F-4D97-AF65-F5344CB8AC3E}">
-        <p14:creationId xmlns="" xmlns:p14="http://schemas.microsoft.com/office/powerpoint/2010/main" val="1805970655"/>
+        <p14:creationId xmlns="" xmlns:p14="http://schemas.microsoft.com/office/powerpoint/2010/main" val="3181598086"/>
       </p:ext>
     </p:extLst>
   </p:cSld>
   <p:clrMapOvr>
     <a:masterClrMapping/>
   </p:clrMapOvr>
+  <p:timing>
+    <p:tnLst>
+      <p:par>
+        <p:cTn id="1" dur="indefinite" restart="never" nodeType="tmRoot"/>
+      </p:par>
+    </p:tnLst>
+  </p:timing>
 </p:sld>
 </file>
 
-<file path=ppt/slides/slide18.xml><?xml version="1.0" encoding="utf-8"?>
+<file path=ppt/slides/slide16.xml><?xml version="1.0" encoding="utf-8"?>
 <p:sld xmlns:a="http://schemas.openxmlformats.org/drawingml/2006/main" xmlns:r="http://schemas.openxmlformats.org/officeDocument/2006/relationships" xmlns:p="http://schemas.openxmlformats.org/presentationml/2006/main">
   <p:cSld>
     <p:spTree>
@@ -21531,282 +21301,42 @@
         </p:nvSpPr>
         <p:spPr>
           <a:xfrm>
-            <a:off x="585427" y="1562101"/>
-            <a:ext cx="6602857" cy="4183048"/>
+            <a:off x="585426" y="1841871"/>
+            <a:ext cx="6449180" cy="1423843"/>
           </a:xfrm>
         </p:spPr>
         <p:txBody>
           <a:bodyPr>
-            <a:normAutofit lnSpcReduction="10000"/>
+            <a:normAutofit/>
           </a:bodyPr>
           <a:lstStyle/>
           <a:p>
             <a:pPr algn="just"/>
             <a:r>
-              <a:rPr lang="pt-BR" sz="2800" dirty="0" smtClean="0">
-                <a:latin typeface="Roboto" pitchFamily="2" charset="0"/>
-                <a:ea typeface="Roboto" pitchFamily="2" charset="0"/>
-              </a:rPr>
-              <a:t>Comparando </a:t>
-            </a:r>
-            <a:r>
-              <a:rPr lang="pt-BR" sz="2800" dirty="0">
-                <a:latin typeface="Roboto" pitchFamily="2" charset="0"/>
-                <a:ea typeface="Roboto" pitchFamily="2" charset="0"/>
-              </a:rPr>
-              <a:t>ao mundo </a:t>
-            </a:r>
-            <a:r>
-              <a:rPr lang="pt-BR" sz="2800" dirty="0" smtClean="0">
-                <a:latin typeface="Roboto" pitchFamily="2" charset="0"/>
-                <a:ea typeface="Roboto" pitchFamily="2" charset="0"/>
-              </a:rPr>
-              <a:t>relacional seria </a:t>
-            </a:r>
-            <a:r>
-              <a:rPr lang="pt-BR" sz="2800" dirty="0">
-                <a:latin typeface="Roboto" pitchFamily="2" charset="0"/>
-                <a:ea typeface="Roboto" pitchFamily="2" charset="0"/>
-              </a:rPr>
-              <a:t>uma </a:t>
-            </a:r>
-            <a:r>
-              <a:rPr lang="pt-BR" sz="2800" dirty="0" smtClean="0">
-                <a:latin typeface="Roboto" pitchFamily="2" charset="0"/>
-                <a:ea typeface="Roboto" pitchFamily="2" charset="0"/>
-              </a:rPr>
-              <a:t>tabela, </a:t>
-            </a:r>
-            <a:r>
-              <a:rPr lang="pt-BR" sz="2800" dirty="0">
-                <a:latin typeface="Roboto" pitchFamily="2" charset="0"/>
-                <a:ea typeface="Roboto" pitchFamily="2" charset="0"/>
-              </a:rPr>
-              <a:t>onde </a:t>
-            </a:r>
-            <a:r>
-              <a:rPr lang="pt-BR" sz="2800" dirty="0" smtClean="0">
-                <a:latin typeface="Roboto" pitchFamily="2" charset="0"/>
-                <a:ea typeface="Roboto" pitchFamily="2" charset="0"/>
-              </a:rPr>
-              <a:t>esta pode </a:t>
-            </a:r>
-            <a:r>
-              <a:rPr lang="pt-BR" sz="2800" dirty="0">
-                <a:latin typeface="Roboto" pitchFamily="2" charset="0"/>
-                <a:ea typeface="Roboto" pitchFamily="2" charset="0"/>
-              </a:rPr>
-              <a:t>receber </a:t>
-            </a:r>
-            <a:r>
-              <a:rPr lang="pt-BR" sz="2800" dirty="0" smtClean="0">
-                <a:latin typeface="Roboto" pitchFamily="2" charset="0"/>
-                <a:ea typeface="Roboto" pitchFamily="2" charset="0"/>
-              </a:rPr>
-              <a:t>várias </a:t>
-            </a:r>
-            <a:r>
-              <a:rPr lang="pt-BR" sz="2800" dirty="0">
-                <a:latin typeface="Roboto" pitchFamily="2" charset="0"/>
-                <a:ea typeface="Roboto" pitchFamily="2" charset="0"/>
-              </a:rPr>
-              <a:t>linhas de registros com </a:t>
-            </a:r>
-            <a:r>
-              <a:rPr lang="pt-BR" sz="2800" dirty="0" smtClean="0">
-                <a:latin typeface="Roboto" pitchFamily="2" charset="0"/>
-                <a:ea typeface="Roboto" pitchFamily="2" charset="0"/>
-              </a:rPr>
-              <a:t>várias colunas</a:t>
-            </a:r>
-            <a:r>
-              <a:rPr lang="pt-BR" sz="2800" dirty="0">
-                <a:latin typeface="Roboto" pitchFamily="2" charset="0"/>
-                <a:ea typeface="Roboto" pitchFamily="2" charset="0"/>
-              </a:rPr>
-              <a:t>;</a:t>
-            </a:r>
-            <a:endParaRPr lang="pt-BR" sz="2800" dirty="0" smtClean="0">
-              <a:latin typeface="Roboto" pitchFamily="2" charset="0"/>
-              <a:ea typeface="Roboto" pitchFamily="2" charset="0"/>
-            </a:endParaRPr>
-          </a:p>
-          <a:p>
-            <a:pPr algn="just"/>
-            <a:r>
-              <a:rPr lang="pt-BR" sz="2800" dirty="0">
-                <a:latin typeface="Roboto" pitchFamily="2" charset="0"/>
-                <a:ea typeface="Roboto" pitchFamily="2" charset="0"/>
-              </a:rPr>
-              <a:t>A</a:t>
-            </a:r>
-            <a:r>
-              <a:rPr lang="pt-BR" sz="2800" dirty="0" smtClean="0">
-                <a:latin typeface="Roboto" pitchFamily="2" charset="0"/>
-                <a:ea typeface="Roboto" pitchFamily="2" charset="0"/>
-              </a:rPr>
-              <a:t> </a:t>
-            </a:r>
-            <a:r>
-              <a:rPr lang="pt-BR" sz="2800" dirty="0">
-                <a:latin typeface="Roboto" pitchFamily="2" charset="0"/>
-                <a:ea typeface="Roboto" pitchFamily="2" charset="0"/>
-              </a:rPr>
-              <a:t>maior diferença </a:t>
-            </a:r>
-            <a:r>
-              <a:rPr lang="pt-BR" sz="2800" dirty="0" smtClean="0">
-                <a:latin typeface="Roboto" pitchFamily="2" charset="0"/>
-                <a:ea typeface="Roboto" pitchFamily="2" charset="0"/>
-              </a:rPr>
-              <a:t>é </a:t>
-            </a:r>
-            <a:r>
-              <a:rPr lang="pt-BR" sz="2800" dirty="0">
-                <a:latin typeface="Roboto" pitchFamily="2" charset="0"/>
-                <a:ea typeface="Roboto" pitchFamily="2" charset="0"/>
-              </a:rPr>
-              <a:t>a capacidade de não ser declarado quais colunas </a:t>
-            </a:r>
-            <a:r>
-              <a:rPr lang="pt-BR" sz="2800" dirty="0" smtClean="0">
-                <a:latin typeface="Roboto" pitchFamily="2" charset="0"/>
-                <a:ea typeface="Roboto" pitchFamily="2" charset="0"/>
-              </a:rPr>
-              <a:t>que essa </a:t>
-            </a:r>
-            <a:r>
-              <a:rPr lang="pt-BR" sz="2800" dirty="0">
-                <a:latin typeface="Roboto" pitchFamily="2" charset="0"/>
-                <a:ea typeface="Roboto" pitchFamily="2" charset="0"/>
-              </a:rPr>
-              <a:t>tabela </a:t>
-            </a:r>
-            <a:r>
-              <a:rPr lang="pt-BR" sz="2800" dirty="0" smtClean="0">
-                <a:latin typeface="Roboto" pitchFamily="2" charset="0"/>
-                <a:ea typeface="Roboto" pitchFamily="2" charset="0"/>
-              </a:rPr>
-              <a:t>terá, </a:t>
-            </a:r>
-            <a:r>
-              <a:rPr lang="pt-BR" sz="2800" dirty="0">
-                <a:latin typeface="Roboto" pitchFamily="2" charset="0"/>
-                <a:ea typeface="Roboto" pitchFamily="2" charset="0"/>
-              </a:rPr>
-              <a:t>pois cada </a:t>
-            </a:r>
-            <a:r>
-              <a:rPr lang="pt-BR" sz="2800" dirty="0" smtClean="0">
-                <a:latin typeface="Roboto" pitchFamily="2" charset="0"/>
-                <a:ea typeface="Roboto" pitchFamily="2" charset="0"/>
-              </a:rPr>
-              <a:t>linha </a:t>
-            </a:r>
-            <a:r>
-              <a:rPr lang="pt-BR" sz="2800" dirty="0">
-                <a:latin typeface="Roboto" pitchFamily="2" charset="0"/>
-                <a:ea typeface="Roboto" pitchFamily="2" charset="0"/>
-              </a:rPr>
-              <a:t>pode ter uma ou mais colunas e uma linha não precisa ser igual a </a:t>
-            </a:r>
-            <a:r>
-              <a:rPr lang="pt-BR" sz="2800" dirty="0" smtClean="0">
-                <a:latin typeface="Roboto" pitchFamily="2" charset="0"/>
-                <a:ea typeface="Roboto" pitchFamily="2" charset="0"/>
-              </a:rPr>
-              <a:t>outra;</a:t>
-            </a:r>
-          </a:p>
-          <a:p>
-            <a:pPr algn="just"/>
-            <a:r>
-              <a:rPr lang="pt-BR" sz="2800" dirty="0" smtClean="0">
-                <a:latin typeface="Roboto" pitchFamily="2" charset="0"/>
-                <a:ea typeface="Roboto" pitchFamily="2" charset="0"/>
-              </a:rPr>
-              <a:t>No Cassandra você </a:t>
-            </a:r>
-            <a:r>
-              <a:rPr lang="pt-BR" sz="2800" dirty="0">
-                <a:latin typeface="Roboto" pitchFamily="2" charset="0"/>
-                <a:ea typeface="Roboto" pitchFamily="2" charset="0"/>
-              </a:rPr>
-              <a:t>só declara a família, e as colunas </a:t>
-            </a:r>
-            <a:r>
-              <a:rPr lang="pt-BR" sz="2800" dirty="0" smtClean="0">
-                <a:latin typeface="Roboto" pitchFamily="2" charset="0"/>
-                <a:ea typeface="Roboto" pitchFamily="2" charset="0"/>
-              </a:rPr>
-              <a:t>são </a:t>
-            </a:r>
-            <a:r>
-              <a:rPr lang="pt-BR" sz="2800" dirty="0">
-                <a:latin typeface="Roboto" pitchFamily="2" charset="0"/>
-                <a:ea typeface="Roboto" pitchFamily="2" charset="0"/>
-              </a:rPr>
-              <a:t>criadas no momento </a:t>
-            </a:r>
-            <a:r>
-              <a:rPr lang="pt-BR" sz="2800" dirty="0" smtClean="0">
-                <a:latin typeface="Roboto" pitchFamily="2" charset="0"/>
-                <a:ea typeface="Roboto" pitchFamily="2" charset="0"/>
-              </a:rPr>
-              <a:t>que os dados forem inseridos.</a:t>
-            </a:r>
-            <a:endParaRPr lang="pt-BR" sz="2800" dirty="0">
-              <a:latin typeface="Roboto" pitchFamily="2" charset="0"/>
-              <a:ea typeface="Roboto" pitchFamily="2" charset="0"/>
-            </a:endParaRPr>
-          </a:p>
-          <a:p>
-            <a:pPr algn="just"/>
-            <a:endParaRPr lang="pt-BR" sz="2400" dirty="0"/>
-          </a:p>
-        </p:txBody>
-      </p:sp>
-      <p:pic>
-        <p:nvPicPr>
-          <p:cNvPr id="2052" name="Picture 4" descr="http://fabiorogeriosj.com.br/wp-content/uploads/2012/07/Captura-de-tela-2012-07-17-%C3%A0s-21.06.56.png"/>
-          <p:cNvPicPr>
-            <a:picLocks noChangeAspect="1" noChangeArrowheads="1"/>
-          </p:cNvPicPr>
-          <p:nvPr/>
-        </p:nvPicPr>
-        <p:blipFill>
-          <a:blip r:embed="rId2">
-            <a:extLst>
-              <a:ext uri="{28A0092B-C50C-407E-A947-70E740481C1C}">
-                <a14:useLocalDpi xmlns="" xmlns:a14="http://schemas.microsoft.com/office/drawing/2010/main" val="0"/>
-              </a:ext>
-            </a:extLst>
-          </a:blip>
-          <a:srcRect/>
-          <a:stretch>
-            <a:fillRect/>
-          </a:stretch>
-        </p:blipFill>
-        <p:spPr bwMode="auto">
-          <a:xfrm>
-            <a:off x="1787004" y="5054491"/>
-            <a:ext cx="4074607" cy="1340573"/>
-          </a:xfrm>
-          <a:prstGeom prst="rect">
-            <a:avLst/>
-          </a:prstGeom>
-          <a:noFill/>
-          <a:extLst>
-            <a:ext uri="{909E8E84-426E-40DD-AFC4-6F175D3DCCD1}">
-              <a14:hiddenFill xmlns="" xmlns:a14="http://schemas.microsoft.com/office/drawing/2010/main">
-                <a:solidFill>
-                  <a:srgbClr val="FFFFFF"/>
-                </a:solidFill>
-              </a14:hiddenFill>
-            </a:ext>
-          </a:extLst>
-        </p:spPr>
-      </p:pic>
+              <a:rPr lang="pt-BR" sz="3600" dirty="0" smtClean="0">
+                <a:latin typeface="Roboto" pitchFamily="2" charset="0"/>
+                <a:ea typeface="Roboto" pitchFamily="2" charset="0"/>
+              </a:rPr>
+              <a:t>Uma </a:t>
+            </a:r>
+            <a:r>
+              <a:rPr lang="pt-BR" sz="3600" dirty="0" smtClean="0">
+                <a:latin typeface="Roboto" pitchFamily="2" charset="0"/>
+                <a:ea typeface="Roboto" pitchFamily="2" charset="0"/>
+              </a:rPr>
+              <a:t>coleção de colunas rotuladas com um </a:t>
+            </a:r>
+            <a:r>
+              <a:rPr lang="pt-BR" sz="3600" dirty="0" smtClean="0">
+                <a:latin typeface="Roboto" pitchFamily="2" charset="0"/>
+                <a:ea typeface="Roboto" pitchFamily="2" charset="0"/>
+              </a:rPr>
+              <a:t>nome.</a:t>
+            </a:r>
+            <a:endParaRPr lang="pt-BR" sz="2800" dirty="0"/>
+          </a:p>
+        </p:txBody>
+      </p:sp>
       <p:sp>
         <p:nvSpPr>
           <p:cNvPr id="8" name="Title 1"/>
@@ -21817,7 +21347,7 @@
         </p:nvSpPr>
         <p:spPr>
           <a:xfrm>
-            <a:off x="585426" y="217510"/>
+            <a:off x="699756" y="369910"/>
             <a:ext cx="6449180" cy="1320800"/>
           </a:xfrm>
           <a:prstGeom prst="rect">
@@ -21926,7 +21456,21 @@
                 <a:latin typeface="Roboto" pitchFamily="2" charset="0"/>
                 <a:ea typeface="Roboto" pitchFamily="2" charset="0"/>
               </a:rPr>
-              <a:t>Família de Colunas</a:t>
+              <a:t>Linha (</a:t>
+            </a:r>
+            <a:r>
+              <a:rPr lang="pt-BR" sz="4800" b="1" dirty="0" err="1" smtClean="0">
+                <a:latin typeface="Roboto" pitchFamily="2" charset="0"/>
+                <a:ea typeface="Roboto" pitchFamily="2" charset="0"/>
+              </a:rPr>
+              <a:t>Key</a:t>
+            </a:r>
+            <a:r>
+              <a:rPr lang="pt-BR" sz="4800" b="1" dirty="0" smtClean="0">
+                <a:latin typeface="Roboto" pitchFamily="2" charset="0"/>
+                <a:ea typeface="Roboto" pitchFamily="2" charset="0"/>
+              </a:rPr>
+              <a:t>)</a:t>
             </a:r>
             <a:endParaRPr lang="pt-BR" sz="4800" b="1" dirty="0">
               <a:latin typeface="Roboto" pitchFamily="2" charset="0"/>
@@ -21935,20 +21479,59 @@
           </a:p>
         </p:txBody>
       </p:sp>
+      <p:pic>
+        <p:nvPicPr>
+          <p:cNvPr id="1026" name="Picture 2"/>
+          <p:cNvPicPr>
+            <a:picLocks noChangeAspect="1" noChangeArrowheads="1"/>
+          </p:cNvPicPr>
+          <p:nvPr/>
+        </p:nvPicPr>
+        <p:blipFill>
+          <a:blip r:embed="rId2"/>
+          <a:srcRect/>
+          <a:stretch>
+            <a:fillRect/>
+          </a:stretch>
+        </p:blipFill>
+        <p:spPr bwMode="auto">
+          <a:xfrm>
+            <a:off x="1149351" y="3511550"/>
+            <a:ext cx="5219700" cy="1257300"/>
+          </a:xfrm>
+          <a:prstGeom prst="rect">
+            <a:avLst/>
+          </a:prstGeom>
+          <a:noFill/>
+          <a:ln w="9525">
+            <a:noFill/>
+            <a:miter lim="800000"/>
+            <a:headEnd/>
+            <a:tailEnd/>
+          </a:ln>
+        </p:spPr>
+      </p:pic>
     </p:spTree>
     <p:extLst>
       <p:ext uri="{BB962C8B-B14F-4D97-AF65-F5344CB8AC3E}">
-        <p14:creationId xmlns="" xmlns:p14="http://schemas.microsoft.com/office/powerpoint/2010/main" val="338341345"/>
+        <p14:creationId xmlns="" xmlns:p14="http://schemas.microsoft.com/office/powerpoint/2010/main" val="3181598086"/>
       </p:ext>
     </p:extLst>
   </p:cSld>
   <p:clrMapOvr>
     <a:masterClrMapping/>
   </p:clrMapOvr>
+  <p:timing>
+    <p:tnLst>
+      <p:par>
+        <p:cTn id="1" dur="indefinite" restart="never" nodeType="tmRoot"/>
+      </p:par>
+    </p:tnLst>
+  </p:timing>
 </p:sld>
 </file>
 
-<file path=ppt/slides/slide19.xml><?xml version="1.0" encoding="utf-8"?>
+<file path=ppt/slides/slide17.xml><?xml version="1.0" encoding="utf-8"?>
 <p:sld xmlns:a="http://schemas.openxmlformats.org/drawingml/2006/main" xmlns:r="http://schemas.openxmlformats.org/officeDocument/2006/relationships" xmlns:p="http://schemas.openxmlformats.org/presentationml/2006/main">
   <p:cSld>
     <p:spTree>
@@ -21977,148 +21560,115 @@
         </p:nvSpPr>
         <p:spPr>
           <a:xfrm>
-            <a:off x="585426" y="1838619"/>
-            <a:ext cx="6689812" cy="3880773"/>
+            <a:off x="585427" y="1562101"/>
+            <a:ext cx="6602857" cy="1602013"/>
           </a:xfrm>
         </p:spPr>
         <p:txBody>
           <a:bodyPr>
-            <a:normAutofit fontScale="92500" lnSpcReduction="10000"/>
+            <a:normAutofit/>
           </a:bodyPr>
           <a:lstStyle/>
           <a:p>
             <a:pPr algn="just"/>
             <a:r>
-              <a:rPr lang="pt-BR" sz="3600" dirty="0" smtClean="0">
-                <a:latin typeface="Roboto" pitchFamily="2" charset="0"/>
-                <a:ea typeface="Roboto" pitchFamily="2" charset="0"/>
-              </a:rPr>
-              <a:t>É </a:t>
-            </a:r>
-            <a:r>
-              <a:rPr lang="pt-BR" sz="3600" dirty="0">
-                <a:latin typeface="Roboto" pitchFamily="2" charset="0"/>
-                <a:ea typeface="Roboto" pitchFamily="2" charset="0"/>
-              </a:rPr>
-              <a:t>a unidade mais básica da estrutura </a:t>
-            </a:r>
-            <a:r>
-              <a:rPr lang="pt-BR" sz="3600" dirty="0" smtClean="0">
-                <a:latin typeface="Roboto" pitchFamily="2" charset="0"/>
-                <a:ea typeface="Roboto" pitchFamily="2" charset="0"/>
-              </a:rPr>
-              <a:t>Cassandra, </a:t>
-            </a:r>
-            <a:r>
-              <a:rPr lang="pt-BR" sz="3600" dirty="0">
-                <a:latin typeface="Roboto" pitchFamily="2" charset="0"/>
-                <a:ea typeface="Roboto" pitchFamily="2" charset="0"/>
-              </a:rPr>
-              <a:t>contendo um nome, um valor e um registro de data e </a:t>
-            </a:r>
-            <a:r>
-              <a:rPr lang="pt-BR" sz="3600" dirty="0" smtClean="0">
-                <a:latin typeface="Roboto" pitchFamily="2" charset="0"/>
-                <a:ea typeface="Roboto" pitchFamily="2" charset="0"/>
-              </a:rPr>
-              <a:t>hora;</a:t>
-            </a:r>
-          </a:p>
-          <a:p>
-            <a:pPr algn="just"/>
-            <a:r>
-              <a:rPr lang="pt-BR" sz="3600" dirty="0">
-                <a:latin typeface="Roboto" pitchFamily="2" charset="0"/>
-                <a:ea typeface="Roboto" pitchFamily="2" charset="0"/>
-              </a:rPr>
-              <a:t>A</a:t>
-            </a:r>
-            <a:r>
-              <a:rPr lang="pt-BR" sz="3600" dirty="0" smtClean="0">
-                <a:latin typeface="Roboto" pitchFamily="2" charset="0"/>
-                <a:ea typeface="Roboto" pitchFamily="2" charset="0"/>
-              </a:rPr>
-              <a:t>pesar </a:t>
-            </a:r>
-            <a:r>
-              <a:rPr lang="pt-BR" sz="3600" dirty="0">
-                <a:latin typeface="Roboto" pitchFamily="2" charset="0"/>
-                <a:ea typeface="Roboto" pitchFamily="2" charset="0"/>
-              </a:rPr>
-              <a:t>do nome, não podemos pensar </a:t>
-            </a:r>
-            <a:r>
-              <a:rPr lang="pt-BR" sz="3600" dirty="0" smtClean="0">
-                <a:latin typeface="Roboto" pitchFamily="2" charset="0"/>
-                <a:ea typeface="Roboto" pitchFamily="2" charset="0"/>
-              </a:rPr>
-              <a:t>que é </a:t>
-            </a:r>
-            <a:r>
-              <a:rPr lang="pt-BR" sz="3600" dirty="0">
-                <a:latin typeface="Roboto" pitchFamily="2" charset="0"/>
-                <a:ea typeface="Roboto" pitchFamily="2" charset="0"/>
-              </a:rPr>
-              <a:t>igual ao de um banco de dados </a:t>
-            </a:r>
-            <a:r>
-              <a:rPr lang="pt-BR" sz="3600" dirty="0" smtClean="0">
-                <a:latin typeface="Roboto" pitchFamily="2" charset="0"/>
-                <a:ea typeface="Roboto" pitchFamily="2" charset="0"/>
-              </a:rPr>
-              <a:t>relacional.</a:t>
-            </a:r>
-          </a:p>
-          <a:p>
-            <a:pPr algn="just"/>
-            <a:r>
-              <a:rPr lang="pt-BR" sz="3600" dirty="0" smtClean="0">
-                <a:latin typeface="Roboto" pitchFamily="2" charset="0"/>
-                <a:ea typeface="Roboto" pitchFamily="2" charset="0"/>
-              </a:rPr>
-              <a:t>No </a:t>
-            </a:r>
-            <a:r>
-              <a:rPr lang="pt-BR" sz="3600" dirty="0">
-                <a:latin typeface="Roboto" pitchFamily="2" charset="0"/>
-                <a:ea typeface="Roboto" pitchFamily="2" charset="0"/>
-              </a:rPr>
-              <a:t>Cassandra não é declarado tamanho de coluna, </a:t>
-            </a:r>
-            <a:r>
-              <a:rPr lang="pt-BR" sz="3600" dirty="0" smtClean="0">
-                <a:latin typeface="Roboto" pitchFamily="2" charset="0"/>
-                <a:ea typeface="Roboto" pitchFamily="2" charset="0"/>
-              </a:rPr>
-              <a:t>mas sua </a:t>
-            </a:r>
-            <a:r>
-              <a:rPr lang="pt-BR" sz="3600" dirty="0">
-                <a:latin typeface="Roboto" pitchFamily="2" charset="0"/>
-                <a:ea typeface="Roboto" pitchFamily="2" charset="0"/>
-              </a:rPr>
-              <a:t>classificação e </a:t>
-            </a:r>
-            <a:r>
-              <a:rPr lang="pt-BR" sz="3600" dirty="0" smtClean="0">
-                <a:latin typeface="Roboto" pitchFamily="2" charset="0"/>
-                <a:ea typeface="Roboto" pitchFamily="2" charset="0"/>
-              </a:rPr>
-              <a:t>validação;</a:t>
-            </a:r>
-          </a:p>
-          <a:p>
-            <a:pPr algn="just"/>
-            <a:endParaRPr lang="pt-BR" sz="2800" dirty="0">
+              <a:rPr lang="pt-BR" sz="2800" dirty="0" smtClean="0">
+                <a:latin typeface="Roboto" pitchFamily="2" charset="0"/>
+                <a:ea typeface="Roboto" pitchFamily="2" charset="0"/>
+              </a:rPr>
+              <a:t>Comparando </a:t>
+            </a:r>
+            <a:r>
+              <a:rPr lang="pt-BR" sz="2800" dirty="0">
+                <a:latin typeface="Roboto" pitchFamily="2" charset="0"/>
+                <a:ea typeface="Roboto" pitchFamily="2" charset="0"/>
+              </a:rPr>
+              <a:t>ao mundo </a:t>
+            </a:r>
+            <a:r>
+              <a:rPr lang="pt-BR" sz="2800" dirty="0" smtClean="0">
+                <a:latin typeface="Roboto" pitchFamily="2" charset="0"/>
+                <a:ea typeface="Roboto" pitchFamily="2" charset="0"/>
+              </a:rPr>
+              <a:t>relacional seria </a:t>
+            </a:r>
+            <a:r>
+              <a:rPr lang="pt-BR" sz="2800" dirty="0">
+                <a:latin typeface="Roboto" pitchFamily="2" charset="0"/>
+                <a:ea typeface="Roboto" pitchFamily="2" charset="0"/>
+              </a:rPr>
+              <a:t>uma </a:t>
+            </a:r>
+            <a:r>
+              <a:rPr lang="pt-BR" sz="2800" dirty="0" smtClean="0">
+                <a:latin typeface="Roboto" pitchFamily="2" charset="0"/>
+                <a:ea typeface="Roboto" pitchFamily="2" charset="0"/>
+              </a:rPr>
+              <a:t>tabela, </a:t>
+            </a:r>
+            <a:r>
+              <a:rPr lang="pt-BR" sz="2800" dirty="0">
+                <a:latin typeface="Roboto" pitchFamily="2" charset="0"/>
+                <a:ea typeface="Roboto" pitchFamily="2" charset="0"/>
+              </a:rPr>
+              <a:t>onde </a:t>
+            </a:r>
+            <a:r>
+              <a:rPr lang="pt-BR" sz="2800" dirty="0" smtClean="0">
+                <a:latin typeface="Roboto" pitchFamily="2" charset="0"/>
+                <a:ea typeface="Roboto" pitchFamily="2" charset="0"/>
+              </a:rPr>
+              <a:t>esta pode </a:t>
+            </a:r>
+            <a:r>
+              <a:rPr lang="pt-BR" sz="2800" dirty="0">
+                <a:latin typeface="Roboto" pitchFamily="2" charset="0"/>
+                <a:ea typeface="Roboto" pitchFamily="2" charset="0"/>
+              </a:rPr>
+              <a:t>receber </a:t>
+            </a:r>
+            <a:r>
+              <a:rPr lang="pt-BR" sz="2800" dirty="0" smtClean="0">
+                <a:latin typeface="Roboto" pitchFamily="2" charset="0"/>
+                <a:ea typeface="Roboto" pitchFamily="2" charset="0"/>
+              </a:rPr>
+              <a:t>várias </a:t>
+            </a:r>
+            <a:r>
+              <a:rPr lang="pt-BR" sz="2800" dirty="0">
+                <a:latin typeface="Roboto" pitchFamily="2" charset="0"/>
+                <a:ea typeface="Roboto" pitchFamily="2" charset="0"/>
+              </a:rPr>
+              <a:t>linhas de registros com </a:t>
+            </a:r>
+            <a:r>
+              <a:rPr lang="pt-BR" sz="2800" dirty="0" smtClean="0">
+                <a:latin typeface="Roboto" pitchFamily="2" charset="0"/>
+                <a:ea typeface="Roboto" pitchFamily="2" charset="0"/>
+              </a:rPr>
+              <a:t>várias colunas</a:t>
+            </a:r>
+            <a:r>
+              <a:rPr lang="pt-BR" sz="2800" dirty="0">
+                <a:latin typeface="Roboto" pitchFamily="2" charset="0"/>
+                <a:ea typeface="Roboto" pitchFamily="2" charset="0"/>
+              </a:rPr>
+              <a:t>;</a:t>
+            </a:r>
+            <a:endParaRPr lang="pt-BR" sz="2800" dirty="0" smtClean="0">
               <a:latin typeface="Roboto" pitchFamily="2" charset="0"/>
               <a:ea typeface="Roboto" pitchFamily="2" charset="0"/>
             </a:endParaRPr>
           </a:p>
-        </p:txBody>
-      </p:sp>
-      <p:sp>
-        <p:nvSpPr>
-          <p:cNvPr id="7" name="Title 1"/>
+          <a:p>
+            <a:pPr algn="just"/>
+            <a:endParaRPr lang="pt-BR" sz="2400" dirty="0"/>
+          </a:p>
+        </p:txBody>
+      </p:sp>
+      <p:sp>
+        <p:nvSpPr>
+          <p:cNvPr id="8" name="Title 1"/>
           <p:cNvSpPr txBox="1">
             <a:spLocks/>
           </p:cNvSpPr>
@@ -22235,7 +21785,7 @@
                 <a:latin typeface="Roboto" pitchFamily="2" charset="0"/>
                 <a:ea typeface="Roboto" pitchFamily="2" charset="0"/>
               </a:rPr>
-              <a:t>Colunas</a:t>
+              <a:t>Família de Colunas</a:t>
             </a:r>
             <a:endParaRPr lang="pt-BR" sz="4800" b="1" dirty="0">
               <a:latin typeface="Roboto" pitchFamily="2" charset="0"/>
@@ -22244,20 +21794,59 @@
           </a:p>
         </p:txBody>
       </p:sp>
+      <p:pic>
+        <p:nvPicPr>
+          <p:cNvPr id="2050" name="Picture 2"/>
+          <p:cNvPicPr>
+            <a:picLocks noChangeAspect="1" noChangeArrowheads="1"/>
+          </p:cNvPicPr>
+          <p:nvPr/>
+        </p:nvPicPr>
+        <p:blipFill>
+          <a:blip r:embed="rId2"/>
+          <a:srcRect/>
+          <a:stretch>
+            <a:fillRect/>
+          </a:stretch>
+        </p:blipFill>
+        <p:spPr bwMode="auto">
+          <a:xfrm>
+            <a:off x="420914" y="2967945"/>
+            <a:ext cx="7602362" cy="3128055"/>
+          </a:xfrm>
+          <a:prstGeom prst="rect">
+            <a:avLst/>
+          </a:prstGeom>
+          <a:noFill/>
+          <a:ln w="9525">
+            <a:noFill/>
+            <a:miter lim="800000"/>
+            <a:headEnd/>
+            <a:tailEnd/>
+          </a:ln>
+        </p:spPr>
+      </p:pic>
     </p:spTree>
     <p:extLst>
       <p:ext uri="{BB962C8B-B14F-4D97-AF65-F5344CB8AC3E}">
-        <p14:creationId xmlns="" xmlns:p14="http://schemas.microsoft.com/office/powerpoint/2010/main" val="2229143163"/>
+        <p14:creationId xmlns="" xmlns:p14="http://schemas.microsoft.com/office/powerpoint/2010/main" val="338341345"/>
       </p:ext>
     </p:extLst>
   </p:cSld>
   <p:clrMapOvr>
     <a:masterClrMapping/>
   </p:clrMapOvr>
+  <p:timing>
+    <p:tnLst>
+      <p:par>
+        <p:cTn id="1" dur="indefinite" restart="never" nodeType="tmRoot"/>
+      </p:par>
+    </p:tnLst>
+  </p:timing>
 </p:sld>
 </file>
 
-<file path=ppt/slides/slide2.xml><?xml version="1.0" encoding="utf-8"?>
+<file path=ppt/slides/slide18.xml><?xml version="1.0" encoding="utf-8"?>
 <p:sld xmlns:a="http://schemas.openxmlformats.org/drawingml/2006/main" xmlns:r="http://schemas.openxmlformats.org/officeDocument/2006/relationships" xmlns:p="http://schemas.openxmlformats.org/presentationml/2006/main">
   <p:cSld>
     <p:spTree>
@@ -22276,7 +21865,7 @@
       </p:grpSpPr>
       <p:sp>
         <p:nvSpPr>
-          <p:cNvPr id="3" name="Espaço Reservado para Conteúdo 2"/>
+          <p:cNvPr id="3" name="Content Placeholder 2"/>
           <p:cNvSpPr>
             <a:spLocks noGrp="1"/>
           </p:cNvSpPr>
@@ -22286,8 +21875,8 @@
         </p:nvSpPr>
         <p:spPr>
           <a:xfrm>
-            <a:off x="508133" y="1390650"/>
-            <a:ext cx="6854060" cy="5467350"/>
+            <a:off x="914542" y="2295751"/>
+            <a:ext cx="6719972" cy="4090535"/>
           </a:xfrm>
         </p:spPr>
         <p:txBody>
@@ -22296,130 +21885,476 @@
           </a:bodyPr>
           <a:lstStyle/>
           <a:p>
-            <a:pPr lvl="0"/>
-            <a:r>
-              <a:rPr lang="pt-BR" sz="3600" dirty="0" smtClean="0">
-                <a:latin typeface="Roboto" pitchFamily="2" charset="0"/>
-                <a:ea typeface="Roboto" pitchFamily="2" charset="0"/>
-              </a:rPr>
-              <a:t>O MR de banco de dados prevalece há 30 anos;</a:t>
-            </a:r>
-          </a:p>
-          <a:p>
-            <a:pPr lvl="0"/>
-            <a:r>
-              <a:rPr lang="pt-BR" sz="3600" dirty="0" smtClean="0">
-                <a:latin typeface="Roboto" pitchFamily="2" charset="0"/>
-                <a:ea typeface="Roboto" pitchFamily="2" charset="0"/>
-              </a:rPr>
-              <a:t>Evolução acelerada na Era da Informação; </a:t>
-            </a:r>
-          </a:p>
-          <a:p>
-            <a:pPr lvl="0"/>
-            <a:r>
-              <a:rPr lang="pt-BR" sz="3600" dirty="0" smtClean="0">
-                <a:latin typeface="Roboto" pitchFamily="2" charset="0"/>
-                <a:ea typeface="Roboto" pitchFamily="2" charset="0"/>
-              </a:rPr>
-              <a:t>Estabilidade notável;</a:t>
-            </a:r>
-          </a:p>
-          <a:p>
-            <a:pPr lvl="0"/>
-            <a:r>
-              <a:rPr lang="pt-BR" sz="3600" b="1" dirty="0" smtClean="0">
-                <a:latin typeface="Roboto" pitchFamily="2" charset="0"/>
-                <a:ea typeface="Roboto" pitchFamily="2" charset="0"/>
-              </a:rPr>
-              <a:t>Aumento de usuários online;</a:t>
-            </a:r>
-          </a:p>
-          <a:p>
-            <a:pPr lvl="0"/>
-            <a:r>
-              <a:rPr lang="pt-BR" sz="3600" b="1" dirty="0" smtClean="0">
-                <a:latin typeface="Roboto" pitchFamily="2" charset="0"/>
-                <a:ea typeface="Roboto" pitchFamily="2" charset="0"/>
-              </a:rPr>
-              <a:t>Dispositivos móveis;</a:t>
-            </a:r>
-          </a:p>
-          <a:p>
-            <a:pPr lvl="0"/>
-            <a:r>
-              <a:rPr lang="pt-BR" sz="3600" b="1" dirty="0" smtClean="0">
-                <a:latin typeface="Roboto" pitchFamily="2" charset="0"/>
-                <a:ea typeface="Roboto" pitchFamily="2" charset="0"/>
-              </a:rPr>
-              <a:t>Computação em nuvem;</a:t>
-            </a:r>
-          </a:p>
-          <a:p>
-            <a:pPr lvl="0"/>
-            <a:r>
-              <a:rPr lang="pt-BR" sz="3600" b="1" dirty="0" smtClean="0">
-                <a:latin typeface="Roboto" pitchFamily="2" charset="0"/>
-                <a:ea typeface="Roboto" pitchFamily="2" charset="0"/>
-              </a:rPr>
-              <a:t>Relação de compensação (Teorema de CAP).</a:t>
-            </a:r>
-          </a:p>
-          <a:p>
-            <a:endParaRPr lang="pt-BR" sz="2800" dirty="0"/>
-          </a:p>
-        </p:txBody>
-      </p:sp>
-      <p:sp>
-        <p:nvSpPr>
-          <p:cNvPr id="4" name="Title 1"/>
-          <p:cNvSpPr>
-            <a:spLocks noGrp="1"/>
+            <a:r>
+              <a:rPr lang="pt-BR" sz="4000" dirty="0" smtClean="0">
+                <a:latin typeface="Roboto"/>
+              </a:rPr>
+              <a:t>set </a:t>
+            </a:r>
+            <a:r>
+              <a:rPr lang="pt-BR" sz="4000" dirty="0" smtClean="0">
+                <a:latin typeface="Roboto"/>
+              </a:rPr>
+              <a:t>pessoas[</a:t>
+            </a:r>
+            <a:r>
+              <a:rPr lang="pt-BR" sz="4000" dirty="0" err="1" smtClean="0">
+                <a:latin typeface="Roboto"/>
+              </a:rPr>
+              <a:t>rodrigo</a:t>
+            </a:r>
+            <a:r>
+              <a:rPr lang="pt-BR" sz="4000" dirty="0" smtClean="0">
+                <a:latin typeface="Roboto"/>
+              </a:rPr>
+              <a:t>][tipo]='aluno';</a:t>
+            </a:r>
+          </a:p>
+          <a:p>
+            <a:r>
+              <a:rPr lang="pt-BR" sz="4000" dirty="0" smtClean="0">
+                <a:latin typeface="Roboto"/>
+              </a:rPr>
+              <a:t>set pessoas[</a:t>
+            </a:r>
+            <a:r>
+              <a:rPr lang="pt-BR" sz="4000" dirty="0" err="1" smtClean="0">
+                <a:latin typeface="Roboto"/>
+              </a:rPr>
+              <a:t>rodrigo</a:t>
+            </a:r>
+            <a:r>
+              <a:rPr lang="pt-BR" sz="4000" dirty="0" smtClean="0">
+                <a:latin typeface="Roboto"/>
+              </a:rPr>
+              <a:t>][idade]='23';</a:t>
+            </a:r>
+          </a:p>
+          <a:p>
+            <a:r>
+              <a:rPr lang="pt-BR" sz="4000" dirty="0" smtClean="0">
+                <a:latin typeface="Roboto"/>
+              </a:rPr>
+              <a:t>set </a:t>
+            </a:r>
+            <a:r>
+              <a:rPr lang="pt-BR" sz="4000" dirty="0" smtClean="0">
+                <a:latin typeface="Roboto"/>
+              </a:rPr>
+              <a:t>pessoas[</a:t>
+            </a:r>
+            <a:r>
+              <a:rPr lang="pt-BR" sz="4000" dirty="0" err="1" smtClean="0">
+                <a:latin typeface="Roboto"/>
+              </a:rPr>
+              <a:t>josino</a:t>
+            </a:r>
+            <a:r>
+              <a:rPr lang="pt-BR" sz="4000" dirty="0" smtClean="0">
+                <a:latin typeface="Roboto"/>
+              </a:rPr>
+              <a:t>][tipo]='professor';</a:t>
+            </a:r>
+          </a:p>
+          <a:p>
+            <a:r>
+              <a:rPr lang="pt-BR" sz="4000" dirty="0" smtClean="0">
+                <a:latin typeface="Roboto"/>
+              </a:rPr>
+              <a:t>set pessoas[</a:t>
+            </a:r>
+            <a:r>
+              <a:rPr lang="pt-BR" sz="4000" dirty="0" err="1" smtClean="0">
+                <a:latin typeface="Roboto"/>
+              </a:rPr>
+              <a:t>josino</a:t>
+            </a:r>
+            <a:r>
+              <a:rPr lang="pt-BR" sz="4000" dirty="0" smtClean="0">
+                <a:latin typeface="Roboto"/>
+              </a:rPr>
+              <a:t>][idade]='25';</a:t>
+            </a:r>
+          </a:p>
+          <a:p>
+            <a:r>
+              <a:rPr lang="pt-BR" sz="4000" dirty="0" smtClean="0">
+                <a:latin typeface="Roboto"/>
+              </a:rPr>
+              <a:t>set pessoas[</a:t>
+            </a:r>
+            <a:r>
+              <a:rPr lang="pt-BR" sz="4000" dirty="0" err="1" smtClean="0">
+                <a:latin typeface="Roboto"/>
+              </a:rPr>
+              <a:t>josino</a:t>
+            </a:r>
+            <a:r>
+              <a:rPr lang="pt-BR" sz="4000" dirty="0" smtClean="0">
+                <a:latin typeface="Roboto"/>
+              </a:rPr>
+              <a:t>][</a:t>
+            </a:r>
+            <a:r>
+              <a:rPr lang="pt-BR" sz="4000" dirty="0" err="1" smtClean="0">
+                <a:latin typeface="Roboto"/>
+              </a:rPr>
+              <a:t>cpf</a:t>
+            </a:r>
+            <a:r>
+              <a:rPr lang="pt-BR" sz="4000" dirty="0" smtClean="0">
+                <a:latin typeface="Roboto"/>
+              </a:rPr>
+              <a:t>]='1234';</a:t>
+            </a:r>
+            <a:endParaRPr lang="pt-BR" sz="4000" dirty="0">
+              <a:latin typeface="Roboto"/>
+            </a:endParaRPr>
+          </a:p>
+          <a:p>
+            <a:endParaRPr lang="pt-BR" sz="3200" dirty="0"/>
+          </a:p>
+        </p:txBody>
+      </p:sp>
+      <p:sp>
+        <p:nvSpPr>
+          <p:cNvPr id="6" name="Title 1"/>
+          <p:cNvSpPr txBox="1">
+            <a:spLocks/>
           </p:cNvSpPr>
-          <p:nvPr>
-            <p:ph type="title"/>
-          </p:nvPr>
+          <p:nvPr/>
         </p:nvSpPr>
         <p:spPr>
           <a:xfrm>
-            <a:off x="411919" y="254358"/>
-            <a:ext cx="6449180" cy="1320800"/>
-          </a:xfrm>
-        </p:spPr>
-        <p:txBody>
-          <a:bodyPr>
-            <a:normAutofit/>
+            <a:off x="585426" y="217510"/>
+            <a:ext cx="6449180" cy="1059747"/>
+          </a:xfrm>
+          <a:prstGeom prst="rect">
+            <a:avLst/>
+          </a:prstGeom>
+        </p:spPr>
+        <p:txBody>
+          <a:bodyPr vert="horz" lIns="91440" tIns="45720" rIns="91440" bIns="45720" rtlCol="0" anchor="t">
+            <a:normAutofit fontScale="92500" lnSpcReduction="10000"/>
           </a:bodyPr>
-          <a:lstStyle/>
-          <a:p>
-            <a:r>
-              <a:rPr lang="pt-BR" sz="5400" b="1" dirty="0" smtClean="0">
-                <a:latin typeface="Roboto" pitchFamily="2" charset="0"/>
-                <a:ea typeface="Roboto" pitchFamily="2" charset="0"/>
-              </a:rPr>
-              <a:t>Modelos Relacionais</a:t>
-            </a:r>
-            <a:endParaRPr lang="pt-BR" sz="5400" b="1" dirty="0">
+          <a:lstStyle>
+            <a:lvl1pPr algn="l" defTabSz="457200" rtl="0" eaLnBrk="1" latinLnBrk="0" hangingPunct="1">
+              <a:spcBef>
+                <a:spcPct val="0"/>
+              </a:spcBef>
+              <a:buNone/>
+              <a:defRPr sz="3600" kern="1200">
+                <a:solidFill>
+                  <a:schemeClr val="accent1"/>
+                </a:solidFill>
+                <a:latin typeface="+mj-lt"/>
+                <a:ea typeface="+mj-ea"/>
+                <a:cs typeface="Trebuchet MS"/>
+              </a:defRPr>
+            </a:lvl1pPr>
+            <a:lvl2pPr eaLnBrk="1" hangingPunct="1">
+              <a:defRPr>
+                <a:solidFill>
+                  <a:schemeClr val="tx2"/>
+                </a:solidFill>
+              </a:defRPr>
+            </a:lvl2pPr>
+            <a:lvl3pPr eaLnBrk="1" hangingPunct="1">
+              <a:defRPr>
+                <a:solidFill>
+                  <a:schemeClr val="tx2"/>
+                </a:solidFill>
+              </a:defRPr>
+            </a:lvl3pPr>
+            <a:lvl4pPr eaLnBrk="1" hangingPunct="1">
+              <a:defRPr>
+                <a:solidFill>
+                  <a:schemeClr val="tx2"/>
+                </a:solidFill>
+              </a:defRPr>
+            </a:lvl4pPr>
+            <a:lvl5pPr eaLnBrk="1" hangingPunct="1">
+              <a:defRPr>
+                <a:solidFill>
+                  <a:schemeClr val="tx2"/>
+                </a:solidFill>
+              </a:defRPr>
+            </a:lvl5pPr>
+            <a:lvl6pPr eaLnBrk="1" hangingPunct="1">
+              <a:defRPr>
+                <a:solidFill>
+                  <a:schemeClr val="tx2"/>
+                </a:solidFill>
+              </a:defRPr>
+            </a:lvl6pPr>
+            <a:lvl7pPr eaLnBrk="1" hangingPunct="1">
+              <a:defRPr>
+                <a:solidFill>
+                  <a:schemeClr val="tx2"/>
+                </a:solidFill>
+              </a:defRPr>
+            </a:lvl7pPr>
+            <a:lvl8pPr eaLnBrk="1" hangingPunct="1">
+              <a:defRPr>
+                <a:solidFill>
+                  <a:schemeClr val="tx2"/>
+                </a:solidFill>
+              </a:defRPr>
+            </a:lvl8pPr>
+            <a:lvl9pPr eaLnBrk="1" hangingPunct="1">
+              <a:defRPr>
+                <a:solidFill>
+                  <a:schemeClr val="tx2"/>
+                </a:solidFill>
+              </a:defRPr>
+            </a:lvl9pPr>
+          </a:lstStyle>
+          <a:p>
+            <a:r>
+              <a:rPr lang="pt-BR" sz="2800" dirty="0" smtClean="0">
+                <a:latin typeface="Roboto" pitchFamily="2" charset="0"/>
+                <a:ea typeface="Roboto" pitchFamily="2" charset="0"/>
+              </a:rPr>
+              <a:t>Modelo de Dados</a:t>
+            </a:r>
+            <a:r>
+              <a:rPr lang="pt-BR" dirty="0" smtClean="0">
+                <a:latin typeface="Roboto" pitchFamily="2" charset="0"/>
+                <a:ea typeface="Roboto" pitchFamily="2" charset="0"/>
+              </a:rPr>
+              <a:t/>
+            </a:r>
+            <a:br>
+              <a:rPr lang="pt-BR" dirty="0" smtClean="0">
+                <a:latin typeface="Roboto" pitchFamily="2" charset="0"/>
+                <a:ea typeface="Roboto" pitchFamily="2" charset="0"/>
+              </a:rPr>
+            </a:br>
+            <a:r>
+              <a:rPr lang="pt-BR" sz="4800" b="1" dirty="0" smtClean="0">
+                <a:latin typeface="Roboto" pitchFamily="2" charset="0"/>
+                <a:ea typeface="Roboto" pitchFamily="2" charset="0"/>
+              </a:rPr>
+              <a:t>Entendendo a estrutura</a:t>
+            </a:r>
+            <a:endParaRPr lang="pt-BR" sz="4800" b="1" dirty="0">
               <a:latin typeface="Roboto" pitchFamily="2" charset="0"/>
               <a:ea typeface="Roboto" pitchFamily="2" charset="0"/>
             </a:endParaRPr>
           </a:p>
         </p:txBody>
       </p:sp>
+      <p:sp>
+        <p:nvSpPr>
+          <p:cNvPr id="4" name="CaixaDeTexto 3"/>
+          <p:cNvSpPr txBox="1"/>
+          <p:nvPr/>
+        </p:nvSpPr>
+        <p:spPr>
+          <a:xfrm>
+            <a:off x="3323738" y="1785261"/>
+            <a:ext cx="783771" cy="461665"/>
+          </a:xfrm>
+          <a:prstGeom prst="rect">
+            <a:avLst/>
+          </a:prstGeom>
+          <a:noFill/>
+        </p:spPr>
+        <p:txBody>
+          <a:bodyPr wrap="square" rtlCol="0">
+            <a:spAutoFit/>
+          </a:bodyPr>
+          <a:lstStyle/>
+          <a:p>
+            <a:r>
+              <a:rPr lang="pt-BR" sz="2400" dirty="0" err="1" smtClean="0">
+                <a:solidFill>
+                  <a:srgbClr val="FF0000"/>
+                </a:solidFill>
+              </a:rPr>
+              <a:t>key</a:t>
+            </a:r>
+            <a:endParaRPr lang="pt-BR" sz="2400" dirty="0">
+              <a:solidFill>
+                <a:srgbClr val="FF0000"/>
+              </a:solidFill>
+            </a:endParaRPr>
+          </a:p>
+        </p:txBody>
+      </p:sp>
+      <p:sp>
+        <p:nvSpPr>
+          <p:cNvPr id="5" name="CaixaDeTexto 4"/>
+          <p:cNvSpPr txBox="1"/>
+          <p:nvPr/>
+        </p:nvSpPr>
+        <p:spPr>
+          <a:xfrm>
+            <a:off x="4622784" y="1415144"/>
+            <a:ext cx="1284514" cy="461665"/>
+          </a:xfrm>
+          <a:prstGeom prst="rect">
+            <a:avLst/>
+          </a:prstGeom>
+          <a:noFill/>
+        </p:spPr>
+        <p:txBody>
+          <a:bodyPr wrap="square" rtlCol="0">
+            <a:spAutoFit/>
+          </a:bodyPr>
+          <a:lstStyle/>
+          <a:p>
+            <a:r>
+              <a:rPr lang="pt-BR" sz="2400" dirty="0" smtClean="0">
+                <a:solidFill>
+                  <a:srgbClr val="FF0000"/>
+                </a:solidFill>
+              </a:rPr>
+              <a:t>coluna</a:t>
+            </a:r>
+            <a:endParaRPr lang="pt-BR" sz="2400" dirty="0">
+              <a:solidFill>
+                <a:srgbClr val="FF0000"/>
+              </a:solidFill>
+            </a:endParaRPr>
+          </a:p>
+        </p:txBody>
+      </p:sp>
+      <p:sp>
+        <p:nvSpPr>
+          <p:cNvPr id="7" name="CaixaDeTexto 6"/>
+          <p:cNvSpPr txBox="1"/>
+          <p:nvPr/>
+        </p:nvSpPr>
+        <p:spPr>
+          <a:xfrm>
+            <a:off x="4455870" y="1828800"/>
+            <a:ext cx="783771" cy="369332"/>
+          </a:xfrm>
+          <a:prstGeom prst="rect">
+            <a:avLst/>
+          </a:prstGeom>
+          <a:noFill/>
+        </p:spPr>
+        <p:txBody>
+          <a:bodyPr wrap="square" rtlCol="0">
+            <a:spAutoFit/>
+          </a:bodyPr>
+          <a:lstStyle/>
+          <a:p>
+            <a:r>
+              <a:rPr lang="pt-BR" dirty="0" smtClean="0">
+                <a:solidFill>
+                  <a:srgbClr val="FF0000"/>
+                </a:solidFill>
+              </a:rPr>
+              <a:t>nome</a:t>
+            </a:r>
+            <a:endParaRPr lang="pt-BR" dirty="0">
+              <a:solidFill>
+                <a:srgbClr val="FF0000"/>
+              </a:solidFill>
+            </a:endParaRPr>
+          </a:p>
+        </p:txBody>
+      </p:sp>
+      <p:sp>
+        <p:nvSpPr>
+          <p:cNvPr id="8" name="CaixaDeTexto 7"/>
+          <p:cNvSpPr txBox="1"/>
+          <p:nvPr/>
+        </p:nvSpPr>
+        <p:spPr>
+          <a:xfrm>
+            <a:off x="5261412" y="1807030"/>
+            <a:ext cx="783771" cy="369332"/>
+          </a:xfrm>
+          <a:prstGeom prst="rect">
+            <a:avLst/>
+          </a:prstGeom>
+          <a:noFill/>
+        </p:spPr>
+        <p:txBody>
+          <a:bodyPr wrap="square" rtlCol="0">
+            <a:spAutoFit/>
+          </a:bodyPr>
+          <a:lstStyle/>
+          <a:p>
+            <a:r>
+              <a:rPr lang="pt-BR" dirty="0" smtClean="0">
+                <a:solidFill>
+                  <a:srgbClr val="FF0000"/>
+                </a:solidFill>
+              </a:rPr>
+              <a:t>valor</a:t>
+            </a:r>
+            <a:endParaRPr lang="pt-BR" dirty="0">
+              <a:solidFill>
+                <a:srgbClr val="FF0000"/>
+              </a:solidFill>
+            </a:endParaRPr>
+          </a:p>
+        </p:txBody>
+      </p:sp>
+      <p:sp>
+        <p:nvSpPr>
+          <p:cNvPr id="9" name="CaixaDeTexto 8"/>
+          <p:cNvSpPr txBox="1"/>
+          <p:nvPr/>
+        </p:nvSpPr>
+        <p:spPr>
+          <a:xfrm>
+            <a:off x="1886867" y="1349830"/>
+            <a:ext cx="1088586" cy="1015663"/>
+          </a:xfrm>
+          <a:prstGeom prst="rect">
+            <a:avLst/>
+          </a:prstGeom>
+          <a:noFill/>
+        </p:spPr>
+        <p:txBody>
+          <a:bodyPr wrap="square" rtlCol="0">
+            <a:spAutoFit/>
+          </a:bodyPr>
+          <a:lstStyle/>
+          <a:p>
+            <a:r>
+              <a:rPr lang="pt-BR" sz="2000" dirty="0" smtClean="0">
+                <a:solidFill>
+                  <a:srgbClr val="FF0000"/>
+                </a:solidFill>
+              </a:rPr>
+              <a:t>Família de coluna</a:t>
+            </a:r>
+            <a:endParaRPr lang="pt-BR" sz="2000" dirty="0">
+              <a:solidFill>
+                <a:srgbClr val="FF0000"/>
+              </a:solidFill>
+            </a:endParaRPr>
+          </a:p>
+        </p:txBody>
+      </p:sp>
     </p:spTree>
     <p:extLst>
       <p:ext uri="{BB962C8B-B14F-4D97-AF65-F5344CB8AC3E}">
-        <p14:creationId xmlns="" xmlns:p14="http://schemas.microsoft.com/office/powerpoint/2010/main" val="193815880"/>
+        <p14:creationId xmlns="" xmlns:p14="http://schemas.microsoft.com/office/powerpoint/2010/main" val="3599391131"/>
       </p:ext>
     </p:extLst>
   </p:cSld>
   <p:clrMapOvr>
     <a:masterClrMapping/>
   </p:clrMapOvr>
+  <p:timing>
+    <p:tnLst>
+      <p:par>
+        <p:cTn id="1" dur="indefinite" restart="never" nodeType="tmRoot"/>
+      </p:par>
+    </p:tnLst>
+  </p:timing>
 </p:sld>
 </file>
 
-<file path=ppt/slides/slide20.xml><?xml version="1.0" encoding="utf-8"?>
+<file path=ppt/slides/slide19.xml><?xml version="1.0" encoding="utf-8"?>
 <p:sld xmlns:a="http://schemas.openxmlformats.org/drawingml/2006/main" xmlns:r="http://schemas.openxmlformats.org/officeDocument/2006/relationships" xmlns:p="http://schemas.openxmlformats.org/presentationml/2006/main">
   <p:cSld>
     <p:spTree>
@@ -22436,533 +22371,111 @@
           <a:chExt cx="0" cy="0"/>
         </a:xfrm>
       </p:grpSpPr>
-      <p:graphicFrame>
-        <p:nvGraphicFramePr>
-          <p:cNvPr id="10" name="Tabela 9"/>
-          <p:cNvGraphicFramePr>
-            <a:graphicFrameLocks noGrp="1"/>
-          </p:cNvGraphicFramePr>
+      <p:sp>
+        <p:nvSpPr>
+          <p:cNvPr id="3" name="Content Placeholder 2"/>
+          <p:cNvSpPr>
+            <a:spLocks noGrp="1"/>
+          </p:cNvSpPr>
           <p:nvPr>
-            <p:extLst>
-              <p:ext uri="{D42A27DB-BD31-4B8C-83A1-F6EECF244321}">
-                <p14:modId xmlns="" xmlns:p14="http://schemas.microsoft.com/office/powerpoint/2010/main" val="3765756533"/>
-              </p:ext>
-            </p:extLst>
+            <p:ph idx="1"/>
           </p:nvPr>
-        </p:nvGraphicFramePr>
-        <p:xfrm>
-          <a:off x="2343760" y="183021"/>
-          <a:ext cx="6800240" cy="7035605"/>
-        </p:xfrm>
-        <a:graphic>
-          <a:graphicData uri="http://schemas.openxmlformats.org/drawingml/2006/table">
-            <a:tbl>
-              <a:tblPr>
-                <a:tableStyleId>{5C22544A-7EE6-4342-B048-85BDC9FD1C3A}</a:tableStyleId>
-              </a:tblPr>
-              <a:tblGrid>
-                <a:gridCol w="3400120"/>
-                <a:gridCol w="3400120"/>
-              </a:tblGrid>
-              <a:tr h="343423">
-                <a:tc>
-                  <a:txBody>
-                    <a:bodyPr/>
-                    <a:lstStyle/>
-                    <a:p>
-                      <a:pPr algn="ctr"/>
-                      <a:r>
-                        <a:rPr lang="pt-BR" sz="2400" b="1" dirty="0">
-                          <a:effectLst/>
-                          <a:latin typeface="Roboto" pitchFamily="2" charset="0"/>
-                          <a:ea typeface="Roboto" pitchFamily="2" charset="0"/>
-                        </a:rPr>
-                        <a:t>Tipo</a:t>
-                      </a:r>
-                      <a:endParaRPr lang="pt-BR" sz="2400" b="1" dirty="0">
-                        <a:latin typeface="Roboto" pitchFamily="2" charset="0"/>
-                        <a:ea typeface="Roboto" pitchFamily="2" charset="0"/>
-                      </a:endParaRPr>
-                    </a:p>
-                  </a:txBody>
-                  <a:tcPr marL="0" marR="0" marT="0" marB="0"/>
-                </a:tc>
-                <a:tc>
-                  <a:txBody>
-                    <a:bodyPr/>
-                    <a:lstStyle/>
-                    <a:p>
-                      <a:r>
-                        <a:rPr lang="pt-BR" sz="2400" b="1" dirty="0">
-                          <a:effectLst/>
-                          <a:latin typeface="Roboto" pitchFamily="2" charset="0"/>
-                          <a:ea typeface="Roboto" pitchFamily="2" charset="0"/>
-                        </a:rPr>
-                        <a:t>Descrição</a:t>
-                      </a:r>
-                      <a:endParaRPr lang="pt-BR" sz="2400" b="1" dirty="0">
-                        <a:latin typeface="Roboto" pitchFamily="2" charset="0"/>
-                        <a:ea typeface="Roboto" pitchFamily="2" charset="0"/>
-                      </a:endParaRPr>
-                    </a:p>
-                  </a:txBody>
-                  <a:tcPr marL="0" marR="0" marT="0" marB="0"/>
-                </a:tc>
-              </a:tr>
-              <a:tr h="977071">
-                <a:tc>
-                  <a:txBody>
-                    <a:bodyPr/>
-                    <a:lstStyle/>
-                    <a:p>
-                      <a:pPr algn="ctr"/>
-                      <a:r>
-                        <a:rPr lang="pt-BR" sz="2400" b="1" dirty="0" err="1">
-                          <a:latin typeface="Roboto" pitchFamily="2" charset="0"/>
-                          <a:ea typeface="Roboto" pitchFamily="2" charset="0"/>
-                        </a:rPr>
-                        <a:t>BytesType</a:t>
-                      </a:r>
-                      <a:endParaRPr lang="pt-BR" sz="2400" b="1" dirty="0">
-                        <a:latin typeface="Roboto" pitchFamily="2" charset="0"/>
-                        <a:ea typeface="Roboto" pitchFamily="2" charset="0"/>
-                      </a:endParaRPr>
-                    </a:p>
-                  </a:txBody>
-                  <a:tcPr marL="0" marR="0" marT="0" marB="0"/>
-                </a:tc>
-                <a:tc>
-                  <a:txBody>
-                    <a:bodyPr/>
-                    <a:lstStyle/>
-                    <a:p>
-                      <a:r>
-                        <a:rPr lang="pt-BR" sz="2400" dirty="0" err="1">
-                          <a:latin typeface="Roboto" pitchFamily="2" charset="0"/>
-                          <a:ea typeface="Roboto" pitchFamily="2" charset="0"/>
-                        </a:rPr>
-                        <a:t>Exadecimais</a:t>
-                      </a:r>
-                      <a:r>
-                        <a:rPr lang="pt-BR" sz="2400" dirty="0">
-                          <a:latin typeface="Roboto" pitchFamily="2" charset="0"/>
-                          <a:ea typeface="Roboto" pitchFamily="2" charset="0"/>
-                        </a:rPr>
-                        <a:t> sem validação, esse é a classificação padrão da coluna quando não especificada.</a:t>
-                      </a:r>
-                    </a:p>
-                  </a:txBody>
-                  <a:tcPr marL="0" marR="0" marT="0" marB="0"/>
-                </a:tc>
-              </a:tr>
-              <a:tr h="705661">
-                <a:tc>
-                  <a:txBody>
-                    <a:bodyPr/>
-                    <a:lstStyle/>
-                    <a:p>
-                      <a:pPr algn="ctr"/>
-                      <a:r>
-                        <a:rPr lang="pt-BR" sz="2400" b="1">
-                          <a:latin typeface="Roboto" pitchFamily="2" charset="0"/>
-                          <a:ea typeface="Roboto" pitchFamily="2" charset="0"/>
-                        </a:rPr>
-                        <a:t>AsciiType</a:t>
-                      </a:r>
-                    </a:p>
-                  </a:txBody>
-                  <a:tcPr marL="0" marR="0" marT="0" marB="0"/>
-                </a:tc>
-                <a:tc>
-                  <a:txBody>
-                    <a:bodyPr/>
-                    <a:lstStyle/>
-                    <a:p>
-                      <a:r>
-                        <a:rPr lang="pt-BR" sz="2400" dirty="0">
-                          <a:latin typeface="Roboto" pitchFamily="2" charset="0"/>
-                          <a:ea typeface="Roboto" pitchFamily="2" charset="0"/>
-                        </a:rPr>
-                        <a:t>Valida os caracteres como codificação US-ASCII, padrão americano.</a:t>
-                      </a:r>
-                    </a:p>
-                  </a:txBody>
-                  <a:tcPr marL="0" marR="0" marT="0" marB="0"/>
-                </a:tc>
-              </a:tr>
-              <a:tr h="423397">
-                <a:tc>
-                  <a:txBody>
-                    <a:bodyPr/>
-                    <a:lstStyle/>
-                    <a:p>
-                      <a:pPr algn="ctr"/>
-                      <a:r>
-                        <a:rPr lang="pt-BR" sz="2400" b="1" dirty="0">
-                          <a:latin typeface="Roboto" pitchFamily="2" charset="0"/>
-                          <a:ea typeface="Roboto" pitchFamily="2" charset="0"/>
-                        </a:rPr>
-                        <a:t>UTF8Type</a:t>
-                      </a:r>
-                    </a:p>
-                  </a:txBody>
-                  <a:tcPr marL="0" marR="0" marT="0" marB="0"/>
-                </a:tc>
-                <a:tc>
-                  <a:txBody>
-                    <a:bodyPr/>
-                    <a:lstStyle/>
-                    <a:p>
-                      <a:r>
-                        <a:rPr lang="pt-BR" sz="2400" dirty="0">
-                          <a:latin typeface="Roboto" pitchFamily="2" charset="0"/>
-                          <a:ea typeface="Roboto" pitchFamily="2" charset="0"/>
-                        </a:rPr>
-                        <a:t>Valida os caracteres no padrão UTF8.</a:t>
-                      </a:r>
-                    </a:p>
-                  </a:txBody>
-                  <a:tcPr marL="0" marR="0" marT="0" marB="0"/>
-                </a:tc>
-              </a:tr>
-              <a:tr h="343423">
-                <a:tc>
-                  <a:txBody>
-                    <a:bodyPr/>
-                    <a:lstStyle/>
-                    <a:p>
-                      <a:pPr algn="ctr"/>
-                      <a:r>
-                        <a:rPr lang="pt-BR" sz="2400" b="1">
-                          <a:latin typeface="Roboto" pitchFamily="2" charset="0"/>
-                          <a:ea typeface="Roboto" pitchFamily="2" charset="0"/>
-                        </a:rPr>
-                        <a:t>IntegerType</a:t>
-                      </a:r>
-                    </a:p>
-                  </a:txBody>
-                  <a:tcPr marL="0" marR="0" marT="0" marB="0"/>
-                </a:tc>
-                <a:tc>
-                  <a:txBody>
-                    <a:bodyPr/>
-                    <a:lstStyle/>
-                    <a:p>
-                      <a:r>
-                        <a:rPr lang="pt-BR" sz="2400">
-                          <a:latin typeface="Roboto" pitchFamily="2" charset="0"/>
-                          <a:ea typeface="Roboto" pitchFamily="2" charset="0"/>
-                        </a:rPr>
-                        <a:t>Valida números inteiros.</a:t>
-                      </a:r>
-                    </a:p>
-                  </a:txBody>
-                  <a:tcPr marL="0" marR="0" marT="0" marB="0"/>
-                </a:tc>
-              </a:tr>
-              <a:tr h="394288">
-                <a:tc>
-                  <a:txBody>
-                    <a:bodyPr/>
-                    <a:lstStyle/>
-                    <a:p>
-                      <a:pPr algn="ctr"/>
-                      <a:r>
-                        <a:rPr lang="pt-BR" sz="2400" b="1">
-                          <a:latin typeface="Roboto" pitchFamily="2" charset="0"/>
-                          <a:ea typeface="Roboto" pitchFamily="2" charset="0"/>
-                        </a:rPr>
-                        <a:t>LongType</a:t>
-                      </a:r>
-                    </a:p>
-                  </a:txBody>
-                  <a:tcPr marL="0" marR="0" marT="0" marB="0"/>
-                </a:tc>
-                <a:tc>
-                  <a:txBody>
-                    <a:bodyPr/>
-                    <a:lstStyle/>
-                    <a:p>
-                      <a:r>
-                        <a:rPr lang="pt-BR" sz="2400">
-                          <a:latin typeface="Roboto" pitchFamily="2" charset="0"/>
-                          <a:ea typeface="Roboto" pitchFamily="2" charset="0"/>
-                        </a:rPr>
-                        <a:t>Valida números longos de 8-byte.</a:t>
-                      </a:r>
-                    </a:p>
-                  </a:txBody>
-                  <a:tcPr marL="0" marR="0" marT="0" marB="0"/>
-                </a:tc>
-              </a:tr>
-              <a:tr h="343423">
-                <a:tc>
-                  <a:txBody>
-                    <a:bodyPr/>
-                    <a:lstStyle/>
-                    <a:p>
-                      <a:pPr algn="ctr"/>
-                      <a:r>
-                        <a:rPr lang="pt-BR" sz="2400" b="1" dirty="0" err="1">
-                          <a:latin typeface="Roboto" pitchFamily="2" charset="0"/>
-                          <a:ea typeface="Roboto" pitchFamily="2" charset="0"/>
-                        </a:rPr>
-                        <a:t>UUIDType</a:t>
-                      </a:r>
-                      <a:endParaRPr lang="pt-BR" sz="2400" b="1" dirty="0">
-                        <a:latin typeface="Roboto" pitchFamily="2" charset="0"/>
-                        <a:ea typeface="Roboto" pitchFamily="2" charset="0"/>
-                      </a:endParaRPr>
-                    </a:p>
-                  </a:txBody>
-                  <a:tcPr marL="0" marR="0" marT="0" marB="0"/>
-                </a:tc>
-                <a:tc>
-                  <a:txBody>
-                    <a:bodyPr/>
-                    <a:lstStyle/>
-                    <a:p>
-                      <a:r>
-                        <a:rPr lang="pt-BR" sz="2400">
-                          <a:latin typeface="Roboto" pitchFamily="2" charset="0"/>
-                          <a:ea typeface="Roboto" pitchFamily="2" charset="0"/>
-                        </a:rPr>
-                        <a:t>Valida valor de 16-byte.</a:t>
-                      </a:r>
-                    </a:p>
-                  </a:txBody>
-                  <a:tcPr marL="0" marR="0" marT="0" marB="0"/>
-                </a:tc>
-              </a:tr>
-              <a:tr h="343423">
-                <a:tc>
-                  <a:txBody>
-                    <a:bodyPr/>
-                    <a:lstStyle/>
-                    <a:p>
-                      <a:pPr algn="ctr"/>
-                      <a:r>
-                        <a:rPr lang="pt-BR" sz="2400" b="1">
-                          <a:latin typeface="Roboto" pitchFamily="2" charset="0"/>
-                          <a:ea typeface="Roboto" pitchFamily="2" charset="0"/>
-                        </a:rPr>
-                        <a:t>DateType</a:t>
-                      </a:r>
-                    </a:p>
-                  </a:txBody>
-                  <a:tcPr marL="0" marR="0" marT="0" marB="0"/>
-                </a:tc>
-                <a:tc>
-                  <a:txBody>
-                    <a:bodyPr/>
-                    <a:lstStyle/>
-                    <a:p>
-                      <a:r>
-                        <a:rPr lang="pt-BR" sz="2400">
-                          <a:latin typeface="Roboto" pitchFamily="2" charset="0"/>
-                          <a:ea typeface="Roboto" pitchFamily="2" charset="0"/>
-                        </a:rPr>
-                        <a:t>Valida Data e hora com 8-byte.</a:t>
-                      </a:r>
-                    </a:p>
-                  </a:txBody>
-                  <a:tcPr marL="0" marR="0" marT="0" marB="0"/>
-                </a:tc>
-              </a:tr>
-              <a:tr h="343423">
-                <a:tc>
-                  <a:txBody>
-                    <a:bodyPr/>
-                    <a:lstStyle/>
-                    <a:p>
-                      <a:pPr algn="ctr"/>
-                      <a:r>
-                        <a:rPr lang="pt-BR" sz="2400" b="1">
-                          <a:latin typeface="Roboto" pitchFamily="2" charset="0"/>
-                          <a:ea typeface="Roboto" pitchFamily="2" charset="0"/>
-                        </a:rPr>
-                        <a:t>BooleanType</a:t>
-                      </a:r>
-                    </a:p>
-                  </a:txBody>
-                  <a:tcPr marL="0" marR="0" marT="0" marB="0"/>
-                </a:tc>
-                <a:tc>
-                  <a:txBody>
-                    <a:bodyPr/>
-                    <a:lstStyle/>
-                    <a:p>
-                      <a:r>
-                        <a:rPr lang="pt-BR" sz="2400">
-                          <a:latin typeface="Roboto" pitchFamily="2" charset="0"/>
-                          <a:ea typeface="Roboto" pitchFamily="2" charset="0"/>
-                        </a:rPr>
-                        <a:t>Valida true ou false.</a:t>
-                      </a:r>
-                    </a:p>
-                  </a:txBody>
-                  <a:tcPr marL="0" marR="0" marT="0" marB="0"/>
-                </a:tc>
-              </a:tr>
-              <a:tr h="651381">
-                <a:tc>
-                  <a:txBody>
-                    <a:bodyPr/>
-                    <a:lstStyle/>
-                    <a:p>
-                      <a:pPr algn="ctr"/>
-                      <a:r>
-                        <a:rPr lang="pt-BR" sz="2400" b="1" dirty="0" err="1">
-                          <a:latin typeface="Roboto" pitchFamily="2" charset="0"/>
-                          <a:ea typeface="Roboto" pitchFamily="2" charset="0"/>
-                        </a:rPr>
-                        <a:t>FloatType</a:t>
-                      </a:r>
-                      <a:endParaRPr lang="pt-BR" sz="2400" b="1" dirty="0">
-                        <a:latin typeface="Roboto" pitchFamily="2" charset="0"/>
-                        <a:ea typeface="Roboto" pitchFamily="2" charset="0"/>
-                      </a:endParaRPr>
-                    </a:p>
-                  </a:txBody>
-                  <a:tcPr marL="0" marR="0" marT="0" marB="0"/>
-                </a:tc>
-                <a:tc>
-                  <a:txBody>
-                    <a:bodyPr/>
-                    <a:lstStyle/>
-                    <a:p>
-                      <a:r>
-                        <a:rPr lang="pt-BR" sz="2400">
-                          <a:latin typeface="Roboto" pitchFamily="2" charset="0"/>
-                          <a:ea typeface="Roboto" pitchFamily="2" charset="0"/>
-                        </a:rPr>
-                        <a:t>Valida valores com pontos flutuantes de 4-byte.</a:t>
-                      </a:r>
-                    </a:p>
-                  </a:txBody>
-                  <a:tcPr marL="0" marR="0" marT="0" marB="0"/>
-                </a:tc>
-              </a:tr>
-              <a:tr h="651381">
-                <a:tc>
-                  <a:txBody>
-                    <a:bodyPr/>
-                    <a:lstStyle/>
-                    <a:p>
-                      <a:pPr algn="ctr"/>
-                      <a:r>
-                        <a:rPr lang="pt-BR" sz="2400" b="1">
-                          <a:latin typeface="Roboto" pitchFamily="2" charset="0"/>
-                          <a:ea typeface="Roboto" pitchFamily="2" charset="0"/>
-                        </a:rPr>
-                        <a:t>DoubleType</a:t>
-                      </a:r>
-                    </a:p>
-                  </a:txBody>
-                  <a:tcPr marL="0" marR="0" marT="0" marB="0"/>
-                </a:tc>
-                <a:tc>
-                  <a:txBody>
-                    <a:bodyPr/>
-                    <a:lstStyle/>
-                    <a:p>
-                      <a:r>
-                        <a:rPr lang="pt-BR" sz="2400">
-                          <a:latin typeface="Roboto" pitchFamily="2" charset="0"/>
-                          <a:ea typeface="Roboto" pitchFamily="2" charset="0"/>
-                        </a:rPr>
-                        <a:t>Mesma validação do FloatType mas com 8-byte.</a:t>
-                      </a:r>
-                    </a:p>
-                  </a:txBody>
-                  <a:tcPr marL="0" marR="0" marT="0" marB="0"/>
-                </a:tc>
-              </a:tr>
-              <a:tr h="343423">
-                <a:tc>
-                  <a:txBody>
-                    <a:bodyPr/>
-                    <a:lstStyle/>
-                    <a:p>
-                      <a:pPr algn="ctr"/>
-                      <a:r>
-                        <a:rPr lang="pt-BR" sz="2400" b="1" dirty="0" err="1">
-                          <a:latin typeface="Roboto" pitchFamily="2" charset="0"/>
-                          <a:ea typeface="Roboto" pitchFamily="2" charset="0"/>
-                        </a:rPr>
-                        <a:t>DecimalType</a:t>
-                      </a:r>
-                      <a:endParaRPr lang="pt-BR" sz="2400" b="1" dirty="0">
-                        <a:latin typeface="Roboto" pitchFamily="2" charset="0"/>
-                        <a:ea typeface="Roboto" pitchFamily="2" charset="0"/>
-                      </a:endParaRPr>
-                    </a:p>
-                  </a:txBody>
-                  <a:tcPr marL="0" marR="0" marT="0" marB="0"/>
-                </a:tc>
-                <a:tc>
-                  <a:txBody>
-                    <a:bodyPr/>
-                    <a:lstStyle/>
-                    <a:p>
-                      <a:r>
-                        <a:rPr lang="pt-BR" sz="2400">
-                          <a:latin typeface="Roboto" pitchFamily="2" charset="0"/>
-                          <a:ea typeface="Roboto" pitchFamily="2" charset="0"/>
-                        </a:rPr>
-                        <a:t>Ponto flutuante variável.</a:t>
-                      </a:r>
-                    </a:p>
-                  </a:txBody>
-                  <a:tcPr marL="0" marR="0" marT="0" marB="0"/>
-                </a:tc>
-              </a:tr>
-              <a:tr h="651381">
-                <a:tc>
-                  <a:txBody>
-                    <a:bodyPr/>
-                    <a:lstStyle/>
-                    <a:p>
-                      <a:pPr algn="ctr"/>
-                      <a:r>
-                        <a:rPr lang="pt-BR" sz="2400" b="1" dirty="0" err="1">
-                          <a:latin typeface="Roboto" pitchFamily="2" charset="0"/>
-                          <a:ea typeface="Roboto" pitchFamily="2" charset="0"/>
-                        </a:rPr>
-                        <a:t>CounterColumnType</a:t>
-                      </a:r>
-                      <a:endParaRPr lang="pt-BR" sz="2400" b="1" dirty="0">
-                        <a:latin typeface="Roboto" pitchFamily="2" charset="0"/>
-                        <a:ea typeface="Roboto" pitchFamily="2" charset="0"/>
-                      </a:endParaRPr>
-                    </a:p>
-                  </a:txBody>
-                  <a:tcPr marL="0" marR="0" marT="0" marB="0"/>
-                </a:tc>
-                <a:tc>
-                  <a:txBody>
-                    <a:bodyPr/>
-                    <a:lstStyle/>
-                    <a:p>
-                      <a:r>
-                        <a:rPr lang="pt-BR" sz="2400" dirty="0">
-                          <a:latin typeface="Roboto" pitchFamily="2" charset="0"/>
-                          <a:ea typeface="Roboto" pitchFamily="2" charset="0"/>
-                        </a:rPr>
-                        <a:t>Valor de contador com 8-byte de comprimento.</a:t>
-                      </a:r>
-                    </a:p>
-                  </a:txBody>
-                  <a:tcPr marL="0" marR="0" marT="0" marB="0"/>
-                </a:tc>
-              </a:tr>
-            </a:tbl>
-          </a:graphicData>
-        </a:graphic>
-      </p:graphicFrame>
-      <p:sp>
-        <p:nvSpPr>
-          <p:cNvPr id="11" name="Title 1"/>
+        </p:nvSpPr>
+        <p:spPr>
+          <a:xfrm>
+            <a:off x="2172306" y="0"/>
+            <a:ext cx="5084837" cy="1129603"/>
+          </a:xfrm>
+        </p:spPr>
+        <p:txBody>
+          <a:bodyPr>
+            <a:noAutofit/>
+          </a:bodyPr>
+          <a:lstStyle/>
+          <a:p>
+            <a:r>
+              <a:rPr lang="pt-BR" sz="3200" dirty="0" smtClean="0">
+                <a:latin typeface="Roboto" pitchFamily="2" charset="0"/>
+                <a:ea typeface="Roboto" pitchFamily="2" charset="0"/>
+              </a:rPr>
+              <a:t>Um </a:t>
+            </a:r>
+            <a:r>
+              <a:rPr lang="pt-BR" sz="3200" dirty="0" err="1">
+                <a:latin typeface="Roboto" pitchFamily="2" charset="0"/>
+                <a:ea typeface="Roboto" pitchFamily="2" charset="0"/>
+              </a:rPr>
+              <a:t>keyspace</a:t>
+            </a:r>
+            <a:r>
+              <a:rPr lang="pt-BR" sz="3200" dirty="0">
+                <a:latin typeface="Roboto" pitchFamily="2" charset="0"/>
+                <a:ea typeface="Roboto" pitchFamily="2" charset="0"/>
+              </a:rPr>
+              <a:t> </a:t>
+            </a:r>
+            <a:r>
+              <a:rPr lang="pt-BR" sz="3200" dirty="0" smtClean="0">
+                <a:latin typeface="Roboto" pitchFamily="2" charset="0"/>
+                <a:ea typeface="Roboto" pitchFamily="2" charset="0"/>
+              </a:rPr>
+              <a:t>corresponde a um </a:t>
+            </a:r>
+            <a:r>
+              <a:rPr lang="pt-BR" sz="3200" dirty="0">
+                <a:latin typeface="Roboto" pitchFamily="2" charset="0"/>
+                <a:ea typeface="Roboto" pitchFamily="2" charset="0"/>
+              </a:rPr>
+              <a:t>banco de dados </a:t>
+            </a:r>
+            <a:r>
+              <a:rPr lang="pt-BR" sz="3200" dirty="0" smtClean="0">
+                <a:latin typeface="Roboto" pitchFamily="2" charset="0"/>
+                <a:ea typeface="Roboto" pitchFamily="2" charset="0"/>
+              </a:rPr>
+              <a:t>no mundo relacional</a:t>
+            </a:r>
+            <a:r>
+              <a:rPr lang="pt-BR" sz="3200" dirty="0" smtClean="0">
+                <a:latin typeface="Roboto" pitchFamily="2" charset="0"/>
+                <a:ea typeface="Roboto" pitchFamily="2" charset="0"/>
+              </a:rPr>
+              <a:t>;</a:t>
+            </a:r>
+          </a:p>
+          <a:p>
+            <a:r>
+              <a:rPr lang="pt-BR" sz="3200" dirty="0" smtClean="0"/>
+              <a:t>um grupo de várias famílias de colunas juntas. É apenas um agrupamento lógico de famílias de colunas e fornece um escopo isolado para nomes. </a:t>
+            </a:r>
+            <a:endParaRPr lang="pt-BR" sz="3200" dirty="0" smtClean="0">
+              <a:latin typeface="Roboto" pitchFamily="2" charset="0"/>
+              <a:ea typeface="Roboto" pitchFamily="2" charset="0"/>
+            </a:endParaRPr>
+          </a:p>
+          <a:p>
+            <a:endParaRPr lang="pt-BR" sz="2400" dirty="0"/>
+          </a:p>
+          <a:p>
+            <a:pPr marL="457200" lvl="1" indent="0">
+              <a:buNone/>
+            </a:pPr>
+            <a:r>
+              <a:rPr lang="pt-BR" sz="2000" dirty="0"/>
+              <a:t>		</a:t>
+            </a:r>
+          </a:p>
+          <a:p>
+            <a:endParaRPr lang="pt-BR" sz="2400" dirty="0"/>
+          </a:p>
+          <a:p>
+            <a:endParaRPr lang="pt-BR" sz="2400" dirty="0"/>
+          </a:p>
+        </p:txBody>
+      </p:sp>
+      <p:sp>
+        <p:nvSpPr>
+          <p:cNvPr id="6" name="Title 1"/>
           <p:cNvSpPr txBox="1">
             <a:spLocks/>
           </p:cNvSpPr>
@@ -22970,7 +22483,7 @@
         </p:nvSpPr>
         <p:spPr>
           <a:xfrm>
-            <a:off x="699756" y="369910"/>
+            <a:off x="0" y="0"/>
             <a:ext cx="6449180" cy="1320800"/>
           </a:xfrm>
           <a:prstGeom prst="rect">
@@ -23075,11 +22588,11 @@
               </a:rPr>
             </a:br>
             <a:r>
-              <a:rPr lang="pt-BR" sz="4800" b="1" dirty="0" smtClean="0">
-                <a:latin typeface="Roboto" pitchFamily="2" charset="0"/>
-                <a:ea typeface="Roboto" pitchFamily="2" charset="0"/>
-              </a:rPr>
-              <a:t>Colunas</a:t>
+              <a:rPr lang="pt-BR" sz="4800" b="1" dirty="0" err="1" smtClean="0">
+                <a:latin typeface="Roboto" pitchFamily="2" charset="0"/>
+                <a:ea typeface="Roboto" pitchFamily="2" charset="0"/>
+              </a:rPr>
+              <a:t>Keyspace</a:t>
             </a:r>
             <a:endParaRPr lang="pt-BR" sz="4800" b="1" dirty="0">
               <a:latin typeface="Roboto" pitchFamily="2" charset="0"/>
@@ -23088,20 +22601,53 @@
           </a:p>
         </p:txBody>
       </p:sp>
+      <p:pic>
+        <p:nvPicPr>
+          <p:cNvPr id="3074" name="Picture 2" descr="http://www.ibm.com/developerworks/br/library/os-apache-cassandra/figure001.gif"/>
+          <p:cNvPicPr>
+            <a:picLocks noChangeAspect="1" noChangeArrowheads="1"/>
+          </p:cNvPicPr>
+          <p:nvPr/>
+        </p:nvPicPr>
+        <p:blipFill>
+          <a:blip r:embed="rId2"/>
+          <a:srcRect/>
+          <a:stretch>
+            <a:fillRect/>
+          </a:stretch>
+        </p:blipFill>
+        <p:spPr bwMode="auto">
+          <a:xfrm>
+            <a:off x="1200603" y="1063625"/>
+            <a:ext cx="6583363" cy="5794375"/>
+          </a:xfrm>
+          <a:prstGeom prst="rect">
+            <a:avLst/>
+          </a:prstGeom>
+          <a:noFill/>
+        </p:spPr>
+      </p:pic>
     </p:spTree>
     <p:extLst>
       <p:ext uri="{BB962C8B-B14F-4D97-AF65-F5344CB8AC3E}">
-        <p14:creationId xmlns="" xmlns:p14="http://schemas.microsoft.com/office/powerpoint/2010/main" val="541831983"/>
+        <p14:creationId xmlns="" xmlns:p14="http://schemas.microsoft.com/office/powerpoint/2010/main" val="3599391131"/>
       </p:ext>
     </p:extLst>
   </p:cSld>
   <p:clrMapOvr>
     <a:masterClrMapping/>
   </p:clrMapOvr>
+  <p:timing>
+    <p:tnLst>
+      <p:par>
+        <p:cTn id="1" dur="indefinite" restart="never" nodeType="tmRoot"/>
+      </p:par>
+    </p:tnLst>
+  </p:timing>
 </p:sld>
 </file>
 
-<file path=ppt/slides/slide21.xml><?xml version="1.0" encoding="utf-8"?>
+<file path=ppt/slides/slide2.xml><?xml version="1.0" encoding="utf-8"?>
 <p:sld xmlns:a="http://schemas.openxmlformats.org/drawingml/2006/main" xmlns:r="http://schemas.openxmlformats.org/officeDocument/2006/relationships" xmlns:p="http://schemas.openxmlformats.org/presentationml/2006/main">
   <p:cSld>
     <p:spTree>
@@ -23120,6 +22666,175 @@
       </p:grpSpPr>
       <p:sp>
         <p:nvSpPr>
+          <p:cNvPr id="3" name="Espaço Reservado para Conteúdo 2"/>
+          <p:cNvSpPr>
+            <a:spLocks noGrp="1"/>
+          </p:cNvSpPr>
+          <p:nvPr>
+            <p:ph idx="1"/>
+          </p:nvPr>
+        </p:nvSpPr>
+        <p:spPr>
+          <a:xfrm>
+            <a:off x="508133" y="1390650"/>
+            <a:ext cx="6854060" cy="5467350"/>
+          </a:xfrm>
+        </p:spPr>
+        <p:txBody>
+          <a:bodyPr>
+            <a:noAutofit/>
+          </a:bodyPr>
+          <a:lstStyle/>
+          <a:p>
+            <a:pPr lvl="0"/>
+            <a:r>
+              <a:rPr lang="pt-BR" sz="3600" dirty="0" smtClean="0">
+                <a:latin typeface="Roboto" pitchFamily="2" charset="0"/>
+                <a:ea typeface="Roboto" pitchFamily="2" charset="0"/>
+              </a:rPr>
+              <a:t>O MR de banco de dados prevalece há 30 anos;</a:t>
+            </a:r>
+          </a:p>
+          <a:p>
+            <a:pPr lvl="0"/>
+            <a:r>
+              <a:rPr lang="pt-BR" sz="3600" dirty="0" smtClean="0">
+                <a:latin typeface="Roboto" pitchFamily="2" charset="0"/>
+                <a:ea typeface="Roboto" pitchFamily="2" charset="0"/>
+              </a:rPr>
+              <a:t>Evolução acelerada na Era da Informação; </a:t>
+            </a:r>
+          </a:p>
+          <a:p>
+            <a:pPr lvl="0"/>
+            <a:r>
+              <a:rPr lang="pt-BR" sz="3600" dirty="0" smtClean="0">
+                <a:latin typeface="Roboto" pitchFamily="2" charset="0"/>
+                <a:ea typeface="Roboto" pitchFamily="2" charset="0"/>
+              </a:rPr>
+              <a:t>Estabilidade notável;</a:t>
+            </a:r>
+          </a:p>
+          <a:p>
+            <a:pPr lvl="0"/>
+            <a:r>
+              <a:rPr lang="pt-BR" sz="3600" b="1" dirty="0" smtClean="0">
+                <a:latin typeface="Roboto" pitchFamily="2" charset="0"/>
+                <a:ea typeface="Roboto" pitchFamily="2" charset="0"/>
+              </a:rPr>
+              <a:t>Aumento de usuários online;</a:t>
+            </a:r>
+          </a:p>
+          <a:p>
+            <a:pPr lvl="0"/>
+            <a:r>
+              <a:rPr lang="pt-BR" sz="3600" b="1" dirty="0" smtClean="0">
+                <a:latin typeface="Roboto" pitchFamily="2" charset="0"/>
+                <a:ea typeface="Roboto" pitchFamily="2" charset="0"/>
+              </a:rPr>
+              <a:t>Dispositivos móveis;</a:t>
+            </a:r>
+          </a:p>
+          <a:p>
+            <a:pPr lvl="0"/>
+            <a:r>
+              <a:rPr lang="pt-BR" sz="3600" b="1" dirty="0" smtClean="0">
+                <a:latin typeface="Roboto" pitchFamily="2" charset="0"/>
+                <a:ea typeface="Roboto" pitchFamily="2" charset="0"/>
+              </a:rPr>
+              <a:t>Computação em nuvem;</a:t>
+            </a:r>
+          </a:p>
+          <a:p>
+            <a:pPr lvl="0"/>
+            <a:r>
+              <a:rPr lang="pt-BR" sz="3600" b="1" dirty="0" smtClean="0">
+                <a:latin typeface="Roboto" pitchFamily="2" charset="0"/>
+                <a:ea typeface="Roboto" pitchFamily="2" charset="0"/>
+              </a:rPr>
+              <a:t>Relação de compensação (Teorema de CAP).</a:t>
+            </a:r>
+          </a:p>
+          <a:p>
+            <a:endParaRPr lang="pt-BR" sz="2800" dirty="0"/>
+          </a:p>
+        </p:txBody>
+      </p:sp>
+      <p:sp>
+        <p:nvSpPr>
+          <p:cNvPr id="4" name="Title 1"/>
+          <p:cNvSpPr>
+            <a:spLocks noGrp="1"/>
+          </p:cNvSpPr>
+          <p:nvPr>
+            <p:ph type="title"/>
+          </p:nvPr>
+        </p:nvSpPr>
+        <p:spPr>
+          <a:xfrm>
+            <a:off x="411919" y="254358"/>
+            <a:ext cx="6449180" cy="1320800"/>
+          </a:xfrm>
+        </p:spPr>
+        <p:txBody>
+          <a:bodyPr>
+            <a:normAutofit/>
+          </a:bodyPr>
+          <a:lstStyle/>
+          <a:p>
+            <a:r>
+              <a:rPr lang="pt-BR" sz="5400" b="1" dirty="0" smtClean="0">
+                <a:latin typeface="Roboto" pitchFamily="2" charset="0"/>
+                <a:ea typeface="Roboto" pitchFamily="2" charset="0"/>
+              </a:rPr>
+              <a:t>Modelos Relacionais</a:t>
+            </a:r>
+            <a:endParaRPr lang="pt-BR" sz="5400" b="1" dirty="0">
+              <a:latin typeface="Roboto" pitchFamily="2" charset="0"/>
+              <a:ea typeface="Roboto" pitchFamily="2" charset="0"/>
+            </a:endParaRPr>
+          </a:p>
+        </p:txBody>
+      </p:sp>
+    </p:spTree>
+    <p:extLst>
+      <p:ext uri="{BB962C8B-B14F-4D97-AF65-F5344CB8AC3E}">
+        <p14:creationId xmlns="" xmlns:p14="http://schemas.microsoft.com/office/powerpoint/2010/main" val="193815880"/>
+      </p:ext>
+    </p:extLst>
+  </p:cSld>
+  <p:clrMapOvr>
+    <a:masterClrMapping/>
+  </p:clrMapOvr>
+  <p:timing>
+    <p:tnLst>
+      <p:par>
+        <p:cTn id="1" dur="indefinite" restart="never" nodeType="tmRoot"/>
+      </p:par>
+    </p:tnLst>
+  </p:timing>
+</p:sld>
+</file>
+
+<file path=ppt/slides/slide20.xml><?xml version="1.0" encoding="utf-8"?>
+<p:sld xmlns:a="http://schemas.openxmlformats.org/drawingml/2006/main" xmlns:r="http://schemas.openxmlformats.org/officeDocument/2006/relationships" xmlns:p="http://schemas.openxmlformats.org/presentationml/2006/main">
+  <p:cSld>
+    <p:spTree>
+      <p:nvGrpSpPr>
+        <p:cNvPr id="1" name=""/>
+        <p:cNvGrpSpPr/>
+        <p:nvPr/>
+      </p:nvGrpSpPr>
+      <p:grpSpPr>
+        <a:xfrm>
+          <a:off x="0" y="0"/>
+          <a:ext cx="0" cy="0"/>
+          <a:chOff x="0" y="0"/>
+          <a:chExt cx="0" cy="0"/>
+        </a:xfrm>
+      </p:grpSpPr>
+      <p:sp>
+        <p:nvSpPr>
           <p:cNvPr id="3" name="Content Placeholder 2"/>
           <p:cNvSpPr>
             <a:spLocks noGrp="1"/>
@@ -23130,142 +22845,200 @@
         </p:nvSpPr>
         <p:spPr>
           <a:xfrm>
-            <a:off x="585426" y="1841871"/>
-            <a:ext cx="6449180" cy="3880773"/>
+            <a:off x="556397" y="1695438"/>
+            <a:ext cx="6680151" cy="4981122"/>
           </a:xfrm>
         </p:spPr>
         <p:txBody>
           <a:bodyPr>
-            <a:normAutofit/>
+            <a:noAutofit/>
           </a:bodyPr>
           <a:lstStyle/>
           <a:p>
-            <a:pPr algn="just"/>
-            <a:r>
-              <a:rPr lang="pt-BR" sz="3600" dirty="0">
-                <a:latin typeface="Roboto" pitchFamily="2" charset="0"/>
-                <a:ea typeface="Roboto" pitchFamily="2" charset="0"/>
-              </a:rPr>
-              <a:t>Uma </a:t>
-            </a:r>
-            <a:r>
-              <a:rPr lang="pt-BR" sz="3600" dirty="0" err="1" smtClean="0">
-                <a:latin typeface="Roboto" pitchFamily="2" charset="0"/>
-                <a:ea typeface="Roboto" pitchFamily="2" charset="0"/>
-              </a:rPr>
-              <a:t>supercoluna</a:t>
-            </a:r>
-            <a:r>
-              <a:rPr lang="pt-BR" sz="3600" dirty="0" smtClean="0">
-                <a:latin typeface="Roboto" pitchFamily="2" charset="0"/>
-                <a:ea typeface="Roboto" pitchFamily="2" charset="0"/>
-              </a:rPr>
-              <a:t> </a:t>
-            </a:r>
-            <a:r>
-              <a:rPr lang="pt-BR" sz="3600" dirty="0">
-                <a:latin typeface="Roboto" pitchFamily="2" charset="0"/>
-                <a:ea typeface="Roboto" pitchFamily="2" charset="0"/>
-              </a:rPr>
-              <a:t>pode receber outra coluna como valor, sendo </a:t>
-            </a:r>
-            <a:r>
-              <a:rPr lang="pt-BR" sz="3600" dirty="0" smtClean="0">
-                <a:latin typeface="Roboto" pitchFamily="2" charset="0"/>
-                <a:ea typeface="Roboto" pitchFamily="2" charset="0"/>
-              </a:rPr>
-              <a:t>esse </a:t>
-            </a:r>
-            <a:r>
-              <a:rPr lang="pt-BR" sz="3600" dirty="0">
-                <a:latin typeface="Roboto" pitchFamily="2" charset="0"/>
-                <a:ea typeface="Roboto" pitchFamily="2" charset="0"/>
-              </a:rPr>
-              <a:t>o limite máximo </a:t>
-            </a:r>
-            <a:r>
-              <a:rPr lang="pt-BR" sz="3600" dirty="0" smtClean="0">
-                <a:latin typeface="Roboto" pitchFamily="2" charset="0"/>
-                <a:ea typeface="Roboto" pitchFamily="2" charset="0"/>
-              </a:rPr>
-              <a:t>na </a:t>
-            </a:r>
-            <a:r>
-              <a:rPr lang="pt-BR" sz="3600" dirty="0">
-                <a:latin typeface="Roboto" pitchFamily="2" charset="0"/>
-                <a:ea typeface="Roboto" pitchFamily="2" charset="0"/>
-              </a:rPr>
-              <a:t>estrutura de </a:t>
-            </a:r>
-            <a:r>
-              <a:rPr lang="pt-BR" sz="3600" dirty="0" smtClean="0">
-                <a:latin typeface="Roboto" pitchFamily="2" charset="0"/>
-                <a:ea typeface="Roboto" pitchFamily="2" charset="0"/>
-              </a:rPr>
-              <a:t>colunas </a:t>
-            </a:r>
-            <a:r>
-              <a:rPr lang="pt-BR" sz="3600" dirty="0">
-                <a:latin typeface="Roboto" pitchFamily="2" charset="0"/>
-                <a:ea typeface="Roboto" pitchFamily="2" charset="0"/>
-              </a:rPr>
-              <a:t>que o </a:t>
-            </a:r>
-            <a:r>
-              <a:rPr lang="pt-BR" sz="3600" dirty="0" smtClean="0">
-                <a:latin typeface="Roboto" pitchFamily="2" charset="0"/>
-                <a:ea typeface="Roboto" pitchFamily="2" charset="0"/>
-              </a:rPr>
-              <a:t>Cassandra suporta;</a:t>
-            </a:r>
-            <a:endParaRPr lang="pt-BR" sz="2800" dirty="0"/>
-          </a:p>
-        </p:txBody>
-      </p:sp>
-      <p:pic>
-        <p:nvPicPr>
-          <p:cNvPr id="6146" name="Picture 2" descr="http://fabiorogeriosj.com.br/wp-content/uploads/2012/07/super_column.png"/>
-          <p:cNvPicPr>
-            <a:picLocks noChangeAspect="1" noChangeArrowheads="1"/>
-          </p:cNvPicPr>
-          <p:nvPr/>
-        </p:nvPicPr>
-        <p:blipFill>
-          <a:blip r:embed="rId2">
-            <a:extLst>
-              <a:ext uri="{28A0092B-C50C-407E-A947-70E740481C1C}">
-                <a14:useLocalDpi xmlns="" xmlns:a14="http://schemas.microsoft.com/office/drawing/2010/main" val="0"/>
-              </a:ext>
-            </a:extLst>
-          </a:blip>
-          <a:srcRect/>
-          <a:stretch>
-            <a:fillRect/>
-          </a:stretch>
-        </p:blipFill>
-        <p:spPr bwMode="auto">
-          <a:xfrm>
-            <a:off x="1539926" y="3554569"/>
-            <a:ext cx="4458600" cy="2168074"/>
-          </a:xfrm>
-          <a:prstGeom prst="rect">
-            <a:avLst/>
-          </a:prstGeom>
-          <a:noFill/>
-          <a:extLst>
-            <a:ext uri="{909E8E84-426E-40DD-AFC4-6F175D3DCCD1}">
-              <a14:hiddenFill xmlns="" xmlns:a14="http://schemas.microsoft.com/office/drawing/2010/main">
-                <a:solidFill>
-                  <a:srgbClr val="FFFFFF"/>
-                </a:solidFill>
-              </a14:hiddenFill>
-            </a:ext>
-          </a:extLst>
-        </p:spPr>
-      </p:pic>
-      <p:sp>
-        <p:nvSpPr>
-          <p:cNvPr id="8" name="Title 1"/>
+            <a:pPr marL="0" indent="0">
+              <a:buNone/>
+            </a:pPr>
+            <a:r>
+              <a:rPr lang="pt-BR" sz="2800" dirty="0" smtClean="0">
+                <a:latin typeface="Roboto" pitchFamily="2" charset="0"/>
+                <a:ea typeface="Roboto" pitchFamily="2" charset="0"/>
+              </a:rPr>
+              <a:t>Alguns atributos </a:t>
+            </a:r>
+            <a:r>
+              <a:rPr lang="pt-BR" sz="2800" dirty="0">
+                <a:latin typeface="Roboto" pitchFamily="2" charset="0"/>
+                <a:ea typeface="Roboto" pitchFamily="2" charset="0"/>
+              </a:rPr>
+              <a:t>que </a:t>
+            </a:r>
+            <a:r>
+              <a:rPr lang="pt-BR" sz="2800" dirty="0" smtClean="0">
+                <a:latin typeface="Roboto" pitchFamily="2" charset="0"/>
+                <a:ea typeface="Roboto" pitchFamily="2" charset="0"/>
+              </a:rPr>
+              <a:t>podem </a:t>
+            </a:r>
+            <a:r>
+              <a:rPr lang="pt-BR" sz="2800" dirty="0">
+                <a:latin typeface="Roboto" pitchFamily="2" charset="0"/>
+                <a:ea typeface="Roboto" pitchFamily="2" charset="0"/>
+              </a:rPr>
+              <a:t>ser </a:t>
+            </a:r>
+            <a:r>
+              <a:rPr lang="pt-BR" sz="2800" dirty="0" smtClean="0">
+                <a:latin typeface="Roboto" pitchFamily="2" charset="0"/>
+                <a:ea typeface="Roboto" pitchFamily="2" charset="0"/>
+              </a:rPr>
+              <a:t>declarados </a:t>
+            </a:r>
+            <a:r>
+              <a:rPr lang="pt-BR" sz="2800" dirty="0">
+                <a:latin typeface="Roboto" pitchFamily="2" charset="0"/>
+                <a:ea typeface="Roboto" pitchFamily="2" charset="0"/>
+              </a:rPr>
+              <a:t>para um </a:t>
+            </a:r>
+            <a:r>
+              <a:rPr lang="pt-BR" sz="2800" dirty="0" err="1">
+                <a:latin typeface="Roboto" pitchFamily="2" charset="0"/>
+                <a:ea typeface="Roboto" pitchFamily="2" charset="0"/>
+              </a:rPr>
+              <a:t>keyspace</a:t>
+            </a:r>
+            <a:r>
+              <a:rPr lang="pt-BR" sz="2800" dirty="0">
+                <a:latin typeface="Roboto" pitchFamily="2" charset="0"/>
+                <a:ea typeface="Roboto" pitchFamily="2" charset="0"/>
+              </a:rPr>
+              <a:t>:</a:t>
+            </a:r>
+          </a:p>
+          <a:p>
+            <a:r>
+              <a:rPr lang="pt-BR" sz="2800" b="1" dirty="0" smtClean="0">
+                <a:latin typeface="Roboto" pitchFamily="2" charset="0"/>
+                <a:ea typeface="Roboto" pitchFamily="2" charset="0"/>
+              </a:rPr>
+              <a:t>Fator </a:t>
+            </a:r>
+            <a:r>
+              <a:rPr lang="pt-BR" sz="2800" b="1" dirty="0">
+                <a:latin typeface="Roboto" pitchFamily="2" charset="0"/>
+                <a:ea typeface="Roboto" pitchFamily="2" charset="0"/>
+              </a:rPr>
+              <a:t>de replicação</a:t>
+            </a:r>
+            <a:r>
+              <a:rPr lang="pt-BR" sz="2800" b="1" dirty="0" smtClean="0">
+                <a:latin typeface="Roboto" pitchFamily="2" charset="0"/>
+                <a:ea typeface="Roboto" pitchFamily="2" charset="0"/>
+              </a:rPr>
+              <a:t>:</a:t>
+            </a:r>
+          </a:p>
+          <a:p>
+            <a:pPr lvl="1"/>
+            <a:r>
+              <a:rPr lang="pt-BR" sz="2800" dirty="0" smtClean="0">
+                <a:latin typeface="Roboto" pitchFamily="2" charset="0"/>
+                <a:ea typeface="Roboto" pitchFamily="2" charset="0"/>
+              </a:rPr>
+              <a:t>É </a:t>
+            </a:r>
+            <a:r>
+              <a:rPr lang="pt-BR" sz="2800" dirty="0">
+                <a:latin typeface="Roboto" pitchFamily="2" charset="0"/>
+                <a:ea typeface="Roboto" pitchFamily="2" charset="0"/>
+              </a:rPr>
+              <a:t>responsável por declarar a quantidade de </a:t>
+            </a:r>
+            <a:r>
+              <a:rPr lang="pt-BR" sz="2800" dirty="0" smtClean="0">
+                <a:latin typeface="Roboto" pitchFamily="2" charset="0"/>
+                <a:ea typeface="Roboto" pitchFamily="2" charset="0"/>
+              </a:rPr>
+              <a:t>réplicas </a:t>
+            </a:r>
+            <a:r>
+              <a:rPr lang="pt-BR" sz="2800" dirty="0">
+                <a:latin typeface="Roboto" pitchFamily="2" charset="0"/>
+                <a:ea typeface="Roboto" pitchFamily="2" charset="0"/>
+              </a:rPr>
+              <a:t>que </a:t>
+            </a:r>
+            <a:r>
+              <a:rPr lang="pt-BR" sz="2800" dirty="0" smtClean="0">
+                <a:latin typeface="Roboto" pitchFamily="2" charset="0"/>
+                <a:ea typeface="Roboto" pitchFamily="2" charset="0"/>
+              </a:rPr>
+              <a:t>existirá </a:t>
+            </a:r>
+            <a:r>
+              <a:rPr lang="pt-BR" sz="2800" dirty="0">
+                <a:latin typeface="Roboto" pitchFamily="2" charset="0"/>
+                <a:ea typeface="Roboto" pitchFamily="2" charset="0"/>
+              </a:rPr>
+              <a:t>entre os nós de um </a:t>
+            </a:r>
+            <a:r>
+              <a:rPr lang="pt-BR" sz="2800" dirty="0" smtClean="0">
+                <a:latin typeface="Roboto" pitchFamily="2" charset="0"/>
+                <a:ea typeface="Roboto" pitchFamily="2" charset="0"/>
+              </a:rPr>
+              <a:t>cluster;</a:t>
+            </a:r>
+          </a:p>
+          <a:p>
+            <a:pPr lvl="1"/>
+            <a:r>
+              <a:rPr lang="pt-BR" sz="2800" dirty="0" smtClean="0">
+                <a:latin typeface="Roboto" pitchFamily="2" charset="0"/>
+                <a:ea typeface="Roboto" pitchFamily="2" charset="0"/>
+              </a:rPr>
+              <a:t>É </a:t>
+            </a:r>
+            <a:r>
+              <a:rPr lang="pt-BR" sz="2800" dirty="0">
+                <a:latin typeface="Roboto" pitchFamily="2" charset="0"/>
+                <a:ea typeface="Roboto" pitchFamily="2" charset="0"/>
+              </a:rPr>
+              <a:t>nesse ponto que temos que analisar o que vale mais para nosso projeto, desempenho ou consistência.</a:t>
+            </a:r>
+          </a:p>
+          <a:p>
+            <a:r>
+              <a:rPr lang="pt-BR" sz="2800" b="1" dirty="0" smtClean="0">
+                <a:latin typeface="Roboto" pitchFamily="2" charset="0"/>
+                <a:ea typeface="Roboto" pitchFamily="2" charset="0"/>
+              </a:rPr>
+              <a:t>Família </a:t>
+            </a:r>
+            <a:r>
+              <a:rPr lang="pt-BR" sz="2800" b="1" dirty="0">
+                <a:latin typeface="Roboto" pitchFamily="2" charset="0"/>
+                <a:ea typeface="Roboto" pitchFamily="2" charset="0"/>
+              </a:rPr>
+              <a:t>de </a:t>
+            </a:r>
+            <a:r>
+              <a:rPr lang="pt-BR" sz="2800" b="1" dirty="0" smtClean="0">
+                <a:latin typeface="Roboto" pitchFamily="2" charset="0"/>
+                <a:ea typeface="Roboto" pitchFamily="2" charset="0"/>
+              </a:rPr>
+              <a:t>coluna</a:t>
+            </a:r>
+            <a:endParaRPr lang="pt-BR" sz="2800" b="1" dirty="0" smtClean="0">
+              <a:latin typeface="Roboto" pitchFamily="2" charset="0"/>
+              <a:ea typeface="Roboto" pitchFamily="2" charset="0"/>
+            </a:endParaRPr>
+          </a:p>
+        </p:txBody>
+      </p:sp>
+      <p:sp>
+        <p:nvSpPr>
+          <p:cNvPr id="5" name="Title 1"/>
           <p:cNvSpPr txBox="1">
             <a:spLocks/>
           </p:cNvSpPr>
@@ -23273,7 +23046,7 @@
         </p:nvSpPr>
         <p:spPr>
           <a:xfrm>
-            <a:off x="699756" y="369910"/>
+            <a:off x="585426" y="28828"/>
             <a:ext cx="6449180" cy="1320800"/>
           </a:xfrm>
           <a:prstGeom prst="rect">
@@ -23382,7 +23155,7 @@
                 <a:latin typeface="Roboto" pitchFamily="2" charset="0"/>
                 <a:ea typeface="Roboto" pitchFamily="2" charset="0"/>
               </a:rPr>
-              <a:t>SuperColunas</a:t>
+              <a:t>Keyspace</a:t>
             </a:r>
             <a:endParaRPr lang="pt-BR" sz="4800" b="1" dirty="0">
               <a:latin typeface="Roboto" pitchFamily="2" charset="0"/>
@@ -23394,13 +23167,191 @@
     </p:spTree>
     <p:extLst>
       <p:ext uri="{BB962C8B-B14F-4D97-AF65-F5344CB8AC3E}">
-        <p14:creationId xmlns="" xmlns:p14="http://schemas.microsoft.com/office/powerpoint/2010/main" val="3181598086"/>
+        <p14:creationId xmlns="" xmlns:p14="http://schemas.microsoft.com/office/powerpoint/2010/main" val="1805970655"/>
       </p:ext>
     </p:extLst>
   </p:cSld>
   <p:clrMapOvr>
     <a:masterClrMapping/>
   </p:clrMapOvr>
+  <p:timing>
+    <p:tnLst>
+      <p:par>
+        <p:cTn id="1" dur="indefinite" restart="never" nodeType="tmRoot"/>
+      </p:par>
+    </p:tnLst>
+  </p:timing>
+</p:sld>
+</file>
+
+<file path=ppt/slides/slide21.xml><?xml version="1.0" encoding="utf-8"?>
+<p:sld xmlns:a="http://schemas.openxmlformats.org/drawingml/2006/main" xmlns:r="http://schemas.openxmlformats.org/officeDocument/2006/relationships" xmlns:p="http://schemas.openxmlformats.org/presentationml/2006/main">
+  <p:cSld>
+    <p:spTree>
+      <p:nvGrpSpPr>
+        <p:cNvPr id="1" name=""/>
+        <p:cNvGrpSpPr/>
+        <p:nvPr/>
+      </p:nvGrpSpPr>
+      <p:grpSpPr>
+        <a:xfrm>
+          <a:off x="0" y="0"/>
+          <a:ext cx="0" cy="0"/>
+          <a:chOff x="0" y="0"/>
+          <a:chExt cx="0" cy="0"/>
+        </a:xfrm>
+      </p:grpSpPr>
+      <p:sp>
+        <p:nvSpPr>
+          <p:cNvPr id="3" name="Content Placeholder 2"/>
+          <p:cNvSpPr>
+            <a:spLocks noGrp="1"/>
+          </p:cNvSpPr>
+          <p:nvPr>
+            <p:ph idx="1"/>
+          </p:nvPr>
+        </p:nvSpPr>
+        <p:spPr>
+          <a:xfrm>
+            <a:off x="570912" y="922767"/>
+            <a:ext cx="6449180" cy="1385011"/>
+          </a:xfrm>
+        </p:spPr>
+        <p:txBody>
+          <a:bodyPr>
+            <a:normAutofit/>
+          </a:bodyPr>
+          <a:lstStyle/>
+          <a:p>
+            <a:pPr algn="just"/>
+            <a:r>
+              <a:rPr lang="pt-BR" sz="3200" dirty="0" smtClean="0">
+                <a:latin typeface="Roboto" pitchFamily="2" charset="0"/>
+                <a:ea typeface="Roboto" pitchFamily="2" charset="0"/>
+              </a:rPr>
+              <a:t>Um grupo de nós onde você armazenar seus dados. </a:t>
+            </a:r>
+            <a:endParaRPr lang="pt-BR" sz="3200" dirty="0" smtClean="0">
+              <a:latin typeface="Roboto" pitchFamily="2" charset="0"/>
+              <a:ea typeface="Roboto" pitchFamily="2" charset="0"/>
+            </a:endParaRPr>
+          </a:p>
+        </p:txBody>
+      </p:sp>
+      <p:sp>
+        <p:nvSpPr>
+          <p:cNvPr id="7" name="Title 1"/>
+          <p:cNvSpPr>
+            <a:spLocks noGrp="1"/>
+          </p:cNvSpPr>
+          <p:nvPr>
+            <p:ph type="title"/>
+          </p:nvPr>
+        </p:nvSpPr>
+        <p:spPr>
+          <a:xfrm>
+            <a:off x="483826" y="0"/>
+            <a:ext cx="6449180" cy="1088571"/>
+          </a:xfrm>
+        </p:spPr>
+        <p:txBody>
+          <a:bodyPr>
+            <a:normAutofit fontScale="90000"/>
+          </a:bodyPr>
+          <a:lstStyle/>
+          <a:p>
+            <a:r>
+              <a:rPr lang="pt-BR" sz="2800" dirty="0" smtClean="0">
+                <a:latin typeface="Roboto" pitchFamily="2" charset="0"/>
+                <a:ea typeface="Roboto" pitchFamily="2" charset="0"/>
+              </a:rPr>
+              <a:t>Modelo de Dados</a:t>
+            </a:r>
+            <a:r>
+              <a:rPr lang="pt-BR" dirty="0" smtClean="0">
+                <a:latin typeface="Roboto" pitchFamily="2" charset="0"/>
+                <a:ea typeface="Roboto" pitchFamily="2" charset="0"/>
+              </a:rPr>
+              <a:t/>
+            </a:r>
+            <a:br>
+              <a:rPr lang="pt-BR" dirty="0" smtClean="0">
+                <a:latin typeface="Roboto" pitchFamily="2" charset="0"/>
+                <a:ea typeface="Roboto" pitchFamily="2" charset="0"/>
+              </a:rPr>
+            </a:br>
+            <a:r>
+              <a:rPr lang="pt-BR" sz="4800" b="1" dirty="0" smtClean="0">
+                <a:latin typeface="Roboto" pitchFamily="2" charset="0"/>
+                <a:ea typeface="Roboto" pitchFamily="2" charset="0"/>
+              </a:rPr>
+              <a:t>Cluster</a:t>
+            </a:r>
+            <a:endParaRPr lang="pt-BR" sz="4800" b="1" dirty="0">
+              <a:latin typeface="Roboto" pitchFamily="2" charset="0"/>
+              <a:ea typeface="Roboto" pitchFamily="2" charset="0"/>
+            </a:endParaRPr>
+          </a:p>
+        </p:txBody>
+      </p:sp>
+      <p:pic>
+        <p:nvPicPr>
+          <p:cNvPr id="4" name="Picture 2" descr="http://fabiorogeriosj.com.br/wp-content/uploads/2012/07/ambiente_cassandra1.jpg"/>
+          <p:cNvPicPr>
+            <a:picLocks noChangeAspect="1" noChangeArrowheads="1"/>
+          </p:cNvPicPr>
+          <p:nvPr/>
+        </p:nvPicPr>
+        <p:blipFill>
+          <a:blip r:embed="rId2">
+            <a:extLst>
+              <a:ext uri="{28A0092B-C50C-407E-A947-70E740481C1C}">
+                <a14:useLocalDpi xmlns="" xmlns:a14="http://schemas.microsoft.com/office/drawing/2010/main" val="0"/>
+              </a:ext>
+            </a:extLst>
+          </a:blip>
+          <a:srcRect/>
+          <a:stretch>
+            <a:fillRect/>
+          </a:stretch>
+        </p:blipFill>
+        <p:spPr bwMode="auto">
+          <a:xfrm>
+            <a:off x="261258" y="1869229"/>
+            <a:ext cx="7881256" cy="4988771"/>
+          </a:xfrm>
+          <a:prstGeom prst="rect">
+            <a:avLst/>
+          </a:prstGeom>
+          <a:noFill/>
+          <a:extLst>
+            <a:ext uri="{909E8E84-426E-40DD-AFC4-6F175D3DCCD1}">
+              <a14:hiddenFill xmlns="" xmlns:a14="http://schemas.microsoft.com/office/drawing/2010/main">
+                <a:solidFill>
+                  <a:srgbClr val="FFFFFF"/>
+                </a:solidFill>
+              </a14:hiddenFill>
+            </a:ext>
+          </a:extLst>
+        </p:spPr>
+      </p:pic>
+    </p:spTree>
+    <p:extLst>
+      <p:ext uri="{BB962C8B-B14F-4D97-AF65-F5344CB8AC3E}">
+        <p14:creationId xmlns="" xmlns:p14="http://schemas.microsoft.com/office/powerpoint/2010/main" val="3833513414"/>
+      </p:ext>
+    </p:extLst>
+  </p:cSld>
+  <p:clrMapOvr>
+    <a:masterClrMapping/>
+  </p:clrMapOvr>
+  <p:timing>
+    <p:tnLst>
+      <p:par>
+        <p:cTn id="1" dur="indefinite" restart="never" nodeType="tmRoot"/>
+      </p:par>
+    </p:tnLst>
+  </p:timing>
 </p:sld>
 </file>
 
@@ -23423,6 +23374,118 @@
       </p:grpSpPr>
       <p:sp>
         <p:nvSpPr>
+          <p:cNvPr id="4" name="Title 1"/>
+          <p:cNvSpPr>
+            <a:spLocks noGrp="1"/>
+          </p:cNvSpPr>
+          <p:nvPr>
+            <p:ph type="title"/>
+          </p:nvPr>
+        </p:nvSpPr>
+        <p:spPr>
+          <a:xfrm>
+            <a:off x="246658" y="42642"/>
+            <a:ext cx="7823290" cy="755644"/>
+          </a:xfrm>
+        </p:spPr>
+        <p:txBody>
+          <a:bodyPr>
+            <a:normAutofit fontScale="90000"/>
+          </a:bodyPr>
+          <a:lstStyle/>
+          <a:p>
+            <a:r>
+              <a:rPr lang="pt-BR" sz="5400" b="1" dirty="0" err="1" smtClean="0">
+                <a:latin typeface="Roboto" pitchFamily="2" charset="0"/>
+                <a:ea typeface="Roboto" pitchFamily="2" charset="0"/>
+              </a:rPr>
+              <a:t>Particionamento</a:t>
+            </a:r>
+            <a:r>
+              <a:rPr lang="pt-BR" sz="5400" b="1" dirty="0" smtClean="0">
+                <a:latin typeface="Roboto" pitchFamily="2" charset="0"/>
+                <a:ea typeface="Roboto" pitchFamily="2" charset="0"/>
+              </a:rPr>
+              <a:t> / Replicação / Anel</a:t>
+            </a:r>
+            <a:endParaRPr lang="pt-BR" sz="5400" b="1" dirty="0">
+              <a:latin typeface="Roboto" pitchFamily="2" charset="0"/>
+              <a:ea typeface="Roboto" pitchFamily="2" charset="0"/>
+            </a:endParaRPr>
+          </a:p>
+        </p:txBody>
+      </p:sp>
+      <p:pic>
+        <p:nvPicPr>
+          <p:cNvPr id="19457" name="Picture 1"/>
+          <p:cNvPicPr>
+            <a:picLocks noChangeAspect="1" noChangeArrowheads="1"/>
+          </p:cNvPicPr>
+          <p:nvPr/>
+        </p:nvPicPr>
+        <p:blipFill>
+          <a:blip r:embed="rId2"/>
+          <a:srcRect/>
+          <a:stretch>
+            <a:fillRect/>
+          </a:stretch>
+        </p:blipFill>
+        <p:spPr bwMode="auto">
+          <a:xfrm>
+            <a:off x="2034267" y="854981"/>
+            <a:ext cx="3938346" cy="5785304"/>
+          </a:xfrm>
+          <a:prstGeom prst="rect">
+            <a:avLst/>
+          </a:prstGeom>
+          <a:noFill/>
+          <a:ln w="9525">
+            <a:noFill/>
+            <a:miter lim="800000"/>
+            <a:headEnd/>
+            <a:tailEnd/>
+          </a:ln>
+        </p:spPr>
+      </p:pic>
+    </p:spTree>
+    <p:extLst>
+      <p:ext uri="{BB962C8B-B14F-4D97-AF65-F5344CB8AC3E}">
+        <p14:creationId xmlns="" xmlns:p14="http://schemas.microsoft.com/office/powerpoint/2010/main" val="2543902999"/>
+      </p:ext>
+    </p:extLst>
+  </p:cSld>
+  <p:clrMapOvr>
+    <a:masterClrMapping/>
+  </p:clrMapOvr>
+  <p:timing>
+    <p:tnLst>
+      <p:par>
+        <p:cTn id="1" dur="indefinite" restart="never" nodeType="tmRoot"/>
+      </p:par>
+    </p:tnLst>
+  </p:timing>
+</p:sld>
+</file>
+
+<file path=ppt/slides/slide23.xml><?xml version="1.0" encoding="utf-8"?>
+<p:sld xmlns:a="http://schemas.openxmlformats.org/drawingml/2006/main" xmlns:r="http://schemas.openxmlformats.org/officeDocument/2006/relationships" xmlns:p="http://schemas.openxmlformats.org/presentationml/2006/main">
+  <p:cSld>
+    <p:spTree>
+      <p:nvGrpSpPr>
+        <p:cNvPr id="1" name=""/>
+        <p:cNvGrpSpPr/>
+        <p:nvPr/>
+      </p:nvGrpSpPr>
+      <p:grpSpPr>
+        <a:xfrm>
+          <a:off x="0" y="0"/>
+          <a:ext cx="0" cy="0"/>
+          <a:chOff x="0" y="0"/>
+          <a:chExt cx="0" cy="0"/>
+        </a:xfrm>
+      </p:grpSpPr>
+      <p:sp>
+        <p:nvSpPr>
           <p:cNvPr id="2" name="Title 1"/>
           <p:cNvSpPr>
             <a:spLocks noGrp="1"/>
@@ -23502,9 +23565,9 @@
             <a:endParaRPr lang="pt-BR" dirty="0" smtClean="0"/>
           </a:p>
           <a:p>
-            <a:endParaRPr lang="pt-BR" dirty="0" smtClean="0"/>
-          </a:p>
-          <a:p>
+            <a:pPr>
+              <a:buNone/>
+            </a:pPr>
             <a:endParaRPr lang="pt-BR" dirty="0" smtClean="0"/>
           </a:p>
           <a:p>
@@ -23574,7 +23637,7 @@
         <p:spPr bwMode="auto">
           <a:xfrm>
             <a:off x="1868578" y="1624014"/>
-            <a:ext cx="2550983" cy="1457325"/>
+            <a:ext cx="3196908" cy="1457325"/>
           </a:xfrm>
           <a:prstGeom prst="rect">
             <a:avLst/>
@@ -23600,7 +23663,7 @@
         <p:spPr bwMode="auto">
           <a:xfrm>
             <a:off x="1089705" y="4438651"/>
-            <a:ext cx="4208766" cy="1971675"/>
+            <a:ext cx="5993266" cy="1971675"/>
           </a:xfrm>
           <a:prstGeom prst="rect">
             <a:avLst/>
@@ -23618,10 +23681,17 @@
   <p:clrMapOvr>
     <a:masterClrMapping/>
   </p:clrMapOvr>
+  <p:timing>
+    <p:tnLst>
+      <p:par>
+        <p:cTn id="1" dur="indefinite" restart="never" nodeType="tmRoot"/>
+      </p:par>
+    </p:tnLst>
+  </p:timing>
 </p:sld>
 </file>
 
-<file path=ppt/slides/slide23.xml><?xml version="1.0" encoding="utf-8"?>
+<file path=ppt/slides/slide24.xml><?xml version="1.0" encoding="utf-8"?>
 <p:sld xmlns:a="http://schemas.openxmlformats.org/drawingml/2006/main" xmlns:r="http://schemas.openxmlformats.org/officeDocument/2006/relationships" xmlns:p="http://schemas.openxmlformats.org/presentationml/2006/main">
   <p:cSld>
     <p:spTree>
@@ -23655,8 +23725,8 @@
         </p:blipFill>
         <p:spPr bwMode="auto">
           <a:xfrm>
-            <a:off x="1352902" y="1276350"/>
-            <a:ext cx="4837579" cy="3257550"/>
+            <a:off x="627188" y="1160236"/>
+            <a:ext cx="6760584" cy="4552471"/>
           </a:xfrm>
           <a:prstGeom prst="rect">
             <a:avLst/>
@@ -23708,228 +23778,13 @@
   <p:clrMapOvr>
     <a:masterClrMapping/>
   </p:clrMapOvr>
-</p:sld>
-</file>
-
-<file path=ppt/slides/slide24.xml><?xml version="1.0" encoding="utf-8"?>
-<p:sld xmlns:a="http://schemas.openxmlformats.org/drawingml/2006/main" xmlns:r="http://schemas.openxmlformats.org/officeDocument/2006/relationships" xmlns:p="http://schemas.openxmlformats.org/presentationml/2006/main">
-  <p:cSld>
-    <p:spTree>
-      <p:nvGrpSpPr>
-        <p:cNvPr id="1" name=""/>
-        <p:cNvGrpSpPr/>
-        <p:nvPr/>
-      </p:nvGrpSpPr>
-      <p:grpSpPr>
-        <a:xfrm>
-          <a:off x="0" y="0"/>
-          <a:ext cx="0" cy="0"/>
-          <a:chOff x="0" y="0"/>
-          <a:chExt cx="0" cy="0"/>
-        </a:xfrm>
-      </p:grpSpPr>
-      <p:sp>
-        <p:nvSpPr>
-          <p:cNvPr id="5" name="Title 1"/>
-          <p:cNvSpPr>
-            <a:spLocks noGrp="1"/>
-          </p:cNvSpPr>
-          <p:nvPr>
-            <p:ph type="title"/>
-          </p:nvPr>
-        </p:nvSpPr>
-        <p:spPr>
-          <a:xfrm>
-            <a:off x="508133" y="609600"/>
-            <a:ext cx="6449180" cy="1320800"/>
-          </a:xfrm>
-        </p:spPr>
-        <p:txBody>
-          <a:bodyPr>
-            <a:normAutofit/>
-          </a:bodyPr>
-          <a:lstStyle/>
-          <a:p>
-            <a:r>
-              <a:rPr lang="pt-BR" sz="5400" b="1" dirty="0" smtClean="0">
-                <a:latin typeface="Roboto" pitchFamily="2" charset="0"/>
-                <a:ea typeface="Roboto" pitchFamily="2" charset="0"/>
-              </a:rPr>
-              <a:t>Considerações</a:t>
-            </a:r>
-            <a:endParaRPr lang="pt-BR" sz="5400" b="1" dirty="0">
-              <a:latin typeface="Roboto" pitchFamily="2" charset="0"/>
-              <a:ea typeface="Roboto" pitchFamily="2" charset="0"/>
-            </a:endParaRPr>
-          </a:p>
-        </p:txBody>
-      </p:sp>
-      <p:sp>
-        <p:nvSpPr>
-          <p:cNvPr id="7" name="Content Placeholder 2"/>
-          <p:cNvSpPr>
-            <a:spLocks noGrp="1"/>
-          </p:cNvSpPr>
-          <p:nvPr>
-            <p:ph idx="1"/>
-          </p:nvPr>
-        </p:nvSpPr>
-        <p:spPr>
-          <a:xfrm>
-            <a:off x="585426" y="1524000"/>
-            <a:ext cx="6689812" cy="4347791"/>
-          </a:xfrm>
-        </p:spPr>
-        <p:txBody>
-          <a:bodyPr>
-            <a:noAutofit/>
-          </a:bodyPr>
-          <a:lstStyle/>
-          <a:p>
-            <a:pPr algn="just"/>
-            <a:r>
-              <a:rPr lang="pt-BR" sz="3200" dirty="0">
-                <a:latin typeface="Roboto" pitchFamily="2" charset="0"/>
-                <a:ea typeface="Roboto" pitchFamily="2" charset="0"/>
-              </a:rPr>
-              <a:t>Altas escalabilidade e disponibilidade, sem um ponto único de </a:t>
-            </a:r>
-            <a:r>
-              <a:rPr lang="pt-BR" sz="3200" dirty="0" smtClean="0">
-                <a:latin typeface="Roboto" pitchFamily="2" charset="0"/>
-                <a:ea typeface="Roboto" pitchFamily="2" charset="0"/>
-              </a:rPr>
-              <a:t>falha;</a:t>
-            </a:r>
-            <a:endParaRPr lang="pt-BR" sz="3200" dirty="0">
-              <a:latin typeface="Roboto" pitchFamily="2" charset="0"/>
-              <a:ea typeface="Roboto" pitchFamily="2" charset="0"/>
-            </a:endParaRPr>
-          </a:p>
-          <a:p>
-            <a:pPr algn="just"/>
-            <a:r>
-              <a:rPr lang="pt-BR" sz="3200" dirty="0">
-                <a:latin typeface="Roboto" pitchFamily="2" charset="0"/>
-                <a:ea typeface="Roboto" pitchFamily="2" charset="0"/>
-              </a:rPr>
-              <a:t>Implementação da família de colunas </a:t>
-            </a:r>
-            <a:r>
-              <a:rPr lang="pt-BR" sz="3200" dirty="0" err="1" smtClean="0">
-                <a:latin typeface="Roboto" pitchFamily="2" charset="0"/>
-                <a:ea typeface="Roboto" pitchFamily="2" charset="0"/>
-              </a:rPr>
-              <a:t>NoSQL</a:t>
-            </a:r>
-            <a:r>
-              <a:rPr lang="pt-BR" sz="3200" dirty="0" smtClean="0">
-                <a:latin typeface="Roboto" pitchFamily="2" charset="0"/>
-                <a:ea typeface="Roboto" pitchFamily="2" charset="0"/>
-              </a:rPr>
-              <a:t>;</a:t>
-            </a:r>
-            <a:endParaRPr lang="pt-BR" sz="3200" dirty="0">
-              <a:latin typeface="Roboto" pitchFamily="2" charset="0"/>
-              <a:ea typeface="Roboto" pitchFamily="2" charset="0"/>
-            </a:endParaRPr>
-          </a:p>
-          <a:p>
-            <a:pPr algn="just"/>
-            <a:r>
-              <a:rPr lang="pt-BR" sz="3200" dirty="0">
-                <a:latin typeface="Roboto" pitchFamily="2" charset="0"/>
-                <a:ea typeface="Roboto" pitchFamily="2" charset="0"/>
-              </a:rPr>
-              <a:t>Rendimento de gravação muito alto e bom rendimento de </a:t>
-            </a:r>
-            <a:r>
-              <a:rPr lang="pt-BR" sz="3200" dirty="0" smtClean="0">
-                <a:latin typeface="Roboto" pitchFamily="2" charset="0"/>
-                <a:ea typeface="Roboto" pitchFamily="2" charset="0"/>
-              </a:rPr>
-              <a:t>leitura;</a:t>
-            </a:r>
-            <a:endParaRPr lang="pt-BR" sz="3200" dirty="0">
-              <a:latin typeface="Roboto" pitchFamily="2" charset="0"/>
-              <a:ea typeface="Roboto" pitchFamily="2" charset="0"/>
-            </a:endParaRPr>
-          </a:p>
-          <a:p>
-            <a:pPr algn="just"/>
-            <a:r>
-              <a:rPr lang="pt-BR" sz="3200" dirty="0">
-                <a:latin typeface="Roboto" pitchFamily="2" charset="0"/>
-                <a:ea typeface="Roboto" pitchFamily="2" charset="0"/>
-              </a:rPr>
-              <a:t>Linguagem de consulta semelhante a SQL (desde 0.8) e suporte para procura por índices </a:t>
-            </a:r>
-            <a:r>
-              <a:rPr lang="pt-BR" sz="3200" dirty="0" smtClean="0">
-                <a:latin typeface="Roboto" pitchFamily="2" charset="0"/>
-                <a:ea typeface="Roboto" pitchFamily="2" charset="0"/>
-              </a:rPr>
-              <a:t>secundários;</a:t>
-            </a:r>
-            <a:endParaRPr lang="pt-BR" sz="3200" dirty="0">
-              <a:latin typeface="Roboto" pitchFamily="2" charset="0"/>
-              <a:ea typeface="Roboto" pitchFamily="2" charset="0"/>
-            </a:endParaRPr>
-          </a:p>
-          <a:p>
-            <a:pPr algn="just"/>
-            <a:r>
-              <a:rPr lang="pt-BR" sz="3200" dirty="0">
-                <a:latin typeface="Roboto" pitchFamily="2" charset="0"/>
-                <a:ea typeface="Roboto" pitchFamily="2" charset="0"/>
-              </a:rPr>
-              <a:t>Consistência ajustável e suporte para </a:t>
-            </a:r>
-            <a:r>
-              <a:rPr lang="pt-BR" sz="3200" dirty="0" smtClean="0">
-                <a:latin typeface="Roboto" pitchFamily="2" charset="0"/>
-                <a:ea typeface="Roboto" pitchFamily="2" charset="0"/>
-              </a:rPr>
-              <a:t>replicação;</a:t>
-            </a:r>
-            <a:endParaRPr lang="pt-BR" sz="3200" dirty="0">
-              <a:latin typeface="Roboto" pitchFamily="2" charset="0"/>
-              <a:ea typeface="Roboto" pitchFamily="2" charset="0"/>
-            </a:endParaRPr>
-          </a:p>
-          <a:p>
-            <a:pPr algn="just"/>
-            <a:r>
-              <a:rPr lang="pt-BR" sz="3200" dirty="0">
-                <a:latin typeface="Roboto" pitchFamily="2" charset="0"/>
-                <a:ea typeface="Roboto" pitchFamily="2" charset="0"/>
-              </a:rPr>
-              <a:t>Esquema </a:t>
-            </a:r>
-            <a:r>
-              <a:rPr lang="pt-BR" sz="3200" dirty="0" smtClean="0">
-                <a:latin typeface="Roboto" pitchFamily="2" charset="0"/>
-                <a:ea typeface="Roboto" pitchFamily="2" charset="0"/>
-              </a:rPr>
-              <a:t>flexível;</a:t>
-            </a:r>
-            <a:endParaRPr lang="pt-BR" sz="3200" dirty="0">
-              <a:latin typeface="Roboto" pitchFamily="2" charset="0"/>
-              <a:ea typeface="Roboto" pitchFamily="2" charset="0"/>
-            </a:endParaRPr>
-          </a:p>
-        </p:txBody>
-      </p:sp>
-    </p:spTree>
-    <p:extLst>
-      <p:ext uri="{BB962C8B-B14F-4D97-AF65-F5344CB8AC3E}">
-        <p14:creationId xmlns="" xmlns:p14="http://schemas.microsoft.com/office/powerpoint/2010/main" val="3841440733"/>
-      </p:ext>
-    </p:extLst>
-  </p:cSld>
-  <p:clrMapOvr>
-    <a:masterClrMapping/>
-  </p:clrMapOvr>
+  <p:timing>
+    <p:tnLst>
+      <p:par>
+        <p:cTn id="1" dur="indefinite" restart="never" nodeType="tmRoot"/>
+      </p:par>
+    </p:tnLst>
+  </p:timing>
 </p:sld>
 </file>
 
@@ -23962,13 +23817,13 @@
         </p:nvSpPr>
         <p:spPr>
           <a:xfrm>
-            <a:off x="508133" y="609600"/>
-            <a:ext cx="6449180" cy="1320800"/>
+            <a:off x="580481" y="1174755"/>
+            <a:ext cx="6662148" cy="2032901"/>
           </a:xfrm>
         </p:spPr>
         <p:txBody>
           <a:bodyPr>
-            <a:normAutofit/>
+            <a:normAutofit fontScale="90000"/>
           </a:bodyPr>
           <a:lstStyle/>
           <a:p>
@@ -23977,7 +23832,75 @@
                 <a:latin typeface="Roboto" pitchFamily="2" charset="0"/>
                 <a:ea typeface="Roboto" pitchFamily="2" charset="0"/>
               </a:rPr>
-              <a:t>Considerações</a:t>
+              <a:t>Na prática </a:t>
+            </a:r>
+            <a:r>
+              <a:rPr lang="pt-BR" sz="5400" b="1" dirty="0" smtClean="0">
+                <a:latin typeface="Roboto" pitchFamily="2" charset="0"/>
+                <a:ea typeface="Roboto" pitchFamily="2" charset="0"/>
+              </a:rPr>
+              <a:t/>
+            </a:r>
+            <a:br>
+              <a:rPr lang="pt-BR" sz="5400" b="1" dirty="0" smtClean="0">
+                <a:latin typeface="Roboto" pitchFamily="2" charset="0"/>
+                <a:ea typeface="Roboto" pitchFamily="2" charset="0"/>
+              </a:rPr>
+            </a:br>
+            <a:r>
+              <a:rPr lang="pt-BR" sz="5400" b="1" dirty="0" smtClean="0">
+                <a:latin typeface="Roboto" pitchFamily="2" charset="0"/>
+                <a:ea typeface="Roboto" pitchFamily="2" charset="0"/>
+              </a:rPr>
+              <a:t>e </a:t>
+            </a:r>
+            <a:br>
+              <a:rPr lang="pt-BR" sz="5400" b="1" dirty="0" smtClean="0">
+                <a:latin typeface="Roboto" pitchFamily="2" charset="0"/>
+                <a:ea typeface="Roboto" pitchFamily="2" charset="0"/>
+              </a:rPr>
+            </a:br>
+            <a:r>
+              <a:rPr lang="pt-BR" sz="5400" b="1" dirty="0" smtClean="0">
+                <a:latin typeface="Roboto" pitchFamily="2" charset="0"/>
+                <a:ea typeface="Roboto" pitchFamily="2" charset="0"/>
+              </a:rPr>
+              <a:t>CQL </a:t>
+            </a:r>
+            <a:r>
+              <a:rPr lang="pt-BR" sz="5400" b="1" dirty="0" smtClean="0">
+                <a:latin typeface="Roboto" pitchFamily="2" charset="0"/>
+                <a:ea typeface="Roboto" pitchFamily="2" charset="0"/>
+              </a:rPr>
+              <a:t>(Cassandra </a:t>
+            </a:r>
+            <a:r>
+              <a:rPr lang="pt-BR" sz="5400" b="1" dirty="0" err="1" smtClean="0">
+                <a:latin typeface="Roboto" pitchFamily="2" charset="0"/>
+                <a:ea typeface="Roboto" pitchFamily="2" charset="0"/>
+              </a:rPr>
+              <a:t>Query</a:t>
+            </a:r>
+            <a:r>
+              <a:rPr lang="pt-BR" sz="5400" b="1" dirty="0" smtClean="0">
+                <a:latin typeface="Roboto" pitchFamily="2" charset="0"/>
+                <a:ea typeface="Roboto" pitchFamily="2" charset="0"/>
+              </a:rPr>
+              <a:t> </a:t>
+            </a:r>
+            <a:r>
+              <a:rPr lang="pt-BR" sz="5400" b="1" dirty="0" err="1" smtClean="0">
+                <a:latin typeface="Roboto" pitchFamily="2" charset="0"/>
+                <a:ea typeface="Roboto" pitchFamily="2" charset="0"/>
+              </a:rPr>
+              <a:t>Language</a:t>
+            </a:r>
+            <a:r>
+              <a:rPr lang="pt-BR" sz="5400" b="1" dirty="0" smtClean="0">
+                <a:latin typeface="Roboto" pitchFamily="2" charset="0"/>
+                <a:ea typeface="Roboto" pitchFamily="2" charset="0"/>
+              </a:rPr>
+              <a:t>)</a:t>
             </a:r>
             <a:endParaRPr lang="pt-BR" sz="5400" b="1" dirty="0">
               <a:latin typeface="Roboto" pitchFamily="2" charset="0"/>
@@ -23986,186 +23909,23 @@
           </a:p>
         </p:txBody>
       </p:sp>
-      <p:sp>
-        <p:nvSpPr>
-          <p:cNvPr id="5" name="Content Placeholder 2"/>
-          <p:cNvSpPr>
-            <a:spLocks noGrp="1"/>
-          </p:cNvSpPr>
-          <p:nvPr>
-            <p:ph idx="1"/>
-          </p:nvPr>
-        </p:nvSpPr>
-        <p:spPr>
-          <a:xfrm>
-            <a:off x="585426" y="1524000"/>
-            <a:ext cx="6689812" cy="5031346"/>
-          </a:xfrm>
-        </p:spPr>
-        <p:txBody>
-          <a:bodyPr>
-            <a:normAutofit/>
-          </a:bodyPr>
-          <a:lstStyle/>
-          <a:p>
-            <a:pPr algn="just"/>
-            <a:r>
-              <a:rPr lang="pt-BR" sz="3200" dirty="0">
-                <a:latin typeface="Roboto" pitchFamily="2" charset="0"/>
-                <a:ea typeface="Roboto" pitchFamily="2" charset="0"/>
-              </a:rPr>
-              <a:t>Sem transações, sem </a:t>
-            </a:r>
-            <a:r>
-              <a:rPr lang="pt-BR" sz="3200" dirty="0" err="1" smtClean="0">
-                <a:latin typeface="Roboto" pitchFamily="2" charset="0"/>
-                <a:ea typeface="Roboto" pitchFamily="2" charset="0"/>
-              </a:rPr>
-              <a:t>JOINs</a:t>
-            </a:r>
-            <a:r>
-              <a:rPr lang="pt-BR" sz="3200" dirty="0" smtClean="0">
-                <a:latin typeface="Roboto" pitchFamily="2" charset="0"/>
-                <a:ea typeface="Roboto" pitchFamily="2" charset="0"/>
-              </a:rPr>
-              <a:t>;</a:t>
-            </a:r>
-          </a:p>
-          <a:p>
-            <a:pPr algn="just"/>
-            <a:r>
-              <a:rPr lang="pt-BR" sz="3200" dirty="0">
-                <a:latin typeface="Roboto" pitchFamily="2" charset="0"/>
-                <a:ea typeface="Roboto" pitchFamily="2" charset="0"/>
-              </a:rPr>
-              <a:t>Sem chaves estrangeiras. As chaves são </a:t>
-            </a:r>
-            <a:r>
-              <a:rPr lang="pt-BR" sz="3200" dirty="0" smtClean="0">
-                <a:latin typeface="Roboto" pitchFamily="2" charset="0"/>
-                <a:ea typeface="Roboto" pitchFamily="2" charset="0"/>
-              </a:rPr>
-              <a:t>imutáveis;</a:t>
-            </a:r>
-          </a:p>
-          <a:p>
-            <a:pPr algn="just"/>
-            <a:r>
-              <a:rPr lang="pt-BR" sz="3200" dirty="0">
-                <a:latin typeface="Roboto" pitchFamily="2" charset="0"/>
-                <a:ea typeface="Roboto" pitchFamily="2" charset="0"/>
-              </a:rPr>
-              <a:t>As chaves devem ser </a:t>
-            </a:r>
-            <a:r>
-              <a:rPr lang="pt-BR" sz="3200" dirty="0" smtClean="0">
-                <a:latin typeface="Roboto" pitchFamily="2" charset="0"/>
-                <a:ea typeface="Roboto" pitchFamily="2" charset="0"/>
-              </a:rPr>
-              <a:t>exclusivas;</a:t>
-            </a:r>
-          </a:p>
-          <a:p>
-            <a:pPr algn="just"/>
-            <a:r>
-              <a:rPr lang="pt-BR" sz="3200" dirty="0">
-                <a:latin typeface="Roboto" pitchFamily="2" charset="0"/>
-                <a:ea typeface="Roboto" pitchFamily="2" charset="0"/>
-              </a:rPr>
-              <a:t>Operações com falha podem deixar </a:t>
-            </a:r>
-            <a:r>
-              <a:rPr lang="pt-BR" sz="3200" dirty="0" smtClean="0">
-                <a:latin typeface="Roboto" pitchFamily="2" charset="0"/>
-                <a:ea typeface="Roboto" pitchFamily="2" charset="0"/>
-              </a:rPr>
-              <a:t>mudanças;</a:t>
-            </a:r>
-          </a:p>
-          <a:p>
-            <a:pPr algn="just"/>
-            <a:r>
-              <a:rPr lang="pt-BR" sz="3200" dirty="0">
-                <a:latin typeface="Roboto" pitchFamily="2" charset="0"/>
-                <a:ea typeface="Roboto" pitchFamily="2" charset="0"/>
-              </a:rPr>
-              <a:t>A procura é </a:t>
-            </a:r>
-            <a:r>
-              <a:rPr lang="pt-BR" sz="3200" dirty="0" smtClean="0">
-                <a:latin typeface="Roboto" pitchFamily="2" charset="0"/>
-                <a:ea typeface="Roboto" pitchFamily="2" charset="0"/>
-              </a:rPr>
-              <a:t>complicada;</a:t>
-            </a:r>
-          </a:p>
-          <a:p>
-            <a:pPr algn="just"/>
-            <a:r>
-              <a:rPr lang="pt-BR" sz="3200" dirty="0">
-                <a:latin typeface="Roboto" pitchFamily="2" charset="0"/>
-                <a:ea typeface="Roboto" pitchFamily="2" charset="0"/>
-              </a:rPr>
-              <a:t>Recomenda-se não usar </a:t>
-            </a:r>
-            <a:r>
-              <a:rPr lang="pt-BR" sz="3200" dirty="0" err="1">
-                <a:latin typeface="Roboto" pitchFamily="2" charset="0"/>
-                <a:ea typeface="Roboto" pitchFamily="2" charset="0"/>
-              </a:rPr>
-              <a:t>supercolunas</a:t>
-            </a:r>
-            <a:r>
-              <a:rPr lang="pt-BR" sz="3200" dirty="0">
-                <a:latin typeface="Roboto" pitchFamily="2" charset="0"/>
-                <a:ea typeface="Roboto" pitchFamily="2" charset="0"/>
-              </a:rPr>
-              <a:t> e particionadores de </a:t>
-            </a:r>
-            <a:r>
-              <a:rPr lang="pt-BR" sz="3200" dirty="0" smtClean="0">
-                <a:latin typeface="Roboto" pitchFamily="2" charset="0"/>
-                <a:ea typeface="Roboto" pitchFamily="2" charset="0"/>
-              </a:rPr>
-              <a:t>preservação;</a:t>
-            </a:r>
-          </a:p>
-          <a:p>
-            <a:pPr algn="just"/>
-            <a:r>
-              <a:rPr lang="pt-BR" sz="3200" dirty="0">
-                <a:latin typeface="Roboto" pitchFamily="2" charset="0"/>
-                <a:ea typeface="Roboto" pitchFamily="2" charset="0"/>
-              </a:rPr>
-              <a:t>A recuperação da falha é </a:t>
-            </a:r>
-            <a:r>
-              <a:rPr lang="pt-BR" sz="3200" dirty="0" smtClean="0">
-                <a:latin typeface="Roboto" pitchFamily="2" charset="0"/>
-                <a:ea typeface="Roboto" pitchFamily="2" charset="0"/>
-              </a:rPr>
-              <a:t>manual.</a:t>
-            </a:r>
-          </a:p>
-          <a:p>
-            <a:pPr algn="just"/>
-            <a:endParaRPr lang="pt-BR" sz="3200" dirty="0">
-              <a:latin typeface="Roboto" pitchFamily="2" charset="0"/>
-              <a:ea typeface="Roboto" pitchFamily="2" charset="0"/>
-            </a:endParaRPr>
-          </a:p>
-        </p:txBody>
-      </p:sp>
     </p:spTree>
     <p:extLst>
       <p:ext uri="{BB962C8B-B14F-4D97-AF65-F5344CB8AC3E}">
-        <p14:creationId xmlns="" xmlns:p14="http://schemas.microsoft.com/office/powerpoint/2010/main" val="176991499"/>
+        <p14:creationId xmlns="" xmlns:p14="http://schemas.microsoft.com/office/powerpoint/2010/main" val="2543902999"/>
       </p:ext>
     </p:extLst>
   </p:cSld>
   <p:clrMapOvr>
     <a:masterClrMapping/>
   </p:clrMapOvr>
+  <p:timing>
+    <p:tnLst>
+      <p:par>
+        <p:cTn id="1" dur="indefinite" restart="never" nodeType="tmRoot"/>
+      </p:par>
+    </p:tnLst>
+  </p:timing>
 </p:sld>
 </file>
 
@@ -24188,6 +23948,42 @@
       </p:grpSpPr>
       <p:sp>
         <p:nvSpPr>
+          <p:cNvPr id="4" name="Title 1"/>
+          <p:cNvSpPr>
+            <a:spLocks noGrp="1"/>
+          </p:cNvSpPr>
+          <p:nvPr>
+            <p:ph type="title"/>
+          </p:nvPr>
+        </p:nvSpPr>
+        <p:spPr>
+          <a:xfrm>
+            <a:off x="522424" y="42642"/>
+            <a:ext cx="6449180" cy="1320800"/>
+          </a:xfrm>
+        </p:spPr>
+        <p:txBody>
+          <a:bodyPr>
+            <a:normAutofit/>
+          </a:bodyPr>
+          <a:lstStyle/>
+          <a:p>
+            <a:r>
+              <a:rPr lang="pt-BR" sz="5400" b="1" dirty="0" smtClean="0">
+                <a:latin typeface="Roboto" pitchFamily="2" charset="0"/>
+                <a:ea typeface="Roboto" pitchFamily="2" charset="0"/>
+              </a:rPr>
+              <a:t>Mais Cassandra</a:t>
+            </a:r>
+            <a:endParaRPr lang="pt-BR" sz="5400" b="1" dirty="0">
+              <a:latin typeface="Roboto" pitchFamily="2" charset="0"/>
+              <a:ea typeface="Roboto" pitchFamily="2" charset="0"/>
+            </a:endParaRPr>
+          </a:p>
+        </p:txBody>
+      </p:sp>
+      <p:sp>
+        <p:nvSpPr>
           <p:cNvPr id="5" name="Content Placeholder 2"/>
           <p:cNvSpPr>
             <a:spLocks noGrp="1"/>
@@ -24198,311 +23994,226 @@
         </p:nvSpPr>
         <p:spPr>
           <a:xfrm>
-            <a:off x="483085" y="1428750"/>
-            <a:ext cx="6077190" cy="5429250"/>
+            <a:off x="508133" y="1189272"/>
+            <a:ext cx="6892707" cy="5472785"/>
           </a:xfrm>
         </p:spPr>
         <p:txBody>
           <a:bodyPr>
-            <a:normAutofit fontScale="62500" lnSpcReduction="20000"/>
+            <a:noAutofit/>
           </a:bodyPr>
           <a:lstStyle/>
           <a:p>
-            <a:pPr algn="just"/>
-            <a:r>
-              <a:rPr lang="pt-BR" sz="2900" b="1" dirty="0">
-                <a:latin typeface="Roboto" pitchFamily="2" charset="0"/>
-                <a:ea typeface="Roboto" pitchFamily="2" charset="0"/>
-              </a:rPr>
-              <a:t>Python:</a:t>
-            </a:r>
-          </a:p>
-          <a:p>
-            <a:pPr lvl="1" algn="just"/>
-            <a:r>
-              <a:rPr lang="pt-BR" sz="2500" dirty="0" err="1">
-                <a:latin typeface="Roboto" pitchFamily="2" charset="0"/>
-                <a:ea typeface="Roboto" pitchFamily="2" charset="0"/>
-              </a:rPr>
-              <a:t>Pycassa</a:t>
-            </a:r>
-            <a:r>
-              <a:rPr lang="pt-BR" sz="2500" dirty="0">
-                <a:latin typeface="Roboto" pitchFamily="2" charset="0"/>
-                <a:ea typeface="Roboto" pitchFamily="2" charset="0"/>
-              </a:rPr>
-              <a:t>: http://github.com/pycassa/pycassa</a:t>
-            </a:r>
-          </a:p>
-          <a:p>
-            <a:pPr algn="just"/>
-            <a:r>
-              <a:rPr lang="pt-BR" sz="3100" b="1" dirty="0" smtClean="0">
-                <a:latin typeface="Roboto" pitchFamily="2" charset="0"/>
-                <a:ea typeface="Roboto" pitchFamily="2" charset="0"/>
-              </a:rPr>
-              <a:t>Java</a:t>
-            </a:r>
-            <a:r>
-              <a:rPr lang="pt-BR" sz="3100" b="1" dirty="0">
-                <a:latin typeface="Roboto" pitchFamily="2" charset="0"/>
-                <a:ea typeface="Roboto" pitchFamily="2" charset="0"/>
-              </a:rPr>
-              <a:t>:</a:t>
-            </a:r>
-          </a:p>
-          <a:p>
-            <a:pPr lvl="1" algn="just"/>
-            <a:r>
-              <a:rPr lang="pt-BR" sz="2500" dirty="0">
-                <a:latin typeface="Roboto" pitchFamily="2" charset="0"/>
-                <a:ea typeface="Roboto" pitchFamily="2" charset="0"/>
-              </a:rPr>
-              <a:t>Hector: http://hector-client.org</a:t>
-            </a:r>
-          </a:p>
-          <a:p>
-            <a:pPr lvl="1" algn="just"/>
-            <a:r>
-              <a:rPr lang="pt-BR" sz="2500" dirty="0" err="1">
-                <a:latin typeface="Roboto" pitchFamily="2" charset="0"/>
-                <a:ea typeface="Roboto" pitchFamily="2" charset="0"/>
-              </a:rPr>
-              <a:t>EasyCassandra</a:t>
-            </a:r>
-            <a:r>
-              <a:rPr lang="pt-BR" sz="2500" dirty="0">
-                <a:latin typeface="Roboto" pitchFamily="2" charset="0"/>
-                <a:ea typeface="Roboto" pitchFamily="2" charset="0"/>
-              </a:rPr>
-              <a:t>: https://</a:t>
-            </a:r>
-            <a:r>
-              <a:rPr lang="pt-BR" sz="2500" dirty="0" smtClean="0">
-                <a:latin typeface="Roboto" pitchFamily="2" charset="0"/>
-                <a:ea typeface="Roboto" pitchFamily="2" charset="0"/>
-              </a:rPr>
-              <a:t>github.com/otaviojava/Easy-Cassandra</a:t>
-            </a:r>
-            <a:endParaRPr lang="pt-BR" sz="2500" b="1" dirty="0">
+            <a:r>
+              <a:rPr lang="pt-BR" sz="3600" dirty="0" smtClean="0">
+                <a:latin typeface="Roboto" pitchFamily="2" charset="0"/>
+                <a:ea typeface="Roboto" pitchFamily="2" charset="0"/>
+              </a:rPr>
+              <a:t>Reposit</a:t>
+            </a:r>
+            <a:r>
+              <a:rPr lang="pt-BR" sz="3600" dirty="0">
+                <a:latin typeface="Roboto" pitchFamily="2" charset="0"/>
+                <a:ea typeface="Roboto" pitchFamily="2" charset="0"/>
+              </a:rPr>
+              <a:t>ó</a:t>
+            </a:r>
+            <a:r>
+              <a:rPr lang="pt-BR" sz="3600" dirty="0" smtClean="0">
+                <a:latin typeface="Roboto" pitchFamily="2" charset="0"/>
+                <a:ea typeface="Roboto" pitchFamily="2" charset="0"/>
+              </a:rPr>
+              <a:t>rio </a:t>
+            </a:r>
+            <a:r>
+              <a:rPr lang="pt-BR" sz="3600" dirty="0">
+                <a:latin typeface="Roboto" pitchFamily="2" charset="0"/>
+                <a:ea typeface="Roboto" pitchFamily="2" charset="0"/>
+              </a:rPr>
+              <a:t>de dados </a:t>
+            </a:r>
+            <a:r>
+              <a:rPr lang="pt-BR" sz="3600" dirty="0" smtClean="0">
+                <a:latin typeface="Roboto" pitchFamily="2" charset="0"/>
+                <a:ea typeface="Roboto" pitchFamily="2" charset="0"/>
+              </a:rPr>
+              <a:t>em Java;</a:t>
+            </a:r>
+            <a:endParaRPr lang="pt-BR" sz="3600" dirty="0">
               <a:latin typeface="Roboto" pitchFamily="2" charset="0"/>
               <a:ea typeface="Roboto" pitchFamily="2" charset="0"/>
             </a:endParaRPr>
           </a:p>
           <a:p>
-            <a:pPr algn="just"/>
-            <a:r>
-              <a:rPr lang="pt-BR" sz="2900" b="1" dirty="0">
-                <a:latin typeface="Roboto" pitchFamily="2" charset="0"/>
-                <a:ea typeface="Roboto" pitchFamily="2" charset="0"/>
-              </a:rPr>
-              <a:t>. NET</a:t>
-            </a:r>
-          </a:p>
-          <a:p>
-            <a:pPr lvl="1" algn="just"/>
-            <a:r>
-              <a:rPr lang="pt-BR" sz="2500" dirty="0">
-                <a:latin typeface="Roboto" pitchFamily="2" charset="0"/>
-                <a:ea typeface="Roboto" pitchFamily="2" charset="0"/>
-              </a:rPr>
-              <a:t>Aquiles: http://aquiles.codeplex.com/</a:t>
-            </a:r>
-          </a:p>
-          <a:p>
-            <a:pPr lvl="1" algn="just"/>
-            <a:r>
-              <a:rPr lang="pt-BR" sz="2500" dirty="0" err="1">
-                <a:latin typeface="Roboto" pitchFamily="2" charset="0"/>
-                <a:ea typeface="Roboto" pitchFamily="2" charset="0"/>
-              </a:rPr>
-              <a:t>Cassandraemon</a:t>
-            </a:r>
-            <a:r>
-              <a:rPr lang="pt-BR" sz="2500" dirty="0">
-                <a:latin typeface="Roboto" pitchFamily="2" charset="0"/>
-                <a:ea typeface="Roboto" pitchFamily="2" charset="0"/>
-              </a:rPr>
-              <a:t>: http://cassandraemon.codeplex.com/</a:t>
-            </a:r>
-          </a:p>
-          <a:p>
-            <a:pPr algn="just"/>
-            <a:r>
-              <a:rPr lang="pt-BR" sz="2500" b="1" dirty="0">
-                <a:latin typeface="Roboto" pitchFamily="2" charset="0"/>
-                <a:ea typeface="Roboto" pitchFamily="2" charset="0"/>
-              </a:rPr>
-              <a:t> </a:t>
-            </a:r>
-            <a:r>
-              <a:rPr lang="pt-BR" sz="2900" b="1" dirty="0" err="1">
-                <a:latin typeface="Roboto" pitchFamily="2" charset="0"/>
-                <a:ea typeface="Roboto" pitchFamily="2" charset="0"/>
-              </a:rPr>
-              <a:t>Ruby</a:t>
-            </a:r>
-            <a:r>
-              <a:rPr lang="pt-BR" sz="2900" b="1" dirty="0">
-                <a:latin typeface="Roboto" pitchFamily="2" charset="0"/>
-                <a:ea typeface="Roboto" pitchFamily="2" charset="0"/>
-              </a:rPr>
-              <a:t>:</a:t>
-            </a:r>
-          </a:p>
-          <a:p>
-            <a:pPr lvl="1" algn="just"/>
-            <a:r>
-              <a:rPr lang="pt-BR" sz="2500" dirty="0">
-                <a:latin typeface="Roboto" pitchFamily="2" charset="0"/>
-                <a:ea typeface="Roboto" pitchFamily="2" charset="0"/>
-              </a:rPr>
-              <a:t>Fauna: https://github.com/twitter/cassandra</a:t>
-            </a:r>
-          </a:p>
-          <a:p>
-            <a:pPr algn="just"/>
-            <a:r>
-              <a:rPr lang="pt-BR" sz="2900" b="1" dirty="0">
-                <a:latin typeface="Roboto" pitchFamily="2" charset="0"/>
-                <a:ea typeface="Roboto" pitchFamily="2" charset="0"/>
-              </a:rPr>
-              <a:t> PHP:</a:t>
-            </a:r>
-          </a:p>
-          <a:p>
-            <a:pPr lvl="1" algn="just"/>
-            <a:r>
-              <a:rPr lang="pt-BR" sz="2500" dirty="0">
-                <a:latin typeface="Roboto" pitchFamily="2" charset="0"/>
-                <a:ea typeface="Roboto" pitchFamily="2" charset="0"/>
-              </a:rPr>
-              <a:t>Biblioteca do Cliente Cassandra PHP: https://github.com/kallaspriit/Cassandra-PHP-Client-Library</a:t>
-            </a:r>
-          </a:p>
-          <a:p>
-            <a:pPr lvl="1" algn="just"/>
-            <a:r>
-              <a:rPr lang="pt-BR" sz="2500" dirty="0" err="1">
-                <a:latin typeface="Roboto" pitchFamily="2" charset="0"/>
-                <a:ea typeface="Roboto" pitchFamily="2" charset="0"/>
-              </a:rPr>
-              <a:t>phpcassa</a:t>
-            </a:r>
-            <a:r>
-              <a:rPr lang="pt-BR" sz="2500" dirty="0">
-                <a:latin typeface="Roboto" pitchFamily="2" charset="0"/>
-                <a:ea typeface="Roboto" pitchFamily="2" charset="0"/>
-              </a:rPr>
-              <a:t>: http://github.com/thobbs/phpcassa</a:t>
-            </a:r>
-          </a:p>
-          <a:p>
-            <a:pPr algn="just"/>
-            <a:r>
-              <a:rPr lang="pt-BR" sz="3100" b="1" dirty="0" smtClean="0">
-                <a:latin typeface="Roboto" pitchFamily="2" charset="0"/>
-                <a:ea typeface="Roboto" pitchFamily="2" charset="0"/>
-              </a:rPr>
-              <a:t>C </a:t>
-            </a:r>
-            <a:r>
-              <a:rPr lang="pt-BR" sz="3100" b="1" dirty="0">
-                <a:latin typeface="Roboto" pitchFamily="2" charset="0"/>
-                <a:ea typeface="Roboto" pitchFamily="2" charset="0"/>
-              </a:rPr>
-              <a:t>+ +</a:t>
-            </a:r>
-          </a:p>
-          <a:p>
-            <a:pPr lvl="1" algn="just"/>
-            <a:r>
-              <a:rPr lang="pt-BR" sz="2500" dirty="0">
-                <a:latin typeface="Roboto" pitchFamily="2" charset="0"/>
-                <a:ea typeface="Roboto" pitchFamily="2" charset="0"/>
-              </a:rPr>
-              <a:t>repositório </a:t>
-            </a:r>
-            <a:r>
-              <a:rPr lang="pt-BR" sz="2500" dirty="0" err="1">
-                <a:latin typeface="Roboto" pitchFamily="2" charset="0"/>
-                <a:ea typeface="Roboto" pitchFamily="2" charset="0"/>
-              </a:rPr>
-              <a:t>libQtCassandra</a:t>
-            </a:r>
-            <a:r>
-              <a:rPr lang="pt-BR" sz="2500" dirty="0">
-                <a:latin typeface="Roboto" pitchFamily="2" charset="0"/>
-                <a:ea typeface="Roboto" pitchFamily="2" charset="0"/>
-              </a:rPr>
-              <a:t>: http://sf.net/p/libqtcassandra/</a:t>
-            </a:r>
-          </a:p>
-          <a:p>
-            <a:pPr lvl="1" algn="just"/>
-            <a:r>
-              <a:rPr lang="pt-BR" sz="2500" dirty="0">
-                <a:latin typeface="Roboto" pitchFamily="2" charset="0"/>
-                <a:ea typeface="Roboto" pitchFamily="2" charset="0"/>
-              </a:rPr>
-              <a:t>Home Page, Guia do desenvolvedor: http://snapwebsites.org/project/libqtcassandra</a:t>
-            </a:r>
-          </a:p>
-          <a:p>
-            <a:pPr algn="just"/>
-            <a:endParaRPr lang="pt-BR" sz="2400" dirty="0">
+            <a:r>
+              <a:rPr lang="pt-BR" sz="3600" dirty="0">
+                <a:latin typeface="Roboto" pitchFamily="2" charset="0"/>
+                <a:ea typeface="Roboto" pitchFamily="2" charset="0"/>
+              </a:rPr>
+              <a:t>Dispensa a sobrecarga de recursos dos bancos de dados </a:t>
+            </a:r>
+            <a:r>
+              <a:rPr lang="pt-BR" sz="3600" dirty="0" smtClean="0">
+                <a:latin typeface="Roboto" pitchFamily="2" charset="0"/>
+                <a:ea typeface="Roboto" pitchFamily="2" charset="0"/>
+              </a:rPr>
+              <a:t>relacionais convencionais;</a:t>
+            </a:r>
+            <a:endParaRPr lang="pt-BR" sz="3600" dirty="0">
               <a:latin typeface="Roboto" pitchFamily="2" charset="0"/>
               <a:ea typeface="Roboto" pitchFamily="2" charset="0"/>
             </a:endParaRPr>
           </a:p>
-        </p:txBody>
-      </p:sp>
-      <p:sp>
-        <p:nvSpPr>
-          <p:cNvPr id="8" name="Title 1"/>
-          <p:cNvSpPr>
-            <a:spLocks noGrp="1"/>
-          </p:cNvSpPr>
-          <p:nvPr>
-            <p:ph type="title"/>
-          </p:nvPr>
-        </p:nvSpPr>
-        <p:spPr>
-          <a:xfrm>
-            <a:off x="508133" y="609600"/>
-            <a:ext cx="6449180" cy="1320800"/>
-          </a:xfrm>
-        </p:spPr>
-        <p:txBody>
-          <a:bodyPr>
-            <a:normAutofit/>
-          </a:bodyPr>
-          <a:lstStyle/>
-          <a:p>
-            <a:r>
-              <a:rPr lang="pt-BR" sz="5400" b="1" dirty="0" smtClean="0">
-                <a:latin typeface="Roboto" pitchFamily="2" charset="0"/>
-                <a:ea typeface="Roboto" pitchFamily="2" charset="0"/>
-              </a:rPr>
-              <a:t>Clientes de alto nível</a:t>
-            </a:r>
-            <a:endParaRPr lang="pt-BR" sz="5400" b="1" dirty="0">
+          <a:p>
+            <a:r>
+              <a:rPr lang="pt-BR" sz="3600" dirty="0" smtClean="0">
+                <a:latin typeface="Roboto" pitchFamily="2" charset="0"/>
+                <a:ea typeface="Roboto" pitchFamily="2" charset="0"/>
+              </a:rPr>
+              <a:t>Reúne </a:t>
+            </a:r>
+            <a:r>
+              <a:rPr lang="pt-BR" sz="3600" dirty="0">
+                <a:latin typeface="Roboto" pitchFamily="2" charset="0"/>
+                <a:ea typeface="Roboto" pitchFamily="2" charset="0"/>
+              </a:rPr>
+              <a:t>a arquitetura do </a:t>
+            </a:r>
+            <a:r>
+              <a:rPr lang="pt-BR" sz="3600" dirty="0" err="1">
+                <a:latin typeface="Roboto" pitchFamily="2" charset="0"/>
+                <a:ea typeface="Roboto" pitchFamily="2" charset="0"/>
+              </a:rPr>
+              <a:t>Dynamo</a:t>
+            </a:r>
+            <a:r>
+              <a:rPr lang="pt-BR" sz="3600" dirty="0">
+                <a:latin typeface="Roboto" pitchFamily="2" charset="0"/>
+                <a:ea typeface="Roboto" pitchFamily="2" charset="0"/>
+              </a:rPr>
+              <a:t>, da </a:t>
+            </a:r>
+            <a:r>
+              <a:rPr lang="pt-BR" sz="3600" dirty="0" err="1">
+                <a:latin typeface="Roboto" pitchFamily="2" charset="0"/>
+                <a:ea typeface="Roboto" pitchFamily="2" charset="0"/>
+              </a:rPr>
+              <a:t>Amazon</a:t>
+            </a:r>
+            <a:r>
+              <a:rPr lang="pt-BR" sz="3600" dirty="0">
+                <a:latin typeface="Roboto" pitchFamily="2" charset="0"/>
+                <a:ea typeface="Roboto" pitchFamily="2" charset="0"/>
+              </a:rPr>
+              <a:t> e modelo de </a:t>
+            </a:r>
+            <a:r>
+              <a:rPr lang="pt-BR" sz="3600" dirty="0" smtClean="0">
+                <a:latin typeface="Roboto" pitchFamily="2" charset="0"/>
+                <a:ea typeface="Roboto" pitchFamily="2" charset="0"/>
+              </a:rPr>
+              <a:t>dados baseado </a:t>
+            </a:r>
+            <a:r>
+              <a:rPr lang="pt-BR" sz="3600" dirty="0">
+                <a:latin typeface="Roboto" pitchFamily="2" charset="0"/>
+                <a:ea typeface="Roboto" pitchFamily="2" charset="0"/>
+              </a:rPr>
+              <a:t>no </a:t>
+            </a:r>
+            <a:r>
+              <a:rPr lang="pt-BR" sz="3600" dirty="0" err="1">
+                <a:latin typeface="Roboto" pitchFamily="2" charset="0"/>
+                <a:ea typeface="Roboto" pitchFamily="2" charset="0"/>
+              </a:rPr>
+              <a:t>Bigtable</a:t>
+            </a:r>
+            <a:r>
+              <a:rPr lang="pt-BR" sz="3600" dirty="0">
+                <a:latin typeface="Roboto" pitchFamily="2" charset="0"/>
+                <a:ea typeface="Roboto" pitchFamily="2" charset="0"/>
+              </a:rPr>
+              <a:t>, do </a:t>
+            </a:r>
+            <a:r>
+              <a:rPr lang="pt-BR" sz="3600" dirty="0" smtClean="0">
+                <a:latin typeface="Roboto" pitchFamily="2" charset="0"/>
+                <a:ea typeface="Roboto" pitchFamily="2" charset="0"/>
+              </a:rPr>
+              <a:t>Google;</a:t>
+            </a:r>
+            <a:endParaRPr lang="pt-BR" sz="3600" dirty="0">
               <a:latin typeface="Roboto" pitchFamily="2" charset="0"/>
               <a:ea typeface="Roboto" pitchFamily="2" charset="0"/>
             </a:endParaRPr>
           </a:p>
+          <a:p>
+            <a:r>
+              <a:rPr lang="pt-BR" sz="3600" dirty="0">
+                <a:latin typeface="Roboto" pitchFamily="2" charset="0"/>
+                <a:ea typeface="Roboto" pitchFamily="2" charset="0"/>
+              </a:rPr>
+              <a:t>Atualmente </a:t>
+            </a:r>
+            <a:r>
+              <a:rPr lang="pt-BR" sz="3600" dirty="0" smtClean="0">
+                <a:latin typeface="Roboto" pitchFamily="2" charset="0"/>
+                <a:ea typeface="Roboto" pitchFamily="2" charset="0"/>
+              </a:rPr>
+              <a:t>é </a:t>
+            </a:r>
+            <a:r>
+              <a:rPr lang="pt-BR" sz="3600" dirty="0">
+                <a:latin typeface="Roboto" pitchFamily="2" charset="0"/>
+                <a:ea typeface="Roboto" pitchFamily="2" charset="0"/>
+              </a:rPr>
+              <a:t>mantido por desenvolvedores da </a:t>
+            </a:r>
+            <a:r>
+              <a:rPr lang="pt-BR" sz="3600" dirty="0" smtClean="0">
+                <a:latin typeface="Roboto" pitchFamily="2" charset="0"/>
+                <a:ea typeface="Roboto" pitchFamily="2" charset="0"/>
+              </a:rPr>
+              <a:t>Fundação Apache e colaboradores </a:t>
+            </a:r>
+            <a:r>
+              <a:rPr lang="pt-BR" sz="3600" dirty="0">
+                <a:latin typeface="Roboto" pitchFamily="2" charset="0"/>
+                <a:ea typeface="Roboto" pitchFamily="2" charset="0"/>
+              </a:rPr>
+              <a:t>de muitas </a:t>
+            </a:r>
+            <a:r>
+              <a:rPr lang="pt-BR" sz="3600" dirty="0" smtClean="0">
+                <a:latin typeface="Roboto" pitchFamily="2" charset="0"/>
+                <a:ea typeface="Roboto" pitchFamily="2" charset="0"/>
+              </a:rPr>
+              <a:t>empresas;</a:t>
+            </a:r>
+            <a:endParaRPr lang="pt-BR" sz="3600" dirty="0">
+              <a:latin typeface="Roboto" pitchFamily="2" charset="0"/>
+              <a:ea typeface="Roboto" pitchFamily="2" charset="0"/>
+            </a:endParaRPr>
+          </a:p>
         </p:txBody>
       </p:sp>
     </p:spTree>
     <p:extLst>
       <p:ext uri="{BB962C8B-B14F-4D97-AF65-F5344CB8AC3E}">
-        <p14:creationId xmlns="" xmlns:p14="http://schemas.microsoft.com/office/powerpoint/2010/main" val="3369168268"/>
+        <p14:creationId xmlns="" xmlns:p14="http://schemas.microsoft.com/office/powerpoint/2010/main" val="2543902999"/>
       </p:ext>
     </p:extLst>
   </p:cSld>
   <p:clrMapOvr>
     <a:masterClrMapping/>
   </p:clrMapOvr>
+  <p:timing>
+    <p:tnLst>
+      <p:par>
+        <p:cTn id="1" dur="indefinite" restart="never" nodeType="tmRoot"/>
+      </p:par>
+    </p:tnLst>
+  </p:timing>
 </p:sld>
 </file>
 
@@ -24525,7 +24236,261 @@
       </p:grpSpPr>
       <p:sp>
         <p:nvSpPr>
-          <p:cNvPr id="4" name="Title 1"/>
+          <p:cNvPr id="5" name="Title 1"/>
+          <p:cNvSpPr txBox="1">
+            <a:spLocks/>
+          </p:cNvSpPr>
+          <p:nvPr/>
+        </p:nvSpPr>
+        <p:spPr>
+          <a:xfrm>
+            <a:off x="585426" y="28828"/>
+            <a:ext cx="6449180" cy="842029"/>
+          </a:xfrm>
+          <a:prstGeom prst="rect">
+            <a:avLst/>
+          </a:prstGeom>
+        </p:spPr>
+        <p:txBody>
+          <a:bodyPr vert="horz" lIns="91440" tIns="45720" rIns="91440" bIns="45720" rtlCol="0" anchor="t">
+            <a:normAutofit/>
+          </a:bodyPr>
+          <a:lstStyle>
+            <a:lvl1pPr algn="l" defTabSz="457200" rtl="0" eaLnBrk="1" latinLnBrk="0" hangingPunct="1">
+              <a:spcBef>
+                <a:spcPct val="0"/>
+              </a:spcBef>
+              <a:buNone/>
+              <a:defRPr sz="3600" kern="1200">
+                <a:solidFill>
+                  <a:schemeClr val="accent1"/>
+                </a:solidFill>
+                <a:latin typeface="+mj-lt"/>
+                <a:ea typeface="+mj-ea"/>
+                <a:cs typeface="Trebuchet MS"/>
+              </a:defRPr>
+            </a:lvl1pPr>
+            <a:lvl2pPr eaLnBrk="1" hangingPunct="1">
+              <a:defRPr>
+                <a:solidFill>
+                  <a:schemeClr val="tx2"/>
+                </a:solidFill>
+              </a:defRPr>
+            </a:lvl2pPr>
+            <a:lvl3pPr eaLnBrk="1" hangingPunct="1">
+              <a:defRPr>
+                <a:solidFill>
+                  <a:schemeClr val="tx2"/>
+                </a:solidFill>
+              </a:defRPr>
+            </a:lvl3pPr>
+            <a:lvl4pPr eaLnBrk="1" hangingPunct="1">
+              <a:defRPr>
+                <a:solidFill>
+                  <a:schemeClr val="tx2"/>
+                </a:solidFill>
+              </a:defRPr>
+            </a:lvl4pPr>
+            <a:lvl5pPr eaLnBrk="1" hangingPunct="1">
+              <a:defRPr>
+                <a:solidFill>
+                  <a:schemeClr val="tx2"/>
+                </a:solidFill>
+              </a:defRPr>
+            </a:lvl5pPr>
+            <a:lvl6pPr eaLnBrk="1" hangingPunct="1">
+              <a:defRPr>
+                <a:solidFill>
+                  <a:schemeClr val="tx2"/>
+                </a:solidFill>
+              </a:defRPr>
+            </a:lvl6pPr>
+            <a:lvl7pPr eaLnBrk="1" hangingPunct="1">
+              <a:defRPr>
+                <a:solidFill>
+                  <a:schemeClr val="tx2"/>
+                </a:solidFill>
+              </a:defRPr>
+            </a:lvl7pPr>
+            <a:lvl8pPr eaLnBrk="1" hangingPunct="1">
+              <a:defRPr>
+                <a:solidFill>
+                  <a:schemeClr val="tx2"/>
+                </a:solidFill>
+              </a:defRPr>
+            </a:lvl8pPr>
+            <a:lvl9pPr eaLnBrk="1" hangingPunct="1">
+              <a:defRPr>
+                <a:solidFill>
+                  <a:schemeClr val="tx2"/>
+                </a:solidFill>
+              </a:defRPr>
+            </a:lvl9pPr>
+          </a:lstStyle>
+          <a:p>
+            <a:r>
+              <a:rPr lang="pt-BR" sz="2800" dirty="0" smtClean="0"/>
+              <a:t>Possíveis surpresas com o Cassandra</a:t>
+            </a:r>
+            <a:endParaRPr lang="pt-BR" sz="2800" dirty="0"/>
+          </a:p>
+        </p:txBody>
+      </p:sp>
+      <p:sp>
+        <p:nvSpPr>
+          <p:cNvPr id="6" name="Content Placeholder 2"/>
+          <p:cNvSpPr>
+            <a:spLocks noGrp="1"/>
+          </p:cNvSpPr>
+          <p:nvPr>
+            <p:ph idx="1"/>
+          </p:nvPr>
+        </p:nvSpPr>
+        <p:spPr>
+          <a:xfrm>
+            <a:off x="508133" y="856349"/>
+            <a:ext cx="6449180" cy="5210628"/>
+          </a:xfrm>
+        </p:spPr>
+        <p:txBody>
+          <a:bodyPr>
+            <a:noAutofit/>
+          </a:bodyPr>
+          <a:lstStyle/>
+          <a:p>
+            <a:r>
+              <a:rPr lang="pt-BR" sz="3200" dirty="0" smtClean="0">
+                <a:latin typeface="Roboto"/>
+              </a:rPr>
+              <a:t>Sem transações, sem </a:t>
+            </a:r>
+            <a:r>
+              <a:rPr lang="pt-BR" sz="3200" dirty="0" err="1" smtClean="0">
+                <a:latin typeface="Roboto"/>
+              </a:rPr>
+              <a:t>JOINs</a:t>
+            </a:r>
+            <a:endParaRPr lang="pt-BR" sz="3200" dirty="0" smtClean="0">
+              <a:latin typeface="Roboto"/>
+            </a:endParaRPr>
+          </a:p>
+          <a:p>
+            <a:r>
+              <a:rPr lang="pt-BR" sz="3200" dirty="0" smtClean="0">
+                <a:latin typeface="Roboto"/>
+              </a:rPr>
+              <a:t>Sem chaves estrangeiras. As chaves são imutáveis</a:t>
+            </a:r>
+          </a:p>
+          <a:p>
+            <a:r>
+              <a:rPr lang="pt-BR" sz="3200" dirty="0" smtClean="0">
+                <a:latin typeface="Roboto"/>
+              </a:rPr>
+              <a:t>As chaves devem ser exclusivas</a:t>
+            </a:r>
+          </a:p>
+          <a:p>
+            <a:r>
+              <a:rPr lang="pt-BR" sz="3200" dirty="0" smtClean="0">
+                <a:latin typeface="Roboto"/>
+              </a:rPr>
+              <a:t>Operações com falha podem deixar mudanças</a:t>
+            </a:r>
+          </a:p>
+          <a:p>
+            <a:r>
+              <a:rPr lang="pt-BR" sz="3200" dirty="0" smtClean="0">
+                <a:latin typeface="Roboto"/>
+              </a:rPr>
+              <a:t>A procura é complicada</a:t>
+            </a:r>
+          </a:p>
+          <a:p>
+            <a:r>
+              <a:rPr lang="pt-BR" sz="3200" dirty="0" smtClean="0">
+                <a:latin typeface="Roboto"/>
+              </a:rPr>
+              <a:t>Recomenda-se não usar supercolunas e </a:t>
+            </a:r>
+            <a:r>
+              <a:rPr lang="pt-BR" sz="3200" dirty="0" err="1" smtClean="0">
+                <a:latin typeface="Roboto"/>
+              </a:rPr>
+              <a:t>particionadores</a:t>
+            </a:r>
+            <a:r>
+              <a:rPr lang="pt-BR" sz="3200" dirty="0" smtClean="0">
+                <a:latin typeface="Roboto"/>
+              </a:rPr>
+              <a:t> de preservação</a:t>
+            </a:r>
+          </a:p>
+          <a:p>
+            <a:r>
+              <a:rPr lang="pt-BR" sz="3200" dirty="0" smtClean="0">
+                <a:latin typeface="Roboto"/>
+              </a:rPr>
+              <a:t>A recuperação da falha é manual</a:t>
+            </a:r>
+          </a:p>
+          <a:p>
+            <a:r>
+              <a:rPr lang="pt-BR" sz="3200" dirty="0" smtClean="0">
+                <a:latin typeface="Roboto"/>
+              </a:rPr>
+              <a:t>Ele se lembra de exclusões</a:t>
+            </a:r>
+          </a:p>
+          <a:p>
+            <a:pPr fontAlgn="base"/>
+            <a:endParaRPr lang="pt-BR" sz="2400" dirty="0">
+              <a:latin typeface="Roboto" pitchFamily="2" charset="0"/>
+              <a:ea typeface="Roboto" pitchFamily="2" charset="0"/>
+            </a:endParaRPr>
+          </a:p>
+        </p:txBody>
+      </p:sp>
+    </p:spTree>
+    <p:extLst>
+      <p:ext uri="{BB962C8B-B14F-4D97-AF65-F5344CB8AC3E}">
+        <p14:creationId xmlns="" xmlns:p14="http://schemas.microsoft.com/office/powerpoint/2010/main" val="1805970655"/>
+      </p:ext>
+    </p:extLst>
+  </p:cSld>
+  <p:clrMapOvr>
+    <a:masterClrMapping/>
+  </p:clrMapOvr>
+  <p:timing>
+    <p:tnLst>
+      <p:par>
+        <p:cTn id="1" dur="indefinite" restart="never" nodeType="tmRoot"/>
+      </p:par>
+    </p:tnLst>
+  </p:timing>
+</p:sld>
+</file>
+
+<file path=ppt/slides/slide28.xml><?xml version="1.0" encoding="utf-8"?>
+<p:sld xmlns:a="http://schemas.openxmlformats.org/drawingml/2006/main" xmlns:r="http://schemas.openxmlformats.org/officeDocument/2006/relationships" xmlns:p="http://schemas.openxmlformats.org/presentationml/2006/main">
+  <p:cSld>
+    <p:spTree>
+      <p:nvGrpSpPr>
+        <p:cNvPr id="1" name=""/>
+        <p:cNvGrpSpPr/>
+        <p:nvPr/>
+      </p:nvGrpSpPr>
+      <p:grpSpPr>
+        <a:xfrm>
+          <a:off x="0" y="0"/>
+          <a:ext cx="0" cy="0"/>
+          <a:chOff x="0" y="0"/>
+          <a:chExt cx="0" cy="0"/>
+        </a:xfrm>
+      </p:grpSpPr>
+      <p:sp>
+        <p:nvSpPr>
+          <p:cNvPr id="5" name="Title 1"/>
           <p:cNvSpPr>
             <a:spLocks noGrp="1"/>
           </p:cNvSpPr>
@@ -24535,7 +24500,7 @@
         </p:nvSpPr>
         <p:spPr>
           <a:xfrm>
-            <a:off x="508133" y="609600"/>
+            <a:off x="508133" y="130638"/>
             <a:ext cx="6449180" cy="1320800"/>
           </a:xfrm>
         </p:spPr>
@@ -24550,7 +24515,7 @@
                 <a:latin typeface="Roboto" pitchFamily="2" charset="0"/>
                 <a:ea typeface="Roboto" pitchFamily="2" charset="0"/>
               </a:rPr>
-              <a:t>Bibliografia</a:t>
+              <a:t>Considerações</a:t>
             </a:r>
             <a:endParaRPr lang="pt-BR" sz="5400" b="1" dirty="0">
               <a:latin typeface="Roboto" pitchFamily="2" charset="0"/>
@@ -24559,6 +24524,199 @@
           </a:p>
         </p:txBody>
       </p:sp>
+      <p:sp>
+        <p:nvSpPr>
+          <p:cNvPr id="7" name="Content Placeholder 2"/>
+          <p:cNvSpPr>
+            <a:spLocks noGrp="1"/>
+          </p:cNvSpPr>
+          <p:nvPr>
+            <p:ph idx="1"/>
+          </p:nvPr>
+        </p:nvSpPr>
+        <p:spPr>
+          <a:xfrm>
+            <a:off x="585426" y="1059552"/>
+            <a:ext cx="6689812" cy="4347791"/>
+          </a:xfrm>
+        </p:spPr>
+        <p:txBody>
+          <a:bodyPr>
+            <a:noAutofit/>
+          </a:bodyPr>
+          <a:lstStyle/>
+          <a:p>
+            <a:pPr algn="just"/>
+            <a:r>
+              <a:rPr lang="pt-BR" sz="3200" dirty="0">
+                <a:latin typeface="Roboto" pitchFamily="2" charset="0"/>
+                <a:ea typeface="Roboto" pitchFamily="2" charset="0"/>
+              </a:rPr>
+              <a:t>Altas escalabilidade e disponibilidade, sem um ponto único de </a:t>
+            </a:r>
+            <a:r>
+              <a:rPr lang="pt-BR" sz="3200" dirty="0" smtClean="0">
+                <a:latin typeface="Roboto" pitchFamily="2" charset="0"/>
+                <a:ea typeface="Roboto" pitchFamily="2" charset="0"/>
+              </a:rPr>
+              <a:t>falha;</a:t>
+            </a:r>
+            <a:endParaRPr lang="pt-BR" sz="3200" dirty="0">
+              <a:latin typeface="Roboto" pitchFamily="2" charset="0"/>
+              <a:ea typeface="Roboto" pitchFamily="2" charset="0"/>
+            </a:endParaRPr>
+          </a:p>
+          <a:p>
+            <a:pPr algn="just"/>
+            <a:r>
+              <a:rPr lang="pt-BR" sz="3200" dirty="0">
+                <a:latin typeface="Roboto" pitchFamily="2" charset="0"/>
+                <a:ea typeface="Roboto" pitchFamily="2" charset="0"/>
+              </a:rPr>
+              <a:t>Implementação da família de colunas </a:t>
+            </a:r>
+            <a:r>
+              <a:rPr lang="pt-BR" sz="3200" dirty="0" err="1" smtClean="0">
+                <a:latin typeface="Roboto" pitchFamily="2" charset="0"/>
+                <a:ea typeface="Roboto" pitchFamily="2" charset="0"/>
+              </a:rPr>
+              <a:t>NoSQL</a:t>
+            </a:r>
+            <a:r>
+              <a:rPr lang="pt-BR" sz="3200" dirty="0" smtClean="0">
+                <a:latin typeface="Roboto" pitchFamily="2" charset="0"/>
+                <a:ea typeface="Roboto" pitchFamily="2" charset="0"/>
+              </a:rPr>
+              <a:t>;</a:t>
+            </a:r>
+            <a:endParaRPr lang="pt-BR" sz="3200" dirty="0">
+              <a:latin typeface="Roboto" pitchFamily="2" charset="0"/>
+              <a:ea typeface="Roboto" pitchFamily="2" charset="0"/>
+            </a:endParaRPr>
+          </a:p>
+          <a:p>
+            <a:pPr algn="just"/>
+            <a:r>
+              <a:rPr lang="pt-BR" sz="3200" dirty="0">
+                <a:latin typeface="Roboto" pitchFamily="2" charset="0"/>
+                <a:ea typeface="Roboto" pitchFamily="2" charset="0"/>
+              </a:rPr>
+              <a:t>Rendimento de gravação muito alto e bom rendimento de </a:t>
+            </a:r>
+            <a:r>
+              <a:rPr lang="pt-BR" sz="3200" dirty="0" smtClean="0">
+                <a:latin typeface="Roboto" pitchFamily="2" charset="0"/>
+                <a:ea typeface="Roboto" pitchFamily="2" charset="0"/>
+              </a:rPr>
+              <a:t>leitura;</a:t>
+            </a:r>
+            <a:endParaRPr lang="pt-BR" sz="3200" dirty="0">
+              <a:latin typeface="Roboto" pitchFamily="2" charset="0"/>
+              <a:ea typeface="Roboto" pitchFamily="2" charset="0"/>
+            </a:endParaRPr>
+          </a:p>
+          <a:p>
+            <a:pPr algn="just"/>
+            <a:r>
+              <a:rPr lang="pt-BR" sz="3200" dirty="0">
+                <a:latin typeface="Roboto" pitchFamily="2" charset="0"/>
+                <a:ea typeface="Roboto" pitchFamily="2" charset="0"/>
+              </a:rPr>
+              <a:t>Linguagem de consulta semelhante a SQL (desde 0.8) e suporte para procura por índices </a:t>
+            </a:r>
+            <a:r>
+              <a:rPr lang="pt-BR" sz="3200" dirty="0" smtClean="0">
+                <a:latin typeface="Roboto" pitchFamily="2" charset="0"/>
+                <a:ea typeface="Roboto" pitchFamily="2" charset="0"/>
+              </a:rPr>
+              <a:t>secundários;</a:t>
+            </a:r>
+            <a:endParaRPr lang="pt-BR" sz="3200" dirty="0">
+              <a:latin typeface="Roboto" pitchFamily="2" charset="0"/>
+              <a:ea typeface="Roboto" pitchFamily="2" charset="0"/>
+            </a:endParaRPr>
+          </a:p>
+          <a:p>
+            <a:pPr algn="just"/>
+            <a:r>
+              <a:rPr lang="pt-BR" sz="3200" dirty="0">
+                <a:latin typeface="Roboto" pitchFamily="2" charset="0"/>
+                <a:ea typeface="Roboto" pitchFamily="2" charset="0"/>
+              </a:rPr>
+              <a:t>Consistência ajustável e suporte para </a:t>
+            </a:r>
+            <a:r>
+              <a:rPr lang="pt-BR" sz="3200" dirty="0" smtClean="0">
+                <a:latin typeface="Roboto" pitchFamily="2" charset="0"/>
+                <a:ea typeface="Roboto" pitchFamily="2" charset="0"/>
+              </a:rPr>
+              <a:t>replicação;</a:t>
+            </a:r>
+            <a:endParaRPr lang="pt-BR" sz="3200" dirty="0">
+              <a:latin typeface="Roboto" pitchFamily="2" charset="0"/>
+              <a:ea typeface="Roboto" pitchFamily="2" charset="0"/>
+            </a:endParaRPr>
+          </a:p>
+          <a:p>
+            <a:pPr algn="just"/>
+            <a:r>
+              <a:rPr lang="pt-BR" sz="3200" dirty="0">
+                <a:latin typeface="Roboto" pitchFamily="2" charset="0"/>
+                <a:ea typeface="Roboto" pitchFamily="2" charset="0"/>
+              </a:rPr>
+              <a:t>Esquema </a:t>
+            </a:r>
+            <a:r>
+              <a:rPr lang="pt-BR" sz="3200" dirty="0" smtClean="0">
+                <a:latin typeface="Roboto" pitchFamily="2" charset="0"/>
+                <a:ea typeface="Roboto" pitchFamily="2" charset="0"/>
+              </a:rPr>
+              <a:t>flexível;</a:t>
+            </a:r>
+            <a:endParaRPr lang="pt-BR" sz="3200" dirty="0">
+              <a:latin typeface="Roboto" pitchFamily="2" charset="0"/>
+              <a:ea typeface="Roboto" pitchFamily="2" charset="0"/>
+            </a:endParaRPr>
+          </a:p>
+        </p:txBody>
+      </p:sp>
+    </p:spTree>
+    <p:extLst>
+      <p:ext uri="{BB962C8B-B14F-4D97-AF65-F5344CB8AC3E}">
+        <p14:creationId xmlns="" xmlns:p14="http://schemas.microsoft.com/office/powerpoint/2010/main" val="3841440733"/>
+      </p:ext>
+    </p:extLst>
+  </p:cSld>
+  <p:clrMapOvr>
+    <a:masterClrMapping/>
+  </p:clrMapOvr>
+  <p:timing>
+    <p:tnLst>
+      <p:par>
+        <p:cTn id="1" dur="indefinite" restart="never" nodeType="tmRoot"/>
+      </p:par>
+    </p:tnLst>
+  </p:timing>
+</p:sld>
+</file>
+
+<file path=ppt/slides/slide29.xml><?xml version="1.0" encoding="utf-8"?>
+<p:sld xmlns:a="http://schemas.openxmlformats.org/drawingml/2006/main" xmlns:r="http://schemas.openxmlformats.org/officeDocument/2006/relationships" xmlns:p="http://schemas.openxmlformats.org/presentationml/2006/main">
+  <p:cSld>
+    <p:spTree>
+      <p:nvGrpSpPr>
+        <p:cNvPr id="1" name=""/>
+        <p:cNvGrpSpPr/>
+        <p:nvPr/>
+      </p:nvGrpSpPr>
+      <p:grpSpPr>
+        <a:xfrm>
+          <a:off x="0" y="0"/>
+          <a:ext cx="0" cy="0"/>
+          <a:chOff x="0" y="0"/>
+          <a:chExt cx="0" cy="0"/>
+        </a:xfrm>
+      </p:grpSpPr>
       <p:sp>
         <p:nvSpPr>
           <p:cNvPr id="5" name="Content Placeholder 2"/>
@@ -24571,23 +24729,254 @@
         </p:nvSpPr>
         <p:spPr>
           <a:xfrm>
-            <a:off x="483085" y="1687132"/>
-            <a:ext cx="6289747" cy="5170868"/>
+            <a:off x="483085" y="1428750"/>
+            <a:ext cx="6077190" cy="5429250"/>
           </a:xfrm>
         </p:spPr>
         <p:txBody>
           <a:bodyPr>
-            <a:normAutofit/>
+            <a:normAutofit fontScale="55000" lnSpcReduction="20000"/>
           </a:bodyPr>
           <a:lstStyle/>
           <a:p>
             <a:pPr algn="just"/>
             <a:r>
-              <a:rPr lang="pt-BR" sz="2400" dirty="0">
-                <a:latin typeface="Roboto" pitchFamily="2" charset="0"/>
-                <a:ea typeface="Roboto" pitchFamily="2" charset="0"/>
-              </a:rPr>
-              <a:t>http://cadmintool.blogspot.com.br/2012/09/o-que-e-nosql.html</a:t>
+              <a:rPr lang="pt-BR" sz="2900" b="1" dirty="0">
+                <a:latin typeface="Roboto" pitchFamily="2" charset="0"/>
+                <a:ea typeface="Roboto" pitchFamily="2" charset="0"/>
+              </a:rPr>
+              <a:t>Python:</a:t>
+            </a:r>
+          </a:p>
+          <a:p>
+            <a:pPr lvl="1" algn="just"/>
+            <a:r>
+              <a:rPr lang="pt-BR" sz="2500" dirty="0" err="1">
+                <a:latin typeface="Roboto" pitchFamily="2" charset="0"/>
+                <a:ea typeface="Roboto" pitchFamily="2" charset="0"/>
+              </a:rPr>
+              <a:t>Pycassa</a:t>
+            </a:r>
+            <a:r>
+              <a:rPr lang="pt-BR" sz="2500" dirty="0">
+                <a:latin typeface="Roboto" pitchFamily="2" charset="0"/>
+                <a:ea typeface="Roboto" pitchFamily="2" charset="0"/>
+              </a:rPr>
+              <a:t>: http://github.com/pycassa/pycassa</a:t>
+            </a:r>
+          </a:p>
+          <a:p>
+            <a:pPr algn="just"/>
+            <a:r>
+              <a:rPr lang="pt-BR" sz="3100" b="1" dirty="0" smtClean="0">
+                <a:latin typeface="Roboto" pitchFamily="2" charset="0"/>
+                <a:ea typeface="Roboto" pitchFamily="2" charset="0"/>
+              </a:rPr>
+              <a:t>Java</a:t>
+            </a:r>
+            <a:r>
+              <a:rPr lang="pt-BR" sz="3100" b="1" dirty="0">
+                <a:latin typeface="Roboto" pitchFamily="2" charset="0"/>
+                <a:ea typeface="Roboto" pitchFamily="2" charset="0"/>
+              </a:rPr>
+              <a:t>:</a:t>
+            </a:r>
+          </a:p>
+          <a:p>
+            <a:pPr lvl="1" algn="just"/>
+            <a:r>
+              <a:rPr lang="pt-BR" sz="2500" dirty="0">
+                <a:latin typeface="Roboto" pitchFamily="2" charset="0"/>
+                <a:ea typeface="Roboto" pitchFamily="2" charset="0"/>
+              </a:rPr>
+              <a:t>Hector: http://hector-client.org</a:t>
+            </a:r>
+          </a:p>
+          <a:p>
+            <a:pPr lvl="1" algn="just"/>
+            <a:r>
+              <a:rPr lang="pt-BR" sz="2500" dirty="0" err="1">
+                <a:latin typeface="Roboto" pitchFamily="2" charset="0"/>
+                <a:ea typeface="Roboto" pitchFamily="2" charset="0"/>
+              </a:rPr>
+              <a:t>EasyCassandra</a:t>
+            </a:r>
+            <a:r>
+              <a:rPr lang="pt-BR" sz="2500" dirty="0">
+                <a:latin typeface="Roboto" pitchFamily="2" charset="0"/>
+                <a:ea typeface="Roboto" pitchFamily="2" charset="0"/>
+              </a:rPr>
+              <a:t>: https://</a:t>
+            </a:r>
+            <a:r>
+              <a:rPr lang="pt-BR" sz="2500" dirty="0" smtClean="0">
+                <a:latin typeface="Roboto" pitchFamily="2" charset="0"/>
+                <a:ea typeface="Roboto" pitchFamily="2" charset="0"/>
+              </a:rPr>
+              <a:t>github.com/otaviojava/Easy-Cassandra</a:t>
+            </a:r>
+            <a:endParaRPr lang="pt-BR" sz="2500" b="1" dirty="0">
+              <a:latin typeface="Roboto" pitchFamily="2" charset="0"/>
+              <a:ea typeface="Roboto" pitchFamily="2" charset="0"/>
+            </a:endParaRPr>
+          </a:p>
+          <a:p>
+            <a:pPr algn="just"/>
+            <a:r>
+              <a:rPr lang="pt-BR" sz="2900" b="1" dirty="0">
+                <a:latin typeface="Roboto" pitchFamily="2" charset="0"/>
+                <a:ea typeface="Roboto" pitchFamily="2" charset="0"/>
+              </a:rPr>
+              <a:t>. NET</a:t>
+            </a:r>
+          </a:p>
+          <a:p>
+            <a:pPr lvl="1" algn="just"/>
+            <a:r>
+              <a:rPr lang="pt-BR" sz="2500" dirty="0">
+                <a:latin typeface="Roboto" pitchFamily="2" charset="0"/>
+                <a:ea typeface="Roboto" pitchFamily="2" charset="0"/>
+              </a:rPr>
+              <a:t>Aquiles: http://aquiles.codeplex.com/</a:t>
+            </a:r>
+          </a:p>
+          <a:p>
+            <a:pPr lvl="1" algn="just"/>
+            <a:r>
+              <a:rPr lang="pt-BR" sz="2500" dirty="0" err="1">
+                <a:latin typeface="Roboto" pitchFamily="2" charset="0"/>
+                <a:ea typeface="Roboto" pitchFamily="2" charset="0"/>
+              </a:rPr>
+              <a:t>Cassandraemon</a:t>
+            </a:r>
+            <a:r>
+              <a:rPr lang="pt-BR" sz="2500" dirty="0">
+                <a:latin typeface="Roboto" pitchFamily="2" charset="0"/>
+                <a:ea typeface="Roboto" pitchFamily="2" charset="0"/>
+              </a:rPr>
+              <a:t>: http://cassandraemon.codeplex.com/</a:t>
+            </a:r>
+          </a:p>
+          <a:p>
+            <a:pPr algn="just"/>
+            <a:r>
+              <a:rPr lang="pt-BR" sz="2500" b="1" dirty="0">
+                <a:latin typeface="Roboto" pitchFamily="2" charset="0"/>
+                <a:ea typeface="Roboto" pitchFamily="2" charset="0"/>
+              </a:rPr>
+              <a:t> </a:t>
+            </a:r>
+            <a:r>
+              <a:rPr lang="pt-BR" sz="2900" b="1" dirty="0" err="1">
+                <a:latin typeface="Roboto" pitchFamily="2" charset="0"/>
+                <a:ea typeface="Roboto" pitchFamily="2" charset="0"/>
+              </a:rPr>
+              <a:t>Ruby</a:t>
+            </a:r>
+            <a:r>
+              <a:rPr lang="pt-BR" sz="2900" b="1" dirty="0">
+                <a:latin typeface="Roboto" pitchFamily="2" charset="0"/>
+                <a:ea typeface="Roboto" pitchFamily="2" charset="0"/>
+              </a:rPr>
+              <a:t>:</a:t>
+            </a:r>
+          </a:p>
+          <a:p>
+            <a:pPr lvl="1" algn="just"/>
+            <a:r>
+              <a:rPr lang="pt-BR" sz="2500" dirty="0">
+                <a:latin typeface="Roboto" pitchFamily="2" charset="0"/>
+                <a:ea typeface="Roboto" pitchFamily="2" charset="0"/>
+              </a:rPr>
+              <a:t>Fauna: https://github.com/twitter/cassandra</a:t>
+            </a:r>
+          </a:p>
+          <a:p>
+            <a:pPr algn="just"/>
+            <a:r>
+              <a:rPr lang="pt-BR" sz="2900" b="1" dirty="0">
+                <a:latin typeface="Roboto" pitchFamily="2" charset="0"/>
+                <a:ea typeface="Roboto" pitchFamily="2" charset="0"/>
+              </a:rPr>
+              <a:t> PHP:</a:t>
+            </a:r>
+          </a:p>
+          <a:p>
+            <a:pPr lvl="1" algn="just"/>
+            <a:r>
+              <a:rPr lang="pt-BR" sz="2500" dirty="0">
+                <a:latin typeface="Roboto" pitchFamily="2" charset="0"/>
+                <a:ea typeface="Roboto" pitchFamily="2" charset="0"/>
+              </a:rPr>
+              <a:t>Biblioteca do Cliente Cassandra PHP: https://github.com/kallaspriit/Cassandra-PHP-Client-Library</a:t>
+            </a:r>
+          </a:p>
+          <a:p>
+            <a:pPr lvl="1" algn="just"/>
+            <a:r>
+              <a:rPr lang="pt-BR" sz="2500" dirty="0" err="1">
+                <a:latin typeface="Roboto" pitchFamily="2" charset="0"/>
+                <a:ea typeface="Roboto" pitchFamily="2" charset="0"/>
+              </a:rPr>
+              <a:t>phpcassa</a:t>
+            </a:r>
+            <a:r>
+              <a:rPr lang="pt-BR" sz="2500" dirty="0">
+                <a:latin typeface="Roboto" pitchFamily="2" charset="0"/>
+                <a:ea typeface="Roboto" pitchFamily="2" charset="0"/>
+              </a:rPr>
+              <a:t>: http://github.com/thobbs/phpcassa</a:t>
+            </a:r>
+          </a:p>
+          <a:p>
+            <a:pPr algn="just"/>
+            <a:r>
+              <a:rPr lang="pt-BR" sz="3100" b="1" dirty="0" smtClean="0">
+                <a:latin typeface="Roboto" pitchFamily="2" charset="0"/>
+                <a:ea typeface="Roboto" pitchFamily="2" charset="0"/>
+              </a:rPr>
+              <a:t>C </a:t>
+            </a:r>
+            <a:r>
+              <a:rPr lang="pt-BR" sz="3100" b="1" dirty="0">
+                <a:latin typeface="Roboto" pitchFamily="2" charset="0"/>
+                <a:ea typeface="Roboto" pitchFamily="2" charset="0"/>
+              </a:rPr>
+              <a:t>+ +</a:t>
+            </a:r>
+          </a:p>
+          <a:p>
+            <a:pPr lvl="1" algn="just"/>
+            <a:r>
+              <a:rPr lang="pt-BR" sz="2500" dirty="0">
+                <a:latin typeface="Roboto" pitchFamily="2" charset="0"/>
+                <a:ea typeface="Roboto" pitchFamily="2" charset="0"/>
+              </a:rPr>
+              <a:t>repositório </a:t>
+            </a:r>
+            <a:r>
+              <a:rPr lang="pt-BR" sz="2500" dirty="0" err="1">
+                <a:latin typeface="Roboto" pitchFamily="2" charset="0"/>
+                <a:ea typeface="Roboto" pitchFamily="2" charset="0"/>
+              </a:rPr>
+              <a:t>libQtCassandra</a:t>
+            </a:r>
+            <a:r>
+              <a:rPr lang="pt-BR" sz="2500" dirty="0">
+                <a:latin typeface="Roboto" pitchFamily="2" charset="0"/>
+                <a:ea typeface="Roboto" pitchFamily="2" charset="0"/>
+              </a:rPr>
+              <a:t>: http://sf.net/p/libqtcassandra/</a:t>
+            </a:r>
+          </a:p>
+          <a:p>
+            <a:pPr lvl="1" algn="just"/>
+            <a:r>
+              <a:rPr lang="pt-BR" sz="2500" dirty="0">
+                <a:latin typeface="Roboto" pitchFamily="2" charset="0"/>
+                <a:ea typeface="Roboto" pitchFamily="2" charset="0"/>
+              </a:rPr>
+              <a:t>Home Page, Guia do desenvolvedor: http://snapwebsites.org/project/libqtcassandra</a:t>
             </a:r>
           </a:p>
           <a:p>
@@ -24597,59 +24986,61 @@
               <a:ea typeface="Roboto" pitchFamily="2" charset="0"/>
             </a:endParaRPr>
           </a:p>
-          <a:p>
-            <a:pPr algn="just"/>
-            <a:r>
-              <a:rPr lang="pt-BR" sz="2400" dirty="0">
-                <a:latin typeface="Roboto" pitchFamily="2" charset="0"/>
-                <a:ea typeface="Roboto" pitchFamily="2" charset="0"/>
-              </a:rPr>
-              <a:t>http://www.ibm.com/developerworks/br/library/os-apache-cassandra/</a:t>
-            </a:r>
-          </a:p>
-          <a:p>
-            <a:pPr algn="just"/>
-            <a:endParaRPr lang="pt-BR" sz="2400" dirty="0">
+        </p:txBody>
+      </p:sp>
+      <p:sp>
+        <p:nvSpPr>
+          <p:cNvPr id="8" name="Title 1"/>
+          <p:cNvSpPr>
+            <a:spLocks noGrp="1"/>
+          </p:cNvSpPr>
+          <p:nvPr>
+            <p:ph type="title"/>
+          </p:nvPr>
+        </p:nvSpPr>
+        <p:spPr>
+          <a:xfrm>
+            <a:off x="508133" y="609600"/>
+            <a:ext cx="6449180" cy="1320800"/>
+          </a:xfrm>
+        </p:spPr>
+        <p:txBody>
+          <a:bodyPr>
+            <a:normAutofit/>
+          </a:bodyPr>
+          <a:lstStyle/>
+          <a:p>
+            <a:r>
+              <a:rPr lang="pt-BR" sz="5400" b="1" dirty="0" smtClean="0">
+                <a:latin typeface="Roboto" pitchFamily="2" charset="0"/>
+                <a:ea typeface="Roboto" pitchFamily="2" charset="0"/>
+              </a:rPr>
+              <a:t>Clientes de alto nível</a:t>
+            </a:r>
+            <a:endParaRPr lang="pt-BR" sz="5400" b="1" dirty="0">
               <a:latin typeface="Roboto" pitchFamily="2" charset="0"/>
               <a:ea typeface="Roboto" pitchFamily="2" charset="0"/>
             </a:endParaRPr>
           </a:p>
-          <a:p>
-            <a:pPr algn="just"/>
-            <a:r>
-              <a:rPr lang="pt-BR" sz="2400" dirty="0">
-                <a:latin typeface="Roboto" pitchFamily="2" charset="0"/>
-                <a:ea typeface="Roboto" pitchFamily="2" charset="0"/>
-              </a:rPr>
-              <a:t>http://imasters.com.br/artigo/17043/banco-de-dados/nosql-voce-realmente-sabe-do-que-estamos-falando/</a:t>
-            </a:r>
-          </a:p>
-          <a:p>
-            <a:pPr algn="just"/>
-            <a:endParaRPr lang="pt-BR" sz="2900" b="1" dirty="0">
-              <a:latin typeface="Roboto" pitchFamily="2" charset="0"/>
-              <a:ea typeface="Roboto" pitchFamily="2" charset="0"/>
-            </a:endParaRPr>
-          </a:p>
-          <a:p>
-            <a:pPr algn="just"/>
-            <a:endParaRPr lang="pt-BR" sz="2400" dirty="0">
-              <a:latin typeface="Roboto" pitchFamily="2" charset="0"/>
-              <a:ea typeface="Roboto" pitchFamily="2" charset="0"/>
-            </a:endParaRPr>
-          </a:p>
         </p:txBody>
       </p:sp>
     </p:spTree>
     <p:extLst>
       <p:ext uri="{BB962C8B-B14F-4D97-AF65-F5344CB8AC3E}">
-        <p14:creationId xmlns="" xmlns:p14="http://schemas.microsoft.com/office/powerpoint/2010/main" val="810362333"/>
+        <p14:creationId xmlns="" xmlns:p14="http://schemas.microsoft.com/office/powerpoint/2010/main" val="3369168268"/>
       </p:ext>
     </p:extLst>
   </p:cSld>
   <p:clrMapOvr>
     <a:masterClrMapping/>
   </p:clrMapOvr>
+  <p:timing>
+    <p:tnLst>
+      <p:par>
+        <p:cTn id="1" dur="indefinite" restart="never" nodeType="tmRoot"/>
+      </p:par>
+    </p:tnLst>
+  </p:timing>
 </p:sld>
 </file>
 
@@ -24759,6 +25150,199 @@
     <p:extLst>
       <p:ext uri="{BB962C8B-B14F-4D97-AF65-F5344CB8AC3E}">
         <p14:creationId xmlns="" xmlns:p14="http://schemas.microsoft.com/office/powerpoint/2010/main" val="2541859042"/>
+      </p:ext>
+    </p:extLst>
+  </p:cSld>
+  <p:clrMapOvr>
+    <a:masterClrMapping/>
+  </p:clrMapOvr>
+  <p:timing>
+    <p:tnLst>
+      <p:par>
+        <p:cTn id="1" dur="indefinite" restart="never" nodeType="tmRoot"/>
+      </p:par>
+    </p:tnLst>
+  </p:timing>
+</p:sld>
+</file>
+
+<file path=ppt/slides/slide30.xml><?xml version="1.0" encoding="utf-8"?>
+<p:sld xmlns:a="http://schemas.openxmlformats.org/drawingml/2006/main" xmlns:r="http://schemas.openxmlformats.org/officeDocument/2006/relationships" xmlns:p="http://schemas.openxmlformats.org/presentationml/2006/main">
+  <p:cSld>
+    <p:spTree>
+      <p:nvGrpSpPr>
+        <p:cNvPr id="1" name=""/>
+        <p:cNvGrpSpPr/>
+        <p:nvPr/>
+      </p:nvGrpSpPr>
+      <p:grpSpPr>
+        <a:xfrm>
+          <a:off x="0" y="0"/>
+          <a:ext cx="0" cy="0"/>
+          <a:chOff x="0" y="0"/>
+          <a:chExt cx="0" cy="0"/>
+        </a:xfrm>
+      </p:grpSpPr>
+      <p:sp>
+        <p:nvSpPr>
+          <p:cNvPr id="4" name="Title 1"/>
+          <p:cNvSpPr>
+            <a:spLocks noGrp="1"/>
+          </p:cNvSpPr>
+          <p:nvPr>
+            <p:ph type="title"/>
+          </p:nvPr>
+        </p:nvSpPr>
+        <p:spPr>
+          <a:xfrm>
+            <a:off x="508133" y="609600"/>
+            <a:ext cx="6449180" cy="1320800"/>
+          </a:xfrm>
+        </p:spPr>
+        <p:txBody>
+          <a:bodyPr>
+            <a:normAutofit/>
+          </a:bodyPr>
+          <a:lstStyle/>
+          <a:p>
+            <a:r>
+              <a:rPr lang="pt-BR" sz="5400" b="1" dirty="0" smtClean="0">
+                <a:latin typeface="Roboto" pitchFamily="2" charset="0"/>
+                <a:ea typeface="Roboto" pitchFamily="2" charset="0"/>
+              </a:rPr>
+              <a:t>Referências</a:t>
+            </a:r>
+            <a:endParaRPr lang="pt-BR" sz="5400" b="1" dirty="0">
+              <a:latin typeface="Roboto" pitchFamily="2" charset="0"/>
+              <a:ea typeface="Roboto" pitchFamily="2" charset="0"/>
+            </a:endParaRPr>
+          </a:p>
+        </p:txBody>
+      </p:sp>
+      <p:sp>
+        <p:nvSpPr>
+          <p:cNvPr id="5" name="Content Placeholder 2"/>
+          <p:cNvSpPr>
+            <a:spLocks noGrp="1"/>
+          </p:cNvSpPr>
+          <p:nvPr>
+            <p:ph idx="1"/>
+          </p:nvPr>
+        </p:nvSpPr>
+        <p:spPr>
+          <a:xfrm>
+            <a:off x="483085" y="1687132"/>
+            <a:ext cx="6289747" cy="5170868"/>
+          </a:xfrm>
+        </p:spPr>
+        <p:txBody>
+          <a:bodyPr>
+            <a:normAutofit/>
+          </a:bodyPr>
+          <a:lstStyle/>
+          <a:p>
+            <a:pPr algn="just"/>
+            <a:r>
+              <a:rPr lang="pt-BR" sz="2400" dirty="0">
+                <a:latin typeface="Roboto" pitchFamily="2" charset="0"/>
+                <a:ea typeface="Roboto" pitchFamily="2" charset="0"/>
+              </a:rPr>
+              <a:t>http://</a:t>
+            </a:r>
+            <a:r>
+              <a:rPr lang="pt-BR" sz="2400" dirty="0" smtClean="0">
+                <a:latin typeface="Roboto" pitchFamily="2" charset="0"/>
+                <a:ea typeface="Roboto" pitchFamily="2" charset="0"/>
+              </a:rPr>
+              <a:t>cadmintool.blogspot.com.br/2012/09/o-que-e-nosql.html</a:t>
+            </a:r>
+            <a:endParaRPr lang="pt-BR" sz="2400" dirty="0">
+              <a:latin typeface="Roboto" pitchFamily="2" charset="0"/>
+              <a:ea typeface="Roboto" pitchFamily="2" charset="0"/>
+            </a:endParaRPr>
+          </a:p>
+          <a:p>
+            <a:pPr algn="just"/>
+            <a:r>
+              <a:rPr lang="pt-BR" sz="2400" dirty="0">
+                <a:latin typeface="Roboto" pitchFamily="2" charset="0"/>
+                <a:ea typeface="Roboto" pitchFamily="2" charset="0"/>
+              </a:rPr>
+              <a:t>http://www.ibm.com/developerworks/br/library/os-apache-cassandra</a:t>
+            </a:r>
+            <a:r>
+              <a:rPr lang="pt-BR" sz="2400" dirty="0" smtClean="0">
+                <a:latin typeface="Roboto" pitchFamily="2" charset="0"/>
+                <a:ea typeface="Roboto" pitchFamily="2" charset="0"/>
+              </a:rPr>
+              <a:t>/</a:t>
+            </a:r>
+            <a:endParaRPr lang="pt-BR" sz="2400" dirty="0">
+              <a:latin typeface="Roboto" pitchFamily="2" charset="0"/>
+              <a:ea typeface="Roboto" pitchFamily="2" charset="0"/>
+            </a:endParaRPr>
+          </a:p>
+          <a:p>
+            <a:pPr algn="just"/>
+            <a:r>
+              <a:rPr lang="pt-BR" sz="2400" dirty="0">
+                <a:latin typeface="Roboto" pitchFamily="2" charset="0"/>
+                <a:ea typeface="Roboto" pitchFamily="2" charset="0"/>
+              </a:rPr>
+              <a:t>http://</a:t>
+            </a:r>
+            <a:r>
+              <a:rPr lang="pt-BR" sz="2400" dirty="0">
+                <a:latin typeface="Roboto" pitchFamily="2" charset="0"/>
+                <a:ea typeface="Roboto" pitchFamily="2" charset="0"/>
+              </a:rPr>
+              <a:t>imasters.com.br/artigo/17043/banco-de-dados/nosql-voce-realmente-sabe-do-que-estamos-falando/</a:t>
+            </a:r>
+          </a:p>
+          <a:p>
+            <a:pPr algn="just"/>
+            <a:r>
+              <a:rPr lang="pt-BR" sz="2400" dirty="0" smtClean="0">
+                <a:latin typeface="Roboto" pitchFamily="2" charset="0"/>
+                <a:ea typeface="Roboto" pitchFamily="2" charset="0"/>
+              </a:rPr>
+              <a:t>http://</a:t>
+            </a:r>
+            <a:r>
+              <a:rPr lang="pt-BR" sz="2400" dirty="0" smtClean="0">
+                <a:latin typeface="Roboto" pitchFamily="2" charset="0"/>
+                <a:ea typeface="Roboto" pitchFamily="2" charset="0"/>
+              </a:rPr>
+              <a:t>cassandraufg.wordpress.com</a:t>
+            </a:r>
+          </a:p>
+          <a:p>
+            <a:pPr algn="just"/>
+            <a:r>
+              <a:rPr lang="pt-BR" sz="2400" dirty="0" smtClean="0">
+                <a:latin typeface="Roboto" pitchFamily="2" charset="0"/>
+                <a:ea typeface="Roboto" pitchFamily="2" charset="0"/>
+              </a:rPr>
+              <a:t>http://pt.scribd.com/doc/73007407/6/Principais-Caracteristicas-NoSQL</a:t>
+            </a:r>
+            <a:endParaRPr lang="pt-BR" sz="2400" dirty="0">
+              <a:latin typeface="Roboto" pitchFamily="2" charset="0"/>
+              <a:ea typeface="Roboto" pitchFamily="2" charset="0"/>
+            </a:endParaRPr>
+          </a:p>
+          <a:p>
+            <a:pPr algn="just"/>
+            <a:endParaRPr lang="pt-BR" sz="2400" dirty="0">
+              <a:latin typeface="Roboto" pitchFamily="2" charset="0"/>
+              <a:ea typeface="Roboto" pitchFamily="2" charset="0"/>
+            </a:endParaRPr>
+          </a:p>
+        </p:txBody>
+      </p:sp>
+    </p:spTree>
+    <p:extLst>
+      <p:ext uri="{BB962C8B-B14F-4D97-AF65-F5344CB8AC3E}">
+        <p14:creationId xmlns="" xmlns:p14="http://schemas.microsoft.com/office/powerpoint/2010/main" val="810362333"/>
       </p:ext>
     </p:extLst>
   </p:cSld>
@@ -24794,7 +25378,7 @@
       </p:grpSpPr>
       <p:sp>
         <p:nvSpPr>
-          <p:cNvPr id="2" name="Title 1"/>
+          <p:cNvPr id="6" name="Title 1"/>
           <p:cNvSpPr>
             <a:spLocks noGrp="1"/>
           </p:cNvSpPr>
@@ -24802,7 +25386,12 @@
             <p:ph type="title"/>
           </p:nvPr>
         </p:nvSpPr>
-        <p:spPr/>
+        <p:spPr>
+          <a:xfrm>
+            <a:off x="508133" y="609600"/>
+            <a:ext cx="6449180" cy="1320800"/>
+          </a:xfrm>
+        </p:spPr>
         <p:txBody>
           <a:bodyPr>
             <a:normAutofit/>
@@ -24860,7 +25449,7 @@
       </p:sp>
       <p:sp>
         <p:nvSpPr>
-          <p:cNvPr id="3" name="Content Placeholder 2"/>
+          <p:cNvPr id="7" name="Content Placeholder 2"/>
           <p:cNvSpPr>
             <a:spLocks noGrp="1"/>
           </p:cNvSpPr>
@@ -25032,7 +25621,7 @@
       </p:sp>
       <p:pic>
         <p:nvPicPr>
-          <p:cNvPr id="4" name="Picture 3"/>
+          <p:cNvPr id="8" name="Picture 3"/>
           <p:cNvPicPr>
             <a:picLocks noChangeAspect="1"/>
           </p:cNvPicPr>
@@ -25052,7 +25641,7 @@
         </p:blipFill>
         <p:spPr>
           <a:xfrm>
-            <a:off x="493619" y="4332413"/>
+            <a:off x="493619" y="4201787"/>
             <a:ext cx="2932303" cy="2302396"/>
           </a:xfrm>
           <a:prstGeom prst="rect">
@@ -25063,7 +25652,7 @@
     </p:spTree>
     <p:extLst>
       <p:ext uri="{BB962C8B-B14F-4D97-AF65-F5344CB8AC3E}">
-        <p14:creationId xmlns="" xmlns:p14="http://schemas.microsoft.com/office/powerpoint/2010/main" val="3651768939"/>
+        <p14:creationId xmlns="" xmlns:p14="http://schemas.microsoft.com/office/powerpoint/2010/main" val="2541859042"/>
       </p:ext>
     </p:extLst>
   </p:cSld>

--- a/Seminario/NoSQL v3.pptx
+++ b/Seminario/NoSQL v3.pptx
@@ -35,6 +35,7 @@
     <p:sldId id="276" r:id="rId29"/>
     <p:sldId id="278" r:id="rId30"/>
     <p:sldId id="279" r:id="rId31"/>
+    <p:sldId id="289" r:id="rId32"/>
   </p:sldIdLst>
   <p:sldSz cx="9144000" cy="6858000" type="screen4x3"/>
   <p:notesSz cx="6858000" cy="9144000"/>
@@ -135,7 +136,7 @@
   </p:defaultTextStyle>
   <p:extLst>
     <p:ext uri="{EFAFB233-063F-42B5-8137-9DF3F51BA10A}">
-      <p15:sldGuideLst xmlns="" xmlns:p15="http://schemas.microsoft.com/office/powerpoint/2012/main"/>
+      <p15:sldGuideLst xmlns:p15="http://schemas.microsoft.com/office/powerpoint/2012/main" xmlns=""/>
     </p:ext>
   </p:extLst>
 </p:presentation>
@@ -1119,7 +1120,7 @@
             <a:fld id="{B61BEF0D-F0BB-DE4B-95CE-6DB70DBA9567}" type="datetimeFigureOut">
               <a:rPr lang="en-US"/>
               <a:pPr/>
-              <a:t>4/3/2013</a:t>
+              <a:t>4/4/2013</a:t>
             </a:fld>
             <a:endParaRPr lang="en-US"/>
           </a:p>
@@ -2332,7 +2333,7 @@
             <a:fld id="{B61BEF0D-F0BB-DE4B-95CE-6DB70DBA9567}" type="datetimeFigureOut">
               <a:rPr lang="en-US"/>
               <a:pPr/>
-              <a:t>4/3/2013</a:t>
+              <a:t>4/4/2013</a:t>
             </a:fld>
             <a:endParaRPr lang="en-US"/>
           </a:p>
@@ -2384,7 +2385,7 @@
     </p:spTree>
     <p:extLst>
       <p:ext uri="{BB962C8B-B14F-4D97-AF65-F5344CB8AC3E}">
-        <p14:creationId xmlns="" xmlns:p14="http://schemas.microsoft.com/office/powerpoint/2010/main" val="774026601"/>
+        <p14:creationId xmlns:p14="http://schemas.microsoft.com/office/powerpoint/2010/main" xmlns="" val="774026601"/>
       </p:ext>
     </p:extLst>
   </p:cSld>
@@ -3457,7 +3458,7 @@
             <a:fld id="{B61BEF0D-F0BB-DE4B-95CE-6DB70DBA9567}" type="datetimeFigureOut">
               <a:rPr lang="en-US"/>
               <a:pPr/>
-              <a:t>4/3/2013</a:t>
+              <a:t>4/4/2013</a:t>
             </a:fld>
             <a:endParaRPr lang="en-US"/>
           </a:p>
@@ -3830,7 +3831,7 @@
     </p:spTree>
     <p:extLst>
       <p:ext uri="{BB962C8B-B14F-4D97-AF65-F5344CB8AC3E}">
-        <p14:creationId xmlns="" xmlns:p14="http://schemas.microsoft.com/office/powerpoint/2010/main" val="2321308220"/>
+        <p14:creationId xmlns:p14="http://schemas.microsoft.com/office/powerpoint/2010/main" xmlns="" val="2321308220"/>
       </p:ext>
     </p:extLst>
   </p:cSld>
@@ -4903,7 +4904,7 @@
             <a:fld id="{B61BEF0D-F0BB-DE4B-95CE-6DB70DBA9567}" type="datetimeFigureOut">
               <a:rPr lang="en-US"/>
               <a:pPr/>
-              <a:t>4/3/2013</a:t>
+              <a:t>4/4/2013</a:t>
             </a:fld>
             <a:endParaRPr lang="en-US"/>
           </a:p>
@@ -4955,7 +4956,7 @@
     </p:spTree>
     <p:extLst>
       <p:ext uri="{BB962C8B-B14F-4D97-AF65-F5344CB8AC3E}">
-        <p14:creationId xmlns="" xmlns:p14="http://schemas.microsoft.com/office/powerpoint/2010/main" val="3634612619"/>
+        <p14:creationId xmlns:p14="http://schemas.microsoft.com/office/powerpoint/2010/main" xmlns="" val="3634612619"/>
       </p:ext>
     </p:extLst>
   </p:cSld>
@@ -6028,7 +6029,7 @@
             <a:fld id="{B61BEF0D-F0BB-DE4B-95CE-6DB70DBA9567}" type="datetimeFigureOut">
               <a:rPr lang="en-US"/>
               <a:pPr/>
-              <a:t>4/3/2013</a:t>
+              <a:t>4/4/2013</a:t>
             </a:fld>
             <a:endParaRPr lang="en-US"/>
           </a:p>
@@ -6401,7 +6402,7 @@
     </p:spTree>
     <p:extLst>
       <p:ext uri="{BB962C8B-B14F-4D97-AF65-F5344CB8AC3E}">
-        <p14:creationId xmlns="" xmlns:p14="http://schemas.microsoft.com/office/powerpoint/2010/main" val="1769146371"/>
+        <p14:creationId xmlns:p14="http://schemas.microsoft.com/office/powerpoint/2010/main" xmlns="" val="1769146371"/>
       </p:ext>
     </p:extLst>
   </p:cSld>
@@ -7474,7 +7475,7 @@
             <a:fld id="{B61BEF0D-F0BB-DE4B-95CE-6DB70DBA9567}" type="datetimeFigureOut">
               <a:rPr lang="en-US"/>
               <a:pPr/>
-              <a:t>4/3/2013</a:t>
+              <a:t>4/4/2013</a:t>
             </a:fld>
             <a:endParaRPr lang="en-US"/>
           </a:p>
@@ -7586,7 +7587,7 @@
     </p:spTree>
     <p:extLst>
       <p:ext uri="{BB962C8B-B14F-4D97-AF65-F5344CB8AC3E}">
-        <p14:creationId xmlns="" xmlns:p14="http://schemas.microsoft.com/office/powerpoint/2010/main" val="2187996292"/>
+        <p14:creationId xmlns:p14="http://schemas.microsoft.com/office/powerpoint/2010/main" xmlns="" val="2187996292"/>
       </p:ext>
     </p:extLst>
   </p:cSld>
@@ -8578,7 +8579,7 @@
             <a:fld id="{B61BEF0D-F0BB-DE4B-95CE-6DB70DBA9567}" type="datetimeFigureOut">
               <a:rPr lang="en-US"/>
               <a:pPr/>
-              <a:t>4/3/2013</a:t>
+              <a:t>4/4/2013</a:t>
             </a:fld>
             <a:endParaRPr lang="en-US"/>
           </a:p>
@@ -9627,7 +9628,7 @@
             <a:fld id="{B61BEF0D-F0BB-DE4B-95CE-6DB70DBA9567}" type="datetimeFigureOut">
               <a:rPr lang="en-US"/>
               <a:pPr/>
-              <a:t>4/3/2013</a:t>
+              <a:t>4/4/2013</a:t>
             </a:fld>
             <a:endParaRPr lang="en-US"/>
           </a:p>
@@ -9966,7 +9967,7 @@
             <a:fld id="{B61BEF0D-F0BB-DE4B-95CE-6DB70DBA9567}" type="datetimeFigureOut">
               <a:rPr lang="en-US"/>
               <a:pPr/>
-              <a:t>4/3/2013</a:t>
+              <a:t>4/4/2013</a:t>
             </a:fld>
             <a:endParaRPr lang="en-US"/>
           </a:p>
@@ -11785,7 +11786,7 @@
             <a:fld id="{B61BEF0D-F0BB-DE4B-95CE-6DB70DBA9567}" type="datetimeFigureOut">
               <a:rPr lang="en-US"/>
               <a:pPr/>
-              <a:t>4/3/2013</a:t>
+              <a:t>4/4/2013</a:t>
             </a:fld>
             <a:endParaRPr lang="en-US"/>
           </a:p>
@@ -12951,7 +12952,7 @@
             <a:fld id="{B61BEF0D-F0BB-DE4B-95CE-6DB70DBA9567}" type="datetimeFigureOut">
               <a:rPr lang="en-US"/>
               <a:pPr/>
-              <a:t>4/3/2013</a:t>
+              <a:t>4/4/2013</a:t>
             </a:fld>
             <a:endParaRPr lang="en-US"/>
           </a:p>
@@ -14250,7 +14251,7 @@
             <a:fld id="{B61BEF0D-F0BB-DE4B-95CE-6DB70DBA9567}" type="datetimeFigureOut">
               <a:rPr lang="en-US"/>
               <a:pPr/>
-              <a:t>4/3/2013</a:t>
+              <a:t>4/4/2013</a:t>
             </a:fld>
             <a:endParaRPr lang="en-US"/>
           </a:p>
@@ -15242,7 +15243,7 @@
             <a:fld id="{B61BEF0D-F0BB-DE4B-95CE-6DB70DBA9567}" type="datetimeFigureOut">
               <a:rPr lang="en-US"/>
               <a:pPr/>
-              <a:t>4/3/2013</a:t>
+              <a:t>4/4/2013</a:t>
             </a:fld>
             <a:endParaRPr lang="en-US"/>
           </a:p>
@@ -15334,7 +15335,7 @@
             <a:fld id="{B61BEF0D-F0BB-DE4B-95CE-6DB70DBA9567}" type="datetimeFigureOut">
               <a:rPr lang="en-US"/>
               <a:pPr/>
-              <a:t>4/3/2013</a:t>
+              <a:t>4/4/2013</a:t>
             </a:fld>
             <a:endParaRPr lang="en-US"/>
           </a:p>
@@ -17322,7 +17323,7 @@
             <a:fld id="{B61BEF0D-F0BB-DE4B-95CE-6DB70DBA9567}" type="datetimeFigureOut">
               <a:rPr lang="en-US"/>
               <a:pPr/>
-              <a:t>4/3/2013</a:t>
+              <a:t>4/4/2013</a:t>
             </a:fld>
             <a:endParaRPr lang="en-US"/>
           </a:p>
@@ -18486,7 +18487,7 @@
             <a:fld id="{B61BEF0D-F0BB-DE4B-95CE-6DB70DBA9567}" type="datetimeFigureOut">
               <a:rPr lang="en-US"/>
               <a:pPr/>
-              <a:t>4/3/2013</a:t>
+              <a:t>4/4/2013</a:t>
             </a:fld>
             <a:endParaRPr lang="en-US"/>
           </a:p>
@@ -18696,7 +18697,7 @@
             <a:fld id="{B61BEF0D-F0BB-DE4B-95CE-6DB70DBA9567}" type="datetimeFigureOut">
               <a:rPr lang="en-US" smtClean="0"/>
               <a:pPr/>
-              <a:t>4/3/2013</a:t>
+              <a:t>4/4/2013</a:t>
             </a:fld>
             <a:endParaRPr lang="en-US" dirty="0"/>
           </a:p>
@@ -18782,7 +18783,7 @@
     </p:spTree>
     <p:extLst>
       <p:ext uri="{BB962C8B-B14F-4D97-AF65-F5344CB8AC3E}">
-        <p14:creationId xmlns="" xmlns:p14="http://schemas.microsoft.com/office/powerpoint/2010/main" val="2954049795"/>
+        <p14:creationId xmlns:p14="http://schemas.microsoft.com/office/powerpoint/2010/main" xmlns="" val="2954049795"/>
       </p:ext>
     </p:extLst>
   </p:cSld>
@@ -19233,7 +19234,7 @@
     </p:spTree>
     <p:extLst>
       <p:ext uri="{BB962C8B-B14F-4D97-AF65-F5344CB8AC3E}">
-        <p14:creationId xmlns="" xmlns:p14="http://schemas.microsoft.com/office/powerpoint/2010/main" val="3219356600"/>
+        <p14:creationId xmlns:p14="http://schemas.microsoft.com/office/powerpoint/2010/main" xmlns="" val="3219356600"/>
       </p:ext>
     </p:extLst>
   </p:cSld>
@@ -19310,7 +19311,7 @@
           <a:blip r:embed="rId2">
             <a:extLst>
               <a:ext uri="{28A0092B-C50C-407E-A947-70E740481C1C}">
-                <a14:useLocalDpi xmlns="" xmlns:a14="http://schemas.microsoft.com/office/drawing/2010/main" val="0"/>
+                <a14:useLocalDpi xmlns:a14="http://schemas.microsoft.com/office/drawing/2010/main" xmlns="" val="0"/>
               </a:ext>
             </a:extLst>
           </a:blip>
@@ -19340,7 +19341,7 @@
           <a:blip r:embed="rId3">
             <a:extLst>
               <a:ext uri="{28A0092B-C50C-407E-A947-70E740481C1C}">
-                <a14:useLocalDpi xmlns="" xmlns:a14="http://schemas.microsoft.com/office/drawing/2010/main" val="0"/>
+                <a14:useLocalDpi xmlns:a14="http://schemas.microsoft.com/office/drawing/2010/main" xmlns="" val="0"/>
               </a:ext>
             </a:extLst>
           </a:blip>
@@ -19370,7 +19371,7 @@
           <a:blip r:embed="rId4">
             <a:extLst>
               <a:ext uri="{28A0092B-C50C-407E-A947-70E740481C1C}">
-                <a14:useLocalDpi xmlns="" xmlns:a14="http://schemas.microsoft.com/office/drawing/2010/main" val="0"/>
+                <a14:useLocalDpi xmlns:a14="http://schemas.microsoft.com/office/drawing/2010/main" xmlns="" val="0"/>
               </a:ext>
             </a:extLst>
           </a:blip>
@@ -19400,7 +19401,7 @@
           <a:blip r:embed="rId5">
             <a:extLst>
               <a:ext uri="{28A0092B-C50C-407E-A947-70E740481C1C}">
-                <a14:useLocalDpi xmlns="" xmlns:a14="http://schemas.microsoft.com/office/drawing/2010/main" val="0"/>
+                <a14:useLocalDpi xmlns:a14="http://schemas.microsoft.com/office/drawing/2010/main" xmlns="" val="0"/>
               </a:ext>
             </a:extLst>
           </a:blip>
@@ -19430,7 +19431,7 @@
           <a:blip r:embed="rId6">
             <a:extLst>
               <a:ext uri="{28A0092B-C50C-407E-A947-70E740481C1C}">
-                <a14:useLocalDpi xmlns="" xmlns:a14="http://schemas.microsoft.com/office/drawing/2010/main" val="0"/>
+                <a14:useLocalDpi xmlns:a14="http://schemas.microsoft.com/office/drawing/2010/main" xmlns="" val="0"/>
               </a:ext>
             </a:extLst>
           </a:blip>
@@ -19460,7 +19461,7 @@
           <a:blip r:embed="rId7">
             <a:extLst>
               <a:ext uri="{28A0092B-C50C-407E-A947-70E740481C1C}">
-                <a14:useLocalDpi xmlns="" xmlns:a14="http://schemas.microsoft.com/office/drawing/2010/main" val="0"/>
+                <a14:useLocalDpi xmlns:a14="http://schemas.microsoft.com/office/drawing/2010/main" xmlns="" val="0"/>
               </a:ext>
             </a:extLst>
           </a:blip>
@@ -19490,7 +19491,7 @@
           <a:blip r:embed="rId8">
             <a:extLst>
               <a:ext uri="{28A0092B-C50C-407E-A947-70E740481C1C}">
-                <a14:useLocalDpi xmlns="" xmlns:a14="http://schemas.microsoft.com/office/drawing/2010/main" val="0"/>
+                <a14:useLocalDpi xmlns:a14="http://schemas.microsoft.com/office/drawing/2010/main" xmlns="" val="0"/>
               </a:ext>
             </a:extLst>
           </a:blip>
@@ -19511,7 +19512,7 @@
     </p:spTree>
     <p:extLst>
       <p:ext uri="{BB962C8B-B14F-4D97-AF65-F5344CB8AC3E}">
-        <p14:creationId xmlns="" xmlns:p14="http://schemas.microsoft.com/office/powerpoint/2010/main" val="3334609015"/>
+        <p14:creationId xmlns:p14="http://schemas.microsoft.com/office/powerpoint/2010/main" xmlns="" val="3334609015"/>
       </p:ext>
     </p:extLst>
   </p:cSld>
@@ -19595,7 +19596,7 @@
           <a:blip r:embed="rId2">
             <a:extLst>
               <a:ext uri="{28A0092B-C50C-407E-A947-70E740481C1C}">
-                <a14:useLocalDpi xmlns="" xmlns:a14="http://schemas.microsoft.com/office/drawing/2010/main" val="0"/>
+                <a14:useLocalDpi xmlns:a14="http://schemas.microsoft.com/office/drawing/2010/main" xmlns="" val="0"/>
               </a:ext>
             </a:extLst>
           </a:blip>
@@ -19616,7 +19617,7 @@
     </p:spTree>
     <p:extLst>
       <p:ext uri="{BB962C8B-B14F-4D97-AF65-F5344CB8AC3E}">
-        <p14:creationId xmlns="" xmlns:p14="http://schemas.microsoft.com/office/powerpoint/2010/main" val="3798773759"/>
+        <p14:creationId xmlns:p14="http://schemas.microsoft.com/office/powerpoint/2010/main" xmlns="" val="3798773759"/>
       </p:ext>
     </p:extLst>
   </p:cSld>
@@ -19881,7 +19882,7 @@
     </p:spTree>
     <p:extLst>
       <p:ext uri="{BB962C8B-B14F-4D97-AF65-F5344CB8AC3E}">
-        <p14:creationId xmlns="" xmlns:p14="http://schemas.microsoft.com/office/powerpoint/2010/main" val="1994305294"/>
+        <p14:creationId xmlns:p14="http://schemas.microsoft.com/office/powerpoint/2010/main" xmlns="" val="1994305294"/>
       </p:ext>
     </p:extLst>
   </p:cSld>
@@ -20150,13 +20151,8 @@
             <a:pPr algn="ctr"/>
             <a:r>
               <a:rPr lang="pt-BR" sz="3600" dirty="0" smtClean="0"/>
-              <a:t>idade : </a:t>
-            </a:r>
-            <a:r>
-              <a:rPr lang="pt-BR" sz="3600" dirty="0" smtClean="0"/>
-              <a:t>30 </a:t>
-            </a:r>
-            <a:endParaRPr lang="pt-BR" sz="3600" dirty="0" smtClean="0"/>
+              <a:t>idade : 30 </a:t>
+            </a:r>
           </a:p>
           <a:p>
             <a:pPr algn="ctr"/>
@@ -20201,7 +20197,7 @@
     </p:spTree>
     <p:extLst>
       <p:ext uri="{BB962C8B-B14F-4D97-AF65-F5344CB8AC3E}">
-        <p14:creationId xmlns="" xmlns:p14="http://schemas.microsoft.com/office/powerpoint/2010/main" val="2229143163"/>
+        <p14:creationId xmlns:p14="http://schemas.microsoft.com/office/powerpoint/2010/main" xmlns="" val="2229143163"/>
       </p:ext>
     </p:extLst>
   </p:cSld>
@@ -20244,7 +20240,7 @@
           <p:nvPr>
             <p:extLst>
               <p:ext uri="{D42A27DB-BD31-4B8C-83A1-F6EECF244321}">
-                <p14:modId xmlns="" xmlns:p14="http://schemas.microsoft.com/office/powerpoint/2010/main" val="3765756533"/>
+                <p14:modId xmlns:p14="http://schemas.microsoft.com/office/powerpoint/2010/main" xmlns="" val="3765756533"/>
               </p:ext>
             </p:extLst>
           </p:nvPr>
@@ -20945,7 +20941,7 @@
     </p:spTree>
     <p:extLst>
       <p:ext uri="{BB962C8B-B14F-4D97-AF65-F5344CB8AC3E}">
-        <p14:creationId xmlns="" xmlns:p14="http://schemas.microsoft.com/office/powerpoint/2010/main" val="541831983"/>
+        <p14:creationId xmlns:p14="http://schemas.microsoft.com/office/powerpoint/2010/main" xmlns="" val="541831983"/>
       </p:ext>
     </p:extLst>
   </p:cSld>
@@ -21070,14 +21066,7 @@
                 <a:latin typeface="Roboto" pitchFamily="2" charset="0"/>
                 <a:ea typeface="Roboto" pitchFamily="2" charset="0"/>
               </a:rPr>
-              <a:t>Cassandra </a:t>
-            </a:r>
-            <a:r>
-              <a:rPr lang="pt-BR" sz="3600" dirty="0" smtClean="0">
-                <a:latin typeface="Roboto" pitchFamily="2" charset="0"/>
-                <a:ea typeface="Roboto" pitchFamily="2" charset="0"/>
-              </a:rPr>
-              <a:t>suporta.</a:t>
+              <a:t>Cassandra suporta.</a:t>
             </a:r>
             <a:endParaRPr lang="pt-BR" sz="2800" dirty="0"/>
           </a:p>
@@ -21095,7 +21084,7 @@
           <a:blip r:embed="rId2">
             <a:extLst>
               <a:ext uri="{28A0092B-C50C-407E-A947-70E740481C1C}">
-                <a14:useLocalDpi xmlns="" xmlns:a14="http://schemas.microsoft.com/office/drawing/2010/main" val="0"/>
+                <a14:useLocalDpi xmlns:a14="http://schemas.microsoft.com/office/drawing/2010/main" xmlns="" val="0"/>
               </a:ext>
             </a:extLst>
           </a:blip>
@@ -21115,7 +21104,7 @@
           <a:noFill/>
           <a:extLst>
             <a:ext uri="{909E8E84-426E-40DD-AFC4-6F175D3DCCD1}">
-              <a14:hiddenFill xmlns="" xmlns:a14="http://schemas.microsoft.com/office/drawing/2010/main">
+              <a14:hiddenFill xmlns:a14="http://schemas.microsoft.com/office/drawing/2010/main" xmlns="">
                 <a:solidFill>
                   <a:srgbClr val="FFFFFF"/>
                 </a:solidFill>
@@ -21255,7 +21244,7 @@
     </p:spTree>
     <p:extLst>
       <p:ext uri="{BB962C8B-B14F-4D97-AF65-F5344CB8AC3E}">
-        <p14:creationId xmlns="" xmlns:p14="http://schemas.microsoft.com/office/powerpoint/2010/main" val="3181598086"/>
+        <p14:creationId xmlns:p14="http://schemas.microsoft.com/office/powerpoint/2010/main" xmlns="" val="3181598086"/>
       </p:ext>
     </p:extLst>
   </p:cSld>
@@ -21317,21 +21306,7 @@
                 <a:latin typeface="Roboto" pitchFamily="2" charset="0"/>
                 <a:ea typeface="Roboto" pitchFamily="2" charset="0"/>
               </a:rPr>
-              <a:t>Uma </a:t>
-            </a:r>
-            <a:r>
-              <a:rPr lang="pt-BR" sz="3600" dirty="0" smtClean="0">
-                <a:latin typeface="Roboto" pitchFamily="2" charset="0"/>
-                <a:ea typeface="Roboto" pitchFamily="2" charset="0"/>
-              </a:rPr>
-              <a:t>coleção de colunas rotuladas com um </a:t>
-            </a:r>
-            <a:r>
-              <a:rPr lang="pt-BR" sz="3600" dirty="0" smtClean="0">
-                <a:latin typeface="Roboto" pitchFamily="2" charset="0"/>
-                <a:ea typeface="Roboto" pitchFamily="2" charset="0"/>
-              </a:rPr>
-              <a:t>nome.</a:t>
+              <a:t>Uma coleção de colunas rotuladas com um nome.</a:t>
             </a:r>
             <a:endParaRPr lang="pt-BR" sz="2800" dirty="0"/>
           </a:p>
@@ -21514,7 +21489,7 @@
     </p:spTree>
     <p:extLst>
       <p:ext uri="{BB962C8B-B14F-4D97-AF65-F5344CB8AC3E}">
-        <p14:creationId xmlns="" xmlns:p14="http://schemas.microsoft.com/office/powerpoint/2010/main" val="3181598086"/>
+        <p14:creationId xmlns:p14="http://schemas.microsoft.com/office/powerpoint/2010/main" xmlns="" val="3181598086"/>
       </p:ext>
     </p:extLst>
   </p:cSld>
@@ -21829,7 +21804,7 @@
     </p:spTree>
     <p:extLst>
       <p:ext uri="{BB962C8B-B14F-4D97-AF65-F5344CB8AC3E}">
-        <p14:creationId xmlns="" xmlns:p14="http://schemas.microsoft.com/office/powerpoint/2010/main" val="338341345"/>
+        <p14:creationId xmlns:p14="http://schemas.microsoft.com/office/powerpoint/2010/main" xmlns="" val="338341345"/>
       </p:ext>
     </p:extLst>
   </p:cSld>
@@ -21889,13 +21864,27 @@
               <a:rPr lang="pt-BR" sz="4000" dirty="0" smtClean="0">
                 <a:latin typeface="Roboto"/>
               </a:rPr>
-              <a:t>set </a:t>
+              <a:t>set pessoas[</a:t>
+            </a:r>
+            <a:r>
+              <a:rPr lang="pt-BR" sz="4000" dirty="0" err="1" smtClean="0">
+                <a:latin typeface="Roboto"/>
+              </a:rPr>
+              <a:t>rodrigo</a:t>
             </a:r>
             <a:r>
               <a:rPr lang="pt-BR" sz="4000" dirty="0" smtClean="0">
                 <a:latin typeface="Roboto"/>
               </a:rPr>
-              <a:t>pessoas[</a:t>
+              <a:t>][tipo]='aluno';</a:t>
+            </a:r>
+          </a:p>
+          <a:p>
+            <a:r>
+              <a:rPr lang="pt-BR" sz="4000" dirty="0" smtClean="0">
+                <a:latin typeface="Roboto"/>
+              </a:rPr>
+              <a:t>set pessoas[</a:t>
             </a:r>
             <a:r>
               <a:rPr lang="pt-BR" sz="4000" dirty="0" err="1" smtClean="0">
@@ -21907,7 +21896,7 @@
               <a:rPr lang="pt-BR" sz="4000" dirty="0" smtClean="0">
                 <a:latin typeface="Roboto"/>
               </a:rPr>
-              <a:t>][tipo]='aluno';</a:t>
+              <a:t>][idade]='23';</a:t>
             </a:r>
           </a:p>
           <a:p>
@@ -21916,32 +21905,6 @@
                 <a:latin typeface="Roboto"/>
               </a:rPr>
               <a:t>set pessoas[</a:t>
-            </a:r>
-            <a:r>
-              <a:rPr lang="pt-BR" sz="4000" dirty="0" err="1" smtClean="0">
-                <a:latin typeface="Roboto"/>
-              </a:rPr>
-              <a:t>rodrigo</a:t>
-            </a:r>
-            <a:r>
-              <a:rPr lang="pt-BR" sz="4000" dirty="0" smtClean="0">
-                <a:latin typeface="Roboto"/>
-              </a:rPr>
-              <a:t>][idade]='23';</a:t>
-            </a:r>
-          </a:p>
-          <a:p>
-            <a:r>
-              <a:rPr lang="pt-BR" sz="4000" dirty="0" smtClean="0">
-                <a:latin typeface="Roboto"/>
-              </a:rPr>
-              <a:t>set </a:t>
-            </a:r>
-            <a:r>
-              <a:rPr lang="pt-BR" sz="4000" dirty="0" smtClean="0">
-                <a:latin typeface="Roboto"/>
-              </a:rPr>
-              <a:t>pessoas[</a:t>
             </a:r>
             <a:r>
               <a:rPr lang="pt-BR" sz="4000" dirty="0" err="1" smtClean="0">
@@ -22337,7 +22300,7 @@
     </p:spTree>
     <p:extLst>
       <p:ext uri="{BB962C8B-B14F-4D97-AF65-F5344CB8AC3E}">
-        <p14:creationId xmlns="" xmlns:p14="http://schemas.microsoft.com/office/powerpoint/2010/main" val="3599391131"/>
+        <p14:creationId xmlns:p14="http://schemas.microsoft.com/office/powerpoint/2010/main" xmlns="" val="3599391131"/>
       </p:ext>
     </p:extLst>
   </p:cSld>
@@ -22433,14 +22396,7 @@
                 <a:latin typeface="Roboto" pitchFamily="2" charset="0"/>
                 <a:ea typeface="Roboto" pitchFamily="2" charset="0"/>
               </a:rPr>
-              <a:t>no mundo relacional</a:t>
-            </a:r>
-            <a:r>
-              <a:rPr lang="pt-BR" sz="3200" dirty="0" smtClean="0">
-                <a:latin typeface="Roboto" pitchFamily="2" charset="0"/>
-                <a:ea typeface="Roboto" pitchFamily="2" charset="0"/>
-              </a:rPr>
-              <a:t>;</a:t>
+              <a:t>no mundo relacional;</a:t>
             </a:r>
           </a:p>
           <a:p>
@@ -22630,7 +22586,7 @@
     </p:spTree>
     <p:extLst>
       <p:ext uri="{BB962C8B-B14F-4D97-AF65-F5344CB8AC3E}">
-        <p14:creationId xmlns="" xmlns:p14="http://schemas.microsoft.com/office/powerpoint/2010/main" val="3599391131"/>
+        <p14:creationId xmlns:p14="http://schemas.microsoft.com/office/powerpoint/2010/main" xmlns="" val="3599391131"/>
       </p:ext>
     </p:extLst>
   </p:cSld>
@@ -22799,7 +22755,7 @@
     </p:spTree>
     <p:extLst>
       <p:ext uri="{BB962C8B-B14F-4D97-AF65-F5344CB8AC3E}">
-        <p14:creationId xmlns="" xmlns:p14="http://schemas.microsoft.com/office/powerpoint/2010/main" val="193815880"/>
+        <p14:creationId xmlns:p14="http://schemas.microsoft.com/office/powerpoint/2010/main" xmlns="" val="193815880"/>
       </p:ext>
     </p:extLst>
   </p:cSld>
@@ -23029,10 +22985,6 @@
               </a:rPr>
               <a:t>coluna</a:t>
             </a:r>
-            <a:endParaRPr lang="pt-BR" sz="2800" b="1" dirty="0" smtClean="0">
-              <a:latin typeface="Roboto" pitchFamily="2" charset="0"/>
-              <a:ea typeface="Roboto" pitchFamily="2" charset="0"/>
-            </a:endParaRPr>
           </a:p>
         </p:txBody>
       </p:sp>
@@ -23167,7 +23119,7 @@
     </p:spTree>
     <p:extLst>
       <p:ext uri="{BB962C8B-B14F-4D97-AF65-F5344CB8AC3E}">
-        <p14:creationId xmlns="" xmlns:p14="http://schemas.microsoft.com/office/powerpoint/2010/main" val="1805970655"/>
+        <p14:creationId xmlns:p14="http://schemas.microsoft.com/office/powerpoint/2010/main" xmlns="" val="1805970655"/>
       </p:ext>
     </p:extLst>
   </p:cSld>
@@ -23231,10 +23183,6 @@
               </a:rPr>
               <a:t>Um grupo de nós onde você armazenar seus dados. </a:t>
             </a:r>
-            <a:endParaRPr lang="pt-BR" sz="3200" dirty="0" smtClean="0">
-              <a:latin typeface="Roboto" pitchFamily="2" charset="0"/>
-              <a:ea typeface="Roboto" pitchFamily="2" charset="0"/>
-            </a:endParaRPr>
           </a:p>
         </p:txBody>
       </p:sp>
@@ -23306,7 +23254,7 @@
           <a:blip r:embed="rId2">
             <a:extLst>
               <a:ext uri="{28A0092B-C50C-407E-A947-70E740481C1C}">
-                <a14:useLocalDpi xmlns="" xmlns:a14="http://schemas.microsoft.com/office/drawing/2010/main" val="0"/>
+                <a14:useLocalDpi xmlns:a14="http://schemas.microsoft.com/office/drawing/2010/main" xmlns="" val="0"/>
               </a:ext>
             </a:extLst>
           </a:blip>
@@ -23326,7 +23274,7 @@
           <a:noFill/>
           <a:extLst>
             <a:ext uri="{909E8E84-426E-40DD-AFC4-6F175D3DCCD1}">
-              <a14:hiddenFill xmlns="" xmlns:a14="http://schemas.microsoft.com/office/drawing/2010/main">
+              <a14:hiddenFill xmlns:a14="http://schemas.microsoft.com/office/drawing/2010/main" xmlns="">
                 <a:solidFill>
                   <a:srgbClr val="FFFFFF"/>
                 </a:solidFill>
@@ -23338,7 +23286,7 @@
     </p:spTree>
     <p:extLst>
       <p:ext uri="{BB962C8B-B14F-4D97-AF65-F5344CB8AC3E}">
-        <p14:creationId xmlns="" xmlns:p14="http://schemas.microsoft.com/office/powerpoint/2010/main" val="3833513414"/>
+        <p14:creationId xmlns:p14="http://schemas.microsoft.com/office/powerpoint/2010/main" xmlns="" val="3833513414"/>
       </p:ext>
     </p:extLst>
   </p:cSld>
@@ -23450,7 +23398,7 @@
     </p:spTree>
     <p:extLst>
       <p:ext uri="{BB962C8B-B14F-4D97-AF65-F5344CB8AC3E}">
-        <p14:creationId xmlns="" xmlns:p14="http://schemas.microsoft.com/office/powerpoint/2010/main" val="2543902999"/>
+        <p14:creationId xmlns:p14="http://schemas.microsoft.com/office/powerpoint/2010/main" xmlns="" val="2543902999"/>
       </p:ext>
     </p:extLst>
   </p:cSld>
@@ -23674,7 +23622,7 @@
     </p:spTree>
     <p:extLst>
       <p:ext uri="{BB962C8B-B14F-4D97-AF65-F5344CB8AC3E}">
-        <p14:creationId xmlns:p14="http://schemas.microsoft.com/office/powerpoint/2010/main" xmlns="" val="3181598086"/>
+        <p14:creationId xmlns="" xmlns:p14="http://schemas.microsoft.com/office/powerpoint/2010/main" val="3181598086"/>
       </p:ext>
     </p:extLst>
   </p:cSld>
@@ -23771,7 +23719,7 @@
     </p:spTree>
     <p:extLst>
       <p:ext uri="{BB962C8B-B14F-4D97-AF65-F5344CB8AC3E}">
-        <p14:creationId xmlns:p14="http://schemas.microsoft.com/office/powerpoint/2010/main" xmlns="" val="3181598086"/>
+        <p14:creationId xmlns="" xmlns:p14="http://schemas.microsoft.com/office/powerpoint/2010/main" val="3181598086"/>
       </p:ext>
     </p:extLst>
   </p:cSld>
@@ -23834,13 +23782,6 @@
               </a:rPr>
               <a:t>Na prática </a:t>
             </a:r>
-            <a:r>
-              <a:rPr lang="pt-BR" sz="5400" b="1" dirty="0" smtClean="0">
-                <a:latin typeface="Roboto" pitchFamily="2" charset="0"/>
-                <a:ea typeface="Roboto" pitchFamily="2" charset="0"/>
-              </a:rPr>
-              <a:t/>
-            </a:r>
             <a:br>
               <a:rPr lang="pt-BR" sz="5400" b="1" dirty="0" smtClean="0">
                 <a:latin typeface="Roboto" pitchFamily="2" charset="0"/>
@@ -23865,14 +23806,7 @@
                 <a:latin typeface="Roboto" pitchFamily="2" charset="0"/>
                 <a:ea typeface="Roboto" pitchFamily="2" charset="0"/>
               </a:rPr>
-              <a:t>CQL </a:t>
-            </a:r>
-            <a:r>
-              <a:rPr lang="pt-BR" sz="5400" b="1" dirty="0" smtClean="0">
-                <a:latin typeface="Roboto" pitchFamily="2" charset="0"/>
-                <a:ea typeface="Roboto" pitchFamily="2" charset="0"/>
-              </a:rPr>
-              <a:t>(Cassandra </a:t>
+              <a:t>CQL (Cassandra </a:t>
             </a:r>
             <a:r>
               <a:rPr lang="pt-BR" sz="5400" b="1" dirty="0" err="1" smtClean="0">
@@ -23912,7 +23846,7 @@
     </p:spTree>
     <p:extLst>
       <p:ext uri="{BB962C8B-B14F-4D97-AF65-F5344CB8AC3E}">
-        <p14:creationId xmlns="" xmlns:p14="http://schemas.microsoft.com/office/powerpoint/2010/main" val="2543902999"/>
+        <p14:creationId xmlns:p14="http://schemas.microsoft.com/office/powerpoint/2010/main" xmlns="" val="2543902999"/>
       </p:ext>
     </p:extLst>
   </p:cSld>
@@ -24200,7 +24134,7 @@
     </p:spTree>
     <p:extLst>
       <p:ext uri="{BB962C8B-B14F-4D97-AF65-F5344CB8AC3E}">
-        <p14:creationId xmlns="" xmlns:p14="http://schemas.microsoft.com/office/powerpoint/2010/main" val="2543902999"/>
+        <p14:creationId xmlns:p14="http://schemas.microsoft.com/office/powerpoint/2010/main" xmlns="" val="2543902999"/>
       </p:ext>
     </p:extLst>
   </p:cSld>
@@ -24454,7 +24388,7 @@
     </p:spTree>
     <p:extLst>
       <p:ext uri="{BB962C8B-B14F-4D97-AF65-F5344CB8AC3E}">
-        <p14:creationId xmlns="" xmlns:p14="http://schemas.microsoft.com/office/powerpoint/2010/main" val="1805970655"/>
+        <p14:creationId xmlns:p14="http://schemas.microsoft.com/office/powerpoint/2010/main" xmlns="" val="1805970655"/>
       </p:ext>
     </p:extLst>
   </p:cSld>
@@ -24683,7 +24617,7 @@
     </p:spTree>
     <p:extLst>
       <p:ext uri="{BB962C8B-B14F-4D97-AF65-F5344CB8AC3E}">
-        <p14:creationId xmlns="" xmlns:p14="http://schemas.microsoft.com/office/powerpoint/2010/main" val="3841440733"/>
+        <p14:creationId xmlns:p14="http://schemas.microsoft.com/office/powerpoint/2010/main" xmlns="" val="3841440733"/>
       </p:ext>
     </p:extLst>
   </p:cSld>
@@ -25027,7 +24961,7 @@
     </p:spTree>
     <p:extLst>
       <p:ext uri="{BB962C8B-B14F-4D97-AF65-F5344CB8AC3E}">
-        <p14:creationId xmlns="" xmlns:p14="http://schemas.microsoft.com/office/powerpoint/2010/main" val="3369168268"/>
+        <p14:creationId xmlns:p14="http://schemas.microsoft.com/office/powerpoint/2010/main" xmlns="" val="3369168268"/>
       </p:ext>
     </p:extLst>
   </p:cSld>
@@ -25118,7 +25052,7 @@
           <a:blip r:embed="rId2">
             <a:extLst>
               <a:ext uri="{28A0092B-C50C-407E-A947-70E740481C1C}">
-                <a14:useLocalDpi xmlns="" xmlns:a14="http://schemas.microsoft.com/office/drawing/2010/main" val="0"/>
+                <a14:useLocalDpi xmlns:a14="http://schemas.microsoft.com/office/drawing/2010/main" xmlns="" val="0"/>
               </a:ext>
             </a:extLst>
           </a:blip>
@@ -25137,7 +25071,7 @@
           <a:noFill/>
           <a:extLst>
             <a:ext uri="{909E8E84-426E-40DD-AFC4-6F175D3DCCD1}">
-              <a14:hiddenFill xmlns="" xmlns:a14="http://schemas.microsoft.com/office/drawing/2010/main">
+              <a14:hiddenFill xmlns:a14="http://schemas.microsoft.com/office/drawing/2010/main" xmlns="">
                 <a:solidFill>
                   <a:srgbClr val="FFFFFF"/>
                 </a:solidFill>
@@ -25149,7 +25083,7 @@
     </p:spTree>
     <p:extLst>
       <p:ext uri="{BB962C8B-B14F-4D97-AF65-F5344CB8AC3E}">
-        <p14:creationId xmlns="" xmlns:p14="http://schemas.microsoft.com/office/powerpoint/2010/main" val="2541859042"/>
+        <p14:creationId xmlns:p14="http://schemas.microsoft.com/office/powerpoint/2010/main" xmlns="" val="2541859042"/>
       </p:ext>
     </p:extLst>
   </p:cSld>
@@ -25289,14 +25223,7 @@
                 <a:latin typeface="Roboto" pitchFamily="2" charset="0"/>
                 <a:ea typeface="Roboto" pitchFamily="2" charset="0"/>
               </a:rPr>
-              <a:t>http://</a:t>
-            </a:r>
-            <a:r>
-              <a:rPr lang="pt-BR" sz="2400" dirty="0">
-                <a:latin typeface="Roboto" pitchFamily="2" charset="0"/>
-                <a:ea typeface="Roboto" pitchFamily="2" charset="0"/>
-              </a:rPr>
-              <a:t>imasters.com.br/artigo/17043/banco-de-dados/nosql-voce-realmente-sabe-do-que-estamos-falando/</a:t>
+              <a:t>http://imasters.com.br/artigo/17043/banco-de-dados/nosql-voce-realmente-sabe-do-que-estamos-falando/</a:t>
             </a:r>
           </a:p>
           <a:p>
@@ -25306,14 +25233,7 @@
                 <a:latin typeface="Roboto" pitchFamily="2" charset="0"/>
                 <a:ea typeface="Roboto" pitchFamily="2" charset="0"/>
               </a:rPr>
-              <a:t>http://</a:t>
-            </a:r>
-            <a:r>
-              <a:rPr lang="pt-BR" sz="2400" dirty="0" smtClean="0">
-                <a:latin typeface="Roboto" pitchFamily="2" charset="0"/>
-                <a:ea typeface="Roboto" pitchFamily="2" charset="0"/>
-              </a:rPr>
-              <a:t>cassandraufg.wordpress.com</a:t>
+              <a:t>http://cassandraufg.wordpress.com</a:t>
             </a:r>
           </a:p>
           <a:p>
@@ -25342,7 +25262,7 @@
     </p:spTree>
     <p:extLst>
       <p:ext uri="{BB962C8B-B14F-4D97-AF65-F5344CB8AC3E}">
-        <p14:creationId xmlns="" xmlns:p14="http://schemas.microsoft.com/office/powerpoint/2010/main" val="810362333"/>
+        <p14:creationId xmlns:p14="http://schemas.microsoft.com/office/powerpoint/2010/main" xmlns="" val="810362333"/>
       </p:ext>
     </p:extLst>
   </p:cSld>
@@ -25356,6 +25276,57 @@
       </p:par>
     </p:tnLst>
   </p:timing>
+</p:sld>
+</file>
+
+<file path=ppt/slides/slide31.xml><?xml version="1.0" encoding="utf-8"?>
+<p:sld xmlns:a="http://schemas.openxmlformats.org/drawingml/2006/main" xmlns:r="http://schemas.openxmlformats.org/officeDocument/2006/relationships" xmlns:p="http://schemas.openxmlformats.org/presentationml/2006/main">
+  <p:cSld>
+    <p:spTree>
+      <p:nvGrpSpPr>
+        <p:cNvPr id="1" name=""/>
+        <p:cNvGrpSpPr/>
+        <p:nvPr/>
+      </p:nvGrpSpPr>
+      <p:grpSpPr>
+        <a:xfrm>
+          <a:off x="0" y="0"/>
+          <a:ext cx="0" cy="0"/>
+          <a:chOff x="0" y="0"/>
+          <a:chExt cx="0" cy="0"/>
+        </a:xfrm>
+      </p:grpSpPr>
+      <p:pic>
+        <p:nvPicPr>
+          <p:cNvPr id="1026" name="Picture 2" descr="C:\Users\Rodrigo\Desktop\tirinha98.png"/>
+          <p:cNvPicPr>
+            <a:picLocks noChangeAspect="1" noChangeArrowheads="1"/>
+          </p:cNvPicPr>
+          <p:nvPr/>
+        </p:nvPicPr>
+        <p:blipFill>
+          <a:blip r:embed="rId2"/>
+          <a:srcRect/>
+          <a:stretch>
+            <a:fillRect/>
+          </a:stretch>
+        </p:blipFill>
+        <p:spPr bwMode="auto">
+          <a:xfrm>
+            <a:off x="356280" y="0"/>
+            <a:ext cx="6886349" cy="6886348"/>
+          </a:xfrm>
+          <a:prstGeom prst="rect">
+            <a:avLst/>
+          </a:prstGeom>
+          <a:noFill/>
+        </p:spPr>
+      </p:pic>
+    </p:spTree>
+  </p:cSld>
+  <p:clrMapOvr>
+    <a:masterClrMapping/>
+  </p:clrMapOvr>
 </p:sld>
 </file>
 
@@ -25631,7 +25602,7 @@
           <a:blip r:embed="rId2">
             <a:extLst>
               <a:ext uri="{28A0092B-C50C-407E-A947-70E740481C1C}">
-                <a14:useLocalDpi xmlns="" xmlns:a14="http://schemas.microsoft.com/office/drawing/2010/main" val="0"/>
+                <a14:useLocalDpi xmlns:a14="http://schemas.microsoft.com/office/drawing/2010/main" xmlns="" val="0"/>
               </a:ext>
             </a:extLst>
           </a:blip>
@@ -25652,7 +25623,7 @@
     </p:spTree>
     <p:extLst>
       <p:ext uri="{BB962C8B-B14F-4D97-AF65-F5344CB8AC3E}">
-        <p14:creationId xmlns="" xmlns:p14="http://schemas.microsoft.com/office/powerpoint/2010/main" val="2541859042"/>
+        <p14:creationId xmlns:p14="http://schemas.microsoft.com/office/powerpoint/2010/main" xmlns="" val="2541859042"/>
       </p:ext>
     </p:extLst>
   </p:cSld>
@@ -25895,7 +25866,7 @@
     </p:spTree>
     <p:extLst>
       <p:ext uri="{BB962C8B-B14F-4D97-AF65-F5344CB8AC3E}">
-        <p14:creationId xmlns="" xmlns:p14="http://schemas.microsoft.com/office/powerpoint/2010/main" val="2414154864"/>
+        <p14:creationId xmlns:p14="http://schemas.microsoft.com/office/powerpoint/2010/main" xmlns="" val="2414154864"/>
       </p:ext>
     </p:extLst>
   </p:cSld>
@@ -26066,7 +26037,7 @@
     </p:spTree>
     <p:extLst>
       <p:ext uri="{BB962C8B-B14F-4D97-AF65-F5344CB8AC3E}">
-        <p14:creationId xmlns="" xmlns:p14="http://schemas.microsoft.com/office/powerpoint/2010/main" val="2081040233"/>
+        <p14:creationId xmlns:p14="http://schemas.microsoft.com/office/powerpoint/2010/main" xmlns="" val="2081040233"/>
       </p:ext>
     </p:extLst>
   </p:cSld>
@@ -26170,14 +26141,25 @@
                 <a:latin typeface="Roboto" pitchFamily="2" charset="0"/>
                 <a:ea typeface="Roboto" pitchFamily="2" charset="0"/>
               </a:rPr>
-              <a:t> </a:t>
-            </a:r>
+              <a:t> Horizontal</a:t>
+            </a:r>
+          </a:p>
+          <a:p>
             <a:r>
               <a:rPr lang="pt-BR" sz="3600" b="1" dirty="0" smtClean="0">
                 <a:latin typeface="Roboto" pitchFamily="2" charset="0"/>
                 <a:ea typeface="Roboto" pitchFamily="2" charset="0"/>
               </a:rPr>
-              <a:t>Horizontal</a:t>
+              <a:t>Replicação</a:t>
+            </a:r>
+          </a:p>
+          <a:p>
+            <a:r>
+              <a:rPr lang="pt-BR" sz="3600" b="1" dirty="0" err="1" smtClean="0">
+                <a:latin typeface="Roboto" pitchFamily="2" charset="0"/>
+                <a:ea typeface="Roboto" pitchFamily="2" charset="0"/>
+              </a:rPr>
+              <a:t>Schema-free</a:t>
             </a:r>
             <a:endParaRPr lang="pt-BR" sz="3600" b="1" dirty="0" smtClean="0">
               <a:latin typeface="Roboto" pitchFamily="2" charset="0"/>
@@ -26186,11 +26168,11 @@
           </a:p>
           <a:p>
             <a:r>
-              <a:rPr lang="pt-BR" sz="3600" b="1" dirty="0" smtClean="0">
-                <a:latin typeface="Roboto" pitchFamily="2" charset="0"/>
-                <a:ea typeface="Roboto" pitchFamily="2" charset="0"/>
-              </a:rPr>
-              <a:t>Replicação</a:t>
+              <a:rPr lang="pt-BR" sz="3600" b="1" dirty="0" err="1" smtClean="0">
+                <a:latin typeface="Roboto" pitchFamily="2" charset="0"/>
+                <a:ea typeface="Roboto" pitchFamily="2" charset="0"/>
+              </a:rPr>
+              <a:t>Clusterização</a:t>
             </a:r>
             <a:endParaRPr lang="pt-BR" sz="3600" b="1" dirty="0" smtClean="0">
               <a:latin typeface="Roboto" pitchFamily="2" charset="0"/>
@@ -26203,7 +26185,7 @@
                 <a:latin typeface="Roboto" pitchFamily="2" charset="0"/>
                 <a:ea typeface="Roboto" pitchFamily="2" charset="0"/>
               </a:rPr>
-              <a:t>Schema-free</a:t>
+              <a:t>MapReduce</a:t>
             </a:r>
             <a:endParaRPr lang="pt-BR" sz="3600" b="1" dirty="0" smtClean="0">
               <a:latin typeface="Roboto" pitchFamily="2" charset="0"/>
@@ -26216,45 +26198,19 @@
                 <a:latin typeface="Roboto" pitchFamily="2" charset="0"/>
                 <a:ea typeface="Roboto" pitchFamily="2" charset="0"/>
               </a:rPr>
-              <a:t>Clusterização</a:t>
+              <a:t>Sharding</a:t>
             </a:r>
             <a:endParaRPr lang="pt-BR" sz="3600" b="1" dirty="0" smtClean="0">
               <a:latin typeface="Roboto" pitchFamily="2" charset="0"/>
               <a:ea typeface="Roboto" pitchFamily="2" charset="0"/>
             </a:endParaRPr>
           </a:p>
-          <a:p>
-            <a:r>
-              <a:rPr lang="pt-BR" sz="3600" b="1" dirty="0" err="1" smtClean="0">
-                <a:latin typeface="Roboto" pitchFamily="2" charset="0"/>
-                <a:ea typeface="Roboto" pitchFamily="2" charset="0"/>
-              </a:rPr>
-              <a:t>MapReduce</a:t>
-            </a:r>
-            <a:endParaRPr lang="pt-BR" sz="3600" b="1" dirty="0" smtClean="0">
-              <a:latin typeface="Roboto" pitchFamily="2" charset="0"/>
-              <a:ea typeface="Roboto" pitchFamily="2" charset="0"/>
-            </a:endParaRPr>
-          </a:p>
-          <a:p>
-            <a:r>
-              <a:rPr lang="pt-BR" sz="3600" b="1" dirty="0" err="1" smtClean="0">
-                <a:latin typeface="Roboto" pitchFamily="2" charset="0"/>
-                <a:ea typeface="Roboto" pitchFamily="2" charset="0"/>
-              </a:rPr>
-              <a:t>Sharding</a:t>
-            </a:r>
-            <a:endParaRPr lang="pt-BR" sz="3600" b="1" dirty="0" smtClean="0">
-              <a:latin typeface="Roboto" pitchFamily="2" charset="0"/>
-              <a:ea typeface="Roboto" pitchFamily="2" charset="0"/>
-            </a:endParaRPr>
-          </a:p>
         </p:txBody>
       </p:sp>
     </p:spTree>
     <p:extLst>
       <p:ext uri="{BB962C8B-B14F-4D97-AF65-F5344CB8AC3E}">
-        <p14:creationId xmlns="" xmlns:p14="http://schemas.microsoft.com/office/powerpoint/2010/main" val="2081040233"/>
+        <p14:creationId xmlns:p14="http://schemas.microsoft.com/office/powerpoint/2010/main" xmlns="" val="2081040233"/>
       </p:ext>
     </p:extLst>
   </p:cSld>
@@ -26576,7 +26532,7 @@
     </p:spTree>
     <p:extLst>
       <p:ext uri="{BB962C8B-B14F-4D97-AF65-F5344CB8AC3E}">
-        <p14:creationId xmlns="" xmlns:p14="http://schemas.microsoft.com/office/powerpoint/2010/main" val="2447366456"/>
+        <p14:creationId xmlns:p14="http://schemas.microsoft.com/office/powerpoint/2010/main" xmlns="" val="2447366456"/>
       </p:ext>
     </p:extLst>
   </p:cSld>
@@ -26653,7 +26609,7 @@
           <a:blip r:embed="rId2">
             <a:extLst>
               <a:ext uri="{28A0092B-C50C-407E-A947-70E740481C1C}">
-                <a14:useLocalDpi xmlns="" xmlns:a14="http://schemas.microsoft.com/office/drawing/2010/main" val="0"/>
+                <a14:useLocalDpi xmlns:a14="http://schemas.microsoft.com/office/drawing/2010/main" xmlns="" val="0"/>
               </a:ext>
             </a:extLst>
           </a:blip>
@@ -26683,7 +26639,7 @@
           <a:blip r:embed="rId3">
             <a:extLst>
               <a:ext uri="{28A0092B-C50C-407E-A947-70E740481C1C}">
-                <a14:useLocalDpi xmlns="" xmlns:a14="http://schemas.microsoft.com/office/drawing/2010/main" val="0"/>
+                <a14:useLocalDpi xmlns:a14="http://schemas.microsoft.com/office/drawing/2010/main" xmlns="" val="0"/>
               </a:ext>
             </a:extLst>
           </a:blip>
@@ -26713,7 +26669,7 @@
           <a:blip r:embed="rId4">
             <a:extLst>
               <a:ext uri="{28A0092B-C50C-407E-A947-70E740481C1C}">
-                <a14:useLocalDpi xmlns="" xmlns:a14="http://schemas.microsoft.com/office/drawing/2010/main" val="0"/>
+                <a14:useLocalDpi xmlns:a14="http://schemas.microsoft.com/office/drawing/2010/main" xmlns="" val="0"/>
               </a:ext>
             </a:extLst>
           </a:blip>
@@ -26743,7 +26699,7 @@
           <a:blip r:embed="rId5">
             <a:extLst>
               <a:ext uri="{28A0092B-C50C-407E-A947-70E740481C1C}">
-                <a14:useLocalDpi xmlns="" xmlns:a14="http://schemas.microsoft.com/office/drawing/2010/main" val="0"/>
+                <a14:useLocalDpi xmlns:a14="http://schemas.microsoft.com/office/drawing/2010/main" xmlns="" val="0"/>
               </a:ext>
             </a:extLst>
           </a:blip>
@@ -26773,7 +26729,7 @@
           <a:blip r:embed="rId6">
             <a:extLst>
               <a:ext uri="{28A0092B-C50C-407E-A947-70E740481C1C}">
-                <a14:useLocalDpi xmlns="" xmlns:a14="http://schemas.microsoft.com/office/drawing/2010/main" val="0"/>
+                <a14:useLocalDpi xmlns:a14="http://schemas.microsoft.com/office/drawing/2010/main" xmlns="" val="0"/>
               </a:ext>
             </a:extLst>
           </a:blip>
@@ -26803,7 +26759,7 @@
           <a:blip r:embed="rId7">
             <a:extLst>
               <a:ext uri="{28A0092B-C50C-407E-A947-70E740481C1C}">
-                <a14:useLocalDpi xmlns="" xmlns:a14="http://schemas.microsoft.com/office/drawing/2010/main" val="0"/>
+                <a14:useLocalDpi xmlns:a14="http://schemas.microsoft.com/office/drawing/2010/main" xmlns="" val="0"/>
               </a:ext>
             </a:extLst>
           </a:blip>
@@ -26833,7 +26789,7 @@
           <a:blip r:embed="rId8">
             <a:extLst>
               <a:ext uri="{28A0092B-C50C-407E-A947-70E740481C1C}">
-                <a14:useLocalDpi xmlns="" xmlns:a14="http://schemas.microsoft.com/office/drawing/2010/main" val="0"/>
+                <a14:useLocalDpi xmlns:a14="http://schemas.microsoft.com/office/drawing/2010/main" xmlns="" val="0"/>
               </a:ext>
             </a:extLst>
           </a:blip>
@@ -26863,7 +26819,7 @@
           <a:blip r:embed="rId9">
             <a:extLst>
               <a:ext uri="{28A0092B-C50C-407E-A947-70E740481C1C}">
-                <a14:useLocalDpi xmlns="" xmlns:a14="http://schemas.microsoft.com/office/drawing/2010/main" val="0"/>
+                <a14:useLocalDpi xmlns:a14="http://schemas.microsoft.com/office/drawing/2010/main" xmlns="" val="0"/>
               </a:ext>
             </a:extLst>
           </a:blip>
@@ -26893,7 +26849,7 @@
           <a:blip r:embed="rId10">
             <a:extLst>
               <a:ext uri="{28A0092B-C50C-407E-A947-70E740481C1C}">
-                <a14:useLocalDpi xmlns="" xmlns:a14="http://schemas.microsoft.com/office/drawing/2010/main" val="0"/>
+                <a14:useLocalDpi xmlns:a14="http://schemas.microsoft.com/office/drawing/2010/main" xmlns="" val="0"/>
               </a:ext>
             </a:extLst>
           </a:blip>
@@ -26923,7 +26879,7 @@
           <a:blip r:embed="rId11">
             <a:extLst>
               <a:ext uri="{28A0092B-C50C-407E-A947-70E740481C1C}">
-                <a14:useLocalDpi xmlns="" xmlns:a14="http://schemas.microsoft.com/office/drawing/2010/main" val="0"/>
+                <a14:useLocalDpi xmlns:a14="http://schemas.microsoft.com/office/drawing/2010/main" xmlns="" val="0"/>
               </a:ext>
             </a:extLst>
           </a:blip>
@@ -26953,7 +26909,7 @@
           <a:blip r:embed="rId12">
             <a:extLst>
               <a:ext uri="{28A0092B-C50C-407E-A947-70E740481C1C}">
-                <a14:useLocalDpi xmlns="" xmlns:a14="http://schemas.microsoft.com/office/drawing/2010/main" val="0"/>
+                <a14:useLocalDpi xmlns:a14="http://schemas.microsoft.com/office/drawing/2010/main" xmlns="" val="0"/>
               </a:ext>
             </a:extLst>
           </a:blip>
@@ -26974,7 +26930,7 @@
     </p:spTree>
     <p:extLst>
       <p:ext uri="{BB962C8B-B14F-4D97-AF65-F5344CB8AC3E}">
-        <p14:creationId xmlns="" xmlns:p14="http://schemas.microsoft.com/office/powerpoint/2010/main" val="844575892"/>
+        <p14:creationId xmlns:p14="http://schemas.microsoft.com/office/powerpoint/2010/main" xmlns="" val="844575892"/>
       </p:ext>
     </p:extLst>
   </p:cSld>
@@ -27182,7 +27138,7 @@
   <a:extraClrSchemeLst/>
   <a:extLst>
     <a:ext uri="{05A4C25C-085E-4340-85A3-A5531E510DB2}">
-      <thm15:themeFamily xmlns="" xmlns:thm15="http://schemas.microsoft.com/office/thememl/2012/main" name="Facet" id="{C0C680CD-088A-49FC-A102-D699147F32B2}" vid="{0B5AB586-D108-4FC1-8368-649FE654B894}"/>
+      <thm15:themeFamily xmlns:thm15="http://schemas.microsoft.com/office/thememl/2012/main" xmlns="" name="Facet" id="{C0C680CD-088A-49FC-A102-D699147F32B2}" vid="{0B5AB586-D108-4FC1-8368-649FE654B894}"/>
     </a:ext>
   </a:extLst>
 </a:theme>

--- a/Seminario/NoSQL v3.pptx
+++ b/Seminario/NoSQL v3.pptx
@@ -17,25 +17,24 @@
     <p:sldId id="262" r:id="rId11"/>
     <p:sldId id="264" r:id="rId12"/>
     <p:sldId id="265" r:id="rId13"/>
-    <p:sldId id="271" r:id="rId14"/>
-    <p:sldId id="272" r:id="rId15"/>
-    <p:sldId id="273" r:id="rId16"/>
-    <p:sldId id="284" r:id="rId17"/>
-    <p:sldId id="270" r:id="rId18"/>
-    <p:sldId id="268" r:id="rId19"/>
-    <p:sldId id="285" r:id="rId20"/>
-    <p:sldId id="269" r:id="rId21"/>
+    <p:sldId id="286" r:id="rId14"/>
+    <p:sldId id="271" r:id="rId15"/>
+    <p:sldId id="272" r:id="rId16"/>
+    <p:sldId id="273" r:id="rId17"/>
+    <p:sldId id="284" r:id="rId18"/>
+    <p:sldId id="270" r:id="rId19"/>
+    <p:sldId id="268" r:id="rId20"/>
+    <p:sldId id="285" r:id="rId21"/>
     <p:sldId id="267" r:id="rId22"/>
     <p:sldId id="275" r:id="rId23"/>
     <p:sldId id="280" r:id="rId24"/>
     <p:sldId id="281" r:id="rId25"/>
     <p:sldId id="288" r:id="rId26"/>
-    <p:sldId id="286" r:id="rId27"/>
-    <p:sldId id="287" r:id="rId28"/>
-    <p:sldId id="276" r:id="rId29"/>
-    <p:sldId id="278" r:id="rId30"/>
-    <p:sldId id="279" r:id="rId31"/>
-    <p:sldId id="289" r:id="rId32"/>
+    <p:sldId id="287" r:id="rId27"/>
+    <p:sldId id="276" r:id="rId28"/>
+    <p:sldId id="278" r:id="rId29"/>
+    <p:sldId id="279" r:id="rId30"/>
+    <p:sldId id="289" r:id="rId31"/>
   </p:sldIdLst>
   <p:sldSz cx="9144000" cy="6858000" type="screen4x3"/>
   <p:notesSz cx="6858000" cy="9144000"/>
@@ -136,7 +135,18 @@
   </p:defaultTextStyle>
   <p:extLst>
     <p:ext uri="{EFAFB233-063F-42B5-8137-9DF3F51BA10A}">
-      <p15:sldGuideLst xmlns:p15="http://schemas.microsoft.com/office/powerpoint/2012/main" xmlns=""/>
+      <p15:sldGuideLst xmlns:p15="http://schemas.microsoft.com/office/powerpoint/2012/main">
+        <p15:guide id="1" orient="horz" pos="2160">
+          <p15:clr>
+            <a:srgbClr val="A4A3A4"/>
+          </p15:clr>
+        </p15:guide>
+        <p15:guide id="2" pos="2880">
+          <p15:clr>
+            <a:srgbClr val="A4A3A4"/>
+          </p15:clr>
+        </p15:guide>
+      </p15:sldGuideLst>
     </p:ext>
   </p:extLst>
 </p:presentation>
@@ -1163,7 +1173,7 @@
             <a:fld id="{D57F1E4F-1CFF-5643-939E-217C01CDF565}" type="slidenum">
               <a:rPr/>
               <a:pPr/>
-              <a:t>‹nº›</a:t>
+              <a:t>‹#›</a:t>
             </a:fld>
             <a:endParaRPr lang="en-US"/>
           </a:p>
@@ -2376,7 +2386,7 @@
             <a:fld id="{D57F1E4F-1CFF-5643-939E-217C01CDF565}" type="slidenum">
               <a:rPr/>
               <a:pPr/>
-              <a:t>‹nº›</a:t>
+              <a:t>‹#›</a:t>
             </a:fld>
             <a:endParaRPr lang="en-US"/>
           </a:p>
@@ -2385,7 +2395,7 @@
     </p:spTree>
     <p:extLst>
       <p:ext uri="{BB962C8B-B14F-4D97-AF65-F5344CB8AC3E}">
-        <p14:creationId xmlns:p14="http://schemas.microsoft.com/office/powerpoint/2010/main" xmlns="" val="774026601"/>
+        <p14:creationId xmlns:p14="http://schemas.microsoft.com/office/powerpoint/2010/main" val="774026601"/>
       </p:ext>
     </p:extLst>
   </p:cSld>
@@ -3501,7 +3511,7 @@
             <a:fld id="{D57F1E4F-1CFF-5643-939E-217C01CDF565}" type="slidenum">
               <a:rPr/>
               <a:pPr/>
-              <a:t>‹nº›</a:t>
+              <a:t>‹#›</a:t>
             </a:fld>
             <a:endParaRPr lang="en-US"/>
           </a:p>
@@ -3831,7 +3841,7 @@
     </p:spTree>
     <p:extLst>
       <p:ext uri="{BB962C8B-B14F-4D97-AF65-F5344CB8AC3E}">
-        <p14:creationId xmlns:p14="http://schemas.microsoft.com/office/powerpoint/2010/main" xmlns="" val="2321308220"/>
+        <p14:creationId xmlns:p14="http://schemas.microsoft.com/office/powerpoint/2010/main" val="2321308220"/>
       </p:ext>
     </p:extLst>
   </p:cSld>
@@ -4947,7 +4957,7 @@
             <a:fld id="{D57F1E4F-1CFF-5643-939E-217C01CDF565}" type="slidenum">
               <a:rPr/>
               <a:pPr/>
-              <a:t>‹nº›</a:t>
+              <a:t>‹#›</a:t>
             </a:fld>
             <a:endParaRPr lang="en-US"/>
           </a:p>
@@ -4956,7 +4966,7 @@
     </p:spTree>
     <p:extLst>
       <p:ext uri="{BB962C8B-B14F-4D97-AF65-F5344CB8AC3E}">
-        <p14:creationId xmlns:p14="http://schemas.microsoft.com/office/powerpoint/2010/main" xmlns="" val="3634612619"/>
+        <p14:creationId xmlns:p14="http://schemas.microsoft.com/office/powerpoint/2010/main" val="3634612619"/>
       </p:ext>
     </p:extLst>
   </p:cSld>
@@ -6072,7 +6082,7 @@
             <a:fld id="{D57F1E4F-1CFF-5643-939E-217C01CDF565}" type="slidenum">
               <a:rPr/>
               <a:pPr/>
-              <a:t>‹nº›</a:t>
+              <a:t>‹#›</a:t>
             </a:fld>
             <a:endParaRPr lang="en-US"/>
           </a:p>
@@ -6402,7 +6412,7 @@
     </p:spTree>
     <p:extLst>
       <p:ext uri="{BB962C8B-B14F-4D97-AF65-F5344CB8AC3E}">
-        <p14:creationId xmlns:p14="http://schemas.microsoft.com/office/powerpoint/2010/main" xmlns="" val="1769146371"/>
+        <p14:creationId xmlns:p14="http://schemas.microsoft.com/office/powerpoint/2010/main" val="1769146371"/>
       </p:ext>
     </p:extLst>
   </p:cSld>
@@ -7518,7 +7528,7 @@
             <a:fld id="{D57F1E4F-1CFF-5643-939E-217C01CDF565}" type="slidenum">
               <a:rPr/>
               <a:pPr/>
-              <a:t>‹nº›</a:t>
+              <a:t>‹#›</a:t>
             </a:fld>
             <a:endParaRPr lang="en-US"/>
           </a:p>
@@ -7587,7 +7597,7 @@
     </p:spTree>
     <p:extLst>
       <p:ext uri="{BB962C8B-B14F-4D97-AF65-F5344CB8AC3E}">
-        <p14:creationId xmlns:p14="http://schemas.microsoft.com/office/powerpoint/2010/main" xmlns="" val="2187996292"/>
+        <p14:creationId xmlns:p14="http://schemas.microsoft.com/office/powerpoint/2010/main" val="2187996292"/>
       </p:ext>
     </p:extLst>
   </p:cSld>
@@ -8622,7 +8632,7 @@
             <a:fld id="{D57F1E4F-1CFF-5643-939E-217C01CDF565}" type="slidenum">
               <a:rPr/>
               <a:pPr/>
-              <a:t>‹nº›</a:t>
+              <a:t>‹#›</a:t>
             </a:fld>
             <a:endParaRPr lang="en-US"/>
           </a:p>
@@ -9671,7 +9681,7 @@
             <a:fld id="{D57F1E4F-1CFF-5643-939E-217C01CDF565}" type="slidenum">
               <a:rPr/>
               <a:pPr/>
-              <a:t>‹nº›</a:t>
+              <a:t>‹#›</a:t>
             </a:fld>
             <a:endParaRPr lang="en-US"/>
           </a:p>
@@ -10010,7 +10020,7 @@
             <a:fld id="{D57F1E4F-1CFF-5643-939E-217C01CDF565}" type="slidenum">
               <a:rPr/>
               <a:pPr/>
-              <a:t>‹nº›</a:t>
+              <a:t>‹#›</a:t>
             </a:fld>
             <a:endParaRPr lang="en-US"/>
           </a:p>
@@ -11829,7 +11839,7 @@
             <a:fld id="{D57F1E4F-1CFF-5643-939E-217C01CDF565}" type="slidenum">
               <a:rPr/>
               <a:pPr/>
-              <a:t>‹nº›</a:t>
+              <a:t>‹#›</a:t>
             </a:fld>
             <a:endParaRPr lang="en-US"/>
           </a:p>
@@ -12995,7 +13005,7 @@
             <a:fld id="{D57F1E4F-1CFF-5643-939E-217C01CDF565}" type="slidenum">
               <a:rPr/>
               <a:pPr/>
-              <a:t>‹nº›</a:t>
+              <a:t>‹#›</a:t>
             </a:fld>
             <a:endParaRPr lang="en-US"/>
           </a:p>
@@ -14294,7 +14304,7 @@
             <a:fld id="{D57F1E4F-1CFF-5643-939E-217C01CDF565}" type="slidenum">
               <a:rPr/>
               <a:pPr/>
-              <a:t>‹nº›</a:t>
+              <a:t>‹#›</a:t>
             </a:fld>
             <a:endParaRPr lang="en-US"/>
           </a:p>
@@ -15286,7 +15296,7 @@
             <a:fld id="{D57F1E4F-1CFF-5643-939E-217C01CDF565}" type="slidenum">
               <a:rPr/>
               <a:pPr/>
-              <a:t>‹nº›</a:t>
+              <a:t>‹#›</a:t>
             </a:fld>
             <a:endParaRPr lang="en-US"/>
           </a:p>
@@ -15378,7 +15388,7 @@
             <a:fld id="{D57F1E4F-1CFF-5643-939E-217C01CDF565}" type="slidenum">
               <a:rPr/>
               <a:pPr/>
-              <a:t>‹nº›</a:t>
+              <a:t>‹#›</a:t>
             </a:fld>
             <a:endParaRPr lang="en-US"/>
           </a:p>
@@ -17366,7 +17376,7 @@
             <a:fld id="{D57F1E4F-1CFF-5643-939E-217C01CDF565}" type="slidenum">
               <a:rPr/>
               <a:pPr/>
-              <a:t>‹nº›</a:t>
+              <a:t>‹#›</a:t>
             </a:fld>
             <a:endParaRPr lang="en-US"/>
           </a:p>
@@ -18530,7 +18540,7 @@
             <a:fld id="{D57F1E4F-1CFF-5643-939E-217C01CDF565}" type="slidenum">
               <a:rPr/>
               <a:pPr/>
-              <a:t>‹nº›</a:t>
+              <a:t>‹#›</a:t>
             </a:fld>
             <a:endParaRPr lang="en-US"/>
           </a:p>
@@ -18774,7 +18784,7 @@
             <a:fld id="{D57F1E4F-1CFF-5643-939E-217C01CDF565}" type="slidenum">
               <a:rPr lang="en-US" smtClean="0"/>
               <a:pPr/>
-              <a:t>‹nº›</a:t>
+              <a:t>‹#›</a:t>
             </a:fld>
             <a:endParaRPr lang="en-US"/>
           </a:p>
@@ -18783,7 +18793,7 @@
     </p:spTree>
     <p:extLst>
       <p:ext uri="{BB962C8B-B14F-4D97-AF65-F5344CB8AC3E}">
-        <p14:creationId xmlns:p14="http://schemas.microsoft.com/office/powerpoint/2010/main" xmlns="" val="2954049795"/>
+        <p14:creationId xmlns:p14="http://schemas.microsoft.com/office/powerpoint/2010/main" val="2954049795"/>
       </p:ext>
     </p:extLst>
   </p:cSld>
@@ -19192,7 +19202,12 @@
             <p:ph type="ctrTitle"/>
           </p:nvPr>
         </p:nvSpPr>
-        <p:spPr/>
+        <p:spPr>
+          <a:xfrm>
+            <a:off x="1168695" y="3992034"/>
+            <a:ext cx="5826719" cy="1646302"/>
+          </a:xfrm>
+        </p:spPr>
         <p:txBody>
           <a:bodyPr/>
           <a:lstStyle/>
@@ -19223,6 +19238,99 @@
                 <a:ea typeface="Roboto" pitchFamily="2" charset="0"/>
               </a:rPr>
               <a:t>UFRPE</a:t>
+            </a:r>
+            <a:br>
+              <a:rPr lang="pt-BR" sz="3600" dirty="0" smtClean="0">
+                <a:latin typeface="Roboto" pitchFamily="2" charset="0"/>
+                <a:ea typeface="Roboto" pitchFamily="2" charset="0"/>
+              </a:rPr>
+            </a:br>
+            <a:r>
+              <a:rPr lang="pt-BR" sz="3600" dirty="0">
+                <a:latin typeface="Roboto" pitchFamily="2" charset="0"/>
+                <a:ea typeface="Roboto" pitchFamily="2" charset="0"/>
+              </a:rPr>
+              <a:t/>
+            </a:r>
+            <a:br>
+              <a:rPr lang="pt-BR" sz="3600" dirty="0">
+                <a:latin typeface="Roboto" pitchFamily="2" charset="0"/>
+                <a:ea typeface="Roboto" pitchFamily="2" charset="0"/>
+              </a:rPr>
+            </a:br>
+            <a:r>
+              <a:rPr lang="pt-BR" sz="3600" dirty="0" smtClean="0">
+                <a:latin typeface="Roboto" pitchFamily="2" charset="0"/>
+                <a:ea typeface="Roboto" pitchFamily="2" charset="0"/>
+              </a:rPr>
+              <a:t/>
+            </a:r>
+            <a:br>
+              <a:rPr lang="pt-BR" sz="3600" dirty="0" smtClean="0">
+                <a:latin typeface="Roboto" pitchFamily="2" charset="0"/>
+                <a:ea typeface="Roboto" pitchFamily="2" charset="0"/>
+              </a:rPr>
+            </a:br>
+            <a:r>
+              <a:rPr lang="pt-BR" sz="3600" dirty="0" smtClean="0">
+                <a:latin typeface="Roboto" pitchFamily="2" charset="0"/>
+                <a:ea typeface="Roboto" pitchFamily="2" charset="0"/>
+              </a:rPr>
+              <a:t>Erick </a:t>
+            </a:r>
+            <a:r>
+              <a:rPr lang="pt-BR" sz="3600" dirty="0" err="1" smtClean="0">
+                <a:latin typeface="Roboto" pitchFamily="2" charset="0"/>
+                <a:ea typeface="Roboto" pitchFamily="2" charset="0"/>
+              </a:rPr>
+              <a:t>Haendel</a:t>
+            </a:r>
+            <a:r>
+              <a:rPr lang="pt-BR" sz="3600" dirty="0" smtClean="0">
+                <a:latin typeface="Roboto" pitchFamily="2" charset="0"/>
+                <a:ea typeface="Roboto" pitchFamily="2" charset="0"/>
+              </a:rPr>
+              <a:t/>
+            </a:r>
+            <a:br>
+              <a:rPr lang="pt-BR" sz="3600" dirty="0" smtClean="0">
+                <a:latin typeface="Roboto" pitchFamily="2" charset="0"/>
+                <a:ea typeface="Roboto" pitchFamily="2" charset="0"/>
+              </a:rPr>
+            </a:br>
+            <a:r>
+              <a:rPr lang="pt-BR" sz="3600" smtClean="0">
+                <a:latin typeface="Roboto" pitchFamily="2" charset="0"/>
+                <a:ea typeface="Roboto" pitchFamily="2" charset="0"/>
+              </a:rPr>
+              <a:t>Rodrigo Félix</a:t>
+            </a:r>
+            <a:r>
+              <a:rPr lang="pt-BR" sz="3600" dirty="0" smtClean="0">
+                <a:latin typeface="Roboto" pitchFamily="2" charset="0"/>
+                <a:ea typeface="Roboto" pitchFamily="2" charset="0"/>
+              </a:rPr>
+              <a:t/>
+            </a:r>
+            <a:br>
+              <a:rPr lang="pt-BR" sz="3600" dirty="0" smtClean="0">
+                <a:latin typeface="Roboto" pitchFamily="2" charset="0"/>
+                <a:ea typeface="Roboto" pitchFamily="2" charset="0"/>
+              </a:rPr>
+            </a:br>
+            <a:r>
+              <a:rPr lang="pt-BR" sz="3600" dirty="0" err="1" smtClean="0">
+                <a:latin typeface="Roboto" pitchFamily="2" charset="0"/>
+                <a:ea typeface="Roboto" pitchFamily="2" charset="0"/>
+              </a:rPr>
+              <a:t>Luis</a:t>
+            </a:r>
+            <a:r>
+              <a:rPr lang="pt-BR" sz="3600" dirty="0" smtClean="0">
+                <a:latin typeface="Roboto" pitchFamily="2" charset="0"/>
+                <a:ea typeface="Roboto" pitchFamily="2" charset="0"/>
+              </a:rPr>
+              <a:t> Carlos</a:t>
             </a:r>
             <a:endParaRPr lang="pt-BR" sz="3600" dirty="0">
               <a:latin typeface="Roboto" pitchFamily="2" charset="0"/>
@@ -19234,7 +19342,7 @@
     </p:spTree>
     <p:extLst>
       <p:ext uri="{BB962C8B-B14F-4D97-AF65-F5344CB8AC3E}">
-        <p14:creationId xmlns:p14="http://schemas.microsoft.com/office/powerpoint/2010/main" xmlns="" val="3219356600"/>
+        <p14:creationId xmlns:p14="http://schemas.microsoft.com/office/powerpoint/2010/main" val="3219356600"/>
       </p:ext>
     </p:extLst>
   </p:cSld>
@@ -19311,7 +19419,7 @@
           <a:blip r:embed="rId2">
             <a:extLst>
               <a:ext uri="{28A0092B-C50C-407E-A947-70E740481C1C}">
-                <a14:useLocalDpi xmlns:a14="http://schemas.microsoft.com/office/drawing/2010/main" xmlns="" val="0"/>
+                <a14:useLocalDpi xmlns:a14="http://schemas.microsoft.com/office/drawing/2010/main" val="0"/>
               </a:ext>
             </a:extLst>
           </a:blip>
@@ -19341,7 +19449,7 @@
           <a:blip r:embed="rId3">
             <a:extLst>
               <a:ext uri="{28A0092B-C50C-407E-A947-70E740481C1C}">
-                <a14:useLocalDpi xmlns:a14="http://schemas.microsoft.com/office/drawing/2010/main" xmlns="" val="0"/>
+                <a14:useLocalDpi xmlns:a14="http://schemas.microsoft.com/office/drawing/2010/main" val="0"/>
               </a:ext>
             </a:extLst>
           </a:blip>
@@ -19371,7 +19479,7 @@
           <a:blip r:embed="rId4">
             <a:extLst>
               <a:ext uri="{28A0092B-C50C-407E-A947-70E740481C1C}">
-                <a14:useLocalDpi xmlns:a14="http://schemas.microsoft.com/office/drawing/2010/main" xmlns="" val="0"/>
+                <a14:useLocalDpi xmlns:a14="http://schemas.microsoft.com/office/drawing/2010/main" val="0"/>
               </a:ext>
             </a:extLst>
           </a:blip>
@@ -19401,7 +19509,7 @@
           <a:blip r:embed="rId5">
             <a:extLst>
               <a:ext uri="{28A0092B-C50C-407E-A947-70E740481C1C}">
-                <a14:useLocalDpi xmlns:a14="http://schemas.microsoft.com/office/drawing/2010/main" xmlns="" val="0"/>
+                <a14:useLocalDpi xmlns:a14="http://schemas.microsoft.com/office/drawing/2010/main" val="0"/>
               </a:ext>
             </a:extLst>
           </a:blip>
@@ -19431,7 +19539,7 @@
           <a:blip r:embed="rId6">
             <a:extLst>
               <a:ext uri="{28A0092B-C50C-407E-A947-70E740481C1C}">
-                <a14:useLocalDpi xmlns:a14="http://schemas.microsoft.com/office/drawing/2010/main" xmlns="" val="0"/>
+                <a14:useLocalDpi xmlns:a14="http://schemas.microsoft.com/office/drawing/2010/main" val="0"/>
               </a:ext>
             </a:extLst>
           </a:blip>
@@ -19461,7 +19569,7 @@
           <a:blip r:embed="rId7">
             <a:extLst>
               <a:ext uri="{28A0092B-C50C-407E-A947-70E740481C1C}">
-                <a14:useLocalDpi xmlns:a14="http://schemas.microsoft.com/office/drawing/2010/main" xmlns="" val="0"/>
+                <a14:useLocalDpi xmlns:a14="http://schemas.microsoft.com/office/drawing/2010/main" val="0"/>
               </a:ext>
             </a:extLst>
           </a:blip>
@@ -19491,7 +19599,7 @@
           <a:blip r:embed="rId8">
             <a:extLst>
               <a:ext uri="{28A0092B-C50C-407E-A947-70E740481C1C}">
-                <a14:useLocalDpi xmlns:a14="http://schemas.microsoft.com/office/drawing/2010/main" xmlns="" val="0"/>
+                <a14:useLocalDpi xmlns:a14="http://schemas.microsoft.com/office/drawing/2010/main" val="0"/>
               </a:ext>
             </a:extLst>
           </a:blip>
@@ -19512,7 +19620,7 @@
     </p:spTree>
     <p:extLst>
       <p:ext uri="{BB962C8B-B14F-4D97-AF65-F5344CB8AC3E}">
-        <p14:creationId xmlns:p14="http://schemas.microsoft.com/office/powerpoint/2010/main" xmlns="" val="3334609015"/>
+        <p14:creationId xmlns:p14="http://schemas.microsoft.com/office/powerpoint/2010/main" val="3334609015"/>
       </p:ext>
     </p:extLst>
   </p:cSld>
@@ -19596,7 +19704,7 @@
           <a:blip r:embed="rId2">
             <a:extLst>
               <a:ext uri="{28A0092B-C50C-407E-A947-70E740481C1C}">
-                <a14:useLocalDpi xmlns:a14="http://schemas.microsoft.com/office/drawing/2010/main" xmlns="" val="0"/>
+                <a14:useLocalDpi xmlns:a14="http://schemas.microsoft.com/office/drawing/2010/main" val="0"/>
               </a:ext>
             </a:extLst>
           </a:blip>
@@ -19617,7 +19725,7 @@
     </p:spTree>
     <p:extLst>
       <p:ext uri="{BB962C8B-B14F-4D97-AF65-F5344CB8AC3E}">
-        <p14:creationId xmlns:p14="http://schemas.microsoft.com/office/powerpoint/2010/main" xmlns="" val="3798773759"/>
+        <p14:creationId xmlns:p14="http://schemas.microsoft.com/office/powerpoint/2010/main" val="3798773759"/>
       </p:ext>
     </p:extLst>
   </p:cSld>
@@ -19699,8 +19807,8 @@
         </p:nvSpPr>
         <p:spPr>
           <a:xfrm>
-            <a:off x="232229" y="1001487"/>
-            <a:ext cx="8026400" cy="5551714"/>
+            <a:off x="232229" y="660400"/>
+            <a:ext cx="8026400" cy="5892801"/>
           </a:xfrm>
         </p:spPr>
         <p:txBody>
@@ -19882,7 +19990,7 @@
     </p:spTree>
     <p:extLst>
       <p:ext uri="{BB962C8B-B14F-4D97-AF65-F5344CB8AC3E}">
-        <p14:creationId xmlns:p14="http://schemas.microsoft.com/office/powerpoint/2010/main" xmlns="" val="1994305294"/>
+        <p14:creationId xmlns:p14="http://schemas.microsoft.com/office/powerpoint/2010/main" val="1994305294"/>
       </p:ext>
     </p:extLst>
   </p:cSld>
@@ -19900,6 +20008,294 @@
 </file>
 
 <file path=ppt/slides/slide13.xml><?xml version="1.0" encoding="utf-8"?>
+<p:sld xmlns:a="http://schemas.openxmlformats.org/drawingml/2006/main" xmlns:r="http://schemas.openxmlformats.org/officeDocument/2006/relationships" xmlns:p="http://schemas.openxmlformats.org/presentationml/2006/main">
+  <p:cSld>
+    <p:spTree>
+      <p:nvGrpSpPr>
+        <p:cNvPr id="1" name=""/>
+        <p:cNvGrpSpPr/>
+        <p:nvPr/>
+      </p:nvGrpSpPr>
+      <p:grpSpPr>
+        <a:xfrm>
+          <a:off x="0" y="0"/>
+          <a:ext cx="0" cy="0"/>
+          <a:chOff x="0" y="0"/>
+          <a:chExt cx="0" cy="0"/>
+        </a:xfrm>
+      </p:grpSpPr>
+      <p:sp>
+        <p:nvSpPr>
+          <p:cNvPr id="4" name="Title 1"/>
+          <p:cNvSpPr>
+            <a:spLocks noGrp="1"/>
+          </p:cNvSpPr>
+          <p:nvPr>
+            <p:ph type="title"/>
+          </p:nvPr>
+        </p:nvSpPr>
+        <p:spPr>
+          <a:xfrm>
+            <a:off x="522424" y="42642"/>
+            <a:ext cx="6449180" cy="1320800"/>
+          </a:xfrm>
+        </p:spPr>
+        <p:txBody>
+          <a:bodyPr>
+            <a:normAutofit/>
+          </a:bodyPr>
+          <a:lstStyle/>
+          <a:p>
+            <a:r>
+              <a:rPr lang="pt-BR" sz="5400" b="1" dirty="0" smtClean="0">
+                <a:latin typeface="Roboto" pitchFamily="2" charset="0"/>
+                <a:ea typeface="Roboto" pitchFamily="2" charset="0"/>
+              </a:rPr>
+              <a:t>Mais Cassandra</a:t>
+            </a:r>
+            <a:endParaRPr lang="pt-BR" sz="5400" b="1" dirty="0">
+              <a:latin typeface="Roboto" pitchFamily="2" charset="0"/>
+              <a:ea typeface="Roboto" pitchFamily="2" charset="0"/>
+            </a:endParaRPr>
+          </a:p>
+        </p:txBody>
+      </p:sp>
+      <p:sp>
+        <p:nvSpPr>
+          <p:cNvPr id="5" name="Content Placeholder 2"/>
+          <p:cNvSpPr>
+            <a:spLocks noGrp="1"/>
+          </p:cNvSpPr>
+          <p:nvPr>
+            <p:ph idx="1"/>
+          </p:nvPr>
+        </p:nvSpPr>
+        <p:spPr>
+          <a:xfrm>
+            <a:off x="508133" y="1189272"/>
+            <a:ext cx="6892707" cy="5472785"/>
+          </a:xfrm>
+        </p:spPr>
+        <p:txBody>
+          <a:bodyPr>
+            <a:noAutofit/>
+          </a:bodyPr>
+          <a:lstStyle/>
+          <a:p>
+            <a:r>
+              <a:rPr lang="pt-BR" sz="3600" dirty="0" smtClean="0">
+                <a:latin typeface="Roboto" pitchFamily="2" charset="0"/>
+                <a:ea typeface="Roboto" pitchFamily="2" charset="0"/>
+              </a:rPr>
+              <a:t>Reposit</a:t>
+            </a:r>
+            <a:r>
+              <a:rPr lang="pt-BR" sz="3600" dirty="0">
+                <a:latin typeface="Roboto" pitchFamily="2" charset="0"/>
+                <a:ea typeface="Roboto" pitchFamily="2" charset="0"/>
+              </a:rPr>
+              <a:t>ó</a:t>
+            </a:r>
+            <a:r>
+              <a:rPr lang="pt-BR" sz="3600" dirty="0" smtClean="0">
+                <a:latin typeface="Roboto" pitchFamily="2" charset="0"/>
+                <a:ea typeface="Roboto" pitchFamily="2" charset="0"/>
+              </a:rPr>
+              <a:t>rio </a:t>
+            </a:r>
+            <a:r>
+              <a:rPr lang="pt-BR" sz="3600" dirty="0">
+                <a:latin typeface="Roboto" pitchFamily="2" charset="0"/>
+                <a:ea typeface="Roboto" pitchFamily="2" charset="0"/>
+              </a:rPr>
+              <a:t>de dados </a:t>
+            </a:r>
+            <a:r>
+              <a:rPr lang="pt-BR" sz="3600" dirty="0" smtClean="0">
+                <a:latin typeface="Roboto" pitchFamily="2" charset="0"/>
+                <a:ea typeface="Roboto" pitchFamily="2" charset="0"/>
+              </a:rPr>
+              <a:t>em Java;</a:t>
+            </a:r>
+            <a:endParaRPr lang="pt-BR" sz="3600" dirty="0">
+              <a:latin typeface="Roboto" pitchFamily="2" charset="0"/>
+              <a:ea typeface="Roboto" pitchFamily="2" charset="0"/>
+            </a:endParaRPr>
+          </a:p>
+          <a:p>
+            <a:r>
+              <a:rPr lang="pt-BR" sz="3600" dirty="0">
+                <a:latin typeface="Roboto" pitchFamily="2" charset="0"/>
+                <a:ea typeface="Roboto" pitchFamily="2" charset="0"/>
+              </a:rPr>
+              <a:t>Dispensa a sobrecarga de recursos dos bancos de dados </a:t>
+            </a:r>
+            <a:r>
+              <a:rPr lang="pt-BR" sz="3600" dirty="0" smtClean="0">
+                <a:latin typeface="Roboto" pitchFamily="2" charset="0"/>
+                <a:ea typeface="Roboto" pitchFamily="2" charset="0"/>
+              </a:rPr>
+              <a:t>relacionais convencionais;</a:t>
+            </a:r>
+            <a:endParaRPr lang="pt-BR" sz="3600" dirty="0">
+              <a:latin typeface="Roboto" pitchFamily="2" charset="0"/>
+              <a:ea typeface="Roboto" pitchFamily="2" charset="0"/>
+            </a:endParaRPr>
+          </a:p>
+          <a:p>
+            <a:r>
+              <a:rPr lang="pt-BR" sz="3600" dirty="0" smtClean="0">
+                <a:latin typeface="Roboto" pitchFamily="2" charset="0"/>
+                <a:ea typeface="Roboto" pitchFamily="2" charset="0"/>
+              </a:rPr>
+              <a:t>Reúne </a:t>
+            </a:r>
+            <a:r>
+              <a:rPr lang="pt-BR" sz="3600" dirty="0">
+                <a:latin typeface="Roboto" pitchFamily="2" charset="0"/>
+                <a:ea typeface="Roboto" pitchFamily="2" charset="0"/>
+              </a:rPr>
+              <a:t>a arquitetura do </a:t>
+            </a:r>
+            <a:r>
+              <a:rPr lang="pt-BR" sz="3600" dirty="0" err="1">
+                <a:latin typeface="Roboto" pitchFamily="2" charset="0"/>
+                <a:ea typeface="Roboto" pitchFamily="2" charset="0"/>
+              </a:rPr>
+              <a:t>Dynamo</a:t>
+            </a:r>
+            <a:r>
+              <a:rPr lang="pt-BR" sz="3600" dirty="0">
+                <a:latin typeface="Roboto" pitchFamily="2" charset="0"/>
+                <a:ea typeface="Roboto" pitchFamily="2" charset="0"/>
+              </a:rPr>
+              <a:t>, da </a:t>
+            </a:r>
+            <a:r>
+              <a:rPr lang="pt-BR" sz="3600" dirty="0" err="1">
+                <a:latin typeface="Roboto" pitchFamily="2" charset="0"/>
+                <a:ea typeface="Roboto" pitchFamily="2" charset="0"/>
+              </a:rPr>
+              <a:t>Amazon</a:t>
+            </a:r>
+            <a:r>
+              <a:rPr lang="pt-BR" sz="3600" dirty="0">
+                <a:latin typeface="Roboto" pitchFamily="2" charset="0"/>
+                <a:ea typeface="Roboto" pitchFamily="2" charset="0"/>
+              </a:rPr>
+              <a:t> e modelo de </a:t>
+            </a:r>
+            <a:r>
+              <a:rPr lang="pt-BR" sz="3600" dirty="0" smtClean="0">
+                <a:latin typeface="Roboto" pitchFamily="2" charset="0"/>
+                <a:ea typeface="Roboto" pitchFamily="2" charset="0"/>
+              </a:rPr>
+              <a:t>dados baseado </a:t>
+            </a:r>
+            <a:r>
+              <a:rPr lang="pt-BR" sz="3600" dirty="0">
+                <a:latin typeface="Roboto" pitchFamily="2" charset="0"/>
+                <a:ea typeface="Roboto" pitchFamily="2" charset="0"/>
+              </a:rPr>
+              <a:t>no </a:t>
+            </a:r>
+            <a:r>
+              <a:rPr lang="pt-BR" sz="3600" dirty="0" err="1">
+                <a:latin typeface="Roboto" pitchFamily="2" charset="0"/>
+                <a:ea typeface="Roboto" pitchFamily="2" charset="0"/>
+              </a:rPr>
+              <a:t>Bigtable</a:t>
+            </a:r>
+            <a:r>
+              <a:rPr lang="pt-BR" sz="3600" dirty="0">
+                <a:latin typeface="Roboto" pitchFamily="2" charset="0"/>
+                <a:ea typeface="Roboto" pitchFamily="2" charset="0"/>
+              </a:rPr>
+              <a:t>, do </a:t>
+            </a:r>
+            <a:r>
+              <a:rPr lang="pt-BR" sz="3600" dirty="0" smtClean="0">
+                <a:latin typeface="Roboto" pitchFamily="2" charset="0"/>
+                <a:ea typeface="Roboto" pitchFamily="2" charset="0"/>
+              </a:rPr>
+              <a:t>Google;</a:t>
+            </a:r>
+            <a:endParaRPr lang="pt-BR" sz="3600" dirty="0">
+              <a:latin typeface="Roboto" pitchFamily="2" charset="0"/>
+              <a:ea typeface="Roboto" pitchFamily="2" charset="0"/>
+            </a:endParaRPr>
+          </a:p>
+          <a:p>
+            <a:r>
+              <a:rPr lang="pt-BR" sz="3600" dirty="0">
+                <a:latin typeface="Roboto" pitchFamily="2" charset="0"/>
+                <a:ea typeface="Roboto" pitchFamily="2" charset="0"/>
+              </a:rPr>
+              <a:t>Atualmente </a:t>
+            </a:r>
+            <a:r>
+              <a:rPr lang="pt-BR" sz="3600" dirty="0" smtClean="0">
+                <a:latin typeface="Roboto" pitchFamily="2" charset="0"/>
+                <a:ea typeface="Roboto" pitchFamily="2" charset="0"/>
+              </a:rPr>
+              <a:t>é </a:t>
+            </a:r>
+            <a:r>
+              <a:rPr lang="pt-BR" sz="3600" dirty="0">
+                <a:latin typeface="Roboto" pitchFamily="2" charset="0"/>
+                <a:ea typeface="Roboto" pitchFamily="2" charset="0"/>
+              </a:rPr>
+              <a:t>mantido por desenvolvedores da </a:t>
+            </a:r>
+            <a:r>
+              <a:rPr lang="pt-BR" sz="3600" dirty="0" smtClean="0">
+                <a:latin typeface="Roboto" pitchFamily="2" charset="0"/>
+                <a:ea typeface="Roboto" pitchFamily="2" charset="0"/>
+              </a:rPr>
+              <a:t>Fundação Apache e colaboradores </a:t>
+            </a:r>
+            <a:r>
+              <a:rPr lang="pt-BR" sz="3600" dirty="0">
+                <a:latin typeface="Roboto" pitchFamily="2" charset="0"/>
+                <a:ea typeface="Roboto" pitchFamily="2" charset="0"/>
+              </a:rPr>
+              <a:t>de muitas </a:t>
+            </a:r>
+            <a:r>
+              <a:rPr lang="pt-BR" sz="3600" dirty="0" smtClean="0">
+                <a:latin typeface="Roboto" pitchFamily="2" charset="0"/>
+                <a:ea typeface="Roboto" pitchFamily="2" charset="0"/>
+              </a:rPr>
+              <a:t>empresas;</a:t>
+            </a:r>
+            <a:endParaRPr lang="pt-BR" sz="3600" dirty="0">
+              <a:latin typeface="Roboto" pitchFamily="2" charset="0"/>
+              <a:ea typeface="Roboto" pitchFamily="2" charset="0"/>
+            </a:endParaRPr>
+          </a:p>
+        </p:txBody>
+      </p:sp>
+    </p:spTree>
+    <p:extLst>
+      <p:ext uri="{BB962C8B-B14F-4D97-AF65-F5344CB8AC3E}">
+        <p14:creationId xmlns:p14="http://schemas.microsoft.com/office/powerpoint/2010/main" val="2543902999"/>
+      </p:ext>
+    </p:extLst>
+  </p:cSld>
+  <p:clrMapOvr>
+    <a:masterClrMapping/>
+  </p:clrMapOvr>
+  <p:timing>
+    <p:tnLst>
+      <p:par>
+        <p:cTn id="1" dur="indefinite" restart="never" nodeType="tmRoot"/>
+      </p:par>
+    </p:tnLst>
+  </p:timing>
+</p:sld>
+</file>
+
+<file path=ppt/slides/slide14.xml><?xml version="1.0" encoding="utf-8"?>
 <p:sld xmlns:a="http://schemas.openxmlformats.org/drawingml/2006/main" xmlns:r="http://schemas.openxmlformats.org/officeDocument/2006/relationships" xmlns:p="http://schemas.openxmlformats.org/presentationml/2006/main">
   <p:cSld>
     <p:spTree>
@@ -20197,7 +20593,7 @@
     </p:spTree>
     <p:extLst>
       <p:ext uri="{BB962C8B-B14F-4D97-AF65-F5344CB8AC3E}">
-        <p14:creationId xmlns:p14="http://schemas.microsoft.com/office/powerpoint/2010/main" xmlns="" val="2229143163"/>
+        <p14:creationId xmlns:p14="http://schemas.microsoft.com/office/powerpoint/2010/main" val="2229143163"/>
       </p:ext>
     </p:extLst>
   </p:cSld>
@@ -20214,7 +20610,7 @@
 </p:sld>
 </file>
 
-<file path=ppt/slides/slide14.xml><?xml version="1.0" encoding="utf-8"?>
+<file path=ppt/slides/slide15.xml><?xml version="1.0" encoding="utf-8"?>
 <p:sld xmlns:a="http://schemas.openxmlformats.org/drawingml/2006/main" xmlns:r="http://schemas.openxmlformats.org/officeDocument/2006/relationships" xmlns:p="http://schemas.openxmlformats.org/presentationml/2006/main">
   <p:cSld>
     <p:spTree>
@@ -20240,7 +20636,7 @@
           <p:nvPr>
             <p:extLst>
               <p:ext uri="{D42A27DB-BD31-4B8C-83A1-F6EECF244321}">
-                <p14:modId xmlns:p14="http://schemas.microsoft.com/office/powerpoint/2010/main" xmlns="" val="3765756533"/>
+                <p14:modId xmlns:p14="http://schemas.microsoft.com/office/powerpoint/2010/main" val="3765756533"/>
               </p:ext>
             </p:extLst>
           </p:nvPr>
@@ -20941,7 +21337,7 @@
     </p:spTree>
     <p:extLst>
       <p:ext uri="{BB962C8B-B14F-4D97-AF65-F5344CB8AC3E}">
-        <p14:creationId xmlns:p14="http://schemas.microsoft.com/office/powerpoint/2010/main" xmlns="" val="541831983"/>
+        <p14:creationId xmlns:p14="http://schemas.microsoft.com/office/powerpoint/2010/main" val="541831983"/>
       </p:ext>
     </p:extLst>
   </p:cSld>
@@ -20958,7 +21354,7 @@
 </p:sld>
 </file>
 
-<file path=ppt/slides/slide15.xml><?xml version="1.0" encoding="utf-8"?>
+<file path=ppt/slides/slide16.xml><?xml version="1.0" encoding="utf-8"?>
 <p:sld xmlns:a="http://schemas.openxmlformats.org/drawingml/2006/main" xmlns:r="http://schemas.openxmlformats.org/officeDocument/2006/relationships" xmlns:p="http://schemas.openxmlformats.org/presentationml/2006/main">
   <p:cSld>
     <p:spTree>
@@ -21084,7 +21480,7 @@
           <a:blip r:embed="rId2">
             <a:extLst>
               <a:ext uri="{28A0092B-C50C-407E-A947-70E740481C1C}">
-                <a14:useLocalDpi xmlns:a14="http://schemas.microsoft.com/office/drawing/2010/main" xmlns="" val="0"/>
+                <a14:useLocalDpi xmlns:a14="http://schemas.microsoft.com/office/drawing/2010/main" val="0"/>
               </a:ext>
             </a:extLst>
           </a:blip>
@@ -21104,7 +21500,7 @@
           <a:noFill/>
           <a:extLst>
             <a:ext uri="{909E8E84-426E-40DD-AFC4-6F175D3DCCD1}">
-              <a14:hiddenFill xmlns:a14="http://schemas.microsoft.com/office/drawing/2010/main" xmlns="">
+              <a14:hiddenFill xmlns:a14="http://schemas.microsoft.com/office/drawing/2010/main">
                 <a:solidFill>
                   <a:srgbClr val="FFFFFF"/>
                 </a:solidFill>
@@ -21244,7 +21640,7 @@
     </p:spTree>
     <p:extLst>
       <p:ext uri="{BB962C8B-B14F-4D97-AF65-F5344CB8AC3E}">
-        <p14:creationId xmlns:p14="http://schemas.microsoft.com/office/powerpoint/2010/main" xmlns="" val="3181598086"/>
+        <p14:creationId xmlns:p14="http://schemas.microsoft.com/office/powerpoint/2010/main" val="3181598086"/>
       </p:ext>
     </p:extLst>
   </p:cSld>
@@ -21261,7 +21657,7 @@
 </p:sld>
 </file>
 
-<file path=ppt/slides/slide16.xml><?xml version="1.0" encoding="utf-8"?>
+<file path=ppt/slides/slide17.xml><?xml version="1.0" encoding="utf-8"?>
 <p:sld xmlns:a="http://schemas.openxmlformats.org/drawingml/2006/main" xmlns:r="http://schemas.openxmlformats.org/officeDocument/2006/relationships" xmlns:p="http://schemas.openxmlformats.org/presentationml/2006/main">
   <p:cSld>
     <p:spTree>
@@ -21489,7 +21885,7 @@
     </p:spTree>
     <p:extLst>
       <p:ext uri="{BB962C8B-B14F-4D97-AF65-F5344CB8AC3E}">
-        <p14:creationId xmlns:p14="http://schemas.microsoft.com/office/powerpoint/2010/main" xmlns="" val="3181598086"/>
+        <p14:creationId xmlns:p14="http://schemas.microsoft.com/office/powerpoint/2010/main" val="3181598086"/>
       </p:ext>
     </p:extLst>
   </p:cSld>
@@ -21506,7 +21902,7 @@
 </p:sld>
 </file>
 
-<file path=ppt/slides/slide17.xml><?xml version="1.0" encoding="utf-8"?>
+<file path=ppt/slides/slide18.xml><?xml version="1.0" encoding="utf-8"?>
 <p:sld xmlns:a="http://schemas.openxmlformats.org/drawingml/2006/main" xmlns:r="http://schemas.openxmlformats.org/officeDocument/2006/relationships" xmlns:p="http://schemas.openxmlformats.org/presentationml/2006/main">
   <p:cSld>
     <p:spTree>
@@ -21804,7 +22200,7 @@
     </p:spTree>
     <p:extLst>
       <p:ext uri="{BB962C8B-B14F-4D97-AF65-F5344CB8AC3E}">
-        <p14:creationId xmlns:p14="http://schemas.microsoft.com/office/powerpoint/2010/main" xmlns="" val="338341345"/>
+        <p14:creationId xmlns:p14="http://schemas.microsoft.com/office/powerpoint/2010/main" val="338341345"/>
       </p:ext>
     </p:extLst>
   </p:cSld>
@@ -21821,7 +22217,7 @@
 </p:sld>
 </file>
 
-<file path=ppt/slides/slide18.xml><?xml version="1.0" encoding="utf-8"?>
+<file path=ppt/slides/slide19.xml><?xml version="1.0" encoding="utf-8"?>
 <p:sld xmlns:a="http://schemas.openxmlformats.org/drawingml/2006/main" xmlns:r="http://schemas.openxmlformats.org/officeDocument/2006/relationships" xmlns:p="http://schemas.openxmlformats.org/presentationml/2006/main">
   <p:cSld>
     <p:spTree>
@@ -21861,19 +22257,19 @@
           <a:lstStyle/>
           <a:p>
             <a:r>
-              <a:rPr lang="pt-BR" sz="4000" dirty="0" smtClean="0">
+              <a:rPr lang="pt-BR" sz="2800" dirty="0" smtClean="0">
                 <a:latin typeface="Roboto"/>
               </a:rPr>
               <a:t>set pessoas[</a:t>
             </a:r>
             <a:r>
-              <a:rPr lang="pt-BR" sz="4000" dirty="0" err="1" smtClean="0">
+              <a:rPr lang="pt-BR" sz="2800" dirty="0" err="1" smtClean="0">
                 <a:latin typeface="Roboto"/>
               </a:rPr>
               <a:t>rodrigo</a:t>
             </a:r>
             <a:r>
-              <a:rPr lang="pt-BR" sz="4000" dirty="0" smtClean="0">
+              <a:rPr lang="pt-BR" sz="2800" dirty="0" smtClean="0">
                 <a:latin typeface="Roboto"/>
               </a:rPr>
               <a:t>][tipo]='aluno';</a:t>
@@ -21881,19 +22277,19 @@
           </a:p>
           <a:p>
             <a:r>
-              <a:rPr lang="pt-BR" sz="4000" dirty="0" smtClean="0">
+              <a:rPr lang="pt-BR" sz="2800" dirty="0" smtClean="0">
                 <a:latin typeface="Roboto"/>
               </a:rPr>
               <a:t>set pessoas[</a:t>
             </a:r>
             <a:r>
-              <a:rPr lang="pt-BR" sz="4000" dirty="0" err="1" smtClean="0">
+              <a:rPr lang="pt-BR" sz="2800" dirty="0" err="1" smtClean="0">
                 <a:latin typeface="Roboto"/>
               </a:rPr>
               <a:t>rodrigo</a:t>
             </a:r>
             <a:r>
-              <a:rPr lang="pt-BR" sz="4000" dirty="0" smtClean="0">
+              <a:rPr lang="pt-BR" sz="2800" dirty="0" smtClean="0">
                 <a:latin typeface="Roboto"/>
               </a:rPr>
               <a:t>][idade]='23';</a:t>
@@ -21901,19 +22297,19 @@
           </a:p>
           <a:p>
             <a:r>
-              <a:rPr lang="pt-BR" sz="4000" dirty="0" smtClean="0">
+              <a:rPr lang="pt-BR" sz="2800" dirty="0" smtClean="0">
                 <a:latin typeface="Roboto"/>
               </a:rPr>
               <a:t>set pessoas[</a:t>
             </a:r>
             <a:r>
-              <a:rPr lang="pt-BR" sz="4000" dirty="0" err="1" smtClean="0">
+              <a:rPr lang="pt-BR" sz="2800" dirty="0" err="1" smtClean="0">
                 <a:latin typeface="Roboto"/>
               </a:rPr>
               <a:t>josino</a:t>
             </a:r>
             <a:r>
-              <a:rPr lang="pt-BR" sz="4000" dirty="0" smtClean="0">
+              <a:rPr lang="pt-BR" sz="2800" dirty="0" smtClean="0">
                 <a:latin typeface="Roboto"/>
               </a:rPr>
               <a:t>][tipo]='professor';</a:t>
@@ -21921,19 +22317,19 @@
           </a:p>
           <a:p>
             <a:r>
-              <a:rPr lang="pt-BR" sz="4000" dirty="0" smtClean="0">
+              <a:rPr lang="pt-BR" sz="2800" dirty="0" smtClean="0">
                 <a:latin typeface="Roboto"/>
               </a:rPr>
               <a:t>set pessoas[</a:t>
             </a:r>
             <a:r>
-              <a:rPr lang="pt-BR" sz="4000" dirty="0" err="1" smtClean="0">
+              <a:rPr lang="pt-BR" sz="2800" dirty="0" err="1" smtClean="0">
                 <a:latin typeface="Roboto"/>
               </a:rPr>
               <a:t>josino</a:t>
             </a:r>
             <a:r>
-              <a:rPr lang="pt-BR" sz="4000" dirty="0" smtClean="0">
+              <a:rPr lang="pt-BR" sz="2800" dirty="0" smtClean="0">
                 <a:latin typeface="Roboto"/>
               </a:rPr>
               <a:t>][idade]='25';</a:t>
@@ -21941,41 +22337,41 @@
           </a:p>
           <a:p>
             <a:r>
-              <a:rPr lang="pt-BR" sz="4000" dirty="0" smtClean="0">
+              <a:rPr lang="pt-BR" sz="2800" dirty="0" smtClean="0">
                 <a:latin typeface="Roboto"/>
               </a:rPr>
               <a:t>set pessoas[</a:t>
             </a:r>
             <a:r>
-              <a:rPr lang="pt-BR" sz="4000" dirty="0" err="1" smtClean="0">
+              <a:rPr lang="pt-BR" sz="2800" dirty="0" err="1" smtClean="0">
                 <a:latin typeface="Roboto"/>
               </a:rPr>
               <a:t>josino</a:t>
             </a:r>
             <a:r>
-              <a:rPr lang="pt-BR" sz="4000" dirty="0" smtClean="0">
+              <a:rPr lang="pt-BR" sz="2800" dirty="0" smtClean="0">
                 <a:latin typeface="Roboto"/>
               </a:rPr>
               <a:t>][</a:t>
             </a:r>
             <a:r>
-              <a:rPr lang="pt-BR" sz="4000" dirty="0" err="1" smtClean="0">
+              <a:rPr lang="pt-BR" sz="2800" dirty="0" err="1" smtClean="0">
                 <a:latin typeface="Roboto"/>
               </a:rPr>
               <a:t>cpf</a:t>
             </a:r>
             <a:r>
-              <a:rPr lang="pt-BR" sz="4000" dirty="0" smtClean="0">
+              <a:rPr lang="pt-BR" sz="2800" dirty="0" smtClean="0">
                 <a:latin typeface="Roboto"/>
               </a:rPr>
               <a:t>]='1234';</a:t>
             </a:r>
-            <a:endParaRPr lang="pt-BR" sz="4000" dirty="0">
+            <a:endParaRPr lang="pt-BR" sz="2800" dirty="0">
               <a:latin typeface="Roboto"/>
             </a:endParaRPr>
           </a:p>
           <a:p>
-            <a:endParaRPr lang="pt-BR" sz="3200" dirty="0"/>
+            <a:endParaRPr lang="pt-BR" sz="1200" dirty="0"/>
           </a:p>
         </p:txBody>
       </p:sp>
@@ -22300,7 +22696,7 @@
     </p:spTree>
     <p:extLst>
       <p:ext uri="{BB962C8B-B14F-4D97-AF65-F5344CB8AC3E}">
-        <p14:creationId xmlns:p14="http://schemas.microsoft.com/office/powerpoint/2010/main" xmlns="" val="3599391131"/>
+        <p14:creationId xmlns:p14="http://schemas.microsoft.com/office/powerpoint/2010/main" val="3599391131"/>
       </p:ext>
     </p:extLst>
   </p:cSld>
@@ -22317,7 +22713,176 @@
 </p:sld>
 </file>
 
-<file path=ppt/slides/slide19.xml><?xml version="1.0" encoding="utf-8"?>
+<file path=ppt/slides/slide2.xml><?xml version="1.0" encoding="utf-8"?>
+<p:sld xmlns:a="http://schemas.openxmlformats.org/drawingml/2006/main" xmlns:r="http://schemas.openxmlformats.org/officeDocument/2006/relationships" xmlns:p="http://schemas.openxmlformats.org/presentationml/2006/main">
+  <p:cSld>
+    <p:spTree>
+      <p:nvGrpSpPr>
+        <p:cNvPr id="1" name=""/>
+        <p:cNvGrpSpPr/>
+        <p:nvPr/>
+      </p:nvGrpSpPr>
+      <p:grpSpPr>
+        <a:xfrm>
+          <a:off x="0" y="0"/>
+          <a:ext cx="0" cy="0"/>
+          <a:chOff x="0" y="0"/>
+          <a:chExt cx="0" cy="0"/>
+        </a:xfrm>
+      </p:grpSpPr>
+      <p:sp>
+        <p:nvSpPr>
+          <p:cNvPr id="3" name="Espaço Reservado para Conteúdo 2"/>
+          <p:cNvSpPr>
+            <a:spLocks noGrp="1"/>
+          </p:cNvSpPr>
+          <p:nvPr>
+            <p:ph idx="1"/>
+          </p:nvPr>
+        </p:nvSpPr>
+        <p:spPr>
+          <a:xfrm>
+            <a:off x="508133" y="1390650"/>
+            <a:ext cx="6854060" cy="5467350"/>
+          </a:xfrm>
+        </p:spPr>
+        <p:txBody>
+          <a:bodyPr>
+            <a:noAutofit/>
+          </a:bodyPr>
+          <a:lstStyle/>
+          <a:p>
+            <a:pPr lvl="0"/>
+            <a:r>
+              <a:rPr lang="pt-BR" sz="3200" dirty="0" smtClean="0">
+                <a:latin typeface="Roboto" pitchFamily="2" charset="0"/>
+                <a:ea typeface="Roboto" pitchFamily="2" charset="0"/>
+              </a:rPr>
+              <a:t>O MR de banco de dados prevalece há 30 anos;</a:t>
+            </a:r>
+          </a:p>
+          <a:p>
+            <a:pPr lvl="0"/>
+            <a:r>
+              <a:rPr lang="pt-BR" sz="3200" dirty="0" smtClean="0">
+                <a:latin typeface="Roboto" pitchFamily="2" charset="0"/>
+                <a:ea typeface="Roboto" pitchFamily="2" charset="0"/>
+              </a:rPr>
+              <a:t>Evolução acelerada na Era da Informação; </a:t>
+            </a:r>
+          </a:p>
+          <a:p>
+            <a:pPr lvl="0"/>
+            <a:r>
+              <a:rPr lang="pt-BR" sz="3200" dirty="0" smtClean="0">
+                <a:latin typeface="Roboto" pitchFamily="2" charset="0"/>
+                <a:ea typeface="Roboto" pitchFamily="2" charset="0"/>
+              </a:rPr>
+              <a:t>Estabilidade notável;</a:t>
+            </a:r>
+          </a:p>
+          <a:p>
+            <a:pPr lvl="0"/>
+            <a:r>
+              <a:rPr lang="pt-BR" sz="3200" b="1" dirty="0" smtClean="0">
+                <a:latin typeface="Roboto" pitchFamily="2" charset="0"/>
+                <a:ea typeface="Roboto" pitchFamily="2" charset="0"/>
+              </a:rPr>
+              <a:t>Aumento de usuários online;</a:t>
+            </a:r>
+          </a:p>
+          <a:p>
+            <a:pPr lvl="0"/>
+            <a:r>
+              <a:rPr lang="pt-BR" sz="3200" b="1" dirty="0" smtClean="0">
+                <a:latin typeface="Roboto" pitchFamily="2" charset="0"/>
+                <a:ea typeface="Roboto" pitchFamily="2" charset="0"/>
+              </a:rPr>
+              <a:t>Dispositivos móveis;</a:t>
+            </a:r>
+          </a:p>
+          <a:p>
+            <a:pPr lvl="0"/>
+            <a:r>
+              <a:rPr lang="pt-BR" sz="3200" b="1" dirty="0" smtClean="0">
+                <a:latin typeface="Roboto" pitchFamily="2" charset="0"/>
+                <a:ea typeface="Roboto" pitchFamily="2" charset="0"/>
+              </a:rPr>
+              <a:t>Computação em nuvem;</a:t>
+            </a:r>
+          </a:p>
+          <a:p>
+            <a:pPr lvl="0"/>
+            <a:r>
+              <a:rPr lang="pt-BR" sz="3200" b="1" dirty="0" smtClean="0">
+                <a:latin typeface="Roboto" pitchFamily="2" charset="0"/>
+                <a:ea typeface="Roboto" pitchFamily="2" charset="0"/>
+              </a:rPr>
+              <a:t>Relação de compensação (Teorema de CAP).</a:t>
+            </a:r>
+          </a:p>
+          <a:p>
+            <a:endParaRPr lang="pt-BR" sz="3200" dirty="0"/>
+          </a:p>
+        </p:txBody>
+      </p:sp>
+      <p:sp>
+        <p:nvSpPr>
+          <p:cNvPr id="4" name="Title 1"/>
+          <p:cNvSpPr>
+            <a:spLocks noGrp="1"/>
+          </p:cNvSpPr>
+          <p:nvPr>
+            <p:ph type="title"/>
+          </p:nvPr>
+        </p:nvSpPr>
+        <p:spPr>
+          <a:xfrm>
+            <a:off x="411919" y="254358"/>
+            <a:ext cx="6449180" cy="1320800"/>
+          </a:xfrm>
+        </p:spPr>
+        <p:txBody>
+          <a:bodyPr>
+            <a:normAutofit/>
+          </a:bodyPr>
+          <a:lstStyle/>
+          <a:p>
+            <a:r>
+              <a:rPr lang="pt-BR" sz="5400" b="1" dirty="0" smtClean="0">
+                <a:latin typeface="Roboto" pitchFamily="2" charset="0"/>
+                <a:ea typeface="Roboto" pitchFamily="2" charset="0"/>
+              </a:rPr>
+              <a:t>Modelos Relacionais</a:t>
+            </a:r>
+            <a:endParaRPr lang="pt-BR" sz="5400" b="1" dirty="0">
+              <a:latin typeface="Roboto" pitchFamily="2" charset="0"/>
+              <a:ea typeface="Roboto" pitchFamily="2" charset="0"/>
+            </a:endParaRPr>
+          </a:p>
+        </p:txBody>
+      </p:sp>
+    </p:spTree>
+    <p:extLst>
+      <p:ext uri="{BB962C8B-B14F-4D97-AF65-F5344CB8AC3E}">
+        <p14:creationId xmlns:p14="http://schemas.microsoft.com/office/powerpoint/2010/main" val="193815880"/>
+      </p:ext>
+    </p:extLst>
+  </p:cSld>
+  <p:clrMapOvr>
+    <a:masterClrMapping/>
+  </p:clrMapOvr>
+  <p:timing>
+    <p:tnLst>
+      <p:par>
+        <p:cTn id="1" dur="indefinite" restart="never" nodeType="tmRoot"/>
+      </p:par>
+    </p:tnLst>
+  </p:timing>
+</p:sld>
+</file>
+
+<file path=ppt/slides/slide20.xml><?xml version="1.0" encoding="utf-8"?>
 <p:sld xmlns:a="http://schemas.openxmlformats.org/drawingml/2006/main" xmlns:r="http://schemas.openxmlformats.org/officeDocument/2006/relationships" xmlns:p="http://schemas.openxmlformats.org/presentationml/2006/main">
   <p:cSld>
     <p:spTree>
@@ -22586,7 +23151,7 @@
     </p:spTree>
     <p:extLst>
       <p:ext uri="{BB962C8B-B14F-4D97-AF65-F5344CB8AC3E}">
-        <p14:creationId xmlns:p14="http://schemas.microsoft.com/office/powerpoint/2010/main" xmlns="" val="3599391131"/>
+        <p14:creationId xmlns:p14="http://schemas.microsoft.com/office/powerpoint/2010/main" val="3599391131"/>
       </p:ext>
     </p:extLst>
   </p:cSld>
@@ -22603,7 +23168,7 @@
 </p:sld>
 </file>
 
-<file path=ppt/slides/slide2.xml><?xml version="1.0" encoding="utf-8"?>
+<file path=ppt/slides/slide21.xml><?xml version="1.0" encoding="utf-8"?>
 <p:sld xmlns:a="http://schemas.openxmlformats.org/drawingml/2006/main" xmlns:r="http://schemas.openxmlformats.org/officeDocument/2006/relationships" xmlns:p="http://schemas.openxmlformats.org/presentationml/2006/main">
   <p:cSld>
     <p:spTree>
@@ -22622,7 +23187,7 @@
       </p:grpSpPr>
       <p:sp>
         <p:nvSpPr>
-          <p:cNvPr id="3" name="Espaço Reservado para Conteúdo 2"/>
+          <p:cNvPr id="3" name="Content Placeholder 2"/>
           <p:cNvSpPr>
             <a:spLocks noGrp="1"/>
           </p:cNvSpPr>
@@ -22632,93 +23197,30 @@
         </p:nvSpPr>
         <p:spPr>
           <a:xfrm>
-            <a:off x="508133" y="1390650"/>
-            <a:ext cx="6854060" cy="5467350"/>
+            <a:off x="570912" y="922767"/>
+            <a:ext cx="6449180" cy="1385011"/>
           </a:xfrm>
         </p:spPr>
         <p:txBody>
           <a:bodyPr>
-            <a:noAutofit/>
+            <a:normAutofit/>
           </a:bodyPr>
           <a:lstStyle/>
           <a:p>
-            <a:pPr lvl="0"/>
-            <a:r>
-              <a:rPr lang="pt-BR" sz="3600" dirty="0" smtClean="0">
-                <a:latin typeface="Roboto" pitchFamily="2" charset="0"/>
-                <a:ea typeface="Roboto" pitchFamily="2" charset="0"/>
-              </a:rPr>
-              <a:t>O MR de banco de dados prevalece há 30 anos;</a:t>
-            </a:r>
-          </a:p>
-          <a:p>
-            <a:pPr lvl="0"/>
-            <a:r>
-              <a:rPr lang="pt-BR" sz="3600" dirty="0" smtClean="0">
-                <a:latin typeface="Roboto" pitchFamily="2" charset="0"/>
-                <a:ea typeface="Roboto" pitchFamily="2" charset="0"/>
-              </a:rPr>
-              <a:t>Evolução acelerada na Era da Informação; </a:t>
-            </a:r>
-          </a:p>
-          <a:p>
-            <a:pPr lvl="0"/>
-            <a:r>
-              <a:rPr lang="pt-BR" sz="3600" dirty="0" smtClean="0">
-                <a:latin typeface="Roboto" pitchFamily="2" charset="0"/>
-                <a:ea typeface="Roboto" pitchFamily="2" charset="0"/>
-              </a:rPr>
-              <a:t>Estabilidade notável;</a:t>
-            </a:r>
-          </a:p>
-          <a:p>
-            <a:pPr lvl="0"/>
-            <a:r>
-              <a:rPr lang="pt-BR" sz="3600" b="1" dirty="0" smtClean="0">
-                <a:latin typeface="Roboto" pitchFamily="2" charset="0"/>
-                <a:ea typeface="Roboto" pitchFamily="2" charset="0"/>
-              </a:rPr>
-              <a:t>Aumento de usuários online;</a:t>
-            </a:r>
-          </a:p>
-          <a:p>
-            <a:pPr lvl="0"/>
-            <a:r>
-              <a:rPr lang="pt-BR" sz="3600" b="1" dirty="0" smtClean="0">
-                <a:latin typeface="Roboto" pitchFamily="2" charset="0"/>
-                <a:ea typeface="Roboto" pitchFamily="2" charset="0"/>
-              </a:rPr>
-              <a:t>Dispositivos móveis;</a:t>
-            </a:r>
-          </a:p>
-          <a:p>
-            <a:pPr lvl="0"/>
-            <a:r>
-              <a:rPr lang="pt-BR" sz="3600" b="1" dirty="0" smtClean="0">
-                <a:latin typeface="Roboto" pitchFamily="2" charset="0"/>
-                <a:ea typeface="Roboto" pitchFamily="2" charset="0"/>
-              </a:rPr>
-              <a:t>Computação em nuvem;</a:t>
-            </a:r>
-          </a:p>
-          <a:p>
-            <a:pPr lvl="0"/>
-            <a:r>
-              <a:rPr lang="pt-BR" sz="3600" b="1" dirty="0" smtClean="0">
-                <a:latin typeface="Roboto" pitchFamily="2" charset="0"/>
-                <a:ea typeface="Roboto" pitchFamily="2" charset="0"/>
-              </a:rPr>
-              <a:t>Relação de compensação (Teorema de CAP).</a:t>
-            </a:r>
-          </a:p>
-          <a:p>
-            <a:endParaRPr lang="pt-BR" sz="2800" dirty="0"/>
-          </a:p>
-        </p:txBody>
-      </p:sp>
-      <p:sp>
-        <p:nvSpPr>
-          <p:cNvPr id="4" name="Title 1"/>
+            <a:pPr algn="just"/>
+            <a:r>
+              <a:rPr lang="pt-BR" sz="3200" dirty="0" smtClean="0">
+                <a:latin typeface="Roboto" pitchFamily="2" charset="0"/>
+                <a:ea typeface="Roboto" pitchFamily="2" charset="0"/>
+              </a:rPr>
+              <a:t>Um grupo de nós onde você armazenar seus dados. </a:t>
+            </a:r>
+          </a:p>
+        </p:txBody>
+      </p:sp>
+      <p:sp>
+        <p:nvSpPr>
+          <p:cNvPr id="7" name="Title 1"/>
           <p:cNvSpPr>
             <a:spLocks noGrp="1"/>
           </p:cNvSpPr>
@@ -22728,34 +23230,95 @@
         </p:nvSpPr>
         <p:spPr>
           <a:xfrm>
-            <a:off x="411919" y="254358"/>
-            <a:ext cx="6449180" cy="1320800"/>
+            <a:off x="483826" y="0"/>
+            <a:ext cx="6449180" cy="1088571"/>
           </a:xfrm>
         </p:spPr>
         <p:txBody>
           <a:bodyPr>
-            <a:normAutofit/>
+            <a:normAutofit fontScale="90000"/>
           </a:bodyPr>
           <a:lstStyle/>
           <a:p>
             <a:r>
-              <a:rPr lang="pt-BR" sz="5400" b="1" dirty="0" smtClean="0">
-                <a:latin typeface="Roboto" pitchFamily="2" charset="0"/>
-                <a:ea typeface="Roboto" pitchFamily="2" charset="0"/>
-              </a:rPr>
-              <a:t>Modelos Relacionais</a:t>
-            </a:r>
-            <a:endParaRPr lang="pt-BR" sz="5400" b="1" dirty="0">
+              <a:rPr lang="pt-BR" sz="2800" dirty="0" smtClean="0">
+                <a:latin typeface="Roboto" pitchFamily="2" charset="0"/>
+                <a:ea typeface="Roboto" pitchFamily="2" charset="0"/>
+              </a:rPr>
+              <a:t>Modelo de Dados</a:t>
+            </a:r>
+            <a:r>
+              <a:rPr lang="pt-BR" dirty="0" smtClean="0">
+                <a:latin typeface="Roboto" pitchFamily="2" charset="0"/>
+                <a:ea typeface="Roboto" pitchFamily="2" charset="0"/>
+              </a:rPr>
+              <a:t/>
+            </a:r>
+            <a:br>
+              <a:rPr lang="pt-BR" dirty="0" smtClean="0">
+                <a:latin typeface="Roboto" pitchFamily="2" charset="0"/>
+                <a:ea typeface="Roboto" pitchFamily="2" charset="0"/>
+              </a:rPr>
+            </a:br>
+            <a:r>
+              <a:rPr lang="pt-BR" sz="4800" b="1" dirty="0" smtClean="0">
+                <a:latin typeface="Roboto" pitchFamily="2" charset="0"/>
+                <a:ea typeface="Roboto" pitchFamily="2" charset="0"/>
+              </a:rPr>
+              <a:t>Cluster</a:t>
+            </a:r>
+            <a:endParaRPr lang="pt-BR" sz="4800" b="1" dirty="0">
               <a:latin typeface="Roboto" pitchFamily="2" charset="0"/>
               <a:ea typeface="Roboto" pitchFamily="2" charset="0"/>
             </a:endParaRPr>
           </a:p>
         </p:txBody>
       </p:sp>
+      <p:pic>
+        <p:nvPicPr>
+          <p:cNvPr id="4" name="Picture 2" descr="http://fabiorogeriosj.com.br/wp-content/uploads/2012/07/ambiente_cassandra1.jpg"/>
+          <p:cNvPicPr>
+            <a:picLocks noChangeAspect="1" noChangeArrowheads="1"/>
+          </p:cNvPicPr>
+          <p:nvPr/>
+        </p:nvPicPr>
+        <p:blipFill>
+          <a:blip r:embed="rId2">
+            <a:extLst>
+              <a:ext uri="{28A0092B-C50C-407E-A947-70E740481C1C}">
+                <a14:useLocalDpi xmlns:a14="http://schemas.microsoft.com/office/drawing/2010/main" val="0"/>
+              </a:ext>
+            </a:extLst>
+          </a:blip>
+          <a:srcRect/>
+          <a:stretch>
+            <a:fillRect/>
+          </a:stretch>
+        </p:blipFill>
+        <p:spPr bwMode="auto">
+          <a:xfrm>
+            <a:off x="261258" y="1869229"/>
+            <a:ext cx="7881256" cy="4988771"/>
+          </a:xfrm>
+          <a:prstGeom prst="rect">
+            <a:avLst/>
+          </a:prstGeom>
+          <a:noFill/>
+          <a:extLst>
+            <a:ext uri="{909E8E84-426E-40DD-AFC4-6F175D3DCCD1}">
+              <a14:hiddenFill xmlns:a14="http://schemas.microsoft.com/office/drawing/2010/main">
+                <a:solidFill>
+                  <a:srgbClr val="FFFFFF"/>
+                </a:solidFill>
+              </a14:hiddenFill>
+            </a:ext>
+          </a:extLst>
+        </p:spPr>
+      </p:pic>
     </p:spTree>
     <p:extLst>
       <p:ext uri="{BB962C8B-B14F-4D97-AF65-F5344CB8AC3E}">
-        <p14:creationId xmlns:p14="http://schemas.microsoft.com/office/powerpoint/2010/main" xmlns="" val="193815880"/>
+        <p14:creationId xmlns:p14="http://schemas.microsoft.com/office/powerpoint/2010/main" val="3833513414"/>
       </p:ext>
     </p:extLst>
   </p:cSld>
@@ -22772,7 +23335,7 @@
 </p:sld>
 </file>
 
-<file path=ppt/slides/slide20.xml><?xml version="1.0" encoding="utf-8"?>
+<file path=ppt/slides/slide22.xml><?xml version="1.0" encoding="utf-8"?>
 <p:sld xmlns:a="http://schemas.openxmlformats.org/drawingml/2006/main" xmlns:r="http://schemas.openxmlformats.org/officeDocument/2006/relationships" xmlns:p="http://schemas.openxmlformats.org/presentationml/2006/main">
   <p:cSld>
     <p:spTree>
@@ -22791,7 +23354,147 @@
       </p:grpSpPr>
       <p:sp>
         <p:nvSpPr>
-          <p:cNvPr id="3" name="Content Placeholder 2"/>
+          <p:cNvPr id="4" name="Title 1"/>
+          <p:cNvSpPr>
+            <a:spLocks noGrp="1"/>
+          </p:cNvSpPr>
+          <p:nvPr>
+            <p:ph type="title"/>
+          </p:nvPr>
+        </p:nvSpPr>
+        <p:spPr>
+          <a:xfrm>
+            <a:off x="246658" y="42642"/>
+            <a:ext cx="7823290" cy="755644"/>
+          </a:xfrm>
+        </p:spPr>
+        <p:txBody>
+          <a:bodyPr>
+            <a:noAutofit/>
+          </a:bodyPr>
+          <a:lstStyle/>
+          <a:p>
+            <a:r>
+              <a:rPr lang="pt-BR" sz="4400" b="1" dirty="0" err="1" smtClean="0">
+                <a:latin typeface="Roboto" pitchFamily="2" charset="0"/>
+                <a:ea typeface="Roboto" pitchFamily="2" charset="0"/>
+              </a:rPr>
+              <a:t>Particionamento</a:t>
+            </a:r>
+            <a:r>
+              <a:rPr lang="pt-BR" sz="4400" b="1" dirty="0" smtClean="0">
+                <a:latin typeface="Roboto" pitchFamily="2" charset="0"/>
+                <a:ea typeface="Roboto" pitchFamily="2" charset="0"/>
+              </a:rPr>
+              <a:t> / Replicação / Anel</a:t>
+            </a:r>
+            <a:endParaRPr lang="pt-BR" sz="4400" b="1" dirty="0">
+              <a:latin typeface="Roboto" pitchFamily="2" charset="0"/>
+              <a:ea typeface="Roboto" pitchFamily="2" charset="0"/>
+            </a:endParaRPr>
+          </a:p>
+        </p:txBody>
+      </p:sp>
+      <p:pic>
+        <p:nvPicPr>
+          <p:cNvPr id="19457" name="Picture 1"/>
+          <p:cNvPicPr>
+            <a:picLocks noChangeAspect="1" noChangeArrowheads="1"/>
+          </p:cNvPicPr>
+          <p:nvPr/>
+        </p:nvPicPr>
+        <p:blipFill>
+          <a:blip r:embed="rId2"/>
+          <a:srcRect/>
+          <a:stretch>
+            <a:fillRect/>
+          </a:stretch>
+        </p:blipFill>
+        <p:spPr bwMode="auto">
+          <a:xfrm>
+            <a:off x="2034267" y="854981"/>
+            <a:ext cx="3938346" cy="5785304"/>
+          </a:xfrm>
+          <a:prstGeom prst="rect">
+            <a:avLst/>
+          </a:prstGeom>
+          <a:noFill/>
+          <a:ln w="9525">
+            <a:noFill/>
+            <a:miter lim="800000"/>
+            <a:headEnd/>
+            <a:tailEnd/>
+          </a:ln>
+        </p:spPr>
+      </p:pic>
+    </p:spTree>
+    <p:extLst>
+      <p:ext uri="{BB962C8B-B14F-4D97-AF65-F5344CB8AC3E}">
+        <p14:creationId xmlns:p14="http://schemas.microsoft.com/office/powerpoint/2010/main" val="2543902999"/>
+      </p:ext>
+    </p:extLst>
+  </p:cSld>
+  <p:clrMapOvr>
+    <a:masterClrMapping/>
+  </p:clrMapOvr>
+  <p:timing>
+    <p:tnLst>
+      <p:par>
+        <p:cTn id="1" dur="indefinite" restart="never" nodeType="tmRoot"/>
+      </p:par>
+    </p:tnLst>
+  </p:timing>
+</p:sld>
+</file>
+
+<file path=ppt/slides/slide23.xml><?xml version="1.0" encoding="utf-8"?>
+<p:sld xmlns:a="http://schemas.openxmlformats.org/drawingml/2006/main" xmlns:r="http://schemas.openxmlformats.org/officeDocument/2006/relationships" xmlns:p="http://schemas.openxmlformats.org/presentationml/2006/main">
+  <p:cSld>
+    <p:spTree>
+      <p:nvGrpSpPr>
+        <p:cNvPr id="1" name=""/>
+        <p:cNvGrpSpPr/>
+        <p:nvPr/>
+      </p:nvGrpSpPr>
+      <p:grpSpPr>
+        <a:xfrm>
+          <a:off x="0" y="0"/>
+          <a:ext cx="0" cy="0"/>
+          <a:chOff x="0" y="0"/>
+          <a:chExt cx="0" cy="0"/>
+        </a:xfrm>
+      </p:grpSpPr>
+      <p:sp>
+        <p:nvSpPr>
+          <p:cNvPr id="2" name="Title 1"/>
+          <p:cNvSpPr>
+            <a:spLocks noGrp="1"/>
+          </p:cNvSpPr>
+          <p:nvPr>
+            <p:ph type="title"/>
+          </p:nvPr>
+        </p:nvSpPr>
+        <p:spPr>
+          <a:xfrm>
+            <a:off x="479551" y="152400"/>
+            <a:ext cx="6449180" cy="723900"/>
+          </a:xfrm>
+        </p:spPr>
+        <p:txBody>
+          <a:bodyPr/>
+          <a:lstStyle/>
+          <a:p>
+            <a:r>
+              <a:rPr lang="pt-BR" dirty="0" smtClean="0"/>
+              <a:t>Instalação</a:t>
+            </a:r>
+            <a:endParaRPr lang="pt-BR" dirty="0"/>
+          </a:p>
+        </p:txBody>
+      </p:sp>
+      <p:sp>
+        <p:nvSpPr>
+          <p:cNvPr id="6" name="Content Placeholder 2"/>
           <p:cNvSpPr>
             <a:spLocks noGrp="1"/>
           </p:cNvSpPr>
@@ -22801,193 +23504,374 @@
         </p:nvSpPr>
         <p:spPr>
           <a:xfrm>
-            <a:off x="556397" y="1695438"/>
-            <a:ext cx="6680151" cy="4981122"/>
+            <a:off x="493842" y="941390"/>
+            <a:ext cx="6449180" cy="3880773"/>
           </a:xfrm>
         </p:spPr>
         <p:txBody>
           <a:bodyPr>
-            <a:noAutofit/>
+            <a:normAutofit/>
           </a:bodyPr>
           <a:lstStyle/>
           <a:p>
-            <a:pPr marL="0" indent="0">
+            <a:r>
+              <a:rPr lang="pt-BR" dirty="0" smtClean="0"/>
+              <a:t>Instalar o JRE (Java </a:t>
+            </a:r>
+            <a:r>
+              <a:rPr lang="pt-BR" dirty="0" err="1" smtClean="0"/>
+              <a:t>Runtime</a:t>
+            </a:r>
+            <a:r>
+              <a:rPr lang="pt-BR" dirty="0" smtClean="0"/>
+              <a:t> </a:t>
+            </a:r>
+            <a:r>
+              <a:rPr lang="pt-BR" dirty="0" err="1" smtClean="0"/>
+              <a:t>Environment</a:t>
+            </a:r>
+            <a:r>
+              <a:rPr lang="pt-BR" dirty="0" smtClean="0"/>
+              <a:t>)  e criar uma variável de ambiente JAVA_HOME;</a:t>
+            </a:r>
+          </a:p>
+          <a:p>
+            <a:endParaRPr lang="pt-BR" dirty="0" smtClean="0"/>
+          </a:p>
+          <a:p>
+            <a:endParaRPr lang="pt-BR" dirty="0" smtClean="0"/>
+          </a:p>
+          <a:p>
+            <a:endParaRPr lang="pt-BR" dirty="0" smtClean="0"/>
+          </a:p>
+          <a:p>
+            <a:pPr>
               <a:buNone/>
             </a:pPr>
-            <a:r>
-              <a:rPr lang="pt-BR" sz="2800" dirty="0" smtClean="0">
-                <a:latin typeface="Roboto" pitchFamily="2" charset="0"/>
-                <a:ea typeface="Roboto" pitchFamily="2" charset="0"/>
-              </a:rPr>
-              <a:t>Alguns atributos </a:t>
-            </a:r>
-            <a:r>
-              <a:rPr lang="pt-BR" sz="2800" dirty="0">
-                <a:latin typeface="Roboto" pitchFamily="2" charset="0"/>
-                <a:ea typeface="Roboto" pitchFamily="2" charset="0"/>
-              </a:rPr>
-              <a:t>que </a:t>
-            </a:r>
-            <a:r>
-              <a:rPr lang="pt-BR" sz="2800" dirty="0" smtClean="0">
-                <a:latin typeface="Roboto" pitchFamily="2" charset="0"/>
-                <a:ea typeface="Roboto" pitchFamily="2" charset="0"/>
-              </a:rPr>
-              <a:t>podem </a:t>
-            </a:r>
-            <a:r>
-              <a:rPr lang="pt-BR" sz="2800" dirty="0">
-                <a:latin typeface="Roboto" pitchFamily="2" charset="0"/>
-                <a:ea typeface="Roboto" pitchFamily="2" charset="0"/>
-              </a:rPr>
-              <a:t>ser </a:t>
-            </a:r>
-            <a:r>
-              <a:rPr lang="pt-BR" sz="2800" dirty="0" smtClean="0">
-                <a:latin typeface="Roboto" pitchFamily="2" charset="0"/>
-                <a:ea typeface="Roboto" pitchFamily="2" charset="0"/>
-              </a:rPr>
-              <a:t>declarados </a:t>
-            </a:r>
-            <a:r>
-              <a:rPr lang="pt-BR" sz="2800" dirty="0">
-                <a:latin typeface="Roboto" pitchFamily="2" charset="0"/>
-                <a:ea typeface="Roboto" pitchFamily="2" charset="0"/>
-              </a:rPr>
-              <a:t>para um </a:t>
-            </a:r>
-            <a:r>
-              <a:rPr lang="pt-BR" sz="2800" dirty="0" err="1">
-                <a:latin typeface="Roboto" pitchFamily="2" charset="0"/>
-                <a:ea typeface="Roboto" pitchFamily="2" charset="0"/>
-              </a:rPr>
-              <a:t>keyspace</a:t>
-            </a:r>
-            <a:r>
-              <a:rPr lang="pt-BR" sz="2800" dirty="0">
-                <a:latin typeface="Roboto" pitchFamily="2" charset="0"/>
-                <a:ea typeface="Roboto" pitchFamily="2" charset="0"/>
-              </a:rPr>
+            <a:endParaRPr lang="pt-BR" dirty="0" smtClean="0"/>
+          </a:p>
+          <a:p>
+            <a:r>
+              <a:rPr lang="pt-BR" dirty="0" smtClean="0"/>
+              <a:t>Baixar o pacote Apache Cassandra (</a:t>
+            </a:r>
+            <a:r>
+              <a:rPr lang="pt-BR" dirty="0" smtClean="0">
+                <a:hlinkClick r:id="rId2"/>
+              </a:rPr>
+              <a:t>http://cassandra.apache.org/download/</a:t>
+            </a:r>
+            <a:r>
+              <a:rPr lang="pt-BR" dirty="0" smtClean="0"/>
+              <a:t>)</a:t>
+            </a:r>
+          </a:p>
+          <a:p>
+            <a:pPr lvl="1"/>
+            <a:r>
+              <a:rPr lang="pt-BR" dirty="0" smtClean="0"/>
+              <a:t>Extrair e executar o “</a:t>
+            </a:r>
+            <a:r>
+              <a:rPr lang="pt-BR" dirty="0" err="1" smtClean="0"/>
+              <a:t>cassandra</a:t>
+            </a:r>
+            <a:r>
+              <a:rPr lang="pt-BR" dirty="0" smtClean="0"/>
+              <a:t>.</a:t>
+            </a:r>
+            <a:r>
+              <a:rPr lang="pt-BR" dirty="0" err="1" smtClean="0"/>
+              <a:t>bat</a:t>
+            </a:r>
+            <a:r>
+              <a:rPr lang="pt-BR" dirty="0" smtClean="0"/>
+              <a:t>” da pasta </a:t>
+            </a:r>
+            <a:r>
+              <a:rPr lang="pt-BR" dirty="0" err="1" smtClean="0"/>
+              <a:t>bin</a:t>
+            </a:r>
+            <a:r>
+              <a:rPr lang="pt-BR" dirty="0" smtClean="0"/>
               <a:t>:</a:t>
             </a:r>
           </a:p>
-          <a:p>
-            <a:r>
-              <a:rPr lang="pt-BR" sz="2800" b="1" dirty="0" smtClean="0">
-                <a:latin typeface="Roboto" pitchFamily="2" charset="0"/>
-                <a:ea typeface="Roboto" pitchFamily="2" charset="0"/>
-              </a:rPr>
-              <a:t>Fator </a:t>
-            </a:r>
-            <a:r>
-              <a:rPr lang="pt-BR" sz="2800" b="1" dirty="0">
-                <a:latin typeface="Roboto" pitchFamily="2" charset="0"/>
-                <a:ea typeface="Roboto" pitchFamily="2" charset="0"/>
-              </a:rPr>
-              <a:t>de replicação</a:t>
-            </a:r>
-            <a:r>
-              <a:rPr lang="pt-BR" sz="2800" b="1" dirty="0" smtClean="0">
-                <a:latin typeface="Roboto" pitchFamily="2" charset="0"/>
-                <a:ea typeface="Roboto" pitchFamily="2" charset="0"/>
-              </a:rPr>
-              <a:t>:</a:t>
-            </a:r>
-          </a:p>
-          <a:p>
-            <a:pPr lvl="1"/>
-            <a:r>
-              <a:rPr lang="pt-BR" sz="2800" dirty="0" smtClean="0">
-                <a:latin typeface="Roboto" pitchFamily="2" charset="0"/>
-                <a:ea typeface="Roboto" pitchFamily="2" charset="0"/>
-              </a:rPr>
-              <a:t>É </a:t>
-            </a:r>
-            <a:r>
-              <a:rPr lang="pt-BR" sz="2800" dirty="0">
-                <a:latin typeface="Roboto" pitchFamily="2" charset="0"/>
-                <a:ea typeface="Roboto" pitchFamily="2" charset="0"/>
-              </a:rPr>
-              <a:t>responsável por declarar a quantidade de </a:t>
-            </a:r>
-            <a:r>
-              <a:rPr lang="pt-BR" sz="2800" dirty="0" smtClean="0">
-                <a:latin typeface="Roboto" pitchFamily="2" charset="0"/>
-                <a:ea typeface="Roboto" pitchFamily="2" charset="0"/>
-              </a:rPr>
-              <a:t>réplicas </a:t>
-            </a:r>
-            <a:r>
-              <a:rPr lang="pt-BR" sz="2800" dirty="0">
-                <a:latin typeface="Roboto" pitchFamily="2" charset="0"/>
-                <a:ea typeface="Roboto" pitchFamily="2" charset="0"/>
-              </a:rPr>
-              <a:t>que </a:t>
-            </a:r>
-            <a:r>
-              <a:rPr lang="pt-BR" sz="2800" dirty="0" smtClean="0">
-                <a:latin typeface="Roboto" pitchFamily="2" charset="0"/>
-                <a:ea typeface="Roboto" pitchFamily="2" charset="0"/>
-              </a:rPr>
-              <a:t>existirá </a:t>
-            </a:r>
-            <a:r>
-              <a:rPr lang="pt-BR" sz="2800" dirty="0">
-                <a:latin typeface="Roboto" pitchFamily="2" charset="0"/>
-                <a:ea typeface="Roboto" pitchFamily="2" charset="0"/>
-              </a:rPr>
-              <a:t>entre os nós de um </a:t>
-            </a:r>
-            <a:r>
-              <a:rPr lang="pt-BR" sz="2800" dirty="0" smtClean="0">
-                <a:latin typeface="Roboto" pitchFamily="2" charset="0"/>
-                <a:ea typeface="Roboto" pitchFamily="2" charset="0"/>
-              </a:rPr>
-              <a:t>cluster;</a:t>
-            </a:r>
-          </a:p>
-          <a:p>
-            <a:pPr lvl="1"/>
-            <a:r>
-              <a:rPr lang="pt-BR" sz="2800" dirty="0" smtClean="0">
-                <a:latin typeface="Roboto" pitchFamily="2" charset="0"/>
-                <a:ea typeface="Roboto" pitchFamily="2" charset="0"/>
-              </a:rPr>
-              <a:t>É </a:t>
-            </a:r>
-            <a:r>
-              <a:rPr lang="pt-BR" sz="2800" dirty="0">
-                <a:latin typeface="Roboto" pitchFamily="2" charset="0"/>
-                <a:ea typeface="Roboto" pitchFamily="2" charset="0"/>
-              </a:rPr>
-              <a:t>nesse ponto que temos que analisar o que vale mais para nosso projeto, desempenho ou consistência.</a:t>
-            </a:r>
-          </a:p>
-          <a:p>
-            <a:r>
-              <a:rPr lang="pt-BR" sz="2800" b="1" dirty="0" smtClean="0">
-                <a:latin typeface="Roboto" pitchFamily="2" charset="0"/>
-                <a:ea typeface="Roboto" pitchFamily="2" charset="0"/>
-              </a:rPr>
-              <a:t>Família </a:t>
-            </a:r>
-            <a:r>
-              <a:rPr lang="pt-BR" sz="2800" b="1" dirty="0">
-                <a:latin typeface="Roboto" pitchFamily="2" charset="0"/>
-                <a:ea typeface="Roboto" pitchFamily="2" charset="0"/>
-              </a:rPr>
-              <a:t>de </a:t>
-            </a:r>
-            <a:r>
-              <a:rPr lang="pt-BR" sz="2800" b="1" dirty="0" smtClean="0">
-                <a:latin typeface="Roboto" pitchFamily="2" charset="0"/>
-                <a:ea typeface="Roboto" pitchFamily="2" charset="0"/>
-              </a:rPr>
-              <a:t>coluna</a:t>
-            </a:r>
-          </a:p>
-        </p:txBody>
-      </p:sp>
+        </p:txBody>
+      </p:sp>
+      <p:pic>
+        <p:nvPicPr>
+          <p:cNvPr id="1026" name="Picture 2" descr="C:\Users\Rodrigo\Desktop\011011_1239_nosqlinstal7.png"/>
+          <p:cNvPicPr>
+            <a:picLocks noChangeAspect="1" noChangeArrowheads="1"/>
+          </p:cNvPicPr>
+          <p:nvPr/>
+        </p:nvPicPr>
+        <p:blipFill>
+          <a:blip r:embed="rId3"/>
+          <a:srcRect/>
+          <a:stretch>
+            <a:fillRect/>
+          </a:stretch>
+        </p:blipFill>
+        <p:spPr bwMode="auto">
+          <a:xfrm>
+            <a:off x="1868578" y="1624014"/>
+            <a:ext cx="3196908" cy="1457325"/>
+          </a:xfrm>
+          <a:prstGeom prst="rect">
+            <a:avLst/>
+          </a:prstGeom>
+          <a:noFill/>
+        </p:spPr>
+      </p:pic>
+      <p:pic>
+        <p:nvPicPr>
+          <p:cNvPr id="1027" name="Picture 3" descr="C:\Users\Rodrigo\Desktop\011011_1239_nosqlinstal2.png"/>
+          <p:cNvPicPr>
+            <a:picLocks noChangeAspect="1" noChangeArrowheads="1"/>
+          </p:cNvPicPr>
+          <p:nvPr/>
+        </p:nvPicPr>
+        <p:blipFill>
+          <a:blip r:embed="rId4"/>
+          <a:srcRect b="41854"/>
+          <a:stretch>
+            <a:fillRect/>
+          </a:stretch>
+        </p:blipFill>
+        <p:spPr bwMode="auto">
+          <a:xfrm>
+            <a:off x="1089705" y="4438651"/>
+            <a:ext cx="5993266" cy="1971675"/>
+          </a:xfrm>
+          <a:prstGeom prst="rect">
+            <a:avLst/>
+          </a:prstGeom>
+          <a:noFill/>
+        </p:spPr>
+      </p:pic>
+    </p:spTree>
+    <p:extLst>
+      <p:ext uri="{BB962C8B-B14F-4D97-AF65-F5344CB8AC3E}">
+        <p14:creationId xmlns:p14="http://schemas.microsoft.com/office/powerpoint/2010/main" val="3181598086"/>
+      </p:ext>
+    </p:extLst>
+  </p:cSld>
+  <p:clrMapOvr>
+    <a:masterClrMapping/>
+  </p:clrMapOvr>
+  <p:timing>
+    <p:tnLst>
+      <p:par>
+        <p:cTn id="1" dur="indefinite" restart="never" nodeType="tmRoot"/>
+      </p:par>
+    </p:tnLst>
+  </p:timing>
+</p:sld>
+</file>
+
+<file path=ppt/slides/slide24.xml><?xml version="1.0" encoding="utf-8"?>
+<p:sld xmlns:a="http://schemas.openxmlformats.org/drawingml/2006/main" xmlns:r="http://schemas.openxmlformats.org/officeDocument/2006/relationships" xmlns:p="http://schemas.openxmlformats.org/presentationml/2006/main">
+  <p:cSld>
+    <p:spTree>
+      <p:nvGrpSpPr>
+        <p:cNvPr id="1" name=""/>
+        <p:cNvGrpSpPr/>
+        <p:nvPr/>
+      </p:nvGrpSpPr>
+      <p:grpSpPr>
+        <a:xfrm>
+          <a:off x="0" y="0"/>
+          <a:ext cx="0" cy="0"/>
+          <a:chOff x="0" y="0"/>
+          <a:chExt cx="0" cy="0"/>
+        </a:xfrm>
+      </p:grpSpPr>
+      <p:pic>
+        <p:nvPicPr>
+          <p:cNvPr id="2050" name="Picture 2"/>
+          <p:cNvPicPr>
+            <a:picLocks noChangeAspect="1" noChangeArrowheads="1"/>
+          </p:cNvPicPr>
+          <p:nvPr/>
+        </p:nvPicPr>
+        <p:blipFill>
+          <a:blip r:embed="rId2"/>
+          <a:srcRect/>
+          <a:stretch>
+            <a:fillRect/>
+          </a:stretch>
+        </p:blipFill>
+        <p:spPr bwMode="auto">
+          <a:xfrm>
+            <a:off x="627188" y="1160236"/>
+            <a:ext cx="6760584" cy="4552471"/>
+          </a:xfrm>
+          <a:prstGeom prst="rect">
+            <a:avLst/>
+          </a:prstGeom>
+          <a:noFill/>
+          <a:ln w="9525">
+            <a:noFill/>
+            <a:miter lim="800000"/>
+            <a:headEnd/>
+            <a:tailEnd/>
+          </a:ln>
+        </p:spPr>
+      </p:pic>
+      <p:sp>
+        <p:nvSpPr>
+          <p:cNvPr id="9" name="Title 1"/>
+          <p:cNvSpPr>
+            <a:spLocks noGrp="1"/>
+          </p:cNvSpPr>
+          <p:nvPr>
+            <p:ph type="title"/>
+          </p:nvPr>
+        </p:nvSpPr>
+        <p:spPr>
+          <a:xfrm>
+            <a:off x="479551" y="152400"/>
+            <a:ext cx="6449180" cy="723900"/>
+          </a:xfrm>
+        </p:spPr>
+        <p:txBody>
+          <a:bodyPr/>
+          <a:lstStyle/>
+          <a:p>
+            <a:r>
+              <a:rPr lang="pt-BR" dirty="0" smtClean="0"/>
+              <a:t>Instalação</a:t>
+            </a:r>
+            <a:endParaRPr lang="pt-BR" dirty="0"/>
+          </a:p>
+        </p:txBody>
+      </p:sp>
+    </p:spTree>
+    <p:extLst>
+      <p:ext uri="{BB962C8B-B14F-4D97-AF65-F5344CB8AC3E}">
+        <p14:creationId xmlns:p14="http://schemas.microsoft.com/office/powerpoint/2010/main" val="3181598086"/>
+      </p:ext>
+    </p:extLst>
+  </p:cSld>
+  <p:clrMapOvr>
+    <a:masterClrMapping/>
+  </p:clrMapOvr>
+  <p:timing>
+    <p:tnLst>
+      <p:par>
+        <p:cTn id="1" dur="indefinite" restart="never" nodeType="tmRoot"/>
+      </p:par>
+    </p:tnLst>
+  </p:timing>
+</p:sld>
+</file>
+
+<file path=ppt/slides/slide25.xml><?xml version="1.0" encoding="utf-8"?>
+<p:sld xmlns:a="http://schemas.openxmlformats.org/drawingml/2006/main" xmlns:r="http://schemas.openxmlformats.org/officeDocument/2006/relationships" xmlns:p="http://schemas.openxmlformats.org/presentationml/2006/main">
+  <p:cSld>
+    <p:spTree>
+      <p:nvGrpSpPr>
+        <p:cNvPr id="1" name=""/>
+        <p:cNvGrpSpPr/>
+        <p:nvPr/>
+      </p:nvGrpSpPr>
+      <p:grpSpPr>
+        <a:xfrm>
+          <a:off x="0" y="0"/>
+          <a:ext cx="0" cy="0"/>
+          <a:chOff x="0" y="0"/>
+          <a:chExt cx="0" cy="0"/>
+        </a:xfrm>
+      </p:grpSpPr>
+      <p:sp>
+        <p:nvSpPr>
+          <p:cNvPr id="4" name="Title 1"/>
+          <p:cNvSpPr>
+            <a:spLocks noGrp="1"/>
+          </p:cNvSpPr>
+          <p:nvPr>
+            <p:ph type="title"/>
+          </p:nvPr>
+        </p:nvSpPr>
+        <p:spPr>
+          <a:xfrm>
+            <a:off x="580481" y="1174755"/>
+            <a:ext cx="6662148" cy="2032901"/>
+          </a:xfrm>
+        </p:spPr>
+        <p:txBody>
+          <a:bodyPr>
+            <a:normAutofit/>
+          </a:bodyPr>
+          <a:lstStyle/>
+          <a:p>
+            <a:r>
+              <a:rPr lang="pt-BR" sz="5400" b="1" dirty="0" smtClean="0">
+                <a:latin typeface="Roboto" pitchFamily="2" charset="0"/>
+                <a:ea typeface="Roboto" pitchFamily="2" charset="0"/>
+              </a:rPr>
+              <a:t>Na prática e CQL (Cassandra Query </a:t>
+            </a:r>
+            <a:r>
+              <a:rPr lang="pt-BR" sz="5400" b="1" dirty="0" err="1" smtClean="0">
+                <a:latin typeface="Roboto" pitchFamily="2" charset="0"/>
+                <a:ea typeface="Roboto" pitchFamily="2" charset="0"/>
+              </a:rPr>
+              <a:t>Language</a:t>
+            </a:r>
+            <a:r>
+              <a:rPr lang="pt-BR" sz="5400" b="1" dirty="0" smtClean="0">
+                <a:latin typeface="Roboto" pitchFamily="2" charset="0"/>
+                <a:ea typeface="Roboto" pitchFamily="2" charset="0"/>
+              </a:rPr>
+              <a:t>)</a:t>
+            </a:r>
+            <a:endParaRPr lang="pt-BR" sz="5400" b="1" dirty="0">
+              <a:latin typeface="Roboto" pitchFamily="2" charset="0"/>
+              <a:ea typeface="Roboto" pitchFamily="2" charset="0"/>
+            </a:endParaRPr>
+          </a:p>
+        </p:txBody>
+      </p:sp>
+    </p:spTree>
+    <p:extLst>
+      <p:ext uri="{BB962C8B-B14F-4D97-AF65-F5344CB8AC3E}">
+        <p14:creationId xmlns:p14="http://schemas.microsoft.com/office/powerpoint/2010/main" val="2543902999"/>
+      </p:ext>
+    </p:extLst>
+  </p:cSld>
+  <p:clrMapOvr>
+    <a:masterClrMapping/>
+  </p:clrMapOvr>
+  <p:timing>
+    <p:tnLst>
+      <p:par>
+        <p:cTn id="1" dur="indefinite" restart="never" nodeType="tmRoot"/>
+      </p:par>
+    </p:tnLst>
+  </p:timing>
+</p:sld>
+</file>
+
+<file path=ppt/slides/slide26.xml><?xml version="1.0" encoding="utf-8"?>
+<p:sld xmlns:a="http://schemas.openxmlformats.org/drawingml/2006/main" xmlns:r="http://schemas.openxmlformats.org/officeDocument/2006/relationships" xmlns:p="http://schemas.openxmlformats.org/presentationml/2006/main">
+  <p:cSld>
+    <p:spTree>
+      <p:nvGrpSpPr>
+        <p:cNvPr id="1" name=""/>
+        <p:cNvGrpSpPr/>
+        <p:nvPr/>
+      </p:nvGrpSpPr>
+      <p:grpSpPr>
+        <a:xfrm>
+          <a:off x="0" y="0"/>
+          <a:ext cx="0" cy="0"/>
+          <a:chOff x="0" y="0"/>
+          <a:chExt cx="0" cy="0"/>
+        </a:xfrm>
+      </p:grpSpPr>
       <p:sp>
         <p:nvSpPr>
           <p:cNvPr id="5" name="Title 1"/>
@@ -22999,7 +23883,7 @@
         <p:spPr>
           <a:xfrm>
             <a:off x="585426" y="28828"/>
-            <a:ext cx="6449180" cy="1320800"/>
+            <a:ext cx="6449180" cy="842029"/>
           </a:xfrm>
           <a:prstGeom prst="rect">
             <a:avLst/>
@@ -23083,380 +23967,10 @@
           </a:lstStyle>
           <a:p>
             <a:r>
-              <a:rPr lang="pt-BR" sz="2800" dirty="0" smtClean="0">
-                <a:latin typeface="Roboto" pitchFamily="2" charset="0"/>
-                <a:ea typeface="Roboto" pitchFamily="2" charset="0"/>
-              </a:rPr>
-              <a:t>Modelo de Dados</a:t>
-            </a:r>
-            <a:r>
-              <a:rPr lang="pt-BR" dirty="0" smtClean="0">
-                <a:latin typeface="Roboto" pitchFamily="2" charset="0"/>
-                <a:ea typeface="Roboto" pitchFamily="2" charset="0"/>
-              </a:rPr>
-              <a:t/>
-            </a:r>
-            <a:br>
-              <a:rPr lang="pt-BR" dirty="0" smtClean="0">
-                <a:latin typeface="Roboto" pitchFamily="2" charset="0"/>
-                <a:ea typeface="Roboto" pitchFamily="2" charset="0"/>
-              </a:rPr>
-            </a:br>
-            <a:r>
-              <a:rPr lang="pt-BR" sz="4800" b="1" dirty="0" err="1" smtClean="0">
-                <a:latin typeface="Roboto" pitchFamily="2" charset="0"/>
-                <a:ea typeface="Roboto" pitchFamily="2" charset="0"/>
-              </a:rPr>
-              <a:t>Keyspace</a:t>
-            </a:r>
-            <a:endParaRPr lang="pt-BR" sz="4800" b="1" dirty="0">
-              <a:latin typeface="Roboto" pitchFamily="2" charset="0"/>
-              <a:ea typeface="Roboto" pitchFamily="2" charset="0"/>
-            </a:endParaRPr>
-          </a:p>
-        </p:txBody>
-      </p:sp>
-    </p:spTree>
-    <p:extLst>
-      <p:ext uri="{BB962C8B-B14F-4D97-AF65-F5344CB8AC3E}">
-        <p14:creationId xmlns:p14="http://schemas.microsoft.com/office/powerpoint/2010/main" xmlns="" val="1805970655"/>
-      </p:ext>
-    </p:extLst>
-  </p:cSld>
-  <p:clrMapOvr>
-    <a:masterClrMapping/>
-  </p:clrMapOvr>
-  <p:timing>
-    <p:tnLst>
-      <p:par>
-        <p:cTn id="1" dur="indefinite" restart="never" nodeType="tmRoot"/>
-      </p:par>
-    </p:tnLst>
-  </p:timing>
-</p:sld>
-</file>
-
-<file path=ppt/slides/slide21.xml><?xml version="1.0" encoding="utf-8"?>
-<p:sld xmlns:a="http://schemas.openxmlformats.org/drawingml/2006/main" xmlns:r="http://schemas.openxmlformats.org/officeDocument/2006/relationships" xmlns:p="http://schemas.openxmlformats.org/presentationml/2006/main">
-  <p:cSld>
-    <p:spTree>
-      <p:nvGrpSpPr>
-        <p:cNvPr id="1" name=""/>
-        <p:cNvGrpSpPr/>
-        <p:nvPr/>
-      </p:nvGrpSpPr>
-      <p:grpSpPr>
-        <a:xfrm>
-          <a:off x="0" y="0"/>
-          <a:ext cx="0" cy="0"/>
-          <a:chOff x="0" y="0"/>
-          <a:chExt cx="0" cy="0"/>
-        </a:xfrm>
-      </p:grpSpPr>
-      <p:sp>
-        <p:nvSpPr>
-          <p:cNvPr id="3" name="Content Placeholder 2"/>
-          <p:cNvSpPr>
-            <a:spLocks noGrp="1"/>
-          </p:cNvSpPr>
-          <p:nvPr>
-            <p:ph idx="1"/>
-          </p:nvPr>
-        </p:nvSpPr>
-        <p:spPr>
-          <a:xfrm>
-            <a:off x="570912" y="922767"/>
-            <a:ext cx="6449180" cy="1385011"/>
-          </a:xfrm>
-        </p:spPr>
-        <p:txBody>
-          <a:bodyPr>
-            <a:normAutofit/>
-          </a:bodyPr>
-          <a:lstStyle/>
-          <a:p>
-            <a:pPr algn="just"/>
-            <a:r>
-              <a:rPr lang="pt-BR" sz="3200" dirty="0" smtClean="0">
-                <a:latin typeface="Roboto" pitchFamily="2" charset="0"/>
-                <a:ea typeface="Roboto" pitchFamily="2" charset="0"/>
-              </a:rPr>
-              <a:t>Um grupo de nós onde você armazenar seus dados. </a:t>
-            </a:r>
-          </a:p>
-        </p:txBody>
-      </p:sp>
-      <p:sp>
-        <p:nvSpPr>
-          <p:cNvPr id="7" name="Title 1"/>
-          <p:cNvSpPr>
-            <a:spLocks noGrp="1"/>
-          </p:cNvSpPr>
-          <p:nvPr>
-            <p:ph type="title"/>
-          </p:nvPr>
-        </p:nvSpPr>
-        <p:spPr>
-          <a:xfrm>
-            <a:off x="483826" y="0"/>
-            <a:ext cx="6449180" cy="1088571"/>
-          </a:xfrm>
-        </p:spPr>
-        <p:txBody>
-          <a:bodyPr>
-            <a:normAutofit fontScale="90000"/>
-          </a:bodyPr>
-          <a:lstStyle/>
-          <a:p>
-            <a:r>
-              <a:rPr lang="pt-BR" sz="2800" dirty="0" smtClean="0">
-                <a:latin typeface="Roboto" pitchFamily="2" charset="0"/>
-                <a:ea typeface="Roboto" pitchFamily="2" charset="0"/>
-              </a:rPr>
-              <a:t>Modelo de Dados</a:t>
-            </a:r>
-            <a:r>
-              <a:rPr lang="pt-BR" dirty="0" smtClean="0">
-                <a:latin typeface="Roboto" pitchFamily="2" charset="0"/>
-                <a:ea typeface="Roboto" pitchFamily="2" charset="0"/>
-              </a:rPr>
-              <a:t/>
-            </a:r>
-            <a:br>
-              <a:rPr lang="pt-BR" dirty="0" smtClean="0">
-                <a:latin typeface="Roboto" pitchFamily="2" charset="0"/>
-                <a:ea typeface="Roboto" pitchFamily="2" charset="0"/>
-              </a:rPr>
-            </a:br>
-            <a:r>
-              <a:rPr lang="pt-BR" sz="4800" b="1" dirty="0" smtClean="0">
-                <a:latin typeface="Roboto" pitchFamily="2" charset="0"/>
-                <a:ea typeface="Roboto" pitchFamily="2" charset="0"/>
-              </a:rPr>
-              <a:t>Cluster</a:t>
-            </a:r>
-            <a:endParaRPr lang="pt-BR" sz="4800" b="1" dirty="0">
-              <a:latin typeface="Roboto" pitchFamily="2" charset="0"/>
-              <a:ea typeface="Roboto" pitchFamily="2" charset="0"/>
-            </a:endParaRPr>
-          </a:p>
-        </p:txBody>
-      </p:sp>
-      <p:pic>
-        <p:nvPicPr>
-          <p:cNvPr id="4" name="Picture 2" descr="http://fabiorogeriosj.com.br/wp-content/uploads/2012/07/ambiente_cassandra1.jpg"/>
-          <p:cNvPicPr>
-            <a:picLocks noChangeAspect="1" noChangeArrowheads="1"/>
-          </p:cNvPicPr>
-          <p:nvPr/>
-        </p:nvPicPr>
-        <p:blipFill>
-          <a:blip r:embed="rId2">
-            <a:extLst>
-              <a:ext uri="{28A0092B-C50C-407E-A947-70E740481C1C}">
-                <a14:useLocalDpi xmlns:a14="http://schemas.microsoft.com/office/drawing/2010/main" xmlns="" val="0"/>
-              </a:ext>
-            </a:extLst>
-          </a:blip>
-          <a:srcRect/>
-          <a:stretch>
-            <a:fillRect/>
-          </a:stretch>
-        </p:blipFill>
-        <p:spPr bwMode="auto">
-          <a:xfrm>
-            <a:off x="261258" y="1869229"/>
-            <a:ext cx="7881256" cy="4988771"/>
-          </a:xfrm>
-          <a:prstGeom prst="rect">
-            <a:avLst/>
-          </a:prstGeom>
-          <a:noFill/>
-          <a:extLst>
-            <a:ext uri="{909E8E84-426E-40DD-AFC4-6F175D3DCCD1}">
-              <a14:hiddenFill xmlns:a14="http://schemas.microsoft.com/office/drawing/2010/main" xmlns="">
-                <a:solidFill>
-                  <a:srgbClr val="FFFFFF"/>
-                </a:solidFill>
-              </a14:hiddenFill>
-            </a:ext>
-          </a:extLst>
-        </p:spPr>
-      </p:pic>
-    </p:spTree>
-    <p:extLst>
-      <p:ext uri="{BB962C8B-B14F-4D97-AF65-F5344CB8AC3E}">
-        <p14:creationId xmlns:p14="http://schemas.microsoft.com/office/powerpoint/2010/main" xmlns="" val="3833513414"/>
-      </p:ext>
-    </p:extLst>
-  </p:cSld>
-  <p:clrMapOvr>
-    <a:masterClrMapping/>
-  </p:clrMapOvr>
-  <p:timing>
-    <p:tnLst>
-      <p:par>
-        <p:cTn id="1" dur="indefinite" restart="never" nodeType="tmRoot"/>
-      </p:par>
-    </p:tnLst>
-  </p:timing>
-</p:sld>
-</file>
-
-<file path=ppt/slides/slide22.xml><?xml version="1.0" encoding="utf-8"?>
-<p:sld xmlns:a="http://schemas.openxmlformats.org/drawingml/2006/main" xmlns:r="http://schemas.openxmlformats.org/officeDocument/2006/relationships" xmlns:p="http://schemas.openxmlformats.org/presentationml/2006/main">
-  <p:cSld>
-    <p:spTree>
-      <p:nvGrpSpPr>
-        <p:cNvPr id="1" name=""/>
-        <p:cNvGrpSpPr/>
-        <p:nvPr/>
-      </p:nvGrpSpPr>
-      <p:grpSpPr>
-        <a:xfrm>
-          <a:off x="0" y="0"/>
-          <a:ext cx="0" cy="0"/>
-          <a:chOff x="0" y="0"/>
-          <a:chExt cx="0" cy="0"/>
-        </a:xfrm>
-      </p:grpSpPr>
-      <p:sp>
-        <p:nvSpPr>
-          <p:cNvPr id="4" name="Title 1"/>
-          <p:cNvSpPr>
-            <a:spLocks noGrp="1"/>
-          </p:cNvSpPr>
-          <p:nvPr>
-            <p:ph type="title"/>
-          </p:nvPr>
-        </p:nvSpPr>
-        <p:spPr>
-          <a:xfrm>
-            <a:off x="246658" y="42642"/>
-            <a:ext cx="7823290" cy="755644"/>
-          </a:xfrm>
-        </p:spPr>
-        <p:txBody>
-          <a:bodyPr>
-            <a:normAutofit fontScale="90000"/>
-          </a:bodyPr>
-          <a:lstStyle/>
-          <a:p>
-            <a:r>
-              <a:rPr lang="pt-BR" sz="5400" b="1" dirty="0" err="1" smtClean="0">
-                <a:latin typeface="Roboto" pitchFamily="2" charset="0"/>
-                <a:ea typeface="Roboto" pitchFamily="2" charset="0"/>
-              </a:rPr>
-              <a:t>Particionamento</a:t>
-            </a:r>
-            <a:r>
-              <a:rPr lang="pt-BR" sz="5400" b="1" dirty="0" smtClean="0">
-                <a:latin typeface="Roboto" pitchFamily="2" charset="0"/>
-                <a:ea typeface="Roboto" pitchFamily="2" charset="0"/>
-              </a:rPr>
-              <a:t> / Replicação / Anel</a:t>
-            </a:r>
-            <a:endParaRPr lang="pt-BR" sz="5400" b="1" dirty="0">
-              <a:latin typeface="Roboto" pitchFamily="2" charset="0"/>
-              <a:ea typeface="Roboto" pitchFamily="2" charset="0"/>
-            </a:endParaRPr>
-          </a:p>
-        </p:txBody>
-      </p:sp>
-      <p:pic>
-        <p:nvPicPr>
-          <p:cNvPr id="19457" name="Picture 1"/>
-          <p:cNvPicPr>
-            <a:picLocks noChangeAspect="1" noChangeArrowheads="1"/>
-          </p:cNvPicPr>
-          <p:nvPr/>
-        </p:nvPicPr>
-        <p:blipFill>
-          <a:blip r:embed="rId2"/>
-          <a:srcRect/>
-          <a:stretch>
-            <a:fillRect/>
-          </a:stretch>
-        </p:blipFill>
-        <p:spPr bwMode="auto">
-          <a:xfrm>
-            <a:off x="2034267" y="854981"/>
-            <a:ext cx="3938346" cy="5785304"/>
-          </a:xfrm>
-          <a:prstGeom prst="rect">
-            <a:avLst/>
-          </a:prstGeom>
-          <a:noFill/>
-          <a:ln w="9525">
-            <a:noFill/>
-            <a:miter lim="800000"/>
-            <a:headEnd/>
-            <a:tailEnd/>
-          </a:ln>
-        </p:spPr>
-      </p:pic>
-    </p:spTree>
-    <p:extLst>
-      <p:ext uri="{BB962C8B-B14F-4D97-AF65-F5344CB8AC3E}">
-        <p14:creationId xmlns:p14="http://schemas.microsoft.com/office/powerpoint/2010/main" xmlns="" val="2543902999"/>
-      </p:ext>
-    </p:extLst>
-  </p:cSld>
-  <p:clrMapOvr>
-    <a:masterClrMapping/>
-  </p:clrMapOvr>
-  <p:timing>
-    <p:tnLst>
-      <p:par>
-        <p:cTn id="1" dur="indefinite" restart="never" nodeType="tmRoot"/>
-      </p:par>
-    </p:tnLst>
-  </p:timing>
-</p:sld>
-</file>
-
-<file path=ppt/slides/slide23.xml><?xml version="1.0" encoding="utf-8"?>
-<p:sld xmlns:a="http://schemas.openxmlformats.org/drawingml/2006/main" xmlns:r="http://schemas.openxmlformats.org/officeDocument/2006/relationships" xmlns:p="http://schemas.openxmlformats.org/presentationml/2006/main">
-  <p:cSld>
-    <p:spTree>
-      <p:nvGrpSpPr>
-        <p:cNvPr id="1" name=""/>
-        <p:cNvGrpSpPr/>
-        <p:nvPr/>
-      </p:nvGrpSpPr>
-      <p:grpSpPr>
-        <a:xfrm>
-          <a:off x="0" y="0"/>
-          <a:ext cx="0" cy="0"/>
-          <a:chOff x="0" y="0"/>
-          <a:chExt cx="0" cy="0"/>
-        </a:xfrm>
-      </p:grpSpPr>
-      <p:sp>
-        <p:nvSpPr>
-          <p:cNvPr id="2" name="Title 1"/>
-          <p:cNvSpPr>
-            <a:spLocks noGrp="1"/>
-          </p:cNvSpPr>
-          <p:nvPr>
-            <p:ph type="title"/>
-          </p:nvPr>
-        </p:nvSpPr>
-        <p:spPr>
-          <a:xfrm>
-            <a:off x="479551" y="152400"/>
-            <a:ext cx="6449180" cy="723900"/>
-          </a:xfrm>
-        </p:spPr>
-        <p:txBody>
-          <a:bodyPr/>
-          <a:lstStyle/>
-          <a:p>
-            <a:r>
-              <a:rPr lang="pt-BR" dirty="0" smtClean="0"/>
-              <a:t>Instalação</a:t>
-            </a:r>
-            <a:endParaRPr lang="pt-BR" dirty="0"/>
+              <a:rPr lang="pt-BR" sz="2800" dirty="0" smtClean="0"/>
+              <a:t>Possíveis surpresas com o Cassandra</a:t>
+            </a:r>
+            <a:endParaRPr lang="pt-BR" sz="2800" dirty="0"/>
           </a:p>
         </p:txBody>
       </p:sp>
@@ -23472,464 +23986,8 @@
         </p:nvSpPr>
         <p:spPr>
           <a:xfrm>
-            <a:off x="493842" y="941390"/>
-            <a:ext cx="6449180" cy="3880773"/>
-          </a:xfrm>
-        </p:spPr>
-        <p:txBody>
-          <a:bodyPr>
-            <a:normAutofit/>
-          </a:bodyPr>
-          <a:lstStyle/>
-          <a:p>
-            <a:r>
-              <a:rPr lang="pt-BR" dirty="0" smtClean="0"/>
-              <a:t>Instalar o JRE (Java </a:t>
-            </a:r>
-            <a:r>
-              <a:rPr lang="pt-BR" dirty="0" err="1" smtClean="0"/>
-              <a:t>Runtime</a:t>
-            </a:r>
-            <a:r>
-              <a:rPr lang="pt-BR" dirty="0" smtClean="0"/>
-              <a:t> </a:t>
-            </a:r>
-            <a:r>
-              <a:rPr lang="pt-BR" dirty="0" err="1" smtClean="0"/>
-              <a:t>Environment</a:t>
-            </a:r>
-            <a:r>
-              <a:rPr lang="pt-BR" dirty="0" smtClean="0"/>
-              <a:t>)  e criar uma variável de ambiente JAVA_HOME;</a:t>
-            </a:r>
-          </a:p>
-          <a:p>
-            <a:endParaRPr lang="pt-BR" dirty="0" smtClean="0"/>
-          </a:p>
-          <a:p>
-            <a:endParaRPr lang="pt-BR" dirty="0" smtClean="0"/>
-          </a:p>
-          <a:p>
-            <a:endParaRPr lang="pt-BR" dirty="0" smtClean="0"/>
-          </a:p>
-          <a:p>
-            <a:pPr>
-              <a:buNone/>
-            </a:pPr>
-            <a:endParaRPr lang="pt-BR" dirty="0" smtClean="0"/>
-          </a:p>
-          <a:p>
-            <a:r>
-              <a:rPr lang="pt-BR" dirty="0" smtClean="0"/>
-              <a:t>Baixar o pacote Apache Cassandra (</a:t>
-            </a:r>
-            <a:r>
-              <a:rPr lang="pt-BR" dirty="0" smtClean="0">
-                <a:hlinkClick r:id="rId2"/>
-              </a:rPr>
-              <a:t>http://cassandra.apache.org/download/</a:t>
-            </a:r>
-            <a:r>
-              <a:rPr lang="pt-BR" dirty="0" smtClean="0"/>
-              <a:t>)</a:t>
-            </a:r>
-          </a:p>
-          <a:p>
-            <a:pPr lvl="1"/>
-            <a:r>
-              <a:rPr lang="pt-BR" dirty="0" smtClean="0"/>
-              <a:t>Extrair e executar o “</a:t>
-            </a:r>
-            <a:r>
-              <a:rPr lang="pt-BR" dirty="0" err="1" smtClean="0"/>
-              <a:t>cassandra</a:t>
-            </a:r>
-            <a:r>
-              <a:rPr lang="pt-BR" dirty="0" smtClean="0"/>
-              <a:t>.</a:t>
-            </a:r>
-            <a:r>
-              <a:rPr lang="pt-BR" dirty="0" err="1" smtClean="0"/>
-              <a:t>bat</a:t>
-            </a:r>
-            <a:r>
-              <a:rPr lang="pt-BR" dirty="0" smtClean="0"/>
-              <a:t>” da pasta </a:t>
-            </a:r>
-            <a:r>
-              <a:rPr lang="pt-BR" dirty="0" err="1" smtClean="0"/>
-              <a:t>bin</a:t>
-            </a:r>
-            <a:r>
-              <a:rPr lang="pt-BR" dirty="0" smtClean="0"/>
-              <a:t>:</a:t>
-            </a:r>
-          </a:p>
-        </p:txBody>
-      </p:sp>
-      <p:pic>
-        <p:nvPicPr>
-          <p:cNvPr id="1026" name="Picture 2" descr="C:\Users\Rodrigo\Desktop\011011_1239_nosqlinstal7.png"/>
-          <p:cNvPicPr>
-            <a:picLocks noChangeAspect="1" noChangeArrowheads="1"/>
-          </p:cNvPicPr>
-          <p:nvPr/>
-        </p:nvPicPr>
-        <p:blipFill>
-          <a:blip r:embed="rId3"/>
-          <a:srcRect/>
-          <a:stretch>
-            <a:fillRect/>
-          </a:stretch>
-        </p:blipFill>
-        <p:spPr bwMode="auto">
-          <a:xfrm>
-            <a:off x="1868578" y="1624014"/>
-            <a:ext cx="3196908" cy="1457325"/>
-          </a:xfrm>
-          <a:prstGeom prst="rect">
-            <a:avLst/>
-          </a:prstGeom>
-          <a:noFill/>
-        </p:spPr>
-      </p:pic>
-      <p:pic>
-        <p:nvPicPr>
-          <p:cNvPr id="1027" name="Picture 3" descr="C:\Users\Rodrigo\Desktop\011011_1239_nosqlinstal2.png"/>
-          <p:cNvPicPr>
-            <a:picLocks noChangeAspect="1" noChangeArrowheads="1"/>
-          </p:cNvPicPr>
-          <p:nvPr/>
-        </p:nvPicPr>
-        <p:blipFill>
-          <a:blip r:embed="rId4"/>
-          <a:srcRect b="41854"/>
-          <a:stretch>
-            <a:fillRect/>
-          </a:stretch>
-        </p:blipFill>
-        <p:spPr bwMode="auto">
-          <a:xfrm>
-            <a:off x="1089705" y="4438651"/>
-            <a:ext cx="5993266" cy="1971675"/>
-          </a:xfrm>
-          <a:prstGeom prst="rect">
-            <a:avLst/>
-          </a:prstGeom>
-          <a:noFill/>
-        </p:spPr>
-      </p:pic>
-    </p:spTree>
-    <p:extLst>
-      <p:ext uri="{BB962C8B-B14F-4D97-AF65-F5344CB8AC3E}">
-        <p14:creationId xmlns="" xmlns:p14="http://schemas.microsoft.com/office/powerpoint/2010/main" val="3181598086"/>
-      </p:ext>
-    </p:extLst>
-  </p:cSld>
-  <p:clrMapOvr>
-    <a:masterClrMapping/>
-  </p:clrMapOvr>
-  <p:timing>
-    <p:tnLst>
-      <p:par>
-        <p:cTn id="1" dur="indefinite" restart="never" nodeType="tmRoot"/>
-      </p:par>
-    </p:tnLst>
-  </p:timing>
-</p:sld>
-</file>
-
-<file path=ppt/slides/slide24.xml><?xml version="1.0" encoding="utf-8"?>
-<p:sld xmlns:a="http://schemas.openxmlformats.org/drawingml/2006/main" xmlns:r="http://schemas.openxmlformats.org/officeDocument/2006/relationships" xmlns:p="http://schemas.openxmlformats.org/presentationml/2006/main">
-  <p:cSld>
-    <p:spTree>
-      <p:nvGrpSpPr>
-        <p:cNvPr id="1" name=""/>
-        <p:cNvGrpSpPr/>
-        <p:nvPr/>
-      </p:nvGrpSpPr>
-      <p:grpSpPr>
-        <a:xfrm>
-          <a:off x="0" y="0"/>
-          <a:ext cx="0" cy="0"/>
-          <a:chOff x="0" y="0"/>
-          <a:chExt cx="0" cy="0"/>
-        </a:xfrm>
-      </p:grpSpPr>
-      <p:pic>
-        <p:nvPicPr>
-          <p:cNvPr id="2050" name="Picture 2"/>
-          <p:cNvPicPr>
-            <a:picLocks noChangeAspect="1" noChangeArrowheads="1"/>
-          </p:cNvPicPr>
-          <p:nvPr/>
-        </p:nvPicPr>
-        <p:blipFill>
-          <a:blip r:embed="rId2"/>
-          <a:srcRect/>
-          <a:stretch>
-            <a:fillRect/>
-          </a:stretch>
-        </p:blipFill>
-        <p:spPr bwMode="auto">
-          <a:xfrm>
-            <a:off x="627188" y="1160236"/>
-            <a:ext cx="6760584" cy="4552471"/>
-          </a:xfrm>
-          <a:prstGeom prst="rect">
-            <a:avLst/>
-          </a:prstGeom>
-          <a:noFill/>
-          <a:ln w="9525">
-            <a:noFill/>
-            <a:miter lim="800000"/>
-            <a:headEnd/>
-            <a:tailEnd/>
-          </a:ln>
-        </p:spPr>
-      </p:pic>
-      <p:sp>
-        <p:nvSpPr>
-          <p:cNvPr id="9" name="Title 1"/>
-          <p:cNvSpPr>
-            <a:spLocks noGrp="1"/>
-          </p:cNvSpPr>
-          <p:nvPr>
-            <p:ph type="title"/>
-          </p:nvPr>
-        </p:nvSpPr>
-        <p:spPr>
-          <a:xfrm>
-            <a:off x="479551" y="152400"/>
-            <a:ext cx="6449180" cy="723900"/>
-          </a:xfrm>
-        </p:spPr>
-        <p:txBody>
-          <a:bodyPr/>
-          <a:lstStyle/>
-          <a:p>
-            <a:r>
-              <a:rPr lang="pt-BR" dirty="0" smtClean="0"/>
-              <a:t>Instalação</a:t>
-            </a:r>
-            <a:endParaRPr lang="pt-BR" dirty="0"/>
-          </a:p>
-        </p:txBody>
-      </p:sp>
-    </p:spTree>
-    <p:extLst>
-      <p:ext uri="{BB962C8B-B14F-4D97-AF65-F5344CB8AC3E}">
-        <p14:creationId xmlns="" xmlns:p14="http://schemas.microsoft.com/office/powerpoint/2010/main" val="3181598086"/>
-      </p:ext>
-    </p:extLst>
-  </p:cSld>
-  <p:clrMapOvr>
-    <a:masterClrMapping/>
-  </p:clrMapOvr>
-  <p:timing>
-    <p:tnLst>
-      <p:par>
-        <p:cTn id="1" dur="indefinite" restart="never" nodeType="tmRoot"/>
-      </p:par>
-    </p:tnLst>
-  </p:timing>
-</p:sld>
-</file>
-
-<file path=ppt/slides/slide25.xml><?xml version="1.0" encoding="utf-8"?>
-<p:sld xmlns:a="http://schemas.openxmlformats.org/drawingml/2006/main" xmlns:r="http://schemas.openxmlformats.org/officeDocument/2006/relationships" xmlns:p="http://schemas.openxmlformats.org/presentationml/2006/main">
-  <p:cSld>
-    <p:spTree>
-      <p:nvGrpSpPr>
-        <p:cNvPr id="1" name=""/>
-        <p:cNvGrpSpPr/>
-        <p:nvPr/>
-      </p:nvGrpSpPr>
-      <p:grpSpPr>
-        <a:xfrm>
-          <a:off x="0" y="0"/>
-          <a:ext cx="0" cy="0"/>
-          <a:chOff x="0" y="0"/>
-          <a:chExt cx="0" cy="0"/>
-        </a:xfrm>
-      </p:grpSpPr>
-      <p:sp>
-        <p:nvSpPr>
-          <p:cNvPr id="4" name="Title 1"/>
-          <p:cNvSpPr>
-            <a:spLocks noGrp="1"/>
-          </p:cNvSpPr>
-          <p:nvPr>
-            <p:ph type="title"/>
-          </p:nvPr>
-        </p:nvSpPr>
-        <p:spPr>
-          <a:xfrm>
-            <a:off x="580481" y="1174755"/>
-            <a:ext cx="6662148" cy="2032901"/>
-          </a:xfrm>
-        </p:spPr>
-        <p:txBody>
-          <a:bodyPr>
-            <a:normAutofit fontScale="90000"/>
-          </a:bodyPr>
-          <a:lstStyle/>
-          <a:p>
-            <a:r>
-              <a:rPr lang="pt-BR" sz="5400" b="1" dirty="0" smtClean="0">
-                <a:latin typeface="Roboto" pitchFamily="2" charset="0"/>
-                <a:ea typeface="Roboto" pitchFamily="2" charset="0"/>
-              </a:rPr>
-              <a:t>Na prática </a:t>
-            </a:r>
-            <a:br>
-              <a:rPr lang="pt-BR" sz="5400" b="1" dirty="0" smtClean="0">
-                <a:latin typeface="Roboto" pitchFamily="2" charset="0"/>
-                <a:ea typeface="Roboto" pitchFamily="2" charset="0"/>
-              </a:rPr>
-            </a:br>
-            <a:r>
-              <a:rPr lang="pt-BR" sz="5400" b="1" dirty="0" smtClean="0">
-                <a:latin typeface="Roboto" pitchFamily="2" charset="0"/>
-                <a:ea typeface="Roboto" pitchFamily="2" charset="0"/>
-              </a:rPr>
-              <a:t>e </a:t>
-            </a:r>
-            <a:br>
-              <a:rPr lang="pt-BR" sz="5400" b="1" dirty="0" smtClean="0">
-                <a:latin typeface="Roboto" pitchFamily="2" charset="0"/>
-                <a:ea typeface="Roboto" pitchFamily="2" charset="0"/>
-              </a:rPr>
-            </a:br>
-            <a:r>
-              <a:rPr lang="pt-BR" sz="5400" b="1" dirty="0" smtClean="0">
-                <a:latin typeface="Roboto" pitchFamily="2" charset="0"/>
-                <a:ea typeface="Roboto" pitchFamily="2" charset="0"/>
-              </a:rPr>
-              <a:t>CQL (Cassandra </a:t>
-            </a:r>
-            <a:r>
-              <a:rPr lang="pt-BR" sz="5400" b="1" dirty="0" err="1" smtClean="0">
-                <a:latin typeface="Roboto" pitchFamily="2" charset="0"/>
-                <a:ea typeface="Roboto" pitchFamily="2" charset="0"/>
-              </a:rPr>
-              <a:t>Query</a:t>
-            </a:r>
-            <a:r>
-              <a:rPr lang="pt-BR" sz="5400" b="1" dirty="0" smtClean="0">
-                <a:latin typeface="Roboto" pitchFamily="2" charset="0"/>
-                <a:ea typeface="Roboto" pitchFamily="2" charset="0"/>
-              </a:rPr>
-              <a:t> </a:t>
-            </a:r>
-            <a:r>
-              <a:rPr lang="pt-BR" sz="5400" b="1" dirty="0" err="1" smtClean="0">
-                <a:latin typeface="Roboto" pitchFamily="2" charset="0"/>
-                <a:ea typeface="Roboto" pitchFamily="2" charset="0"/>
-              </a:rPr>
-              <a:t>Language</a:t>
-            </a:r>
-            <a:r>
-              <a:rPr lang="pt-BR" sz="5400" b="1" dirty="0" smtClean="0">
-                <a:latin typeface="Roboto" pitchFamily="2" charset="0"/>
-                <a:ea typeface="Roboto" pitchFamily="2" charset="0"/>
-              </a:rPr>
-              <a:t>)</a:t>
-            </a:r>
-            <a:endParaRPr lang="pt-BR" sz="5400" b="1" dirty="0">
-              <a:latin typeface="Roboto" pitchFamily="2" charset="0"/>
-              <a:ea typeface="Roboto" pitchFamily="2" charset="0"/>
-            </a:endParaRPr>
-          </a:p>
-        </p:txBody>
-      </p:sp>
-    </p:spTree>
-    <p:extLst>
-      <p:ext uri="{BB962C8B-B14F-4D97-AF65-F5344CB8AC3E}">
-        <p14:creationId xmlns:p14="http://schemas.microsoft.com/office/powerpoint/2010/main" xmlns="" val="2543902999"/>
-      </p:ext>
-    </p:extLst>
-  </p:cSld>
-  <p:clrMapOvr>
-    <a:masterClrMapping/>
-  </p:clrMapOvr>
-  <p:timing>
-    <p:tnLst>
-      <p:par>
-        <p:cTn id="1" dur="indefinite" restart="never" nodeType="tmRoot"/>
-      </p:par>
-    </p:tnLst>
-  </p:timing>
-</p:sld>
-</file>
-
-<file path=ppt/slides/slide26.xml><?xml version="1.0" encoding="utf-8"?>
-<p:sld xmlns:a="http://schemas.openxmlformats.org/drawingml/2006/main" xmlns:r="http://schemas.openxmlformats.org/officeDocument/2006/relationships" xmlns:p="http://schemas.openxmlformats.org/presentationml/2006/main">
-  <p:cSld>
-    <p:spTree>
-      <p:nvGrpSpPr>
-        <p:cNvPr id="1" name=""/>
-        <p:cNvGrpSpPr/>
-        <p:nvPr/>
-      </p:nvGrpSpPr>
-      <p:grpSpPr>
-        <a:xfrm>
-          <a:off x="0" y="0"/>
-          <a:ext cx="0" cy="0"/>
-          <a:chOff x="0" y="0"/>
-          <a:chExt cx="0" cy="0"/>
-        </a:xfrm>
-      </p:grpSpPr>
-      <p:sp>
-        <p:nvSpPr>
-          <p:cNvPr id="4" name="Title 1"/>
-          <p:cNvSpPr>
-            <a:spLocks noGrp="1"/>
-          </p:cNvSpPr>
-          <p:nvPr>
-            <p:ph type="title"/>
-          </p:nvPr>
-        </p:nvSpPr>
-        <p:spPr>
-          <a:xfrm>
-            <a:off x="522424" y="42642"/>
-            <a:ext cx="6449180" cy="1320800"/>
-          </a:xfrm>
-        </p:spPr>
-        <p:txBody>
-          <a:bodyPr>
-            <a:normAutofit/>
-          </a:bodyPr>
-          <a:lstStyle/>
-          <a:p>
-            <a:r>
-              <a:rPr lang="pt-BR" sz="5400" b="1" dirty="0" smtClean="0">
-                <a:latin typeface="Roboto" pitchFamily="2" charset="0"/>
-                <a:ea typeface="Roboto" pitchFamily="2" charset="0"/>
-              </a:rPr>
-              <a:t>Mais Cassandra</a:t>
-            </a:r>
-            <a:endParaRPr lang="pt-BR" sz="5400" b="1" dirty="0">
-              <a:latin typeface="Roboto" pitchFamily="2" charset="0"/>
-              <a:ea typeface="Roboto" pitchFamily="2" charset="0"/>
-            </a:endParaRPr>
-          </a:p>
-        </p:txBody>
-      </p:sp>
-      <p:sp>
-        <p:nvSpPr>
-          <p:cNvPr id="5" name="Content Placeholder 2"/>
-          <p:cNvSpPr>
-            <a:spLocks noGrp="1"/>
-          </p:cNvSpPr>
-          <p:nvPr>
-            <p:ph idx="1"/>
-          </p:nvPr>
-        </p:nvSpPr>
-        <p:spPr>
-          <a:xfrm>
-            <a:off x="508133" y="1189272"/>
-            <a:ext cx="6892707" cy="5472785"/>
+            <a:off x="508133" y="856349"/>
+            <a:ext cx="6449180" cy="5210628"/>
           </a:xfrm>
         </p:spPr>
         <p:txBody>
@@ -23939,202 +23997,92 @@
           <a:lstStyle/>
           <a:p>
             <a:r>
-              <a:rPr lang="pt-BR" sz="3600" dirty="0" smtClean="0">
-                <a:latin typeface="Roboto" pitchFamily="2" charset="0"/>
-                <a:ea typeface="Roboto" pitchFamily="2" charset="0"/>
-              </a:rPr>
-              <a:t>Reposit</a:t>
-            </a:r>
-            <a:r>
-              <a:rPr lang="pt-BR" sz="3600" dirty="0">
-                <a:latin typeface="Roboto" pitchFamily="2" charset="0"/>
-                <a:ea typeface="Roboto" pitchFamily="2" charset="0"/>
-              </a:rPr>
-              <a:t>ó</a:t>
-            </a:r>
-            <a:r>
-              <a:rPr lang="pt-BR" sz="3600" dirty="0" smtClean="0">
-                <a:latin typeface="Roboto" pitchFamily="2" charset="0"/>
-                <a:ea typeface="Roboto" pitchFamily="2" charset="0"/>
-              </a:rPr>
-              <a:t>rio </a:t>
-            </a:r>
-            <a:r>
-              <a:rPr lang="pt-BR" sz="3600" dirty="0">
-                <a:latin typeface="Roboto" pitchFamily="2" charset="0"/>
-                <a:ea typeface="Roboto" pitchFamily="2" charset="0"/>
-              </a:rPr>
-              <a:t>de dados </a:t>
-            </a:r>
-            <a:r>
-              <a:rPr lang="pt-BR" sz="3600" dirty="0" smtClean="0">
-                <a:latin typeface="Roboto" pitchFamily="2" charset="0"/>
-                <a:ea typeface="Roboto" pitchFamily="2" charset="0"/>
-              </a:rPr>
-              <a:t>em Java;</a:t>
-            </a:r>
-            <a:endParaRPr lang="pt-BR" sz="3600" dirty="0">
+              <a:rPr lang="pt-BR" sz="2400" dirty="0" smtClean="0">
+                <a:latin typeface="Roboto"/>
+              </a:rPr>
+              <a:t>Sem transações, sem </a:t>
+            </a:r>
+            <a:r>
+              <a:rPr lang="pt-BR" sz="2400" dirty="0" err="1" smtClean="0">
+                <a:latin typeface="Roboto"/>
+              </a:rPr>
+              <a:t>JOINs</a:t>
+            </a:r>
+            <a:endParaRPr lang="pt-BR" sz="2400" dirty="0" smtClean="0">
+              <a:latin typeface="Roboto"/>
+            </a:endParaRPr>
+          </a:p>
+          <a:p>
+            <a:r>
+              <a:rPr lang="pt-BR" sz="2400" dirty="0" smtClean="0">
+                <a:latin typeface="Roboto"/>
+              </a:rPr>
+              <a:t>Sem chaves estrangeiras. As chaves são imutáveis</a:t>
+            </a:r>
+          </a:p>
+          <a:p>
+            <a:r>
+              <a:rPr lang="pt-BR" sz="2400" dirty="0" smtClean="0">
+                <a:latin typeface="Roboto"/>
+              </a:rPr>
+              <a:t>As chaves devem ser exclusivas</a:t>
+            </a:r>
+          </a:p>
+          <a:p>
+            <a:r>
+              <a:rPr lang="pt-BR" sz="2400" dirty="0" smtClean="0">
+                <a:latin typeface="Roboto"/>
+              </a:rPr>
+              <a:t>A procura é complicada</a:t>
+            </a:r>
+          </a:p>
+          <a:p>
+            <a:r>
+              <a:rPr lang="pt-BR" sz="2400" dirty="0" smtClean="0">
+                <a:latin typeface="Roboto"/>
+              </a:rPr>
+              <a:t>Recomenda-se não usar supercolunas e particionadores de preservação</a:t>
+            </a:r>
+          </a:p>
+          <a:p>
+            <a:pPr lvl="0"/>
+            <a:r>
+              <a:rPr lang="pt-BR" sz="2400" dirty="0"/>
+              <a:t>Documentação escassa;</a:t>
+            </a:r>
+          </a:p>
+          <a:p>
+            <a:pPr lvl="0"/>
+            <a:r>
+              <a:rPr lang="pt-BR" sz="2400" dirty="0"/>
+              <a:t>Pode ocorrer um desconforto para o programador se adaptar ao modelo;</a:t>
+            </a:r>
+          </a:p>
+          <a:p>
+            <a:pPr lvl="0"/>
+            <a:r>
+              <a:rPr lang="pt-BR" sz="2400" dirty="0"/>
+              <a:t>Incompatibilidade com modelo relacional.</a:t>
+            </a:r>
+          </a:p>
+          <a:p>
+            <a:endParaRPr lang="pt-BR" sz="2400" dirty="0" smtClean="0">
+              <a:latin typeface="Roboto"/>
+            </a:endParaRPr>
+          </a:p>
+          <a:p>
+            <a:pPr fontAlgn="base"/>
+            <a:endParaRPr lang="pt-BR" sz="2400" dirty="0">
               <a:latin typeface="Roboto" pitchFamily="2" charset="0"/>
               <a:ea typeface="Roboto" pitchFamily="2" charset="0"/>
             </a:endParaRPr>
           </a:p>
-          <a:p>
-            <a:r>
-              <a:rPr lang="pt-BR" sz="3600" dirty="0">
-                <a:latin typeface="Roboto" pitchFamily="2" charset="0"/>
-                <a:ea typeface="Roboto" pitchFamily="2" charset="0"/>
-              </a:rPr>
-              <a:t>Dispensa a sobrecarga de recursos dos bancos de dados </a:t>
-            </a:r>
-            <a:r>
-              <a:rPr lang="pt-BR" sz="3600" dirty="0" smtClean="0">
-                <a:latin typeface="Roboto" pitchFamily="2" charset="0"/>
-                <a:ea typeface="Roboto" pitchFamily="2" charset="0"/>
-              </a:rPr>
-              <a:t>relacionais convencionais;</a:t>
-            </a:r>
-            <a:endParaRPr lang="pt-BR" sz="3600" dirty="0">
-              <a:latin typeface="Roboto" pitchFamily="2" charset="0"/>
-              <a:ea typeface="Roboto" pitchFamily="2" charset="0"/>
-            </a:endParaRPr>
-          </a:p>
-          <a:p>
-            <a:r>
-              <a:rPr lang="pt-BR" sz="3600" dirty="0" smtClean="0">
-                <a:latin typeface="Roboto" pitchFamily="2" charset="0"/>
-                <a:ea typeface="Roboto" pitchFamily="2" charset="0"/>
-              </a:rPr>
-              <a:t>Reúne </a:t>
-            </a:r>
-            <a:r>
-              <a:rPr lang="pt-BR" sz="3600" dirty="0">
-                <a:latin typeface="Roboto" pitchFamily="2" charset="0"/>
-                <a:ea typeface="Roboto" pitchFamily="2" charset="0"/>
-              </a:rPr>
-              <a:t>a arquitetura do </a:t>
-            </a:r>
-            <a:r>
-              <a:rPr lang="pt-BR" sz="3600" dirty="0" err="1">
-                <a:latin typeface="Roboto" pitchFamily="2" charset="0"/>
-                <a:ea typeface="Roboto" pitchFamily="2" charset="0"/>
-              </a:rPr>
-              <a:t>Dynamo</a:t>
-            </a:r>
-            <a:r>
-              <a:rPr lang="pt-BR" sz="3600" dirty="0">
-                <a:latin typeface="Roboto" pitchFamily="2" charset="0"/>
-                <a:ea typeface="Roboto" pitchFamily="2" charset="0"/>
-              </a:rPr>
-              <a:t>, da </a:t>
-            </a:r>
-            <a:r>
-              <a:rPr lang="pt-BR" sz="3600" dirty="0" err="1">
-                <a:latin typeface="Roboto" pitchFamily="2" charset="0"/>
-                <a:ea typeface="Roboto" pitchFamily="2" charset="0"/>
-              </a:rPr>
-              <a:t>Amazon</a:t>
-            </a:r>
-            <a:r>
-              <a:rPr lang="pt-BR" sz="3600" dirty="0">
-                <a:latin typeface="Roboto" pitchFamily="2" charset="0"/>
-                <a:ea typeface="Roboto" pitchFamily="2" charset="0"/>
-              </a:rPr>
-              <a:t> e modelo de </a:t>
-            </a:r>
-            <a:r>
-              <a:rPr lang="pt-BR" sz="3600" dirty="0" smtClean="0">
-                <a:latin typeface="Roboto" pitchFamily="2" charset="0"/>
-                <a:ea typeface="Roboto" pitchFamily="2" charset="0"/>
-              </a:rPr>
-              <a:t>dados baseado </a:t>
-            </a:r>
-            <a:r>
-              <a:rPr lang="pt-BR" sz="3600" dirty="0">
-                <a:latin typeface="Roboto" pitchFamily="2" charset="0"/>
-                <a:ea typeface="Roboto" pitchFamily="2" charset="0"/>
-              </a:rPr>
-              <a:t>no </a:t>
-            </a:r>
-            <a:r>
-              <a:rPr lang="pt-BR" sz="3600" dirty="0" err="1">
-                <a:latin typeface="Roboto" pitchFamily="2" charset="0"/>
-                <a:ea typeface="Roboto" pitchFamily="2" charset="0"/>
-              </a:rPr>
-              <a:t>Bigtable</a:t>
-            </a:r>
-            <a:r>
-              <a:rPr lang="pt-BR" sz="3600" dirty="0">
-                <a:latin typeface="Roboto" pitchFamily="2" charset="0"/>
-                <a:ea typeface="Roboto" pitchFamily="2" charset="0"/>
-              </a:rPr>
-              <a:t>, do </a:t>
-            </a:r>
-            <a:r>
-              <a:rPr lang="pt-BR" sz="3600" dirty="0" smtClean="0">
-                <a:latin typeface="Roboto" pitchFamily="2" charset="0"/>
-                <a:ea typeface="Roboto" pitchFamily="2" charset="0"/>
-              </a:rPr>
-              <a:t>Google;</a:t>
-            </a:r>
-            <a:endParaRPr lang="pt-BR" sz="3600" dirty="0">
-              <a:latin typeface="Roboto" pitchFamily="2" charset="0"/>
-              <a:ea typeface="Roboto" pitchFamily="2" charset="0"/>
-            </a:endParaRPr>
-          </a:p>
-          <a:p>
-            <a:r>
-              <a:rPr lang="pt-BR" sz="3600" dirty="0">
-                <a:latin typeface="Roboto" pitchFamily="2" charset="0"/>
-                <a:ea typeface="Roboto" pitchFamily="2" charset="0"/>
-              </a:rPr>
-              <a:t>Atualmente </a:t>
-            </a:r>
-            <a:r>
-              <a:rPr lang="pt-BR" sz="3600" dirty="0" smtClean="0">
-                <a:latin typeface="Roboto" pitchFamily="2" charset="0"/>
-                <a:ea typeface="Roboto" pitchFamily="2" charset="0"/>
-              </a:rPr>
-              <a:t>é </a:t>
-            </a:r>
-            <a:r>
-              <a:rPr lang="pt-BR" sz="3600" dirty="0">
-                <a:latin typeface="Roboto" pitchFamily="2" charset="0"/>
-                <a:ea typeface="Roboto" pitchFamily="2" charset="0"/>
-              </a:rPr>
-              <a:t>mantido por desenvolvedores da </a:t>
-            </a:r>
-            <a:r>
-              <a:rPr lang="pt-BR" sz="3600" dirty="0" smtClean="0">
-                <a:latin typeface="Roboto" pitchFamily="2" charset="0"/>
-                <a:ea typeface="Roboto" pitchFamily="2" charset="0"/>
-              </a:rPr>
-              <a:t>Fundação Apache e colaboradores </a:t>
-            </a:r>
-            <a:r>
-              <a:rPr lang="pt-BR" sz="3600" dirty="0">
-                <a:latin typeface="Roboto" pitchFamily="2" charset="0"/>
-                <a:ea typeface="Roboto" pitchFamily="2" charset="0"/>
-              </a:rPr>
-              <a:t>de muitas </a:t>
-            </a:r>
-            <a:r>
-              <a:rPr lang="pt-BR" sz="3600" dirty="0" smtClean="0">
-                <a:latin typeface="Roboto" pitchFamily="2" charset="0"/>
-                <a:ea typeface="Roboto" pitchFamily="2" charset="0"/>
-              </a:rPr>
-              <a:t>empresas;</a:t>
-            </a:r>
-            <a:endParaRPr lang="pt-BR" sz="3600" dirty="0">
-              <a:latin typeface="Roboto" pitchFamily="2" charset="0"/>
-              <a:ea typeface="Roboto" pitchFamily="2" charset="0"/>
-            </a:endParaRPr>
-          </a:p>
         </p:txBody>
       </p:sp>
     </p:spTree>
     <p:extLst>
       <p:ext uri="{BB962C8B-B14F-4D97-AF65-F5344CB8AC3E}">
-        <p14:creationId xmlns:p14="http://schemas.microsoft.com/office/powerpoint/2010/main" xmlns="" val="2543902999"/>
+        <p14:creationId xmlns:p14="http://schemas.microsoft.com/office/powerpoint/2010/main" val="1805970655"/>
       </p:ext>
     </p:extLst>
   </p:cSld>
@@ -24171,108 +24119,42 @@
       <p:sp>
         <p:nvSpPr>
           <p:cNvPr id="5" name="Title 1"/>
-          <p:cNvSpPr txBox="1">
-            <a:spLocks/>
+          <p:cNvSpPr>
+            <a:spLocks noGrp="1"/>
           </p:cNvSpPr>
-          <p:nvPr/>
-        </p:nvSpPr>
-        <p:spPr>
-          <a:xfrm>
-            <a:off x="585426" y="28828"/>
-            <a:ext cx="6449180" cy="842029"/>
-          </a:xfrm>
-          <a:prstGeom prst="rect">
-            <a:avLst/>
-          </a:prstGeom>
-        </p:spPr>
-        <p:txBody>
-          <a:bodyPr vert="horz" lIns="91440" tIns="45720" rIns="91440" bIns="45720" rtlCol="0" anchor="t">
+          <p:nvPr>
+            <p:ph type="title"/>
+          </p:nvPr>
+        </p:nvSpPr>
+        <p:spPr>
+          <a:xfrm>
+            <a:off x="508133" y="130638"/>
+            <a:ext cx="6449180" cy="1320800"/>
+          </a:xfrm>
+        </p:spPr>
+        <p:txBody>
+          <a:bodyPr>
             <a:normAutofit/>
           </a:bodyPr>
-          <a:lstStyle>
-            <a:lvl1pPr algn="l" defTabSz="457200" rtl="0" eaLnBrk="1" latinLnBrk="0" hangingPunct="1">
-              <a:spcBef>
-                <a:spcPct val="0"/>
-              </a:spcBef>
-              <a:buNone/>
-              <a:defRPr sz="3600" kern="1200">
-                <a:solidFill>
-                  <a:schemeClr val="accent1"/>
-                </a:solidFill>
-                <a:latin typeface="+mj-lt"/>
-                <a:ea typeface="+mj-ea"/>
-                <a:cs typeface="Trebuchet MS"/>
-              </a:defRPr>
-            </a:lvl1pPr>
-            <a:lvl2pPr eaLnBrk="1" hangingPunct="1">
-              <a:defRPr>
-                <a:solidFill>
-                  <a:schemeClr val="tx2"/>
-                </a:solidFill>
-              </a:defRPr>
-            </a:lvl2pPr>
-            <a:lvl3pPr eaLnBrk="1" hangingPunct="1">
-              <a:defRPr>
-                <a:solidFill>
-                  <a:schemeClr val="tx2"/>
-                </a:solidFill>
-              </a:defRPr>
-            </a:lvl3pPr>
-            <a:lvl4pPr eaLnBrk="1" hangingPunct="1">
-              <a:defRPr>
-                <a:solidFill>
-                  <a:schemeClr val="tx2"/>
-                </a:solidFill>
-              </a:defRPr>
-            </a:lvl4pPr>
-            <a:lvl5pPr eaLnBrk="1" hangingPunct="1">
-              <a:defRPr>
-                <a:solidFill>
-                  <a:schemeClr val="tx2"/>
-                </a:solidFill>
-              </a:defRPr>
-            </a:lvl5pPr>
-            <a:lvl6pPr eaLnBrk="1" hangingPunct="1">
-              <a:defRPr>
-                <a:solidFill>
-                  <a:schemeClr val="tx2"/>
-                </a:solidFill>
-              </a:defRPr>
-            </a:lvl6pPr>
-            <a:lvl7pPr eaLnBrk="1" hangingPunct="1">
-              <a:defRPr>
-                <a:solidFill>
-                  <a:schemeClr val="tx2"/>
-                </a:solidFill>
-              </a:defRPr>
-            </a:lvl7pPr>
-            <a:lvl8pPr eaLnBrk="1" hangingPunct="1">
-              <a:defRPr>
-                <a:solidFill>
-                  <a:schemeClr val="tx2"/>
-                </a:solidFill>
-              </a:defRPr>
-            </a:lvl8pPr>
-            <a:lvl9pPr eaLnBrk="1" hangingPunct="1">
-              <a:defRPr>
-                <a:solidFill>
-                  <a:schemeClr val="tx2"/>
-                </a:solidFill>
-              </a:defRPr>
-            </a:lvl9pPr>
-          </a:lstStyle>
-          <a:p>
-            <a:r>
-              <a:rPr lang="pt-BR" sz="2800" dirty="0" smtClean="0"/>
-              <a:t>Possíveis surpresas com o Cassandra</a:t>
-            </a:r>
-            <a:endParaRPr lang="pt-BR" sz="2800" dirty="0"/>
-          </a:p>
-        </p:txBody>
-      </p:sp>
-      <p:sp>
-        <p:nvSpPr>
-          <p:cNvPr id="6" name="Content Placeholder 2"/>
+          <a:lstStyle/>
+          <a:p>
+            <a:r>
+              <a:rPr lang="pt-BR" sz="5400" b="1" dirty="0" smtClean="0">
+                <a:latin typeface="Roboto" pitchFamily="2" charset="0"/>
+                <a:ea typeface="Roboto" pitchFamily="2" charset="0"/>
+              </a:rPr>
+              <a:t>Considerações</a:t>
+            </a:r>
+            <a:endParaRPr lang="pt-BR" sz="5400" b="1" dirty="0">
+              <a:latin typeface="Roboto" pitchFamily="2" charset="0"/>
+              <a:ea typeface="Roboto" pitchFamily="2" charset="0"/>
+            </a:endParaRPr>
+          </a:p>
+        </p:txBody>
+      </p:sp>
+      <p:sp>
+        <p:nvSpPr>
+          <p:cNvPr id="7" name="Content Placeholder 2"/>
           <p:cNvSpPr>
             <a:spLocks noGrp="1"/>
           </p:cNvSpPr>
@@ -24282,8 +24164,8 @@
         </p:nvSpPr>
         <p:spPr>
           <a:xfrm>
-            <a:off x="508133" y="856349"/>
-            <a:ext cx="6449180" cy="5210628"/>
+            <a:off x="585426" y="1059552"/>
+            <a:ext cx="6689812" cy="4347791"/>
           </a:xfrm>
         </p:spPr>
         <p:txBody>
@@ -24292,103 +24174,144 @@
           </a:bodyPr>
           <a:lstStyle/>
           <a:p>
+            <a:pPr algn="just"/>
+            <a:r>
+              <a:rPr lang="pt-BR" sz="3200" dirty="0">
+                <a:latin typeface="Roboto" pitchFamily="2" charset="0"/>
+                <a:ea typeface="Roboto" pitchFamily="2" charset="0"/>
+              </a:rPr>
+              <a:t>Altas escalabilidade e disponibilidade, sem um ponto único de </a:t>
+            </a:r>
             <a:r>
               <a:rPr lang="pt-BR" sz="3200" dirty="0" smtClean="0">
-                <a:latin typeface="Roboto"/>
-              </a:rPr>
-              <a:t>Sem transações, sem </a:t>
-            </a:r>
-            <a:r>
-              <a:rPr lang="pt-BR" sz="3200" dirty="0" err="1" smtClean="0">
-                <a:latin typeface="Roboto"/>
-              </a:rPr>
-              <a:t>JOINs</a:t>
-            </a:r>
-            <a:endParaRPr lang="pt-BR" sz="3200" dirty="0" smtClean="0">
-              <a:latin typeface="Roboto"/>
-            </a:endParaRPr>
-          </a:p>
-          <a:p>
-            <a:r>
-              <a:rPr lang="pt-BR" sz="3200" dirty="0" smtClean="0">
-                <a:latin typeface="Roboto"/>
-              </a:rPr>
-              <a:t>Sem chaves estrangeiras. As chaves são imutáveis</a:t>
-            </a:r>
-          </a:p>
-          <a:p>
-            <a:r>
-              <a:rPr lang="pt-BR" sz="3200" dirty="0" smtClean="0">
-                <a:latin typeface="Roboto"/>
-              </a:rPr>
-              <a:t>As chaves devem ser exclusivas</a:t>
-            </a:r>
-          </a:p>
-          <a:p>
-            <a:r>
-              <a:rPr lang="pt-BR" sz="3200" dirty="0" smtClean="0">
-                <a:latin typeface="Roboto"/>
-              </a:rPr>
-              <a:t>Operações com falha podem deixar mudanças</a:t>
-            </a:r>
-          </a:p>
-          <a:p>
-            <a:r>
-              <a:rPr lang="pt-BR" sz="3200" dirty="0" smtClean="0">
-                <a:latin typeface="Roboto"/>
-              </a:rPr>
-              <a:t>A procura é complicada</a:t>
-            </a:r>
-          </a:p>
-          <a:p>
-            <a:r>
-              <a:rPr lang="pt-BR" sz="3200" dirty="0" smtClean="0">
-                <a:latin typeface="Roboto"/>
-              </a:rPr>
-              <a:t>Recomenda-se não usar supercolunas e </a:t>
-            </a:r>
-            <a:r>
-              <a:rPr lang="pt-BR" sz="3200" dirty="0" err="1" smtClean="0">
-                <a:latin typeface="Roboto"/>
-              </a:rPr>
-              <a:t>particionadores</a:t>
-            </a:r>
-            <a:r>
-              <a:rPr lang="pt-BR" sz="3200" dirty="0" smtClean="0">
-                <a:latin typeface="Roboto"/>
-              </a:rPr>
-              <a:t> de preservação</a:t>
-            </a:r>
-          </a:p>
-          <a:p>
-            <a:r>
-              <a:rPr lang="pt-BR" sz="3200" dirty="0" smtClean="0">
-                <a:latin typeface="Roboto"/>
-              </a:rPr>
-              <a:t>A recuperação da falha é manual</a:t>
-            </a:r>
-          </a:p>
-          <a:p>
-            <a:r>
-              <a:rPr lang="pt-BR" sz="3200" dirty="0" smtClean="0">
-                <a:latin typeface="Roboto"/>
-              </a:rPr>
-              <a:t>Ele se lembra de exclusões</a:t>
-            </a:r>
-          </a:p>
-          <a:p>
-            <a:pPr fontAlgn="base"/>
-            <a:endParaRPr lang="pt-BR" sz="2400" dirty="0">
+                <a:latin typeface="Roboto" pitchFamily="2" charset="0"/>
+                <a:ea typeface="Roboto" pitchFamily="2" charset="0"/>
+              </a:rPr>
+              <a:t>falha;</a:t>
+            </a:r>
+            <a:endParaRPr lang="pt-BR" sz="3200" dirty="0">
               <a:latin typeface="Roboto" pitchFamily="2" charset="0"/>
               <a:ea typeface="Roboto" pitchFamily="2" charset="0"/>
             </a:endParaRPr>
           </a:p>
+          <a:p>
+            <a:pPr algn="just"/>
+            <a:r>
+              <a:rPr lang="pt-BR" sz="3200" dirty="0">
+                <a:latin typeface="Roboto" pitchFamily="2" charset="0"/>
+                <a:ea typeface="Roboto" pitchFamily="2" charset="0"/>
+              </a:rPr>
+              <a:t>Implementação da família de colunas </a:t>
+            </a:r>
+            <a:r>
+              <a:rPr lang="pt-BR" sz="3200" dirty="0" err="1" smtClean="0">
+                <a:latin typeface="Roboto" pitchFamily="2" charset="0"/>
+                <a:ea typeface="Roboto" pitchFamily="2" charset="0"/>
+              </a:rPr>
+              <a:t>NoSQL</a:t>
+            </a:r>
+            <a:r>
+              <a:rPr lang="pt-BR" sz="3200" dirty="0" smtClean="0">
+                <a:latin typeface="Roboto" pitchFamily="2" charset="0"/>
+                <a:ea typeface="Roboto" pitchFamily="2" charset="0"/>
+              </a:rPr>
+              <a:t>;</a:t>
+            </a:r>
+            <a:endParaRPr lang="pt-BR" sz="3200" dirty="0">
+              <a:latin typeface="Roboto" pitchFamily="2" charset="0"/>
+              <a:ea typeface="Roboto" pitchFamily="2" charset="0"/>
+            </a:endParaRPr>
+          </a:p>
+          <a:p>
+            <a:pPr algn="just"/>
+            <a:r>
+              <a:rPr lang="pt-BR" sz="3200" dirty="0">
+                <a:latin typeface="Roboto" pitchFamily="2" charset="0"/>
+                <a:ea typeface="Roboto" pitchFamily="2" charset="0"/>
+              </a:rPr>
+              <a:t>Rendimento de gravação muito alto e bom rendimento de </a:t>
+            </a:r>
+            <a:r>
+              <a:rPr lang="pt-BR" sz="3200" dirty="0" smtClean="0">
+                <a:latin typeface="Roboto" pitchFamily="2" charset="0"/>
+                <a:ea typeface="Roboto" pitchFamily="2" charset="0"/>
+              </a:rPr>
+              <a:t>leitura;</a:t>
+            </a:r>
+            <a:endParaRPr lang="pt-BR" sz="3200" dirty="0">
+              <a:latin typeface="Roboto" pitchFamily="2" charset="0"/>
+              <a:ea typeface="Roboto" pitchFamily="2" charset="0"/>
+            </a:endParaRPr>
+          </a:p>
+          <a:p>
+            <a:pPr algn="just"/>
+            <a:r>
+              <a:rPr lang="pt-BR" sz="3200" dirty="0">
+                <a:latin typeface="Roboto" pitchFamily="2" charset="0"/>
+                <a:ea typeface="Roboto" pitchFamily="2" charset="0"/>
+              </a:rPr>
+              <a:t>Linguagem de consulta semelhante a SQL (desde 0.8) e suporte para procura por índices </a:t>
+            </a:r>
+            <a:r>
+              <a:rPr lang="pt-BR" sz="3200" dirty="0" smtClean="0">
+                <a:latin typeface="Roboto" pitchFamily="2" charset="0"/>
+                <a:ea typeface="Roboto" pitchFamily="2" charset="0"/>
+              </a:rPr>
+              <a:t>secundários;</a:t>
+            </a:r>
+            <a:endParaRPr lang="pt-BR" sz="3200" dirty="0">
+              <a:latin typeface="Roboto" pitchFamily="2" charset="0"/>
+              <a:ea typeface="Roboto" pitchFamily="2" charset="0"/>
+            </a:endParaRPr>
+          </a:p>
+          <a:p>
+            <a:pPr algn="just"/>
+            <a:r>
+              <a:rPr lang="pt-BR" sz="3200" dirty="0">
+                <a:latin typeface="Roboto" pitchFamily="2" charset="0"/>
+                <a:ea typeface="Roboto" pitchFamily="2" charset="0"/>
+              </a:rPr>
+              <a:t>Consistência ajustável e suporte para </a:t>
+            </a:r>
+            <a:r>
+              <a:rPr lang="pt-BR" sz="3200" dirty="0" smtClean="0">
+                <a:latin typeface="Roboto" pitchFamily="2" charset="0"/>
+                <a:ea typeface="Roboto" pitchFamily="2" charset="0"/>
+              </a:rPr>
+              <a:t>replicação;</a:t>
+            </a:r>
+            <a:endParaRPr lang="pt-BR" sz="3200" dirty="0">
+              <a:latin typeface="Roboto" pitchFamily="2" charset="0"/>
+              <a:ea typeface="Roboto" pitchFamily="2" charset="0"/>
+            </a:endParaRPr>
+          </a:p>
+          <a:p>
+            <a:pPr algn="just"/>
+            <a:r>
+              <a:rPr lang="pt-BR" sz="3200" dirty="0">
+                <a:latin typeface="Roboto" pitchFamily="2" charset="0"/>
+                <a:ea typeface="Roboto" pitchFamily="2" charset="0"/>
+              </a:rPr>
+              <a:t>Esquema </a:t>
+            </a:r>
+            <a:r>
+              <a:rPr lang="pt-BR" sz="3200" dirty="0" smtClean="0">
+                <a:latin typeface="Roboto" pitchFamily="2" charset="0"/>
+                <a:ea typeface="Roboto" pitchFamily="2" charset="0"/>
+              </a:rPr>
+              <a:t>flexível;</a:t>
+            </a:r>
+            <a:endParaRPr lang="pt-BR" sz="3200" dirty="0">
+              <a:latin typeface="Roboto" pitchFamily="2" charset="0"/>
+              <a:ea typeface="Roboto" pitchFamily="2" charset="0"/>
+            </a:endParaRPr>
+          </a:p>
         </p:txBody>
       </p:sp>
     </p:spTree>
     <p:extLst>
       <p:ext uri="{BB962C8B-B14F-4D97-AF65-F5344CB8AC3E}">
-        <p14:creationId xmlns:p14="http://schemas.microsoft.com/office/powerpoint/2010/main" xmlns="" val="1805970655"/>
+        <p14:creationId xmlns:p14="http://schemas.microsoft.com/office/powerpoint/2010/main" val="3841440733"/>
       </p:ext>
     </p:extLst>
   </p:cSld>
@@ -24424,7 +24347,278 @@
       </p:grpSpPr>
       <p:sp>
         <p:nvSpPr>
-          <p:cNvPr id="5" name="Title 1"/>
+          <p:cNvPr id="5" name="Content Placeholder 2"/>
+          <p:cNvSpPr>
+            <a:spLocks noGrp="1"/>
+          </p:cNvSpPr>
+          <p:nvPr>
+            <p:ph idx="1"/>
+          </p:nvPr>
+        </p:nvSpPr>
+        <p:spPr>
+          <a:xfrm>
+            <a:off x="483085" y="1428750"/>
+            <a:ext cx="6077190" cy="5429250"/>
+          </a:xfrm>
+        </p:spPr>
+        <p:txBody>
+          <a:bodyPr>
+            <a:normAutofit fontScale="55000" lnSpcReduction="20000"/>
+          </a:bodyPr>
+          <a:lstStyle/>
+          <a:p>
+            <a:pPr algn="just"/>
+            <a:r>
+              <a:rPr lang="pt-BR" sz="2900" b="1" dirty="0">
+                <a:latin typeface="Roboto" pitchFamily="2" charset="0"/>
+                <a:ea typeface="Roboto" pitchFamily="2" charset="0"/>
+              </a:rPr>
+              <a:t>Python:</a:t>
+            </a:r>
+          </a:p>
+          <a:p>
+            <a:pPr lvl="1" algn="just"/>
+            <a:r>
+              <a:rPr lang="pt-BR" sz="2500" dirty="0" err="1">
+                <a:latin typeface="Roboto" pitchFamily="2" charset="0"/>
+                <a:ea typeface="Roboto" pitchFamily="2" charset="0"/>
+              </a:rPr>
+              <a:t>Pycassa</a:t>
+            </a:r>
+            <a:r>
+              <a:rPr lang="pt-BR" sz="2500" dirty="0">
+                <a:latin typeface="Roboto" pitchFamily="2" charset="0"/>
+                <a:ea typeface="Roboto" pitchFamily="2" charset="0"/>
+              </a:rPr>
+              <a:t>: http://github.com/pycassa/pycassa</a:t>
+            </a:r>
+          </a:p>
+          <a:p>
+            <a:pPr algn="just"/>
+            <a:r>
+              <a:rPr lang="pt-BR" sz="3100" b="1" dirty="0" smtClean="0">
+                <a:latin typeface="Roboto" pitchFamily="2" charset="0"/>
+                <a:ea typeface="Roboto" pitchFamily="2" charset="0"/>
+              </a:rPr>
+              <a:t>Java</a:t>
+            </a:r>
+            <a:r>
+              <a:rPr lang="pt-BR" sz="3100" b="1" dirty="0">
+                <a:latin typeface="Roboto" pitchFamily="2" charset="0"/>
+                <a:ea typeface="Roboto" pitchFamily="2" charset="0"/>
+              </a:rPr>
+              <a:t>:</a:t>
+            </a:r>
+          </a:p>
+          <a:p>
+            <a:pPr lvl="1" algn="just"/>
+            <a:r>
+              <a:rPr lang="pt-BR" sz="2500" dirty="0">
+                <a:latin typeface="Roboto" pitchFamily="2" charset="0"/>
+                <a:ea typeface="Roboto" pitchFamily="2" charset="0"/>
+              </a:rPr>
+              <a:t>Hector: http://hector-client.org</a:t>
+            </a:r>
+          </a:p>
+          <a:p>
+            <a:pPr lvl="1" algn="just"/>
+            <a:r>
+              <a:rPr lang="pt-BR" sz="2500" dirty="0" err="1">
+                <a:latin typeface="Roboto" pitchFamily="2" charset="0"/>
+                <a:ea typeface="Roboto" pitchFamily="2" charset="0"/>
+              </a:rPr>
+              <a:t>EasyCassandra</a:t>
+            </a:r>
+            <a:r>
+              <a:rPr lang="pt-BR" sz="2500" dirty="0">
+                <a:latin typeface="Roboto" pitchFamily="2" charset="0"/>
+                <a:ea typeface="Roboto" pitchFamily="2" charset="0"/>
+              </a:rPr>
+              <a:t>: https://</a:t>
+            </a:r>
+            <a:r>
+              <a:rPr lang="pt-BR" sz="2500" dirty="0" smtClean="0">
+                <a:latin typeface="Roboto" pitchFamily="2" charset="0"/>
+                <a:ea typeface="Roboto" pitchFamily="2" charset="0"/>
+              </a:rPr>
+              <a:t>github.com/otaviojava/Easy-Cassandra</a:t>
+            </a:r>
+            <a:endParaRPr lang="pt-BR" sz="2500" b="1" dirty="0">
+              <a:latin typeface="Roboto" pitchFamily="2" charset="0"/>
+              <a:ea typeface="Roboto" pitchFamily="2" charset="0"/>
+            </a:endParaRPr>
+          </a:p>
+          <a:p>
+            <a:pPr algn="just"/>
+            <a:r>
+              <a:rPr lang="pt-BR" sz="2900" b="1" dirty="0">
+                <a:latin typeface="Roboto" pitchFamily="2" charset="0"/>
+                <a:ea typeface="Roboto" pitchFamily="2" charset="0"/>
+              </a:rPr>
+              <a:t>. NET</a:t>
+            </a:r>
+          </a:p>
+          <a:p>
+            <a:pPr lvl="1" algn="just"/>
+            <a:r>
+              <a:rPr lang="pt-BR" sz="2500" dirty="0">
+                <a:latin typeface="Roboto" pitchFamily="2" charset="0"/>
+                <a:ea typeface="Roboto" pitchFamily="2" charset="0"/>
+              </a:rPr>
+              <a:t>Aquiles: http://aquiles.codeplex.com/</a:t>
+            </a:r>
+          </a:p>
+          <a:p>
+            <a:pPr lvl="1" algn="just"/>
+            <a:r>
+              <a:rPr lang="pt-BR" sz="2500" dirty="0" err="1">
+                <a:latin typeface="Roboto" pitchFamily="2" charset="0"/>
+                <a:ea typeface="Roboto" pitchFamily="2" charset="0"/>
+              </a:rPr>
+              <a:t>Cassandraemon</a:t>
+            </a:r>
+            <a:r>
+              <a:rPr lang="pt-BR" sz="2500" dirty="0">
+                <a:latin typeface="Roboto" pitchFamily="2" charset="0"/>
+                <a:ea typeface="Roboto" pitchFamily="2" charset="0"/>
+              </a:rPr>
+              <a:t>: http://cassandraemon.codeplex.com/</a:t>
+            </a:r>
+          </a:p>
+          <a:p>
+            <a:pPr algn="just"/>
+            <a:r>
+              <a:rPr lang="pt-BR" sz="2500" b="1" dirty="0">
+                <a:latin typeface="Roboto" pitchFamily="2" charset="0"/>
+                <a:ea typeface="Roboto" pitchFamily="2" charset="0"/>
+              </a:rPr>
+              <a:t> </a:t>
+            </a:r>
+            <a:r>
+              <a:rPr lang="pt-BR" sz="2900" b="1" dirty="0" err="1">
+                <a:latin typeface="Roboto" pitchFamily="2" charset="0"/>
+                <a:ea typeface="Roboto" pitchFamily="2" charset="0"/>
+              </a:rPr>
+              <a:t>Ruby</a:t>
+            </a:r>
+            <a:r>
+              <a:rPr lang="pt-BR" sz="2900" b="1" dirty="0">
+                <a:latin typeface="Roboto" pitchFamily="2" charset="0"/>
+                <a:ea typeface="Roboto" pitchFamily="2" charset="0"/>
+              </a:rPr>
+              <a:t>:</a:t>
+            </a:r>
+          </a:p>
+          <a:p>
+            <a:pPr lvl="1" algn="just"/>
+            <a:r>
+              <a:rPr lang="pt-BR" sz="2500" dirty="0">
+                <a:latin typeface="Roboto" pitchFamily="2" charset="0"/>
+                <a:ea typeface="Roboto" pitchFamily="2" charset="0"/>
+              </a:rPr>
+              <a:t>Fauna: https://github.com/twitter/cassandra</a:t>
+            </a:r>
+          </a:p>
+          <a:p>
+            <a:pPr algn="just"/>
+            <a:r>
+              <a:rPr lang="pt-BR" sz="2900" b="1" dirty="0">
+                <a:latin typeface="Roboto" pitchFamily="2" charset="0"/>
+                <a:ea typeface="Roboto" pitchFamily="2" charset="0"/>
+              </a:rPr>
+              <a:t> PHP:</a:t>
+            </a:r>
+          </a:p>
+          <a:p>
+            <a:pPr lvl="1" algn="just"/>
+            <a:r>
+              <a:rPr lang="pt-BR" sz="2500" dirty="0">
+                <a:latin typeface="Roboto" pitchFamily="2" charset="0"/>
+                <a:ea typeface="Roboto" pitchFamily="2" charset="0"/>
+              </a:rPr>
+              <a:t>Biblioteca do Cliente Cassandra PHP: https://github.com/kallaspriit/Cassandra-PHP-Client-Library</a:t>
+            </a:r>
+          </a:p>
+          <a:p>
+            <a:pPr lvl="1" algn="just"/>
+            <a:r>
+              <a:rPr lang="pt-BR" sz="2500" dirty="0" err="1">
+                <a:latin typeface="Roboto" pitchFamily="2" charset="0"/>
+                <a:ea typeface="Roboto" pitchFamily="2" charset="0"/>
+              </a:rPr>
+              <a:t>phpcassa</a:t>
+            </a:r>
+            <a:r>
+              <a:rPr lang="pt-BR" sz="2500" dirty="0">
+                <a:latin typeface="Roboto" pitchFamily="2" charset="0"/>
+                <a:ea typeface="Roboto" pitchFamily="2" charset="0"/>
+              </a:rPr>
+              <a:t>: http://github.com/thobbs/phpcassa</a:t>
+            </a:r>
+          </a:p>
+          <a:p>
+            <a:pPr algn="just"/>
+            <a:r>
+              <a:rPr lang="pt-BR" sz="3100" b="1" dirty="0" smtClean="0">
+                <a:latin typeface="Roboto" pitchFamily="2" charset="0"/>
+                <a:ea typeface="Roboto" pitchFamily="2" charset="0"/>
+              </a:rPr>
+              <a:t>C </a:t>
+            </a:r>
+            <a:r>
+              <a:rPr lang="pt-BR" sz="3100" b="1" dirty="0">
+                <a:latin typeface="Roboto" pitchFamily="2" charset="0"/>
+                <a:ea typeface="Roboto" pitchFamily="2" charset="0"/>
+              </a:rPr>
+              <a:t>+ +</a:t>
+            </a:r>
+          </a:p>
+          <a:p>
+            <a:pPr lvl="1" algn="just"/>
+            <a:r>
+              <a:rPr lang="pt-BR" sz="2500" dirty="0">
+                <a:latin typeface="Roboto" pitchFamily="2" charset="0"/>
+                <a:ea typeface="Roboto" pitchFamily="2" charset="0"/>
+              </a:rPr>
+              <a:t>repositório </a:t>
+            </a:r>
+            <a:r>
+              <a:rPr lang="pt-BR" sz="2500" dirty="0" err="1">
+                <a:latin typeface="Roboto" pitchFamily="2" charset="0"/>
+                <a:ea typeface="Roboto" pitchFamily="2" charset="0"/>
+              </a:rPr>
+              <a:t>libQtCassandra</a:t>
+            </a:r>
+            <a:r>
+              <a:rPr lang="pt-BR" sz="2500" dirty="0">
+                <a:latin typeface="Roboto" pitchFamily="2" charset="0"/>
+                <a:ea typeface="Roboto" pitchFamily="2" charset="0"/>
+              </a:rPr>
+              <a:t>: http://sf.net/p/libqtcassandra/</a:t>
+            </a:r>
+          </a:p>
+          <a:p>
+            <a:pPr lvl="1" algn="just"/>
+            <a:r>
+              <a:rPr lang="pt-BR" sz="2500" dirty="0">
+                <a:latin typeface="Roboto" pitchFamily="2" charset="0"/>
+                <a:ea typeface="Roboto" pitchFamily="2" charset="0"/>
+              </a:rPr>
+              <a:t>Home Page, Guia do desenvolvedor: http://snapwebsites.org/project/libqtcassandra</a:t>
+            </a:r>
+          </a:p>
+          <a:p>
+            <a:pPr algn="just"/>
+            <a:endParaRPr lang="pt-BR" sz="2400" dirty="0">
+              <a:latin typeface="Roboto" pitchFamily="2" charset="0"/>
+              <a:ea typeface="Roboto" pitchFamily="2" charset="0"/>
+            </a:endParaRPr>
+          </a:p>
+        </p:txBody>
+      </p:sp>
+      <p:sp>
+        <p:nvSpPr>
+          <p:cNvPr id="8" name="Title 1"/>
           <p:cNvSpPr>
             <a:spLocks noGrp="1"/>
           </p:cNvSpPr>
@@ -24434,7 +24628,7 @@
         </p:nvSpPr>
         <p:spPr>
           <a:xfrm>
-            <a:off x="508133" y="130638"/>
+            <a:off x="508133" y="609600"/>
             <a:ext cx="6449180" cy="1320800"/>
           </a:xfrm>
         </p:spPr>
@@ -24449,7 +24643,7 @@
                 <a:latin typeface="Roboto" pitchFamily="2" charset="0"/>
                 <a:ea typeface="Roboto" pitchFamily="2" charset="0"/>
               </a:rPr>
-              <a:t>Considerações</a:t>
+              <a:t>Clientes de alto nível</a:t>
             </a:r>
             <a:endParaRPr lang="pt-BR" sz="5400" b="1" dirty="0">
               <a:latin typeface="Roboto" pitchFamily="2" charset="0"/>
@@ -24458,166 +24652,10 @@
           </a:p>
         </p:txBody>
       </p:sp>
-      <p:sp>
-        <p:nvSpPr>
-          <p:cNvPr id="7" name="Content Placeholder 2"/>
-          <p:cNvSpPr>
-            <a:spLocks noGrp="1"/>
-          </p:cNvSpPr>
-          <p:nvPr>
-            <p:ph idx="1"/>
-          </p:nvPr>
-        </p:nvSpPr>
-        <p:spPr>
-          <a:xfrm>
-            <a:off x="585426" y="1059552"/>
-            <a:ext cx="6689812" cy="4347791"/>
-          </a:xfrm>
-        </p:spPr>
-        <p:txBody>
-          <a:bodyPr>
-            <a:noAutofit/>
-          </a:bodyPr>
-          <a:lstStyle/>
-          <a:p>
-            <a:pPr algn="just"/>
-            <a:r>
-              <a:rPr lang="pt-BR" sz="3200" dirty="0">
-                <a:latin typeface="Roboto" pitchFamily="2" charset="0"/>
-                <a:ea typeface="Roboto" pitchFamily="2" charset="0"/>
-              </a:rPr>
-              <a:t>Altas escalabilidade e disponibilidade, sem um ponto único de </a:t>
-            </a:r>
-            <a:r>
-              <a:rPr lang="pt-BR" sz="3200" dirty="0" smtClean="0">
-                <a:latin typeface="Roboto" pitchFamily="2" charset="0"/>
-                <a:ea typeface="Roboto" pitchFamily="2" charset="0"/>
-              </a:rPr>
-              <a:t>falha;</a:t>
-            </a:r>
-            <a:endParaRPr lang="pt-BR" sz="3200" dirty="0">
-              <a:latin typeface="Roboto" pitchFamily="2" charset="0"/>
-              <a:ea typeface="Roboto" pitchFamily="2" charset="0"/>
-            </a:endParaRPr>
-          </a:p>
-          <a:p>
-            <a:pPr algn="just"/>
-            <a:r>
-              <a:rPr lang="pt-BR" sz="3200" dirty="0">
-                <a:latin typeface="Roboto" pitchFamily="2" charset="0"/>
-                <a:ea typeface="Roboto" pitchFamily="2" charset="0"/>
-              </a:rPr>
-              <a:t>Implementação da família de colunas </a:t>
-            </a:r>
-            <a:r>
-              <a:rPr lang="pt-BR" sz="3200" dirty="0" err="1" smtClean="0">
-                <a:latin typeface="Roboto" pitchFamily="2" charset="0"/>
-                <a:ea typeface="Roboto" pitchFamily="2" charset="0"/>
-              </a:rPr>
-              <a:t>NoSQL</a:t>
-            </a:r>
-            <a:r>
-              <a:rPr lang="pt-BR" sz="3200" dirty="0" smtClean="0">
-                <a:latin typeface="Roboto" pitchFamily="2" charset="0"/>
-                <a:ea typeface="Roboto" pitchFamily="2" charset="0"/>
-              </a:rPr>
-              <a:t>;</a:t>
-            </a:r>
-            <a:endParaRPr lang="pt-BR" sz="3200" dirty="0">
-              <a:latin typeface="Roboto" pitchFamily="2" charset="0"/>
-              <a:ea typeface="Roboto" pitchFamily="2" charset="0"/>
-            </a:endParaRPr>
-          </a:p>
-          <a:p>
-            <a:pPr algn="just"/>
-            <a:r>
-              <a:rPr lang="pt-BR" sz="3200" dirty="0">
-                <a:latin typeface="Roboto" pitchFamily="2" charset="0"/>
-                <a:ea typeface="Roboto" pitchFamily="2" charset="0"/>
-              </a:rPr>
-              <a:t>Rendimento de gravação muito alto e bom rendimento de </a:t>
-            </a:r>
-            <a:r>
-              <a:rPr lang="pt-BR" sz="3200" dirty="0" smtClean="0">
-                <a:latin typeface="Roboto" pitchFamily="2" charset="0"/>
-                <a:ea typeface="Roboto" pitchFamily="2" charset="0"/>
-              </a:rPr>
-              <a:t>leitura;</a:t>
-            </a:r>
-            <a:endParaRPr lang="pt-BR" sz="3200" dirty="0">
-              <a:latin typeface="Roboto" pitchFamily="2" charset="0"/>
-              <a:ea typeface="Roboto" pitchFamily="2" charset="0"/>
-            </a:endParaRPr>
-          </a:p>
-          <a:p>
-            <a:pPr algn="just"/>
-            <a:r>
-              <a:rPr lang="pt-BR" sz="3200" dirty="0">
-                <a:latin typeface="Roboto" pitchFamily="2" charset="0"/>
-                <a:ea typeface="Roboto" pitchFamily="2" charset="0"/>
-              </a:rPr>
-              <a:t>Linguagem de consulta semelhante a SQL (desde 0.8) e suporte para procura por índices </a:t>
-            </a:r>
-            <a:r>
-              <a:rPr lang="pt-BR" sz="3200" dirty="0" smtClean="0">
-                <a:latin typeface="Roboto" pitchFamily="2" charset="0"/>
-                <a:ea typeface="Roboto" pitchFamily="2" charset="0"/>
-              </a:rPr>
-              <a:t>secundários;</a:t>
-            </a:r>
-            <a:endParaRPr lang="pt-BR" sz="3200" dirty="0">
-              <a:latin typeface="Roboto" pitchFamily="2" charset="0"/>
-              <a:ea typeface="Roboto" pitchFamily="2" charset="0"/>
-            </a:endParaRPr>
-          </a:p>
-          <a:p>
-            <a:pPr algn="just"/>
-            <a:r>
-              <a:rPr lang="pt-BR" sz="3200" dirty="0">
-                <a:latin typeface="Roboto" pitchFamily="2" charset="0"/>
-                <a:ea typeface="Roboto" pitchFamily="2" charset="0"/>
-              </a:rPr>
-              <a:t>Consistência ajustável e suporte para </a:t>
-            </a:r>
-            <a:r>
-              <a:rPr lang="pt-BR" sz="3200" dirty="0" smtClean="0">
-                <a:latin typeface="Roboto" pitchFamily="2" charset="0"/>
-                <a:ea typeface="Roboto" pitchFamily="2" charset="0"/>
-              </a:rPr>
-              <a:t>replicação;</a:t>
-            </a:r>
-            <a:endParaRPr lang="pt-BR" sz="3200" dirty="0">
-              <a:latin typeface="Roboto" pitchFamily="2" charset="0"/>
-              <a:ea typeface="Roboto" pitchFamily="2" charset="0"/>
-            </a:endParaRPr>
-          </a:p>
-          <a:p>
-            <a:pPr algn="just"/>
-            <a:r>
-              <a:rPr lang="pt-BR" sz="3200" dirty="0">
-                <a:latin typeface="Roboto" pitchFamily="2" charset="0"/>
-                <a:ea typeface="Roboto" pitchFamily="2" charset="0"/>
-              </a:rPr>
-              <a:t>Esquema </a:t>
-            </a:r>
-            <a:r>
-              <a:rPr lang="pt-BR" sz="3200" dirty="0" smtClean="0">
-                <a:latin typeface="Roboto" pitchFamily="2" charset="0"/>
-                <a:ea typeface="Roboto" pitchFamily="2" charset="0"/>
-              </a:rPr>
-              <a:t>flexível;</a:t>
-            </a:r>
-            <a:endParaRPr lang="pt-BR" sz="3200" dirty="0">
-              <a:latin typeface="Roboto" pitchFamily="2" charset="0"/>
-              <a:ea typeface="Roboto" pitchFamily="2" charset="0"/>
-            </a:endParaRPr>
-          </a:p>
-        </p:txBody>
-      </p:sp>
     </p:spTree>
     <p:extLst>
       <p:ext uri="{BB962C8B-B14F-4D97-AF65-F5344CB8AC3E}">
-        <p14:creationId xmlns:p14="http://schemas.microsoft.com/office/powerpoint/2010/main" xmlns="" val="3841440733"/>
+        <p14:creationId xmlns:p14="http://schemas.microsoft.com/office/powerpoint/2010/main" val="3369168268"/>
       </p:ext>
     </p:extLst>
   </p:cSld>
@@ -24653,6 +24691,42 @@
       </p:grpSpPr>
       <p:sp>
         <p:nvSpPr>
+          <p:cNvPr id="4" name="Title 1"/>
+          <p:cNvSpPr>
+            <a:spLocks noGrp="1"/>
+          </p:cNvSpPr>
+          <p:nvPr>
+            <p:ph type="title"/>
+          </p:nvPr>
+        </p:nvSpPr>
+        <p:spPr>
+          <a:xfrm>
+            <a:off x="508133" y="609600"/>
+            <a:ext cx="6449180" cy="1320800"/>
+          </a:xfrm>
+        </p:spPr>
+        <p:txBody>
+          <a:bodyPr>
+            <a:normAutofit/>
+          </a:bodyPr>
+          <a:lstStyle/>
+          <a:p>
+            <a:r>
+              <a:rPr lang="pt-BR" sz="5400" b="1" dirty="0" smtClean="0">
+                <a:latin typeface="Roboto" pitchFamily="2" charset="0"/>
+                <a:ea typeface="Roboto" pitchFamily="2" charset="0"/>
+              </a:rPr>
+              <a:t>Referências</a:t>
+            </a:r>
+            <a:endParaRPr lang="pt-BR" sz="5400" b="1" dirty="0">
+              <a:latin typeface="Roboto" pitchFamily="2" charset="0"/>
+              <a:ea typeface="Roboto" pitchFamily="2" charset="0"/>
+            </a:endParaRPr>
+          </a:p>
+        </p:txBody>
+      </p:sp>
+      <p:sp>
+        <p:nvSpPr>
           <p:cNvPr id="5" name="Content Placeholder 2"/>
           <p:cNvSpPr>
             <a:spLocks noGrp="1"/>
@@ -24663,93 +24737,32 @@
         </p:nvSpPr>
         <p:spPr>
           <a:xfrm>
-            <a:off x="483085" y="1428750"/>
-            <a:ext cx="6077190" cy="5429250"/>
+            <a:off x="483085" y="1687132"/>
+            <a:ext cx="6289747" cy="5170868"/>
           </a:xfrm>
         </p:spPr>
         <p:txBody>
           <a:bodyPr>
-            <a:normAutofit fontScale="55000" lnSpcReduction="20000"/>
+            <a:normAutofit/>
           </a:bodyPr>
           <a:lstStyle/>
           <a:p>
             <a:pPr algn="just"/>
             <a:r>
-              <a:rPr lang="pt-BR" sz="2900" b="1" dirty="0">
-                <a:latin typeface="Roboto" pitchFamily="2" charset="0"/>
-                <a:ea typeface="Roboto" pitchFamily="2" charset="0"/>
-              </a:rPr>
-              <a:t>Python:</a:t>
-            </a:r>
-          </a:p>
-          <a:p>
-            <a:pPr lvl="1" algn="just"/>
-            <a:r>
-              <a:rPr lang="pt-BR" sz="2500" dirty="0" err="1">
-                <a:latin typeface="Roboto" pitchFamily="2" charset="0"/>
-                <a:ea typeface="Roboto" pitchFamily="2" charset="0"/>
-              </a:rPr>
-              <a:t>Pycassa</a:t>
-            </a:r>
-            <a:r>
-              <a:rPr lang="pt-BR" sz="2500" dirty="0">
-                <a:latin typeface="Roboto" pitchFamily="2" charset="0"/>
-                <a:ea typeface="Roboto" pitchFamily="2" charset="0"/>
-              </a:rPr>
-              <a:t>: http://github.com/pycassa/pycassa</a:t>
-            </a:r>
-          </a:p>
-          <a:p>
-            <a:pPr algn="just"/>
-            <a:r>
-              <a:rPr lang="pt-BR" sz="3100" b="1" dirty="0" smtClean="0">
-                <a:latin typeface="Roboto" pitchFamily="2" charset="0"/>
-                <a:ea typeface="Roboto" pitchFamily="2" charset="0"/>
-              </a:rPr>
-              <a:t>Java</a:t>
-            </a:r>
-            <a:r>
-              <a:rPr lang="pt-BR" sz="3100" b="1" dirty="0">
-                <a:latin typeface="Roboto" pitchFamily="2" charset="0"/>
-                <a:ea typeface="Roboto" pitchFamily="2" charset="0"/>
-              </a:rPr>
-              <a:t>:</a:t>
-            </a:r>
-          </a:p>
-          <a:p>
-            <a:pPr lvl="1" algn="just"/>
-            <a:r>
-              <a:rPr lang="pt-BR" sz="2500" dirty="0">
-                <a:latin typeface="Roboto" pitchFamily="2" charset="0"/>
-                <a:ea typeface="Roboto" pitchFamily="2" charset="0"/>
-              </a:rPr>
-              <a:t>Hector: http://hector-client.org</a:t>
-            </a:r>
-          </a:p>
-          <a:p>
-            <a:pPr lvl="1" algn="just"/>
-            <a:r>
-              <a:rPr lang="pt-BR" sz="2500" dirty="0" err="1">
-                <a:latin typeface="Roboto" pitchFamily="2" charset="0"/>
-                <a:ea typeface="Roboto" pitchFamily="2" charset="0"/>
-              </a:rPr>
-              <a:t>EasyCassandra</a:t>
-            </a:r>
-            <a:r>
-              <a:rPr lang="pt-BR" sz="2500" dirty="0">
-                <a:latin typeface="Roboto" pitchFamily="2" charset="0"/>
-                <a:ea typeface="Roboto" pitchFamily="2" charset="0"/>
-              </a:rPr>
-              <a:t>: https://</a:t>
-            </a:r>
-            <a:r>
-              <a:rPr lang="pt-BR" sz="2500" dirty="0" smtClean="0">
-                <a:latin typeface="Roboto" pitchFamily="2" charset="0"/>
-                <a:ea typeface="Roboto" pitchFamily="2" charset="0"/>
-              </a:rPr>
-              <a:t>github.com/otaviojava/Easy-Cassandra</a:t>
-            </a:r>
-            <a:endParaRPr lang="pt-BR" sz="2500" b="1" dirty="0">
+              <a:rPr lang="pt-BR" sz="2400" dirty="0">
+                <a:latin typeface="Roboto" pitchFamily="2" charset="0"/>
+                <a:ea typeface="Roboto" pitchFamily="2" charset="0"/>
+              </a:rPr>
+              <a:t>http://</a:t>
+            </a:r>
+            <a:r>
+              <a:rPr lang="pt-BR" sz="2400" dirty="0" smtClean="0">
+                <a:latin typeface="Roboto" pitchFamily="2" charset="0"/>
+                <a:ea typeface="Roboto" pitchFamily="2" charset="0"/>
+              </a:rPr>
+              <a:t>cadmintool.blogspot.com.br/2012/09/o-que-e-nosql.html</a:t>
+            </a:r>
+            <a:endParaRPr lang="pt-BR" sz="2400" dirty="0">
               <a:latin typeface="Roboto" pitchFamily="2" charset="0"/>
               <a:ea typeface="Roboto" pitchFamily="2" charset="0"/>
             </a:endParaRPr>
@@ -24757,161 +24770,57 @@
           <a:p>
             <a:pPr algn="just"/>
             <a:r>
-              <a:rPr lang="pt-BR" sz="2900" b="1" dirty="0">
-                <a:latin typeface="Roboto" pitchFamily="2" charset="0"/>
-                <a:ea typeface="Roboto" pitchFamily="2" charset="0"/>
-              </a:rPr>
-              <a:t>. NET</a:t>
-            </a:r>
-          </a:p>
-          <a:p>
-            <a:pPr lvl="1" algn="just"/>
-            <a:r>
-              <a:rPr lang="pt-BR" sz="2500" dirty="0">
-                <a:latin typeface="Roboto" pitchFamily="2" charset="0"/>
-                <a:ea typeface="Roboto" pitchFamily="2" charset="0"/>
-              </a:rPr>
-              <a:t>Aquiles: http://aquiles.codeplex.com/</a:t>
-            </a:r>
-          </a:p>
-          <a:p>
-            <a:pPr lvl="1" algn="just"/>
-            <a:r>
-              <a:rPr lang="pt-BR" sz="2500" dirty="0" err="1">
-                <a:latin typeface="Roboto" pitchFamily="2" charset="0"/>
-                <a:ea typeface="Roboto" pitchFamily="2" charset="0"/>
-              </a:rPr>
-              <a:t>Cassandraemon</a:t>
-            </a:r>
-            <a:r>
-              <a:rPr lang="pt-BR" sz="2500" dirty="0">
-                <a:latin typeface="Roboto" pitchFamily="2" charset="0"/>
-                <a:ea typeface="Roboto" pitchFamily="2" charset="0"/>
-              </a:rPr>
-              <a:t>: http://cassandraemon.codeplex.com/</a:t>
-            </a:r>
+              <a:rPr lang="pt-BR" sz="2400" dirty="0">
+                <a:latin typeface="Roboto" pitchFamily="2" charset="0"/>
+                <a:ea typeface="Roboto" pitchFamily="2" charset="0"/>
+              </a:rPr>
+              <a:t>http://www.ibm.com/developerworks/br/library/os-apache-cassandra</a:t>
+            </a:r>
+            <a:r>
+              <a:rPr lang="pt-BR" sz="2400" dirty="0" smtClean="0">
+                <a:latin typeface="Roboto" pitchFamily="2" charset="0"/>
+                <a:ea typeface="Roboto" pitchFamily="2" charset="0"/>
+              </a:rPr>
+              <a:t>/</a:t>
+            </a:r>
+            <a:endParaRPr lang="pt-BR" sz="2400" dirty="0">
+              <a:latin typeface="Roboto" pitchFamily="2" charset="0"/>
+              <a:ea typeface="Roboto" pitchFamily="2" charset="0"/>
+            </a:endParaRPr>
           </a:p>
           <a:p>
             <a:pPr algn="just"/>
             <a:r>
-              <a:rPr lang="pt-BR" sz="2500" b="1" dirty="0">
-                <a:latin typeface="Roboto" pitchFamily="2" charset="0"/>
-                <a:ea typeface="Roboto" pitchFamily="2" charset="0"/>
-              </a:rPr>
-              <a:t> </a:t>
-            </a:r>
-            <a:r>
-              <a:rPr lang="pt-BR" sz="2900" b="1" dirty="0" err="1">
-                <a:latin typeface="Roboto" pitchFamily="2" charset="0"/>
-                <a:ea typeface="Roboto" pitchFamily="2" charset="0"/>
-              </a:rPr>
-              <a:t>Ruby</a:t>
-            </a:r>
-            <a:r>
-              <a:rPr lang="pt-BR" sz="2900" b="1" dirty="0">
-                <a:latin typeface="Roboto" pitchFamily="2" charset="0"/>
-                <a:ea typeface="Roboto" pitchFamily="2" charset="0"/>
-              </a:rPr>
-              <a:t>:</a:t>
-            </a:r>
-          </a:p>
-          <a:p>
-            <a:pPr lvl="1" algn="just"/>
-            <a:r>
-              <a:rPr lang="pt-BR" sz="2500" dirty="0">
-                <a:latin typeface="Roboto" pitchFamily="2" charset="0"/>
-                <a:ea typeface="Roboto" pitchFamily="2" charset="0"/>
-              </a:rPr>
-              <a:t>Fauna: https://github.com/twitter/cassandra</a:t>
+              <a:rPr lang="pt-BR" sz="2400" dirty="0">
+                <a:latin typeface="Roboto" pitchFamily="2" charset="0"/>
+                <a:ea typeface="Roboto" pitchFamily="2" charset="0"/>
+              </a:rPr>
+              <a:t>http://imasters.com.br/artigo/17043/banco-de-dados/nosql-voce-realmente-sabe-do-que-estamos-falando/</a:t>
             </a:r>
           </a:p>
           <a:p>
             <a:pPr algn="just"/>
             <a:r>
-              <a:rPr lang="pt-BR" sz="2900" b="1" dirty="0">
-                <a:latin typeface="Roboto" pitchFamily="2" charset="0"/>
-                <a:ea typeface="Roboto" pitchFamily="2" charset="0"/>
-              </a:rPr>
-              <a:t> PHP:</a:t>
-            </a:r>
-          </a:p>
-          <a:p>
-            <a:pPr lvl="1" algn="just"/>
-            <a:r>
-              <a:rPr lang="pt-BR" sz="2500" dirty="0">
-                <a:latin typeface="Roboto" pitchFamily="2" charset="0"/>
-                <a:ea typeface="Roboto" pitchFamily="2" charset="0"/>
-              </a:rPr>
-              <a:t>Biblioteca do Cliente Cassandra PHP: https://github.com/kallaspriit/Cassandra-PHP-Client-Library</a:t>
-            </a:r>
-          </a:p>
-          <a:p>
-            <a:pPr lvl="1" algn="just"/>
-            <a:r>
-              <a:rPr lang="pt-BR" sz="2500" dirty="0" err="1">
-                <a:latin typeface="Roboto" pitchFamily="2" charset="0"/>
-                <a:ea typeface="Roboto" pitchFamily="2" charset="0"/>
-              </a:rPr>
-              <a:t>phpcassa</a:t>
-            </a:r>
-            <a:r>
-              <a:rPr lang="pt-BR" sz="2500" dirty="0">
-                <a:latin typeface="Roboto" pitchFamily="2" charset="0"/>
-                <a:ea typeface="Roboto" pitchFamily="2" charset="0"/>
-              </a:rPr>
-              <a:t>: http://github.com/thobbs/phpcassa</a:t>
+              <a:rPr lang="pt-BR" sz="2400" dirty="0" smtClean="0">
+                <a:latin typeface="Roboto" pitchFamily="2" charset="0"/>
+                <a:ea typeface="Roboto" pitchFamily="2" charset="0"/>
+              </a:rPr>
+              <a:t>http://cassandraufg.wordpress.com</a:t>
             </a:r>
           </a:p>
           <a:p>
             <a:pPr algn="just"/>
             <a:r>
-              <a:rPr lang="pt-BR" sz="3100" b="1" dirty="0" smtClean="0">
-                <a:latin typeface="Roboto" pitchFamily="2" charset="0"/>
-                <a:ea typeface="Roboto" pitchFamily="2" charset="0"/>
-              </a:rPr>
-              <a:t>C </a:t>
-            </a:r>
-            <a:r>
-              <a:rPr lang="pt-BR" sz="3100" b="1" dirty="0">
-                <a:latin typeface="Roboto" pitchFamily="2" charset="0"/>
-                <a:ea typeface="Roboto" pitchFamily="2" charset="0"/>
-              </a:rPr>
-              <a:t>+ +</a:t>
-            </a:r>
-          </a:p>
-          <a:p>
-            <a:pPr lvl="1" algn="just"/>
-            <a:r>
-              <a:rPr lang="pt-BR" sz="2500" dirty="0">
-                <a:latin typeface="Roboto" pitchFamily="2" charset="0"/>
-                <a:ea typeface="Roboto" pitchFamily="2" charset="0"/>
-              </a:rPr>
-              <a:t>repositório </a:t>
-            </a:r>
-            <a:r>
-              <a:rPr lang="pt-BR" sz="2500" dirty="0" err="1">
-                <a:latin typeface="Roboto" pitchFamily="2" charset="0"/>
-                <a:ea typeface="Roboto" pitchFamily="2" charset="0"/>
-              </a:rPr>
-              <a:t>libQtCassandra</a:t>
-            </a:r>
-            <a:r>
-              <a:rPr lang="pt-BR" sz="2500" dirty="0">
-                <a:latin typeface="Roboto" pitchFamily="2" charset="0"/>
-                <a:ea typeface="Roboto" pitchFamily="2" charset="0"/>
-              </a:rPr>
-              <a:t>: http://sf.net/p/libqtcassandra/</a:t>
-            </a:r>
-          </a:p>
-          <a:p>
-            <a:pPr lvl="1" algn="just"/>
-            <a:r>
-              <a:rPr lang="pt-BR" sz="2500" dirty="0">
-                <a:latin typeface="Roboto" pitchFamily="2" charset="0"/>
-                <a:ea typeface="Roboto" pitchFamily="2" charset="0"/>
-              </a:rPr>
-              <a:t>Home Page, Guia do desenvolvedor: http://snapwebsites.org/project/libqtcassandra</a:t>
-            </a:r>
+              <a:rPr lang="pt-BR" sz="2400" dirty="0" smtClean="0">
+                <a:latin typeface="Roboto" pitchFamily="2" charset="0"/>
+                <a:ea typeface="Roboto" pitchFamily="2" charset="0"/>
+              </a:rPr>
+              <a:t>http://pt.scribd.com/doc/73007407/6/Principais-Caracteristicas-NoSQL</a:t>
+            </a:r>
+            <a:endParaRPr lang="pt-BR" sz="2400" dirty="0">
+              <a:latin typeface="Roboto" pitchFamily="2" charset="0"/>
+              <a:ea typeface="Roboto" pitchFamily="2" charset="0"/>
+            </a:endParaRPr>
           </a:p>
           <a:p>
             <a:pPr algn="just"/>
@@ -24922,46 +24831,10 @@
           </a:p>
         </p:txBody>
       </p:sp>
-      <p:sp>
-        <p:nvSpPr>
-          <p:cNvPr id="8" name="Title 1"/>
-          <p:cNvSpPr>
-            <a:spLocks noGrp="1"/>
-          </p:cNvSpPr>
-          <p:nvPr>
-            <p:ph type="title"/>
-          </p:nvPr>
-        </p:nvSpPr>
-        <p:spPr>
-          <a:xfrm>
-            <a:off x="508133" y="609600"/>
-            <a:ext cx="6449180" cy="1320800"/>
-          </a:xfrm>
-        </p:spPr>
-        <p:txBody>
-          <a:bodyPr>
-            <a:normAutofit/>
-          </a:bodyPr>
-          <a:lstStyle/>
-          <a:p>
-            <a:r>
-              <a:rPr lang="pt-BR" sz="5400" b="1" dirty="0" smtClean="0">
-                <a:latin typeface="Roboto" pitchFamily="2" charset="0"/>
-                <a:ea typeface="Roboto" pitchFamily="2" charset="0"/>
-              </a:rPr>
-              <a:t>Clientes de alto nível</a:t>
-            </a:r>
-            <a:endParaRPr lang="pt-BR" sz="5400" b="1" dirty="0">
-              <a:latin typeface="Roboto" pitchFamily="2" charset="0"/>
-              <a:ea typeface="Roboto" pitchFamily="2" charset="0"/>
-            </a:endParaRPr>
-          </a:p>
-        </p:txBody>
-      </p:sp>
     </p:spTree>
     <p:extLst>
       <p:ext uri="{BB962C8B-B14F-4D97-AF65-F5344CB8AC3E}">
-        <p14:creationId xmlns:p14="http://schemas.microsoft.com/office/powerpoint/2010/main" xmlns="" val="3369168268"/>
+        <p14:creationId xmlns:p14="http://schemas.microsoft.com/office/powerpoint/2010/main" val="810362333"/>
       </p:ext>
     </p:extLst>
   </p:cSld>
@@ -25052,7 +24925,7 @@
           <a:blip r:embed="rId2">
             <a:extLst>
               <a:ext uri="{28A0092B-C50C-407E-A947-70E740481C1C}">
-                <a14:useLocalDpi xmlns:a14="http://schemas.microsoft.com/office/drawing/2010/main" xmlns="" val="0"/>
+                <a14:useLocalDpi xmlns:a14="http://schemas.microsoft.com/office/drawing/2010/main" val="0"/>
               </a:ext>
             </a:extLst>
           </a:blip>
@@ -25071,7 +24944,7 @@
           <a:noFill/>
           <a:extLst>
             <a:ext uri="{909E8E84-426E-40DD-AFC4-6F175D3DCCD1}">
-              <a14:hiddenFill xmlns:a14="http://schemas.microsoft.com/office/drawing/2010/main" xmlns="">
+              <a14:hiddenFill xmlns:a14="http://schemas.microsoft.com/office/drawing/2010/main">
                 <a:solidFill>
                   <a:srgbClr val="FFFFFF"/>
                 </a:solidFill>
@@ -25083,7 +24956,7 @@
     </p:spTree>
     <p:extLst>
       <p:ext uri="{BB962C8B-B14F-4D97-AF65-F5344CB8AC3E}">
-        <p14:creationId xmlns:p14="http://schemas.microsoft.com/office/powerpoint/2010/main" xmlns="" val="2541859042"/>
+        <p14:creationId xmlns:p14="http://schemas.microsoft.com/office/powerpoint/2010/main" val="2541859042"/>
       </p:ext>
     </p:extLst>
   </p:cSld>
@@ -25117,185 +24990,6 @@
           <a:chExt cx="0" cy="0"/>
         </a:xfrm>
       </p:grpSpPr>
-      <p:sp>
-        <p:nvSpPr>
-          <p:cNvPr id="4" name="Title 1"/>
-          <p:cNvSpPr>
-            <a:spLocks noGrp="1"/>
-          </p:cNvSpPr>
-          <p:nvPr>
-            <p:ph type="title"/>
-          </p:nvPr>
-        </p:nvSpPr>
-        <p:spPr>
-          <a:xfrm>
-            <a:off x="508133" y="609600"/>
-            <a:ext cx="6449180" cy="1320800"/>
-          </a:xfrm>
-        </p:spPr>
-        <p:txBody>
-          <a:bodyPr>
-            <a:normAutofit/>
-          </a:bodyPr>
-          <a:lstStyle/>
-          <a:p>
-            <a:r>
-              <a:rPr lang="pt-BR" sz="5400" b="1" dirty="0" smtClean="0">
-                <a:latin typeface="Roboto" pitchFamily="2" charset="0"/>
-                <a:ea typeface="Roboto" pitchFamily="2" charset="0"/>
-              </a:rPr>
-              <a:t>Referências</a:t>
-            </a:r>
-            <a:endParaRPr lang="pt-BR" sz="5400" b="1" dirty="0">
-              <a:latin typeface="Roboto" pitchFamily="2" charset="0"/>
-              <a:ea typeface="Roboto" pitchFamily="2" charset="0"/>
-            </a:endParaRPr>
-          </a:p>
-        </p:txBody>
-      </p:sp>
-      <p:sp>
-        <p:nvSpPr>
-          <p:cNvPr id="5" name="Content Placeholder 2"/>
-          <p:cNvSpPr>
-            <a:spLocks noGrp="1"/>
-          </p:cNvSpPr>
-          <p:nvPr>
-            <p:ph idx="1"/>
-          </p:nvPr>
-        </p:nvSpPr>
-        <p:spPr>
-          <a:xfrm>
-            <a:off x="483085" y="1687132"/>
-            <a:ext cx="6289747" cy="5170868"/>
-          </a:xfrm>
-        </p:spPr>
-        <p:txBody>
-          <a:bodyPr>
-            <a:normAutofit/>
-          </a:bodyPr>
-          <a:lstStyle/>
-          <a:p>
-            <a:pPr algn="just"/>
-            <a:r>
-              <a:rPr lang="pt-BR" sz="2400" dirty="0">
-                <a:latin typeface="Roboto" pitchFamily="2" charset="0"/>
-                <a:ea typeface="Roboto" pitchFamily="2" charset="0"/>
-              </a:rPr>
-              <a:t>http://</a:t>
-            </a:r>
-            <a:r>
-              <a:rPr lang="pt-BR" sz="2400" dirty="0" smtClean="0">
-                <a:latin typeface="Roboto" pitchFamily="2" charset="0"/>
-                <a:ea typeface="Roboto" pitchFamily="2" charset="0"/>
-              </a:rPr>
-              <a:t>cadmintool.blogspot.com.br/2012/09/o-que-e-nosql.html</a:t>
-            </a:r>
-            <a:endParaRPr lang="pt-BR" sz="2400" dirty="0">
-              <a:latin typeface="Roboto" pitchFamily="2" charset="0"/>
-              <a:ea typeface="Roboto" pitchFamily="2" charset="0"/>
-            </a:endParaRPr>
-          </a:p>
-          <a:p>
-            <a:pPr algn="just"/>
-            <a:r>
-              <a:rPr lang="pt-BR" sz="2400" dirty="0">
-                <a:latin typeface="Roboto" pitchFamily="2" charset="0"/>
-                <a:ea typeface="Roboto" pitchFamily="2" charset="0"/>
-              </a:rPr>
-              <a:t>http://www.ibm.com/developerworks/br/library/os-apache-cassandra</a:t>
-            </a:r>
-            <a:r>
-              <a:rPr lang="pt-BR" sz="2400" dirty="0" smtClean="0">
-                <a:latin typeface="Roboto" pitchFamily="2" charset="0"/>
-                <a:ea typeface="Roboto" pitchFamily="2" charset="0"/>
-              </a:rPr>
-              <a:t>/</a:t>
-            </a:r>
-            <a:endParaRPr lang="pt-BR" sz="2400" dirty="0">
-              <a:latin typeface="Roboto" pitchFamily="2" charset="0"/>
-              <a:ea typeface="Roboto" pitchFamily="2" charset="0"/>
-            </a:endParaRPr>
-          </a:p>
-          <a:p>
-            <a:pPr algn="just"/>
-            <a:r>
-              <a:rPr lang="pt-BR" sz="2400" dirty="0">
-                <a:latin typeface="Roboto" pitchFamily="2" charset="0"/>
-                <a:ea typeface="Roboto" pitchFamily="2" charset="0"/>
-              </a:rPr>
-              <a:t>http://imasters.com.br/artigo/17043/banco-de-dados/nosql-voce-realmente-sabe-do-que-estamos-falando/</a:t>
-            </a:r>
-          </a:p>
-          <a:p>
-            <a:pPr algn="just"/>
-            <a:r>
-              <a:rPr lang="pt-BR" sz="2400" dirty="0" smtClean="0">
-                <a:latin typeface="Roboto" pitchFamily="2" charset="0"/>
-                <a:ea typeface="Roboto" pitchFamily="2" charset="0"/>
-              </a:rPr>
-              <a:t>http://cassandraufg.wordpress.com</a:t>
-            </a:r>
-          </a:p>
-          <a:p>
-            <a:pPr algn="just"/>
-            <a:r>
-              <a:rPr lang="pt-BR" sz="2400" dirty="0" smtClean="0">
-                <a:latin typeface="Roboto" pitchFamily="2" charset="0"/>
-                <a:ea typeface="Roboto" pitchFamily="2" charset="0"/>
-              </a:rPr>
-              <a:t>http://pt.scribd.com/doc/73007407/6/Principais-Caracteristicas-NoSQL</a:t>
-            </a:r>
-            <a:endParaRPr lang="pt-BR" sz="2400" dirty="0">
-              <a:latin typeface="Roboto" pitchFamily="2" charset="0"/>
-              <a:ea typeface="Roboto" pitchFamily="2" charset="0"/>
-            </a:endParaRPr>
-          </a:p>
-          <a:p>
-            <a:pPr algn="just"/>
-            <a:endParaRPr lang="pt-BR" sz="2400" dirty="0">
-              <a:latin typeface="Roboto" pitchFamily="2" charset="0"/>
-              <a:ea typeface="Roboto" pitchFamily="2" charset="0"/>
-            </a:endParaRPr>
-          </a:p>
-        </p:txBody>
-      </p:sp>
-    </p:spTree>
-    <p:extLst>
-      <p:ext uri="{BB962C8B-B14F-4D97-AF65-F5344CB8AC3E}">
-        <p14:creationId xmlns:p14="http://schemas.microsoft.com/office/powerpoint/2010/main" xmlns="" val="810362333"/>
-      </p:ext>
-    </p:extLst>
-  </p:cSld>
-  <p:clrMapOvr>
-    <a:masterClrMapping/>
-  </p:clrMapOvr>
-  <p:timing>
-    <p:tnLst>
-      <p:par>
-        <p:cTn id="1" dur="indefinite" restart="never" nodeType="tmRoot"/>
-      </p:par>
-    </p:tnLst>
-  </p:timing>
-</p:sld>
-</file>
-
-<file path=ppt/slides/slide31.xml><?xml version="1.0" encoding="utf-8"?>
-<p:sld xmlns:a="http://schemas.openxmlformats.org/drawingml/2006/main" xmlns:r="http://schemas.openxmlformats.org/officeDocument/2006/relationships" xmlns:p="http://schemas.openxmlformats.org/presentationml/2006/main">
-  <p:cSld>
-    <p:spTree>
-      <p:nvGrpSpPr>
-        <p:cNvPr id="1" name=""/>
-        <p:cNvGrpSpPr/>
-        <p:nvPr/>
-      </p:nvGrpSpPr>
-      <p:grpSpPr>
-        <a:xfrm>
-          <a:off x="0" y="0"/>
-          <a:ext cx="0" cy="0"/>
-          <a:chOff x="0" y="0"/>
-          <a:chExt cx="0" cy="0"/>
-        </a:xfrm>
-      </p:grpSpPr>
       <p:pic>
         <p:nvPicPr>
           <p:cNvPr id="1026" name="Picture 2" descr="C:\Users\Rodrigo\Desktop\tirinha98.png"/>
@@ -25327,6 +25021,13 @@
   <p:clrMapOvr>
     <a:masterClrMapping/>
   </p:clrMapOvr>
+  <p:timing>
+    <p:tnLst>
+      <p:par>
+        <p:cTn id="1" dur="indefinite" restart="never" nodeType="tmRoot"/>
+      </p:par>
+    </p:tnLst>
+  </p:timing>
 </p:sld>
 </file>
 
@@ -25602,7 +25303,7 @@
           <a:blip r:embed="rId2">
             <a:extLst>
               <a:ext uri="{28A0092B-C50C-407E-A947-70E740481C1C}">
-                <a14:useLocalDpi xmlns:a14="http://schemas.microsoft.com/office/drawing/2010/main" xmlns="" val="0"/>
+                <a14:useLocalDpi xmlns:a14="http://schemas.microsoft.com/office/drawing/2010/main" val="0"/>
               </a:ext>
             </a:extLst>
           </a:blip>
@@ -25623,7 +25324,7 @@
     </p:spTree>
     <p:extLst>
       <p:ext uri="{BB962C8B-B14F-4D97-AF65-F5344CB8AC3E}">
-        <p14:creationId xmlns:p14="http://schemas.microsoft.com/office/powerpoint/2010/main" xmlns="" val="2541859042"/>
+        <p14:creationId xmlns:p14="http://schemas.microsoft.com/office/powerpoint/2010/main" val="2541859042"/>
       </p:ext>
     </p:extLst>
   </p:cSld>
@@ -25866,7 +25567,7 @@
     </p:spTree>
     <p:extLst>
       <p:ext uri="{BB962C8B-B14F-4D97-AF65-F5344CB8AC3E}">
-        <p14:creationId xmlns:p14="http://schemas.microsoft.com/office/powerpoint/2010/main" xmlns="" val="2414154864"/>
+        <p14:creationId xmlns:p14="http://schemas.microsoft.com/office/powerpoint/2010/main" val="2414154864"/>
       </p:ext>
     </p:extLst>
   </p:cSld>
@@ -25959,7 +25660,7 @@
           <a:lstStyle/>
           <a:p>
             <a:r>
-              <a:rPr lang="pt-BR" sz="3600" b="1" dirty="0" smtClean="0">
+              <a:rPr lang="pt-BR" sz="3200" b="1" dirty="0" smtClean="0">
                 <a:latin typeface="Roboto" pitchFamily="2" charset="0"/>
                 <a:ea typeface="Roboto" pitchFamily="2" charset="0"/>
               </a:rPr>
@@ -25968,14 +25669,14 @@
           </a:p>
           <a:p>
             <a:r>
-              <a:rPr lang="pt-BR" sz="3600" b="1" dirty="0">
+              <a:rPr lang="pt-BR" sz="3200" b="1" dirty="0">
                 <a:latin typeface="Roboto" pitchFamily="2" charset="0"/>
                 <a:ea typeface="Roboto" pitchFamily="2" charset="0"/>
               </a:rPr>
               <a:t>D</a:t>
             </a:r>
             <a:r>
-              <a:rPr lang="pt-BR" sz="3600" b="1" dirty="0" smtClean="0">
+              <a:rPr lang="pt-BR" sz="3200" b="1" dirty="0" smtClean="0">
                 <a:latin typeface="Roboto" pitchFamily="2" charset="0"/>
                 <a:ea typeface="Roboto" pitchFamily="2" charset="0"/>
               </a:rPr>
@@ -25994,14 +25695,14 @@
           </a:p>
           <a:p>
             <a:r>
-              <a:rPr lang="pt-BR" sz="3600" b="1" dirty="0" err="1" smtClean="0">
+              <a:rPr lang="pt-BR" sz="3200" b="1" dirty="0" err="1" smtClean="0">
                 <a:latin typeface="Roboto" pitchFamily="2" charset="0"/>
                 <a:ea typeface="Roboto" pitchFamily="2" charset="0"/>
               </a:rPr>
               <a:t>NoSQL</a:t>
             </a:r>
             <a:r>
-              <a:rPr lang="pt-BR" sz="3600" b="1" dirty="0" smtClean="0">
+              <a:rPr lang="pt-BR" sz="3200" b="1" dirty="0" smtClean="0">
                 <a:latin typeface="Roboto" pitchFamily="2" charset="0"/>
                 <a:ea typeface="Roboto" pitchFamily="2" charset="0"/>
               </a:rPr>
@@ -26037,7 +25738,7 @@
     </p:spTree>
     <p:extLst>
       <p:ext uri="{BB962C8B-B14F-4D97-AF65-F5344CB8AC3E}">
-        <p14:creationId xmlns:p14="http://schemas.microsoft.com/office/powerpoint/2010/main" xmlns="" val="2081040233"/>
+        <p14:creationId xmlns:p14="http://schemas.microsoft.com/office/powerpoint/2010/main" val="2081040233"/>
       </p:ext>
     </p:extLst>
   </p:cSld>
@@ -26210,7 +25911,7 @@
     </p:spTree>
     <p:extLst>
       <p:ext uri="{BB962C8B-B14F-4D97-AF65-F5344CB8AC3E}">
-        <p14:creationId xmlns:p14="http://schemas.microsoft.com/office/powerpoint/2010/main" xmlns="" val="2081040233"/>
+        <p14:creationId xmlns:p14="http://schemas.microsoft.com/office/powerpoint/2010/main" val="2081040233"/>
       </p:ext>
     </p:extLst>
   </p:cSld>
@@ -26532,7 +26233,7 @@
     </p:spTree>
     <p:extLst>
       <p:ext uri="{BB962C8B-B14F-4D97-AF65-F5344CB8AC3E}">
-        <p14:creationId xmlns:p14="http://schemas.microsoft.com/office/powerpoint/2010/main" xmlns="" val="2447366456"/>
+        <p14:creationId xmlns:p14="http://schemas.microsoft.com/office/powerpoint/2010/main" val="2447366456"/>
       </p:ext>
     </p:extLst>
   </p:cSld>
@@ -26609,7 +26310,7 @@
           <a:blip r:embed="rId2">
             <a:extLst>
               <a:ext uri="{28A0092B-C50C-407E-A947-70E740481C1C}">
-                <a14:useLocalDpi xmlns:a14="http://schemas.microsoft.com/office/drawing/2010/main" xmlns="" val="0"/>
+                <a14:useLocalDpi xmlns:a14="http://schemas.microsoft.com/office/drawing/2010/main" val="0"/>
               </a:ext>
             </a:extLst>
           </a:blip>
@@ -26639,7 +26340,7 @@
           <a:blip r:embed="rId3">
             <a:extLst>
               <a:ext uri="{28A0092B-C50C-407E-A947-70E740481C1C}">
-                <a14:useLocalDpi xmlns:a14="http://schemas.microsoft.com/office/drawing/2010/main" xmlns="" val="0"/>
+                <a14:useLocalDpi xmlns:a14="http://schemas.microsoft.com/office/drawing/2010/main" val="0"/>
               </a:ext>
             </a:extLst>
           </a:blip>
@@ -26669,7 +26370,7 @@
           <a:blip r:embed="rId4">
             <a:extLst>
               <a:ext uri="{28A0092B-C50C-407E-A947-70E740481C1C}">
-                <a14:useLocalDpi xmlns:a14="http://schemas.microsoft.com/office/drawing/2010/main" xmlns="" val="0"/>
+                <a14:useLocalDpi xmlns:a14="http://schemas.microsoft.com/office/drawing/2010/main" val="0"/>
               </a:ext>
             </a:extLst>
           </a:blip>
@@ -26699,7 +26400,7 @@
           <a:blip r:embed="rId5">
             <a:extLst>
               <a:ext uri="{28A0092B-C50C-407E-A947-70E740481C1C}">
-                <a14:useLocalDpi xmlns:a14="http://schemas.microsoft.com/office/drawing/2010/main" xmlns="" val="0"/>
+                <a14:useLocalDpi xmlns:a14="http://schemas.microsoft.com/office/drawing/2010/main" val="0"/>
               </a:ext>
             </a:extLst>
           </a:blip>
@@ -26729,7 +26430,7 @@
           <a:blip r:embed="rId6">
             <a:extLst>
               <a:ext uri="{28A0092B-C50C-407E-A947-70E740481C1C}">
-                <a14:useLocalDpi xmlns:a14="http://schemas.microsoft.com/office/drawing/2010/main" xmlns="" val="0"/>
+                <a14:useLocalDpi xmlns:a14="http://schemas.microsoft.com/office/drawing/2010/main" val="0"/>
               </a:ext>
             </a:extLst>
           </a:blip>
@@ -26759,7 +26460,7 @@
           <a:blip r:embed="rId7">
             <a:extLst>
               <a:ext uri="{28A0092B-C50C-407E-A947-70E740481C1C}">
-                <a14:useLocalDpi xmlns:a14="http://schemas.microsoft.com/office/drawing/2010/main" xmlns="" val="0"/>
+                <a14:useLocalDpi xmlns:a14="http://schemas.microsoft.com/office/drawing/2010/main" val="0"/>
               </a:ext>
             </a:extLst>
           </a:blip>
@@ -26789,7 +26490,7 @@
           <a:blip r:embed="rId8">
             <a:extLst>
               <a:ext uri="{28A0092B-C50C-407E-A947-70E740481C1C}">
-                <a14:useLocalDpi xmlns:a14="http://schemas.microsoft.com/office/drawing/2010/main" xmlns="" val="0"/>
+                <a14:useLocalDpi xmlns:a14="http://schemas.microsoft.com/office/drawing/2010/main" val="0"/>
               </a:ext>
             </a:extLst>
           </a:blip>
@@ -26819,7 +26520,7 @@
           <a:blip r:embed="rId9">
             <a:extLst>
               <a:ext uri="{28A0092B-C50C-407E-A947-70E740481C1C}">
-                <a14:useLocalDpi xmlns:a14="http://schemas.microsoft.com/office/drawing/2010/main" xmlns="" val="0"/>
+                <a14:useLocalDpi xmlns:a14="http://schemas.microsoft.com/office/drawing/2010/main" val="0"/>
               </a:ext>
             </a:extLst>
           </a:blip>
@@ -26849,7 +26550,7 @@
           <a:blip r:embed="rId10">
             <a:extLst>
               <a:ext uri="{28A0092B-C50C-407E-A947-70E740481C1C}">
-                <a14:useLocalDpi xmlns:a14="http://schemas.microsoft.com/office/drawing/2010/main" xmlns="" val="0"/>
+                <a14:useLocalDpi xmlns:a14="http://schemas.microsoft.com/office/drawing/2010/main" val="0"/>
               </a:ext>
             </a:extLst>
           </a:blip>
@@ -26879,7 +26580,7 @@
           <a:blip r:embed="rId11">
             <a:extLst>
               <a:ext uri="{28A0092B-C50C-407E-A947-70E740481C1C}">
-                <a14:useLocalDpi xmlns:a14="http://schemas.microsoft.com/office/drawing/2010/main" xmlns="" val="0"/>
+                <a14:useLocalDpi xmlns:a14="http://schemas.microsoft.com/office/drawing/2010/main" val="0"/>
               </a:ext>
             </a:extLst>
           </a:blip>
@@ -26909,7 +26610,7 @@
           <a:blip r:embed="rId12">
             <a:extLst>
               <a:ext uri="{28A0092B-C50C-407E-A947-70E740481C1C}">
-                <a14:useLocalDpi xmlns:a14="http://schemas.microsoft.com/office/drawing/2010/main" xmlns="" val="0"/>
+                <a14:useLocalDpi xmlns:a14="http://schemas.microsoft.com/office/drawing/2010/main" val="0"/>
               </a:ext>
             </a:extLst>
           </a:blip>
@@ -26930,7 +26631,7 @@
     </p:spTree>
     <p:extLst>
       <p:ext uri="{BB962C8B-B14F-4D97-AF65-F5344CB8AC3E}">
-        <p14:creationId xmlns:p14="http://schemas.microsoft.com/office/powerpoint/2010/main" xmlns="" val="844575892"/>
+        <p14:creationId xmlns:p14="http://schemas.microsoft.com/office/powerpoint/2010/main" val="844575892"/>
       </p:ext>
     </p:extLst>
   </p:cSld>
@@ -27138,7 +26839,7 @@
   <a:extraClrSchemeLst/>
   <a:extLst>
     <a:ext uri="{05A4C25C-085E-4340-85A3-A5531E510DB2}">
-      <thm15:themeFamily xmlns:thm15="http://schemas.microsoft.com/office/thememl/2012/main" xmlns="" name="Facet" id="{C0C680CD-088A-49FC-A102-D699147F32B2}" vid="{0B5AB586-D108-4FC1-8368-649FE654B894}"/>
+      <thm15:themeFamily xmlns:thm15="http://schemas.microsoft.com/office/thememl/2012/main" name="Facet" id="{C0C680CD-088A-49FC-A102-D699147F32B2}" vid="{0B5AB586-D108-4FC1-8368-649FE654B894}"/>
     </a:ext>
   </a:extLst>
 </a:theme>
